--- a/008/lesson_8.pptx
+++ b/008/lesson_8.pptx
@@ -5,44 +5,47 @@
     <p:sldMasterId id="2147483668" r:id="rId1"/>
   </p:sldMasterIdLst>
   <p:notesMasterIdLst>
-    <p:notesMasterId r:id="rId12"/>
+    <p:notesMasterId r:id="rId15"/>
   </p:notesMasterIdLst>
   <p:sldIdLst>
     <p:sldId id="256" r:id="rId2"/>
     <p:sldId id="297" r:id="rId3"/>
-    <p:sldId id="316" r:id="rId4"/>
-    <p:sldId id="327" r:id="rId5"/>
-    <p:sldId id="329" r:id="rId6"/>
-    <p:sldId id="322" r:id="rId7"/>
-    <p:sldId id="328" r:id="rId8"/>
-    <p:sldId id="330" r:id="rId9"/>
-    <p:sldId id="331" r:id="rId10"/>
-    <p:sldId id="278" r:id="rId11"/>
+    <p:sldId id="327" r:id="rId4"/>
+    <p:sldId id="329" r:id="rId5"/>
+    <p:sldId id="322" r:id="rId6"/>
+    <p:sldId id="328" r:id="rId7"/>
+    <p:sldId id="330" r:id="rId8"/>
+    <p:sldId id="331" r:id="rId9"/>
+    <p:sldId id="332" r:id="rId10"/>
+    <p:sldId id="316" r:id="rId11"/>
+    <p:sldId id="333" r:id="rId12"/>
+    <p:sldId id="334" r:id="rId13"/>
+    <p:sldId id="278" r:id="rId14"/>
   </p:sldIdLst>
   <p:sldSz cx="12192000" cy="6858000"/>
   <p:notesSz cx="6858000" cy="9144000"/>
   <p:embeddedFontLst>
     <p:embeddedFont>
       <p:font typeface="Abril Fatface" panose="02000503000000020003" pitchFamily="2" charset="0"/>
-      <p:regular r:id="rId13"/>
+      <p:regular r:id="rId16"/>
     </p:embeddedFont>
     <p:embeddedFont>
-      <p:font typeface="Aldrich" panose="02000000000000000000" pitchFamily="2" charset="0"/>
-      <p:regular r:id="rId14"/>
+      <p:font typeface="Aldrich" panose="020B0604020202020204" charset="0"/>
+      <p:regular r:id="rId17"/>
     </p:embeddedFont>
     <p:embeddedFont>
       <p:font typeface="Roboto" panose="02000000000000000000" pitchFamily="2" charset="0"/>
-      <p:regular r:id="rId15"/>
-      <p:bold r:id="rId16"/>
-      <p:italic r:id="rId17"/>
-      <p:boldItalic r:id="rId18"/>
+      <p:regular r:id="rId18"/>
+      <p:bold r:id="rId19"/>
+      <p:italic r:id="rId20"/>
+      <p:boldItalic r:id="rId21"/>
     </p:embeddedFont>
     <p:embeddedFont>
       <p:font typeface="Roboto Mono" panose="00000009000000000000" pitchFamily="49" charset="0"/>
-      <p:regular r:id="rId19"/>
-      <p:bold r:id="rId20"/>
-      <p:italic r:id="rId21"/>
-      <p:boldItalic r:id="rId22"/>
+      <p:regular r:id="rId22"/>
+      <p:bold r:id="rId23"/>
+      <p:italic r:id="rId24"/>
+      <p:boldItalic r:id="rId25"/>
     </p:embeddedFont>
   </p:embeddedFontLst>
   <p:defaultTextStyle>
@@ -841,6 +844,328 @@
 </p:notes>
 </file>
 
+<file path=ppt/notesSlides/notesSlide10.xml><?xml version="1.0" encoding="utf-8"?>
+<p:notes xmlns:a="http://schemas.openxmlformats.org/drawingml/2006/main" xmlns:r="http://schemas.openxmlformats.org/officeDocument/2006/relationships" xmlns:p="http://schemas.openxmlformats.org/presentationml/2006/main" showMasterSp="0" showMasterPhAnim="0">
+  <p:cSld>
+    <p:spTree>
+      <p:nvGrpSpPr>
+        <p:cNvPr id="1" name="Shape 436"/>
+        <p:cNvGrpSpPr/>
+        <p:nvPr/>
+      </p:nvGrpSpPr>
+      <p:grpSpPr>
+        <a:xfrm>
+          <a:off x="0" y="0"/>
+          <a:ext cx="0" cy="0"/>
+          <a:chOff x="0" y="0"/>
+          <a:chExt cx="0" cy="0"/>
+        </a:xfrm>
+      </p:grpSpPr>
+      <p:sp>
+        <p:nvSpPr>
+          <p:cNvPr id="437" name="Google Shape;437;ga073618e60_0_106:notes"/>
+          <p:cNvSpPr>
+            <a:spLocks noGrp="1" noRot="1" noChangeAspect="1"/>
+          </p:cNvSpPr>
+          <p:nvPr>
+            <p:ph type="sldImg" idx="2"/>
+          </p:nvPr>
+        </p:nvSpPr>
+        <p:spPr>
+          <a:xfrm>
+            <a:off x="381000" y="685800"/>
+            <a:ext cx="6096000" cy="3429000"/>
+          </a:xfrm>
+          <a:custGeom>
+            <a:avLst/>
+            <a:gdLst/>
+            <a:ahLst/>
+            <a:cxnLst/>
+            <a:rect l="l" t="t" r="r" b="b"/>
+            <a:pathLst>
+              <a:path w="120000" h="120000" extrusionOk="0">
+                <a:moveTo>
+                  <a:pt x="0" y="0"/>
+                </a:moveTo>
+                <a:lnTo>
+                  <a:pt x="120000" y="0"/>
+                </a:lnTo>
+                <a:lnTo>
+                  <a:pt x="120000" y="120000"/>
+                </a:lnTo>
+                <a:lnTo>
+                  <a:pt x="0" y="120000"/>
+                </a:lnTo>
+                <a:close/>
+              </a:path>
+            </a:pathLst>
+          </a:custGeom>
+        </p:spPr>
+      </p:sp>
+      <p:sp>
+        <p:nvSpPr>
+          <p:cNvPr id="438" name="Google Shape;438;ga073618e60_0_106:notes"/>
+          <p:cNvSpPr txBox="1">
+            <a:spLocks noGrp="1"/>
+          </p:cNvSpPr>
+          <p:nvPr>
+            <p:ph type="body" idx="1"/>
+          </p:nvPr>
+        </p:nvSpPr>
+        <p:spPr>
+          <a:xfrm>
+            <a:off x="685800" y="4343400"/>
+            <a:ext cx="5486400" cy="4114800"/>
+          </a:xfrm>
+          <a:prstGeom prst="rect">
+            <a:avLst/>
+          </a:prstGeom>
+        </p:spPr>
+        <p:txBody>
+          <a:bodyPr spcFirstLastPara="1" wrap="square" lIns="91425" tIns="91425" rIns="91425" bIns="91425" anchor="t" anchorCtr="0">
+            <a:noAutofit/>
+          </a:bodyPr>
+          <a:lstStyle/>
+          <a:p>
+            <a:pPr marL="0" lvl="0" indent="0" algn="l" rtl="0">
+              <a:spcBef>
+                <a:spcPts val="0"/>
+              </a:spcBef>
+              <a:spcAft>
+                <a:spcPts val="0"/>
+              </a:spcAft>
+              <a:buNone/>
+            </a:pPr>
+            <a:endParaRPr/>
+          </a:p>
+        </p:txBody>
+      </p:sp>
+    </p:spTree>
+    <p:extLst>
+      <p:ext uri="{BB962C8B-B14F-4D97-AF65-F5344CB8AC3E}">
+        <p14:creationId xmlns:p14="http://schemas.microsoft.com/office/powerpoint/2010/main" val="222837815"/>
+      </p:ext>
+    </p:extLst>
+  </p:cSld>
+  <p:clrMapOvr>
+    <a:masterClrMapping/>
+  </p:clrMapOvr>
+</p:notes>
+</file>
+
+<file path=ppt/notesSlides/notesSlide11.xml><?xml version="1.0" encoding="utf-8"?>
+<p:notes xmlns:a="http://schemas.openxmlformats.org/drawingml/2006/main" xmlns:r="http://schemas.openxmlformats.org/officeDocument/2006/relationships" xmlns:p="http://schemas.openxmlformats.org/presentationml/2006/main" showMasterSp="0" showMasterPhAnim="0">
+  <p:cSld>
+    <p:spTree>
+      <p:nvGrpSpPr>
+        <p:cNvPr id="1" name="Shape 436"/>
+        <p:cNvGrpSpPr/>
+        <p:nvPr/>
+      </p:nvGrpSpPr>
+      <p:grpSpPr>
+        <a:xfrm>
+          <a:off x="0" y="0"/>
+          <a:ext cx="0" cy="0"/>
+          <a:chOff x="0" y="0"/>
+          <a:chExt cx="0" cy="0"/>
+        </a:xfrm>
+      </p:grpSpPr>
+      <p:sp>
+        <p:nvSpPr>
+          <p:cNvPr id="437" name="Google Shape;437;ga073618e60_0_106:notes"/>
+          <p:cNvSpPr>
+            <a:spLocks noGrp="1" noRot="1" noChangeAspect="1"/>
+          </p:cNvSpPr>
+          <p:nvPr>
+            <p:ph type="sldImg" idx="2"/>
+          </p:nvPr>
+        </p:nvSpPr>
+        <p:spPr>
+          <a:xfrm>
+            <a:off x="381000" y="685800"/>
+            <a:ext cx="6096000" cy="3429000"/>
+          </a:xfrm>
+          <a:custGeom>
+            <a:avLst/>
+            <a:gdLst/>
+            <a:ahLst/>
+            <a:cxnLst/>
+            <a:rect l="l" t="t" r="r" b="b"/>
+            <a:pathLst>
+              <a:path w="120000" h="120000" extrusionOk="0">
+                <a:moveTo>
+                  <a:pt x="0" y="0"/>
+                </a:moveTo>
+                <a:lnTo>
+                  <a:pt x="120000" y="0"/>
+                </a:lnTo>
+                <a:lnTo>
+                  <a:pt x="120000" y="120000"/>
+                </a:lnTo>
+                <a:lnTo>
+                  <a:pt x="0" y="120000"/>
+                </a:lnTo>
+                <a:close/>
+              </a:path>
+            </a:pathLst>
+          </a:custGeom>
+        </p:spPr>
+      </p:sp>
+      <p:sp>
+        <p:nvSpPr>
+          <p:cNvPr id="438" name="Google Shape;438;ga073618e60_0_106:notes"/>
+          <p:cNvSpPr txBox="1">
+            <a:spLocks noGrp="1"/>
+          </p:cNvSpPr>
+          <p:nvPr>
+            <p:ph type="body" idx="1"/>
+          </p:nvPr>
+        </p:nvSpPr>
+        <p:spPr>
+          <a:xfrm>
+            <a:off x="685800" y="4343400"/>
+            <a:ext cx="5486400" cy="4114800"/>
+          </a:xfrm>
+          <a:prstGeom prst="rect">
+            <a:avLst/>
+          </a:prstGeom>
+        </p:spPr>
+        <p:txBody>
+          <a:bodyPr spcFirstLastPara="1" wrap="square" lIns="91425" tIns="91425" rIns="91425" bIns="91425" anchor="t" anchorCtr="0">
+            <a:noAutofit/>
+          </a:bodyPr>
+          <a:lstStyle/>
+          <a:p>
+            <a:pPr marL="0" lvl="0" indent="0" algn="l" rtl="0">
+              <a:spcBef>
+                <a:spcPts val="0"/>
+              </a:spcBef>
+              <a:spcAft>
+                <a:spcPts val="0"/>
+              </a:spcAft>
+              <a:buNone/>
+            </a:pPr>
+            <a:endParaRPr/>
+          </a:p>
+        </p:txBody>
+      </p:sp>
+    </p:spTree>
+    <p:extLst>
+      <p:ext uri="{BB962C8B-B14F-4D97-AF65-F5344CB8AC3E}">
+        <p14:creationId xmlns:p14="http://schemas.microsoft.com/office/powerpoint/2010/main" val="2362629242"/>
+      </p:ext>
+    </p:extLst>
+  </p:cSld>
+  <p:clrMapOvr>
+    <a:masterClrMapping/>
+  </p:clrMapOvr>
+</p:notes>
+</file>
+
+<file path=ppt/notesSlides/notesSlide12.xml><?xml version="1.0" encoding="utf-8"?>
+<p:notes xmlns:a="http://schemas.openxmlformats.org/drawingml/2006/main" xmlns:r="http://schemas.openxmlformats.org/officeDocument/2006/relationships" xmlns:p="http://schemas.openxmlformats.org/presentationml/2006/main" showMasterSp="0" showMasterPhAnim="0">
+  <p:cSld>
+    <p:spTree>
+      <p:nvGrpSpPr>
+        <p:cNvPr id="1" name="Shape 862"/>
+        <p:cNvGrpSpPr/>
+        <p:nvPr/>
+      </p:nvGrpSpPr>
+      <p:grpSpPr>
+        <a:xfrm>
+          <a:off x="0" y="0"/>
+          <a:ext cx="0" cy="0"/>
+          <a:chOff x="0" y="0"/>
+          <a:chExt cx="0" cy="0"/>
+        </a:xfrm>
+      </p:grpSpPr>
+      <p:sp>
+        <p:nvSpPr>
+          <p:cNvPr id="863" name="Google Shape;863;ga073618e60_0_910:notes"/>
+          <p:cNvSpPr>
+            <a:spLocks noGrp="1" noRot="1" noChangeAspect="1"/>
+          </p:cNvSpPr>
+          <p:nvPr>
+            <p:ph type="sldImg" idx="2"/>
+          </p:nvPr>
+        </p:nvSpPr>
+        <p:spPr>
+          <a:xfrm>
+            <a:off x="381000" y="685800"/>
+            <a:ext cx="6096000" cy="3429000"/>
+          </a:xfrm>
+          <a:custGeom>
+            <a:avLst/>
+            <a:gdLst/>
+            <a:ahLst/>
+            <a:cxnLst/>
+            <a:rect l="l" t="t" r="r" b="b"/>
+            <a:pathLst>
+              <a:path w="120000" h="120000" extrusionOk="0">
+                <a:moveTo>
+                  <a:pt x="0" y="0"/>
+                </a:moveTo>
+                <a:lnTo>
+                  <a:pt x="120000" y="0"/>
+                </a:lnTo>
+                <a:lnTo>
+                  <a:pt x="120000" y="120000"/>
+                </a:lnTo>
+                <a:lnTo>
+                  <a:pt x="0" y="120000"/>
+                </a:lnTo>
+                <a:close/>
+              </a:path>
+            </a:pathLst>
+          </a:custGeom>
+        </p:spPr>
+      </p:sp>
+      <p:sp>
+        <p:nvSpPr>
+          <p:cNvPr id="864" name="Google Shape;864;ga073618e60_0_910:notes"/>
+          <p:cNvSpPr txBox="1">
+            <a:spLocks noGrp="1"/>
+          </p:cNvSpPr>
+          <p:nvPr>
+            <p:ph type="body" idx="1"/>
+          </p:nvPr>
+        </p:nvSpPr>
+        <p:spPr>
+          <a:xfrm>
+            <a:off x="685800" y="4343400"/>
+            <a:ext cx="5486400" cy="4114800"/>
+          </a:xfrm>
+          <a:prstGeom prst="rect">
+            <a:avLst/>
+          </a:prstGeom>
+        </p:spPr>
+        <p:txBody>
+          <a:bodyPr spcFirstLastPara="1" wrap="square" lIns="91425" tIns="91425" rIns="91425" bIns="91425" anchor="t" anchorCtr="0">
+            <a:noAutofit/>
+          </a:bodyPr>
+          <a:lstStyle/>
+          <a:p>
+            <a:pPr marL="0" lvl="0" indent="0" algn="l" rtl="0">
+              <a:spcBef>
+                <a:spcPts val="0"/>
+              </a:spcBef>
+              <a:spcAft>
+                <a:spcPts val="0"/>
+              </a:spcAft>
+              <a:buNone/>
+            </a:pPr>
+            <a:endParaRPr/>
+          </a:p>
+        </p:txBody>
+      </p:sp>
+    </p:spTree>
+  </p:cSld>
+  <p:clrMapOvr>
+    <a:masterClrMapping/>
+  </p:clrMapOvr>
+</p:notes>
+</file>
+
 <file path=ppt/notesSlides/notesSlide2.xml><?xml version="1.0" encoding="utf-8"?>
 <p:notes xmlns:a="http://schemas.openxmlformats.org/drawingml/2006/main" xmlns:r="http://schemas.openxmlformats.org/officeDocument/2006/relationships" xmlns:p="http://schemas.openxmlformats.org/presentationml/2006/main" showMasterSp="0" showMasterPhAnim="0">
   <p:cSld>
@@ -1044,7 +1369,7 @@
     </p:spTree>
     <p:extLst>
       <p:ext uri="{BB962C8B-B14F-4D97-AF65-F5344CB8AC3E}">
-        <p14:creationId xmlns:p14="http://schemas.microsoft.com/office/powerpoint/2010/main" val="2707502455"/>
+        <p14:creationId xmlns:p14="http://schemas.microsoft.com/office/powerpoint/2010/main" val="2645587678"/>
       </p:ext>
     </p:extLst>
   </p:cSld>
@@ -1153,7 +1478,7 @@
     </p:spTree>
     <p:extLst>
       <p:ext uri="{BB962C8B-B14F-4D97-AF65-F5344CB8AC3E}">
-        <p14:creationId xmlns:p14="http://schemas.microsoft.com/office/powerpoint/2010/main" val="2645587678"/>
+        <p14:creationId xmlns:p14="http://schemas.microsoft.com/office/powerpoint/2010/main" val="1308580146"/>
       </p:ext>
     </p:extLst>
   </p:cSld>
@@ -1262,7 +1587,7 @@
     </p:spTree>
     <p:extLst>
       <p:ext uri="{BB962C8B-B14F-4D97-AF65-F5344CB8AC3E}">
-        <p14:creationId xmlns:p14="http://schemas.microsoft.com/office/powerpoint/2010/main" val="1308580146"/>
+        <p14:creationId xmlns:p14="http://schemas.microsoft.com/office/powerpoint/2010/main" val="2581877385"/>
       </p:ext>
     </p:extLst>
   </p:cSld>
@@ -1371,7 +1696,7 @@
     </p:spTree>
     <p:extLst>
       <p:ext uri="{BB962C8B-B14F-4D97-AF65-F5344CB8AC3E}">
-        <p14:creationId xmlns:p14="http://schemas.microsoft.com/office/powerpoint/2010/main" val="2581877385"/>
+        <p14:creationId xmlns:p14="http://schemas.microsoft.com/office/powerpoint/2010/main" val="243558848"/>
       </p:ext>
     </p:extLst>
   </p:cSld>
@@ -1480,7 +1805,7 @@
     </p:spTree>
     <p:extLst>
       <p:ext uri="{BB962C8B-B14F-4D97-AF65-F5344CB8AC3E}">
-        <p14:creationId xmlns:p14="http://schemas.microsoft.com/office/powerpoint/2010/main" val="243558848"/>
+        <p14:creationId xmlns:p14="http://schemas.microsoft.com/office/powerpoint/2010/main" val="3155602715"/>
       </p:ext>
     </p:extLst>
   </p:cSld>
@@ -1589,7 +1914,7 @@
     </p:spTree>
     <p:extLst>
       <p:ext uri="{BB962C8B-B14F-4D97-AF65-F5344CB8AC3E}">
-        <p14:creationId xmlns:p14="http://schemas.microsoft.com/office/powerpoint/2010/main" val="3155602715"/>
+        <p14:creationId xmlns:p14="http://schemas.microsoft.com/office/powerpoint/2010/main" val="4285859915"/>
       </p:ext>
     </p:extLst>
   </p:cSld>
@@ -1604,7 +1929,7 @@
   <p:cSld>
     <p:spTree>
       <p:nvGrpSpPr>
-        <p:cNvPr id="1" name="Shape 862"/>
+        <p:cNvPr id="1" name="Shape 436"/>
         <p:cNvGrpSpPr/>
         <p:nvPr/>
       </p:nvGrpSpPr>
@@ -1618,7 +1943,7 @@
       </p:grpSpPr>
       <p:sp>
         <p:nvSpPr>
-          <p:cNvPr id="863" name="Google Shape;863;ga073618e60_0_910:notes"/>
+          <p:cNvPr id="437" name="Google Shape;437;ga073618e60_0_106:notes"/>
           <p:cNvSpPr>
             <a:spLocks noGrp="1" noRot="1" noChangeAspect="1"/>
           </p:cNvSpPr>
@@ -1659,7 +1984,7 @@
       </p:sp>
       <p:sp>
         <p:nvSpPr>
-          <p:cNvPr id="864" name="Google Shape;864;ga073618e60_0_910:notes"/>
+          <p:cNvPr id="438" name="Google Shape;438;ga073618e60_0_106:notes"/>
           <p:cNvSpPr txBox="1">
             <a:spLocks noGrp="1"/>
           </p:cNvSpPr>
@@ -1696,6 +2021,11 @@
         </p:txBody>
       </p:sp>
     </p:spTree>
+    <p:extLst>
+      <p:ext uri="{BB962C8B-B14F-4D97-AF65-F5344CB8AC3E}">
+        <p14:creationId xmlns:p14="http://schemas.microsoft.com/office/powerpoint/2010/main" val="2707502455"/>
+      </p:ext>
+    </p:extLst>
   </p:cSld>
   <p:clrMapOvr>
     <a:masterClrMapping/>
@@ -9420,7 +9750,7 @@
             </a:pPr>
             <a:fld id="{00000000-1234-1234-1234-123412341234}" type="slidenum">
               <a:rPr lang="en"/>
-              <a:t>‹#›</a:t>
+              <a:t>‹Nr.›</a:t>
             </a:fld>
             <a:endParaRPr/>
           </a:p>
@@ -15741,1080 +16071,6 @@
   <p:cSld>
     <p:spTree>
       <p:nvGrpSpPr>
-        <p:cNvPr id="1" name="Shape 865"/>
-        <p:cNvGrpSpPr/>
-        <p:nvPr/>
-      </p:nvGrpSpPr>
-      <p:grpSpPr>
-        <a:xfrm>
-          <a:off x="0" y="0"/>
-          <a:ext cx="0" cy="0"/>
-          <a:chOff x="0" y="0"/>
-          <a:chExt cx="0" cy="0"/>
-        </a:xfrm>
-      </p:grpSpPr>
-      <p:sp>
-        <p:nvSpPr>
-          <p:cNvPr id="866" name="Google Shape;866;p44"/>
-          <p:cNvSpPr/>
-          <p:nvPr/>
-        </p:nvSpPr>
-        <p:spPr>
-          <a:xfrm>
-            <a:off x="820850" y="1462175"/>
-            <a:ext cx="9234900" cy="3735000"/>
-          </a:xfrm>
-          <a:prstGeom prst="roundRect">
-            <a:avLst>
-              <a:gd name="adj" fmla="val 3539"/>
-            </a:avLst>
-          </a:prstGeom>
-          <a:solidFill>
-            <a:schemeClr val="lt2"/>
-          </a:solidFill>
-          <a:ln>
-            <a:noFill/>
-          </a:ln>
-          <a:effectLst>
-            <a:outerShdw blurRad="63500" sx="102000" sy="102000" algn="ctr" rotWithShape="0">
-              <a:srgbClr val="000000">
-                <a:alpha val="9800"/>
-              </a:srgbClr>
-            </a:outerShdw>
-          </a:effectLst>
-        </p:spPr>
-        <p:txBody>
-          <a:bodyPr spcFirstLastPara="1" wrap="square" lIns="91425" tIns="45700" rIns="91425" bIns="45700" anchor="ctr" anchorCtr="0">
-            <a:noAutofit/>
-          </a:bodyPr>
-          <a:lstStyle/>
-          <a:p>
-            <a:pPr marL="0" marR="0" lvl="0" indent="0" algn="ctr" rtl="0">
-              <a:spcBef>
-                <a:spcPts val="0"/>
-              </a:spcBef>
-              <a:spcAft>
-                <a:spcPts val="0"/>
-              </a:spcAft>
-              <a:buNone/>
-            </a:pPr>
-            <a:endParaRPr sz="1800" b="0" i="0" u="none" strike="noStrike" cap="none">
-              <a:solidFill>
-                <a:srgbClr val="FFFFFF"/>
-              </a:solidFill>
-              <a:latin typeface="Calibri"/>
-              <a:ea typeface="Calibri"/>
-              <a:cs typeface="Calibri"/>
-              <a:sym typeface="Calibri"/>
-            </a:endParaRPr>
-          </a:p>
-        </p:txBody>
-      </p:sp>
-      <p:sp>
-        <p:nvSpPr>
-          <p:cNvPr id="867" name="Google Shape;867;p44"/>
-          <p:cNvSpPr/>
-          <p:nvPr/>
-        </p:nvSpPr>
-        <p:spPr>
-          <a:xfrm>
-            <a:off x="820850" y="1462175"/>
-            <a:ext cx="9234900" cy="3735000"/>
-          </a:xfrm>
-          <a:prstGeom prst="roundRect">
-            <a:avLst>
-              <a:gd name="adj" fmla="val 3539"/>
-            </a:avLst>
-          </a:prstGeom>
-          <a:solidFill>
-            <a:srgbClr val="000000">
-              <a:alpha val="13100"/>
-            </a:srgbClr>
-          </a:solidFill>
-          <a:ln>
-            <a:noFill/>
-          </a:ln>
-        </p:spPr>
-        <p:txBody>
-          <a:bodyPr spcFirstLastPara="1" wrap="square" lIns="91425" tIns="45700" rIns="91425" bIns="45700" anchor="ctr" anchorCtr="0">
-            <a:noAutofit/>
-          </a:bodyPr>
-          <a:lstStyle/>
-          <a:p>
-            <a:pPr marL="0" marR="0" lvl="0" indent="0" algn="ctr" rtl="0">
-              <a:lnSpc>
-                <a:spcPct val="100000"/>
-              </a:lnSpc>
-              <a:spcBef>
-                <a:spcPts val="0"/>
-              </a:spcBef>
-              <a:spcAft>
-                <a:spcPts val="0"/>
-              </a:spcAft>
-              <a:buNone/>
-            </a:pPr>
-            <a:endParaRPr sz="1800">
-              <a:solidFill>
-                <a:srgbClr val="FFFFFF"/>
-              </a:solidFill>
-              <a:latin typeface="Calibri"/>
-              <a:ea typeface="Calibri"/>
-              <a:cs typeface="Calibri"/>
-              <a:sym typeface="Calibri"/>
-            </a:endParaRPr>
-          </a:p>
-        </p:txBody>
-      </p:sp>
-      <p:sp>
-        <p:nvSpPr>
-          <p:cNvPr id="868" name="Google Shape;868;p44"/>
-          <p:cNvSpPr txBox="1">
-            <a:spLocks noGrp="1"/>
-          </p:cNvSpPr>
-          <p:nvPr>
-            <p:ph type="title"/>
-          </p:nvPr>
-        </p:nvSpPr>
-        <p:spPr>
-          <a:xfrm>
-            <a:off x="1123750" y="1964975"/>
-            <a:ext cx="8608200" cy="763500"/>
-          </a:xfrm>
-          <a:prstGeom prst="rect">
-            <a:avLst/>
-          </a:prstGeom>
-        </p:spPr>
-        <p:txBody>
-          <a:bodyPr spcFirstLastPara="1" wrap="square" lIns="121900" tIns="121900" rIns="121900" bIns="121900" anchor="t" anchorCtr="0">
-            <a:noAutofit/>
-          </a:bodyPr>
-          <a:lstStyle/>
-          <a:p>
-            <a:pPr marL="0" lvl="0" indent="0" algn="l" rtl="0">
-              <a:spcBef>
-                <a:spcPts val="0"/>
-              </a:spcBef>
-              <a:spcAft>
-                <a:spcPts val="0"/>
-              </a:spcAft>
-              <a:buNone/>
-            </a:pPr>
-            <a:r>
-              <a:rPr lang="en" sz="5100" dirty="0"/>
-              <a:t>LINKS</a:t>
-            </a:r>
-            <a:endParaRPr sz="5100" dirty="0"/>
-          </a:p>
-        </p:txBody>
-      </p:sp>
-      <p:sp>
-        <p:nvSpPr>
-          <p:cNvPr id="869" name="Google Shape;869;p44"/>
-          <p:cNvSpPr txBox="1">
-            <a:spLocks noGrp="1"/>
-          </p:cNvSpPr>
-          <p:nvPr>
-            <p:ph type="body" idx="1"/>
-          </p:nvPr>
-        </p:nvSpPr>
-        <p:spPr>
-          <a:xfrm>
-            <a:off x="1123894" y="2965625"/>
-            <a:ext cx="8931856" cy="2066400"/>
-          </a:xfrm>
-          <a:prstGeom prst="rect">
-            <a:avLst/>
-          </a:prstGeom>
-        </p:spPr>
-        <p:txBody>
-          <a:bodyPr spcFirstLastPara="1" wrap="square" lIns="121900" tIns="121900" rIns="121900" bIns="121900" anchor="t" anchorCtr="0">
-            <a:noAutofit/>
-          </a:bodyPr>
-          <a:lstStyle/>
-          <a:p>
-            <a:pPr marL="114300" indent="0">
-              <a:buNone/>
-            </a:pPr>
-            <a:r>
-              <a:rPr lang="de-DE" sz="2000" dirty="0">
-                <a:hlinkClick r:id="rId3"/>
-              </a:rPr>
-              <a:t>https://github.com/derech1e/python-beginner-course</a:t>
-            </a:r>
-            <a:endParaRPr lang="de-DE" sz="2000" dirty="0"/>
-          </a:p>
-          <a:p>
-            <a:pPr marL="114300" indent="0">
-              <a:buNone/>
-            </a:pPr>
-            <a:r>
-              <a:rPr lang="de-DE" sz="2000" dirty="0">
-                <a:hlinkClick r:id="rId4"/>
-              </a:rPr>
-              <a:t>https://docs.python.org/3.12/library/turtle.html</a:t>
-            </a:r>
-            <a:endParaRPr lang="de-DE" sz="2000" dirty="0"/>
-          </a:p>
-          <a:p>
-            <a:pPr marL="114300" indent="0">
-              <a:buNone/>
-            </a:pPr>
-            <a:endParaRPr lang="de-DE" sz="2000" dirty="0"/>
-          </a:p>
-          <a:p>
-            <a:pPr marL="114300" indent="0">
-              <a:buNone/>
-            </a:pPr>
-            <a:endParaRPr lang="de-DE" sz="2000" dirty="0"/>
-          </a:p>
-        </p:txBody>
-      </p:sp>
-      <p:grpSp>
-        <p:nvGrpSpPr>
-          <p:cNvPr id="870" name="Google Shape;870;p44"/>
-          <p:cNvGrpSpPr/>
-          <p:nvPr/>
-        </p:nvGrpSpPr>
-        <p:grpSpPr>
-          <a:xfrm>
-            <a:off x="963121" y="1592209"/>
-            <a:ext cx="635280" cy="147600"/>
-            <a:chOff x="2147366" y="4139382"/>
-            <a:chExt cx="635280" cy="147600"/>
-          </a:xfrm>
-        </p:grpSpPr>
-        <p:sp>
-          <p:nvSpPr>
-            <p:cNvPr id="871" name="Google Shape;871;p44"/>
-            <p:cNvSpPr/>
-            <p:nvPr/>
-          </p:nvSpPr>
-          <p:spPr>
-            <a:xfrm>
-              <a:off x="2147366" y="4139382"/>
-              <a:ext cx="147600" cy="147600"/>
-            </a:xfrm>
-            <a:prstGeom prst="ellipse">
-              <a:avLst/>
-            </a:prstGeom>
-            <a:solidFill>
-              <a:schemeClr val="accent4"/>
-            </a:solidFill>
-            <a:ln>
-              <a:noFill/>
-            </a:ln>
-          </p:spPr>
-          <p:txBody>
-            <a:bodyPr spcFirstLastPara="1" wrap="square" lIns="91425" tIns="45700" rIns="91425" bIns="45700" anchor="ctr" anchorCtr="0">
-              <a:noAutofit/>
-            </a:bodyPr>
-            <a:lstStyle/>
-            <a:p>
-              <a:pPr marL="0" marR="0" lvl="0" indent="0" algn="ctr" rtl="0">
-                <a:spcBef>
-                  <a:spcPts val="0"/>
-                </a:spcBef>
-                <a:spcAft>
-                  <a:spcPts val="0"/>
-                </a:spcAft>
-                <a:buNone/>
-              </a:pPr>
-              <a:endParaRPr sz="1800" b="0" i="0" u="none" strike="noStrike" cap="none">
-                <a:solidFill>
-                  <a:srgbClr val="FFFFFF"/>
-                </a:solidFill>
-                <a:latin typeface="Calibri"/>
-                <a:ea typeface="Calibri"/>
-                <a:cs typeface="Calibri"/>
-                <a:sym typeface="Calibri"/>
-              </a:endParaRPr>
-            </a:p>
-          </p:txBody>
-        </p:sp>
-        <p:sp>
-          <p:nvSpPr>
-            <p:cNvPr id="872" name="Google Shape;872;p44"/>
-            <p:cNvSpPr/>
-            <p:nvPr/>
-          </p:nvSpPr>
-          <p:spPr>
-            <a:xfrm>
-              <a:off x="2391206" y="4139382"/>
-              <a:ext cx="147600" cy="147600"/>
-            </a:xfrm>
-            <a:prstGeom prst="ellipse">
-              <a:avLst/>
-            </a:prstGeom>
-            <a:solidFill>
-              <a:schemeClr val="accent5"/>
-            </a:solidFill>
-            <a:ln>
-              <a:noFill/>
-            </a:ln>
-          </p:spPr>
-          <p:txBody>
-            <a:bodyPr spcFirstLastPara="1" wrap="square" lIns="91425" tIns="45700" rIns="91425" bIns="45700" anchor="ctr" anchorCtr="0">
-              <a:noAutofit/>
-            </a:bodyPr>
-            <a:lstStyle/>
-            <a:p>
-              <a:pPr marL="0" marR="0" lvl="0" indent="0" algn="ctr" rtl="0">
-                <a:spcBef>
-                  <a:spcPts val="0"/>
-                </a:spcBef>
-                <a:spcAft>
-                  <a:spcPts val="0"/>
-                </a:spcAft>
-                <a:buNone/>
-              </a:pPr>
-              <a:endParaRPr sz="1800" b="0" i="0" u="none" strike="noStrike" cap="none">
-                <a:solidFill>
-                  <a:srgbClr val="FFFFFF"/>
-                </a:solidFill>
-                <a:latin typeface="Calibri"/>
-                <a:ea typeface="Calibri"/>
-                <a:cs typeface="Calibri"/>
-                <a:sym typeface="Calibri"/>
-              </a:endParaRPr>
-            </a:p>
-          </p:txBody>
-        </p:sp>
-        <p:sp>
-          <p:nvSpPr>
-            <p:cNvPr id="873" name="Google Shape;873;p44"/>
-            <p:cNvSpPr/>
-            <p:nvPr/>
-          </p:nvSpPr>
-          <p:spPr>
-            <a:xfrm>
-              <a:off x="2635046" y="4139382"/>
-              <a:ext cx="147600" cy="147600"/>
-            </a:xfrm>
-            <a:prstGeom prst="ellipse">
-              <a:avLst/>
-            </a:prstGeom>
-            <a:solidFill>
-              <a:schemeClr val="accent6"/>
-            </a:solidFill>
-            <a:ln>
-              <a:noFill/>
-            </a:ln>
-          </p:spPr>
-          <p:txBody>
-            <a:bodyPr spcFirstLastPara="1" wrap="square" lIns="91425" tIns="45700" rIns="91425" bIns="45700" anchor="ctr" anchorCtr="0">
-              <a:noAutofit/>
-            </a:bodyPr>
-            <a:lstStyle/>
-            <a:p>
-              <a:pPr marL="0" marR="0" lvl="0" indent="0" algn="ctr" rtl="0">
-                <a:spcBef>
-                  <a:spcPts val="0"/>
-                </a:spcBef>
-                <a:spcAft>
-                  <a:spcPts val="0"/>
-                </a:spcAft>
-                <a:buNone/>
-              </a:pPr>
-              <a:endParaRPr sz="1800" b="0" i="0" u="none" strike="noStrike" cap="none">
-                <a:solidFill>
-                  <a:srgbClr val="FFFFFF"/>
-                </a:solidFill>
-                <a:latin typeface="Calibri"/>
-                <a:ea typeface="Calibri"/>
-                <a:cs typeface="Calibri"/>
-                <a:sym typeface="Calibri"/>
-              </a:endParaRPr>
-            </a:p>
-          </p:txBody>
-        </p:sp>
-      </p:grpSp>
-    </p:spTree>
-  </p:cSld>
-  <p:clrMapOvr>
-    <a:masterClrMapping/>
-  </p:clrMapOvr>
-  <p:transition>
-    <p:fade/>
-  </p:transition>
-</p:sld>
-</file>
-
-<file path=ppt/slides/slide2.xml><?xml version="1.0" encoding="utf-8"?>
-<p:sld xmlns:a="http://schemas.openxmlformats.org/drawingml/2006/main" xmlns:r="http://schemas.openxmlformats.org/officeDocument/2006/relationships" xmlns:p="http://schemas.openxmlformats.org/presentationml/2006/main">
-  <p:cSld>
-    <p:spTree>
-      <p:nvGrpSpPr>
-        <p:cNvPr id="1" name="Shape 392"/>
-        <p:cNvGrpSpPr/>
-        <p:nvPr/>
-      </p:nvGrpSpPr>
-      <p:grpSpPr>
-        <a:xfrm>
-          <a:off x="0" y="0"/>
-          <a:ext cx="0" cy="0"/>
-          <a:chOff x="0" y="0"/>
-          <a:chExt cx="0" cy="0"/>
-        </a:xfrm>
-      </p:grpSpPr>
-      <p:sp>
-        <p:nvSpPr>
-          <p:cNvPr id="393" name="Google Shape;393;p24"/>
-          <p:cNvSpPr txBox="1">
-            <a:spLocks noGrp="1"/>
-          </p:cNvSpPr>
-          <p:nvPr>
-            <p:ph type="title" idx="5"/>
-          </p:nvPr>
-        </p:nvSpPr>
-        <p:spPr>
-          <a:xfrm>
-            <a:off x="9503275" y="4180200"/>
-            <a:ext cx="2166900" cy="695700"/>
-          </a:xfrm>
-          <a:prstGeom prst="rect">
-            <a:avLst/>
-          </a:prstGeom>
-        </p:spPr>
-        <p:txBody>
-          <a:bodyPr spcFirstLastPara="1" wrap="square" lIns="121900" tIns="121900" rIns="121900" bIns="121900" anchor="t" anchorCtr="0">
-            <a:noAutofit/>
-          </a:bodyPr>
-          <a:lstStyle/>
-          <a:p>
-            <a:pPr marL="0" lvl="0" indent="0" algn="r" rtl="0">
-              <a:spcBef>
-                <a:spcPts val="0"/>
-              </a:spcBef>
-              <a:spcAft>
-                <a:spcPts val="0"/>
-              </a:spcAft>
-              <a:buNone/>
-            </a:pPr>
-            <a:r>
-              <a:rPr lang="en" dirty="0">
-                <a:solidFill>
-                  <a:schemeClr val="accent2"/>
-                </a:solidFill>
-              </a:rPr>
-              <a:t>06</a:t>
-            </a:r>
-            <a:endParaRPr dirty="0">
-              <a:solidFill>
-                <a:schemeClr val="accent2"/>
-              </a:solidFill>
-            </a:endParaRPr>
-          </a:p>
-        </p:txBody>
-      </p:sp>
-      <p:sp>
-        <p:nvSpPr>
-          <p:cNvPr id="394" name="Google Shape;394;p24"/>
-          <p:cNvSpPr txBox="1">
-            <a:spLocks noGrp="1"/>
-          </p:cNvSpPr>
-          <p:nvPr>
-            <p:ph type="title"/>
-          </p:nvPr>
-        </p:nvSpPr>
-        <p:spPr>
-          <a:xfrm>
-            <a:off x="490775" y="523275"/>
-            <a:ext cx="11210400" cy="763500"/>
-          </a:xfrm>
-          <a:prstGeom prst="rect">
-            <a:avLst/>
-          </a:prstGeom>
-        </p:spPr>
-        <p:txBody>
-          <a:bodyPr spcFirstLastPara="1" wrap="square" lIns="121900" tIns="121900" rIns="121900" bIns="121900" anchor="t" anchorCtr="0">
-            <a:noAutofit/>
-          </a:bodyPr>
-          <a:lstStyle/>
-          <a:p>
-            <a:pPr marL="0" lvl="0" indent="0" algn="l" rtl="0">
-              <a:spcBef>
-                <a:spcPts val="0"/>
-              </a:spcBef>
-              <a:spcAft>
-                <a:spcPts val="0"/>
-              </a:spcAft>
-              <a:buNone/>
-            </a:pPr>
-            <a:r>
-              <a:rPr lang="en" dirty="0"/>
-              <a:t>HEUTIGE </a:t>
-            </a:r>
-            <a:r>
-              <a:rPr lang="en" sz="6000" dirty="0">
-                <a:solidFill>
-                  <a:schemeClr val="accent2"/>
-                </a:solidFill>
-              </a:rPr>
-              <a:t>AGENDA.</a:t>
-            </a:r>
-            <a:endParaRPr sz="6000" dirty="0">
-              <a:solidFill>
-                <a:schemeClr val="accent2"/>
-              </a:solidFill>
-            </a:endParaRPr>
-          </a:p>
-        </p:txBody>
-      </p:sp>
-      <p:sp>
-        <p:nvSpPr>
-          <p:cNvPr id="395" name="Google Shape;395;p24"/>
-          <p:cNvSpPr txBox="1">
-            <a:spLocks noGrp="1"/>
-          </p:cNvSpPr>
-          <p:nvPr>
-            <p:ph type="body" idx="1"/>
-          </p:nvPr>
-        </p:nvSpPr>
-        <p:spPr>
-          <a:xfrm>
-            <a:off x="575950" y="2437574"/>
-            <a:ext cx="3294600" cy="1206300"/>
-          </a:xfrm>
-          <a:prstGeom prst="rect">
-            <a:avLst/>
-          </a:prstGeom>
-        </p:spPr>
-        <p:txBody>
-          <a:bodyPr spcFirstLastPara="1" wrap="square" lIns="121900" tIns="121900" rIns="121900" bIns="121900" anchor="ctr" anchorCtr="0">
-            <a:noAutofit/>
-          </a:bodyPr>
-          <a:lstStyle/>
-          <a:p>
-            <a:pPr marL="0" lvl="0" indent="0" algn="l" rtl="0">
-              <a:spcBef>
-                <a:spcPts val="0"/>
-              </a:spcBef>
-              <a:spcAft>
-                <a:spcPts val="2100"/>
-              </a:spcAft>
-              <a:buNone/>
-            </a:pPr>
-            <a:r>
-              <a:rPr lang="en-US" dirty="0">
-                <a:solidFill>
-                  <a:schemeClr val="accent1"/>
-                </a:solidFill>
-              </a:rPr>
-              <a:t>Challenge </a:t>
-            </a:r>
-            <a:r>
-              <a:rPr lang="en" dirty="0"/>
-              <a:t>Listener</a:t>
-            </a:r>
-            <a:endParaRPr dirty="0"/>
-          </a:p>
-        </p:txBody>
-      </p:sp>
-      <p:sp>
-        <p:nvSpPr>
-          <p:cNvPr id="396" name="Google Shape;396;p24"/>
-          <p:cNvSpPr txBox="1">
-            <a:spLocks noGrp="1"/>
-          </p:cNvSpPr>
-          <p:nvPr>
-            <p:ph type="body" idx="2"/>
-          </p:nvPr>
-        </p:nvSpPr>
-        <p:spPr>
-          <a:xfrm>
-            <a:off x="4418613" y="2437574"/>
-            <a:ext cx="3294600" cy="1206300"/>
-          </a:xfrm>
-          <a:prstGeom prst="rect">
-            <a:avLst/>
-          </a:prstGeom>
-        </p:spPr>
-        <p:txBody>
-          <a:bodyPr spcFirstLastPara="1" wrap="square" lIns="121900" tIns="121900" rIns="121900" bIns="121900" anchor="ctr" anchorCtr="0">
-            <a:noAutofit/>
-          </a:bodyPr>
-          <a:lstStyle/>
-          <a:p>
-            <a:pPr marL="0" indent="0">
-              <a:spcAft>
-                <a:spcPts val="2100"/>
-              </a:spcAft>
-              <a:buNone/>
-            </a:pPr>
-            <a:r>
-              <a:rPr lang="en-US" dirty="0">
-                <a:solidFill>
-                  <a:schemeClr val="accent1"/>
-                </a:solidFill>
-              </a:rPr>
-              <a:t>Challenge </a:t>
-            </a:r>
-            <a:r>
-              <a:rPr lang="en-US" dirty="0"/>
-              <a:t>Direction Logic</a:t>
-            </a:r>
-          </a:p>
-        </p:txBody>
-      </p:sp>
-      <p:sp>
-        <p:nvSpPr>
-          <p:cNvPr id="397" name="Google Shape;397;p24"/>
-          <p:cNvSpPr txBox="1">
-            <a:spLocks noGrp="1"/>
-          </p:cNvSpPr>
-          <p:nvPr>
-            <p:ph type="body" idx="3"/>
-          </p:nvPr>
-        </p:nvSpPr>
-        <p:spPr>
-          <a:xfrm>
-            <a:off x="575949" y="4783425"/>
-            <a:ext cx="3398025" cy="1206300"/>
-          </a:xfrm>
-          <a:prstGeom prst="rect">
-            <a:avLst/>
-          </a:prstGeom>
-        </p:spPr>
-        <p:txBody>
-          <a:bodyPr spcFirstLastPara="1" wrap="square" lIns="121900" tIns="121900" rIns="121900" bIns="121900" anchor="ctr" anchorCtr="0">
-            <a:noAutofit/>
-          </a:bodyPr>
-          <a:lstStyle/>
-          <a:p>
-            <a:pPr marL="0" indent="0">
-              <a:spcAft>
-                <a:spcPts val="2100"/>
-              </a:spcAft>
-              <a:buNone/>
-            </a:pPr>
-            <a:r>
-              <a:rPr lang="en-US" dirty="0">
-                <a:solidFill>
-                  <a:schemeClr val="accent1"/>
-                </a:solidFill>
-              </a:rPr>
-              <a:t>Challenge </a:t>
-            </a:r>
-            <a:r>
-              <a:rPr lang="en" dirty="0"/>
-              <a:t>Move </a:t>
-            </a:r>
-            <a:endParaRPr lang="en" dirty="0">
-              <a:solidFill>
-                <a:schemeClr val="accent1"/>
-              </a:solidFill>
-            </a:endParaRPr>
-          </a:p>
-        </p:txBody>
-      </p:sp>
-      <p:sp>
-        <p:nvSpPr>
-          <p:cNvPr id="398" name="Google Shape;398;p24"/>
-          <p:cNvSpPr txBox="1">
-            <a:spLocks noGrp="1"/>
-          </p:cNvSpPr>
-          <p:nvPr>
-            <p:ph type="body" idx="4"/>
-          </p:nvPr>
-        </p:nvSpPr>
-        <p:spPr>
-          <a:xfrm>
-            <a:off x="4418613" y="4783425"/>
-            <a:ext cx="3294600" cy="1206300"/>
-          </a:xfrm>
-          <a:prstGeom prst="rect">
-            <a:avLst/>
-          </a:prstGeom>
-        </p:spPr>
-        <p:txBody>
-          <a:bodyPr spcFirstLastPara="1" wrap="square" lIns="121900" tIns="121900" rIns="121900" bIns="121900" anchor="ctr" anchorCtr="0">
-            <a:noAutofit/>
-          </a:bodyPr>
-          <a:lstStyle/>
-          <a:p>
-            <a:pPr marL="0" indent="0">
-              <a:spcAft>
-                <a:spcPts val="2100"/>
-              </a:spcAft>
-              <a:buNone/>
-            </a:pPr>
-            <a:r>
-              <a:rPr lang="en-US" dirty="0">
-                <a:solidFill>
-                  <a:schemeClr val="accent1"/>
-                </a:solidFill>
-              </a:rPr>
-              <a:t>Challenge </a:t>
-            </a:r>
-            <a:r>
-              <a:rPr lang="en" dirty="0"/>
-              <a:t>Border Logic</a:t>
-            </a:r>
-            <a:r>
-              <a:rPr lang="en" dirty="0">
-                <a:solidFill>
-                  <a:schemeClr val="accent1"/>
-                </a:solidFill>
-              </a:rPr>
-              <a:t> </a:t>
-            </a:r>
-          </a:p>
-        </p:txBody>
-      </p:sp>
-      <p:sp>
-        <p:nvSpPr>
-          <p:cNvPr id="399" name="Google Shape;399;p24"/>
-          <p:cNvSpPr txBox="1">
-            <a:spLocks noGrp="1"/>
-          </p:cNvSpPr>
-          <p:nvPr>
-            <p:ph type="title" idx="5"/>
-          </p:nvPr>
-        </p:nvSpPr>
-        <p:spPr>
-          <a:xfrm>
-            <a:off x="1807075" y="1818000"/>
-            <a:ext cx="2166900" cy="695700"/>
-          </a:xfrm>
-          <a:prstGeom prst="rect">
-            <a:avLst/>
-          </a:prstGeom>
-        </p:spPr>
-        <p:txBody>
-          <a:bodyPr spcFirstLastPara="1" wrap="square" lIns="121900" tIns="121900" rIns="121900" bIns="121900" anchor="t" anchorCtr="0">
-            <a:noAutofit/>
-          </a:bodyPr>
-          <a:lstStyle/>
-          <a:p>
-            <a:pPr marL="0" lvl="0" indent="0" algn="r" rtl="0">
-              <a:spcBef>
-                <a:spcPts val="0"/>
-              </a:spcBef>
-              <a:spcAft>
-                <a:spcPts val="0"/>
-              </a:spcAft>
-              <a:buNone/>
-            </a:pPr>
-            <a:r>
-              <a:rPr lang="en" dirty="0">
-                <a:solidFill>
-                  <a:schemeClr val="accent1"/>
-                </a:solidFill>
-              </a:rPr>
-              <a:t>01</a:t>
-            </a:r>
-            <a:endParaRPr dirty="0">
-              <a:solidFill>
-                <a:schemeClr val="accent1"/>
-              </a:solidFill>
-            </a:endParaRPr>
-          </a:p>
-        </p:txBody>
-      </p:sp>
-      <p:sp>
-        <p:nvSpPr>
-          <p:cNvPr id="400" name="Google Shape;400;p24"/>
-          <p:cNvSpPr txBox="1">
-            <a:spLocks noGrp="1"/>
-          </p:cNvSpPr>
-          <p:nvPr>
-            <p:ph type="body" idx="9"/>
-          </p:nvPr>
-        </p:nvSpPr>
-        <p:spPr>
-          <a:xfrm>
-            <a:off x="8299375" y="2437574"/>
-            <a:ext cx="3401800" cy="1206300"/>
-          </a:xfrm>
-          <a:prstGeom prst="rect">
-            <a:avLst/>
-          </a:prstGeom>
-        </p:spPr>
-        <p:txBody>
-          <a:bodyPr spcFirstLastPara="1" wrap="square" lIns="121900" tIns="121900" rIns="121900" bIns="121900" anchor="ctr" anchorCtr="0">
-            <a:noAutofit/>
-          </a:bodyPr>
-          <a:lstStyle/>
-          <a:p>
-            <a:pPr marL="0" indent="0">
-              <a:spcAft>
-                <a:spcPts val="2100"/>
-              </a:spcAft>
-              <a:buNone/>
-            </a:pPr>
-            <a:r>
-              <a:rPr lang="en-US" dirty="0"/>
-              <a:t>Basics</a:t>
-            </a:r>
-            <a:br>
-              <a:rPr lang="en" dirty="0"/>
-            </a:br>
-            <a:r>
-              <a:rPr lang="en" dirty="0">
-                <a:solidFill>
-                  <a:schemeClr val="accent1"/>
-                </a:solidFill>
-              </a:rPr>
-              <a:t>Enum </a:t>
-            </a:r>
-          </a:p>
-        </p:txBody>
-      </p:sp>
-      <p:sp>
-        <p:nvSpPr>
-          <p:cNvPr id="401" name="Google Shape;401;p24"/>
-          <p:cNvSpPr txBox="1">
-            <a:spLocks noGrp="1"/>
-          </p:cNvSpPr>
-          <p:nvPr>
-            <p:ph type="body" idx="13"/>
-          </p:nvPr>
-        </p:nvSpPr>
-        <p:spPr>
-          <a:xfrm>
-            <a:off x="8299375" y="4783425"/>
-            <a:ext cx="3294600" cy="1206300"/>
-          </a:xfrm>
-          <a:prstGeom prst="rect">
-            <a:avLst/>
-          </a:prstGeom>
-        </p:spPr>
-        <p:txBody>
-          <a:bodyPr spcFirstLastPara="1" wrap="square" lIns="121900" tIns="121900" rIns="121900" bIns="121900" anchor="ctr" anchorCtr="0">
-            <a:noAutofit/>
-          </a:bodyPr>
-          <a:lstStyle/>
-          <a:p>
-            <a:pPr marL="0" indent="0">
-              <a:spcAft>
-                <a:spcPts val="2100"/>
-              </a:spcAft>
-              <a:buNone/>
-            </a:pPr>
-            <a:r>
-              <a:rPr lang="en-US" dirty="0">
-                <a:solidFill>
-                  <a:schemeClr val="accent1"/>
-                </a:solidFill>
-              </a:rPr>
-              <a:t>Challenge </a:t>
-            </a:r>
-            <a:r>
-              <a:rPr lang="en-US" dirty="0"/>
-              <a:t>Food</a:t>
-            </a:r>
-          </a:p>
-        </p:txBody>
-      </p:sp>
-      <p:sp>
-        <p:nvSpPr>
-          <p:cNvPr id="402" name="Google Shape;402;p24"/>
-          <p:cNvSpPr txBox="1">
-            <a:spLocks noGrp="1"/>
-          </p:cNvSpPr>
-          <p:nvPr>
-            <p:ph type="title" idx="5"/>
-          </p:nvPr>
-        </p:nvSpPr>
-        <p:spPr>
-          <a:xfrm>
-            <a:off x="5693275" y="1818000"/>
-            <a:ext cx="2166900" cy="695700"/>
-          </a:xfrm>
-          <a:prstGeom prst="rect">
-            <a:avLst/>
-          </a:prstGeom>
-        </p:spPr>
-        <p:txBody>
-          <a:bodyPr spcFirstLastPara="1" wrap="square" lIns="121900" tIns="121900" rIns="121900" bIns="121900" anchor="t" anchorCtr="0">
-            <a:noAutofit/>
-          </a:bodyPr>
-          <a:lstStyle/>
-          <a:p>
-            <a:pPr marL="0" lvl="0" indent="0" algn="r" rtl="0">
-              <a:spcBef>
-                <a:spcPts val="0"/>
-              </a:spcBef>
-              <a:spcAft>
-                <a:spcPts val="0"/>
-              </a:spcAft>
-              <a:buNone/>
-            </a:pPr>
-            <a:r>
-              <a:rPr lang="en" dirty="0"/>
-              <a:t>02</a:t>
-            </a:r>
-            <a:endParaRPr dirty="0"/>
-          </a:p>
-        </p:txBody>
-      </p:sp>
-      <p:sp>
-        <p:nvSpPr>
-          <p:cNvPr id="403" name="Google Shape;403;p24"/>
-          <p:cNvSpPr txBox="1">
-            <a:spLocks noGrp="1"/>
-          </p:cNvSpPr>
-          <p:nvPr>
-            <p:ph type="title" idx="5"/>
-          </p:nvPr>
-        </p:nvSpPr>
-        <p:spPr>
-          <a:xfrm>
-            <a:off x="9503275" y="1818000"/>
-            <a:ext cx="2166900" cy="695700"/>
-          </a:xfrm>
-          <a:prstGeom prst="rect">
-            <a:avLst/>
-          </a:prstGeom>
-        </p:spPr>
-        <p:txBody>
-          <a:bodyPr spcFirstLastPara="1" wrap="square" lIns="121900" tIns="121900" rIns="121900" bIns="121900" anchor="t" anchorCtr="0">
-            <a:noAutofit/>
-          </a:bodyPr>
-          <a:lstStyle/>
-          <a:p>
-            <a:pPr marL="0" lvl="0" indent="0" algn="r" rtl="0">
-              <a:spcBef>
-                <a:spcPts val="0"/>
-              </a:spcBef>
-              <a:spcAft>
-                <a:spcPts val="0"/>
-              </a:spcAft>
-              <a:buNone/>
-            </a:pPr>
-            <a:r>
-              <a:rPr lang="en">
-                <a:solidFill>
-                  <a:schemeClr val="accent2"/>
-                </a:solidFill>
-              </a:rPr>
-              <a:t>03</a:t>
-            </a:r>
-            <a:endParaRPr>
-              <a:solidFill>
-                <a:schemeClr val="accent2"/>
-              </a:solidFill>
-            </a:endParaRPr>
-          </a:p>
-        </p:txBody>
-      </p:sp>
-      <p:sp>
-        <p:nvSpPr>
-          <p:cNvPr id="404" name="Google Shape;404;p24"/>
-          <p:cNvSpPr txBox="1">
-            <a:spLocks noGrp="1"/>
-          </p:cNvSpPr>
-          <p:nvPr>
-            <p:ph type="title" idx="5"/>
-          </p:nvPr>
-        </p:nvSpPr>
-        <p:spPr>
-          <a:xfrm>
-            <a:off x="1807075" y="4180200"/>
-            <a:ext cx="2166900" cy="695700"/>
-          </a:xfrm>
-          <a:prstGeom prst="rect">
-            <a:avLst/>
-          </a:prstGeom>
-        </p:spPr>
-        <p:txBody>
-          <a:bodyPr spcFirstLastPara="1" wrap="square" lIns="121900" tIns="121900" rIns="121900" bIns="121900" anchor="t" anchorCtr="0">
-            <a:noAutofit/>
-          </a:bodyPr>
-          <a:lstStyle/>
-          <a:p>
-            <a:pPr marL="0" lvl="0" indent="0" algn="r" rtl="0">
-              <a:spcBef>
-                <a:spcPts val="0"/>
-              </a:spcBef>
-              <a:spcAft>
-                <a:spcPts val="0"/>
-              </a:spcAft>
-              <a:buNone/>
-            </a:pPr>
-            <a:r>
-              <a:rPr lang="en" dirty="0">
-                <a:solidFill>
-                  <a:schemeClr val="accent1"/>
-                </a:solidFill>
-              </a:rPr>
-              <a:t>04</a:t>
-            </a:r>
-            <a:endParaRPr dirty="0">
-              <a:solidFill>
-                <a:schemeClr val="accent1"/>
-              </a:solidFill>
-            </a:endParaRPr>
-          </a:p>
-        </p:txBody>
-      </p:sp>
-      <p:sp>
-        <p:nvSpPr>
-          <p:cNvPr id="405" name="Google Shape;405;p24"/>
-          <p:cNvSpPr txBox="1">
-            <a:spLocks noGrp="1"/>
-          </p:cNvSpPr>
-          <p:nvPr>
-            <p:ph type="title" idx="5"/>
-          </p:nvPr>
-        </p:nvSpPr>
-        <p:spPr>
-          <a:xfrm>
-            <a:off x="5693275" y="4180200"/>
-            <a:ext cx="2166900" cy="695700"/>
-          </a:xfrm>
-          <a:prstGeom prst="rect">
-            <a:avLst/>
-          </a:prstGeom>
-        </p:spPr>
-        <p:txBody>
-          <a:bodyPr spcFirstLastPara="1" wrap="square" lIns="121900" tIns="121900" rIns="121900" bIns="121900" anchor="t" anchorCtr="0">
-            <a:noAutofit/>
-          </a:bodyPr>
-          <a:lstStyle/>
-          <a:p>
-            <a:pPr marL="0" lvl="0" indent="0" algn="r" rtl="0">
-              <a:spcBef>
-                <a:spcPts val="0"/>
-              </a:spcBef>
-              <a:spcAft>
-                <a:spcPts val="0"/>
-              </a:spcAft>
-              <a:buNone/>
-            </a:pPr>
-            <a:r>
-              <a:rPr lang="en" dirty="0"/>
-              <a:t>05</a:t>
-            </a:r>
-            <a:endParaRPr dirty="0"/>
-          </a:p>
-        </p:txBody>
-      </p:sp>
-    </p:spTree>
-  </p:cSld>
-  <p:clrMapOvr>
-    <a:masterClrMapping/>
-  </p:clrMapOvr>
-  <mc:AlternateContent xmlns:mc="http://schemas.openxmlformats.org/markup-compatibility/2006" xmlns:p14="http://schemas.microsoft.com/office/powerpoint/2010/main">
-    <mc:Choice Requires="p14">
-      <p:transition p14:dur="250">
-        <p:fade/>
-      </p:transition>
-    </mc:Choice>
-    <mc:Fallback xmlns="">
-      <p:transition>
-        <p:fade/>
-      </p:transition>
-    </mc:Fallback>
-  </mc:AlternateContent>
-</p:sld>
-</file>
-
-<file path=ppt/slides/slide3.xml><?xml version="1.0" encoding="utf-8"?>
-<p:sld xmlns:a="http://schemas.openxmlformats.org/drawingml/2006/main" xmlns:r="http://schemas.openxmlformats.org/officeDocument/2006/relationships" xmlns:p="http://schemas.openxmlformats.org/presentationml/2006/main">
-  <p:cSld>
-    <p:spTree>
-      <p:nvGrpSpPr>
         <p:cNvPr id="1" name="Shape 439"/>
         <p:cNvGrpSpPr/>
         <p:nvPr/>
@@ -17149,7 +16405,7 @@
                   <a:schemeClr val="accent3"/>
                 </a:solidFill>
               </a:rPr>
-              <a:t>SNAKE SEGMENTS</a:t>
+              <a:t>SNAKE SEGMENTS(c7)</a:t>
             </a:r>
             <a:endParaRPr dirty="0"/>
           </a:p>
@@ -18449,7 +17705,7 @@
                   <a:schemeClr val="tx1"/>
                 </a:solidFill>
               </a:rPr>
-              <a:t>2.</a:t>
+              <a:t>4.</a:t>
             </a:r>
           </a:p>
         </p:txBody>
@@ -18527,7 +17783,7 @@
                   <a:schemeClr val="tx1"/>
                 </a:solidFill>
               </a:rPr>
-              <a:t>4.</a:t>
+              <a:t>2.</a:t>
             </a:r>
           </a:p>
         </p:txBody>
@@ -18624,6 +17880,296 @@
           </a:p>
         </p:txBody>
       </p:sp>
+      <p:sp>
+        <p:nvSpPr>
+          <p:cNvPr id="2" name="Text Placeholder 3">
+            <a:extLst>
+              <a:ext uri="{FF2B5EF4-FFF2-40B4-BE49-F238E27FC236}">
+                <a16:creationId xmlns:a16="http://schemas.microsoft.com/office/drawing/2014/main" id="{1FD33FB7-7933-E59B-CD79-311DD5AF3774}"/>
+              </a:ext>
+            </a:extLst>
+          </p:cNvPr>
+          <p:cNvSpPr txBox="1">
+            <a:spLocks/>
+          </p:cNvSpPr>
+          <p:nvPr/>
+        </p:nvSpPr>
+        <p:spPr>
+          <a:xfrm>
+            <a:off x="1261460" y="5498768"/>
+            <a:ext cx="9755100" cy="925200"/>
+          </a:xfrm>
+          <a:prstGeom prst="rect">
+            <a:avLst/>
+          </a:prstGeom>
+          <a:noFill/>
+          <a:ln>
+            <a:noFill/>
+          </a:ln>
+        </p:spPr>
+        <p:txBody>
+          <a:bodyPr spcFirstLastPara="1" wrap="square" lIns="121900" tIns="121900" rIns="121900" bIns="121900" anchor="t" anchorCtr="0">
+            <a:noAutofit/>
+          </a:bodyPr>
+          <a:lstStyle>
+            <a:defPPr marR="0" lvl="0" algn="l" rtl="0">
+              <a:lnSpc>
+                <a:spcPct val="100000"/>
+              </a:lnSpc>
+              <a:spcBef>
+                <a:spcPts val="0"/>
+              </a:spcBef>
+              <a:spcAft>
+                <a:spcPts val="0"/>
+              </a:spcAft>
+            </a:defPPr>
+            <a:lvl1pPr marL="457200" marR="0" lvl="0" indent="-317500" algn="l" rtl="0">
+              <a:lnSpc>
+                <a:spcPct val="115000"/>
+              </a:lnSpc>
+              <a:spcBef>
+                <a:spcPts val="0"/>
+              </a:spcBef>
+              <a:spcAft>
+                <a:spcPts val="0"/>
+              </a:spcAft>
+              <a:buClr>
+                <a:schemeClr val="dk2"/>
+              </a:buClr>
+              <a:buSzPts val="1400"/>
+              <a:buFont typeface="Roboto Mono"/>
+              <a:buChar char="●"/>
+              <a:defRPr sz="1400" b="0" i="0" u="none" strike="noStrike" cap="none">
+                <a:solidFill>
+                  <a:schemeClr val="dk2"/>
+                </a:solidFill>
+                <a:latin typeface="Roboto Mono"/>
+                <a:ea typeface="Roboto Mono"/>
+                <a:cs typeface="Roboto Mono"/>
+                <a:sym typeface="Roboto Mono"/>
+              </a:defRPr>
+            </a:lvl1pPr>
+            <a:lvl2pPr marL="914400" marR="0" lvl="1" indent="-317500" algn="l" rtl="0">
+              <a:lnSpc>
+                <a:spcPct val="115000"/>
+              </a:lnSpc>
+              <a:spcBef>
+                <a:spcPts val="2100"/>
+              </a:spcBef>
+              <a:spcAft>
+                <a:spcPts val="0"/>
+              </a:spcAft>
+              <a:buClr>
+                <a:schemeClr val="dk2"/>
+              </a:buClr>
+              <a:buSzPts val="1400"/>
+              <a:buFont typeface="Roboto Mono"/>
+              <a:buChar char="○"/>
+              <a:defRPr sz="1400" b="0" i="0" u="none" strike="noStrike" cap="none">
+                <a:solidFill>
+                  <a:schemeClr val="dk2"/>
+                </a:solidFill>
+                <a:latin typeface="Roboto Mono"/>
+                <a:ea typeface="Roboto Mono"/>
+                <a:cs typeface="Roboto Mono"/>
+                <a:sym typeface="Roboto Mono"/>
+              </a:defRPr>
+            </a:lvl2pPr>
+            <a:lvl3pPr marL="1371600" marR="0" lvl="2" indent="-317500" algn="l" rtl="0">
+              <a:lnSpc>
+                <a:spcPct val="115000"/>
+              </a:lnSpc>
+              <a:spcBef>
+                <a:spcPts val="2100"/>
+              </a:spcBef>
+              <a:spcAft>
+                <a:spcPts val="0"/>
+              </a:spcAft>
+              <a:buClr>
+                <a:schemeClr val="dk2"/>
+              </a:buClr>
+              <a:buSzPts val="1400"/>
+              <a:buFont typeface="Roboto Mono"/>
+              <a:buChar char="■"/>
+              <a:defRPr sz="1400" b="0" i="0" u="none" strike="noStrike" cap="none">
+                <a:solidFill>
+                  <a:schemeClr val="dk2"/>
+                </a:solidFill>
+                <a:latin typeface="Roboto Mono"/>
+                <a:ea typeface="Roboto Mono"/>
+                <a:cs typeface="Roboto Mono"/>
+                <a:sym typeface="Roboto Mono"/>
+              </a:defRPr>
+            </a:lvl3pPr>
+            <a:lvl4pPr marL="1828800" marR="0" lvl="3" indent="-317500" algn="l" rtl="0">
+              <a:lnSpc>
+                <a:spcPct val="115000"/>
+              </a:lnSpc>
+              <a:spcBef>
+                <a:spcPts val="2100"/>
+              </a:spcBef>
+              <a:spcAft>
+                <a:spcPts val="0"/>
+              </a:spcAft>
+              <a:buClr>
+                <a:schemeClr val="dk2"/>
+              </a:buClr>
+              <a:buSzPts val="1400"/>
+              <a:buFont typeface="Roboto Mono"/>
+              <a:buChar char="●"/>
+              <a:defRPr sz="1400" b="0" i="0" u="none" strike="noStrike" cap="none">
+                <a:solidFill>
+                  <a:schemeClr val="dk2"/>
+                </a:solidFill>
+                <a:latin typeface="Roboto Mono"/>
+                <a:ea typeface="Roboto Mono"/>
+                <a:cs typeface="Roboto Mono"/>
+                <a:sym typeface="Roboto Mono"/>
+              </a:defRPr>
+            </a:lvl4pPr>
+            <a:lvl5pPr marL="2286000" marR="0" lvl="4" indent="-317500" algn="l" rtl="0">
+              <a:lnSpc>
+                <a:spcPct val="115000"/>
+              </a:lnSpc>
+              <a:spcBef>
+                <a:spcPts val="2100"/>
+              </a:spcBef>
+              <a:spcAft>
+                <a:spcPts val="0"/>
+              </a:spcAft>
+              <a:buClr>
+                <a:schemeClr val="dk2"/>
+              </a:buClr>
+              <a:buSzPts val="1400"/>
+              <a:buFont typeface="Roboto Mono"/>
+              <a:buChar char="○"/>
+              <a:defRPr sz="1400" b="0" i="0" u="none" strike="noStrike" cap="none">
+                <a:solidFill>
+                  <a:schemeClr val="dk2"/>
+                </a:solidFill>
+                <a:latin typeface="Roboto Mono"/>
+                <a:ea typeface="Roboto Mono"/>
+                <a:cs typeface="Roboto Mono"/>
+                <a:sym typeface="Roboto Mono"/>
+              </a:defRPr>
+            </a:lvl5pPr>
+            <a:lvl6pPr marL="2743200" marR="0" lvl="5" indent="-317500" algn="l" rtl="0">
+              <a:lnSpc>
+                <a:spcPct val="115000"/>
+              </a:lnSpc>
+              <a:spcBef>
+                <a:spcPts val="2100"/>
+              </a:spcBef>
+              <a:spcAft>
+                <a:spcPts val="0"/>
+              </a:spcAft>
+              <a:buClr>
+                <a:schemeClr val="dk2"/>
+              </a:buClr>
+              <a:buSzPts val="1400"/>
+              <a:buFont typeface="Roboto Mono"/>
+              <a:buChar char="■"/>
+              <a:defRPr sz="1400" b="0" i="0" u="none" strike="noStrike" cap="none">
+                <a:solidFill>
+                  <a:schemeClr val="dk2"/>
+                </a:solidFill>
+                <a:latin typeface="Roboto Mono"/>
+                <a:ea typeface="Roboto Mono"/>
+                <a:cs typeface="Roboto Mono"/>
+                <a:sym typeface="Roboto Mono"/>
+              </a:defRPr>
+            </a:lvl6pPr>
+            <a:lvl7pPr marL="3200400" marR="0" lvl="6" indent="-317500" algn="l" rtl="0">
+              <a:lnSpc>
+                <a:spcPct val="115000"/>
+              </a:lnSpc>
+              <a:spcBef>
+                <a:spcPts val="2100"/>
+              </a:spcBef>
+              <a:spcAft>
+                <a:spcPts val="0"/>
+              </a:spcAft>
+              <a:buClr>
+                <a:schemeClr val="dk2"/>
+              </a:buClr>
+              <a:buSzPts val="1400"/>
+              <a:buFont typeface="Roboto Mono"/>
+              <a:buChar char="●"/>
+              <a:defRPr sz="1400" b="0" i="0" u="none" strike="noStrike" cap="none">
+                <a:solidFill>
+                  <a:schemeClr val="dk2"/>
+                </a:solidFill>
+                <a:latin typeface="Roboto Mono"/>
+                <a:ea typeface="Roboto Mono"/>
+                <a:cs typeface="Roboto Mono"/>
+                <a:sym typeface="Roboto Mono"/>
+              </a:defRPr>
+            </a:lvl7pPr>
+            <a:lvl8pPr marL="3657600" marR="0" lvl="7" indent="-317500" algn="l" rtl="0">
+              <a:lnSpc>
+                <a:spcPct val="115000"/>
+              </a:lnSpc>
+              <a:spcBef>
+                <a:spcPts val="2100"/>
+              </a:spcBef>
+              <a:spcAft>
+                <a:spcPts val="0"/>
+              </a:spcAft>
+              <a:buClr>
+                <a:schemeClr val="dk2"/>
+              </a:buClr>
+              <a:buSzPts val="1400"/>
+              <a:buFont typeface="Roboto Mono"/>
+              <a:buChar char="○"/>
+              <a:defRPr sz="1400" b="0" i="0" u="none" strike="noStrike" cap="none">
+                <a:solidFill>
+                  <a:schemeClr val="dk2"/>
+                </a:solidFill>
+                <a:latin typeface="Roboto Mono"/>
+                <a:ea typeface="Roboto Mono"/>
+                <a:cs typeface="Roboto Mono"/>
+                <a:sym typeface="Roboto Mono"/>
+              </a:defRPr>
+            </a:lvl8pPr>
+            <a:lvl9pPr marL="4114800" marR="0" lvl="8" indent="-317500" algn="l" rtl="0">
+              <a:lnSpc>
+                <a:spcPct val="115000"/>
+              </a:lnSpc>
+              <a:spcBef>
+                <a:spcPts val="2100"/>
+              </a:spcBef>
+              <a:spcAft>
+                <a:spcPts val="2100"/>
+              </a:spcAft>
+              <a:buClr>
+                <a:schemeClr val="dk2"/>
+              </a:buClr>
+              <a:buSzPts val="1400"/>
+              <a:buFont typeface="Roboto Mono"/>
+              <a:buChar char="■"/>
+              <a:defRPr sz="1400" b="0" i="0" u="none" strike="noStrike" cap="none">
+                <a:solidFill>
+                  <a:schemeClr val="dk2"/>
+                </a:solidFill>
+                <a:latin typeface="Roboto Mono"/>
+                <a:ea typeface="Roboto Mono"/>
+                <a:cs typeface="Roboto Mono"/>
+                <a:sym typeface="Roboto Mono"/>
+              </a:defRPr>
+            </a:lvl9pPr>
+          </a:lstStyle>
+          <a:p>
+            <a:pPr marL="139700" indent="0">
+              <a:buFont typeface="Roboto Mono"/>
+              <a:buNone/>
+            </a:pPr>
+            <a:r>
+              <a:rPr lang="de-DE" dirty="0"/>
+              <a:t>Die Schlange soll mit jedem gegessen Apfel um ein Segment wachsen. Schreibe den entsprechenden Code dafür. </a:t>
+            </a:r>
+          </a:p>
+        </p:txBody>
+      </p:sp>
     </p:spTree>
     <p:extLst>
       <p:ext uri="{BB962C8B-B14F-4D97-AF65-F5344CB8AC3E}">
@@ -18640,7 +18186,1464 @@
 </p:sld>
 </file>
 
-<file path=ppt/slides/slide4.xml><?xml version="1.0" encoding="utf-8"?>
+<file path=ppt/slides/slide11.xml><?xml version="1.0" encoding="utf-8"?>
+<p:sld xmlns:a="http://schemas.openxmlformats.org/drawingml/2006/main" xmlns:r="http://schemas.openxmlformats.org/officeDocument/2006/relationships" xmlns:p="http://schemas.openxmlformats.org/presentationml/2006/main">
+  <p:cSld>
+    <p:spTree>
+      <p:nvGrpSpPr>
+        <p:cNvPr id="1" name="Shape 439"/>
+        <p:cNvGrpSpPr/>
+        <p:nvPr/>
+      </p:nvGrpSpPr>
+      <p:grpSpPr>
+        <a:xfrm>
+          <a:off x="0" y="0"/>
+          <a:ext cx="0" cy="0"/>
+          <a:chOff x="0" y="0"/>
+          <a:chExt cx="0" cy="0"/>
+        </a:xfrm>
+      </p:grpSpPr>
+      <p:sp>
+        <p:nvSpPr>
+          <p:cNvPr id="440" name="Google Shape;440;p29"/>
+          <p:cNvSpPr txBox="1">
+            <a:spLocks noGrp="1"/>
+          </p:cNvSpPr>
+          <p:nvPr>
+            <p:ph type="title"/>
+          </p:nvPr>
+        </p:nvSpPr>
+        <p:spPr>
+          <a:xfrm>
+            <a:off x="684150" y="358863"/>
+            <a:ext cx="10672108" cy="763500"/>
+          </a:xfrm>
+          <a:prstGeom prst="rect">
+            <a:avLst/>
+          </a:prstGeom>
+        </p:spPr>
+        <p:txBody>
+          <a:bodyPr spcFirstLastPara="1" wrap="square" lIns="121900" tIns="121900" rIns="121900" bIns="121900" anchor="t" anchorCtr="0">
+            <a:noAutofit/>
+          </a:bodyPr>
+          <a:lstStyle/>
+          <a:p>
+            <a:pPr marL="0" lvl="0" indent="0" algn="l" rtl="0">
+              <a:spcBef>
+                <a:spcPts val="0"/>
+              </a:spcBef>
+              <a:spcAft>
+                <a:spcPts val="0"/>
+              </a:spcAft>
+              <a:buNone/>
+            </a:pPr>
+            <a:r>
+              <a:rPr lang="en-US" dirty="0"/>
+              <a:t>CHALLENGE </a:t>
+            </a:r>
+            <a:r>
+              <a:rPr lang="en" sz="6000" dirty="0">
+                <a:solidFill>
+                  <a:schemeClr val="accent2"/>
+                </a:solidFill>
+              </a:rPr>
+              <a:t>SPEED</a:t>
+            </a:r>
+            <a:endParaRPr sz="6000" dirty="0">
+              <a:solidFill>
+                <a:schemeClr val="accent2"/>
+              </a:solidFill>
+            </a:endParaRPr>
+          </a:p>
+        </p:txBody>
+      </p:sp>
+      <p:sp>
+        <p:nvSpPr>
+          <p:cNvPr id="441" name="Google Shape;441;p29"/>
+          <p:cNvSpPr txBox="1">
+            <a:spLocks noGrp="1"/>
+          </p:cNvSpPr>
+          <p:nvPr>
+            <p:ph type="subTitle" idx="1"/>
+          </p:nvPr>
+        </p:nvSpPr>
+        <p:spPr>
+          <a:xfrm>
+            <a:off x="1217558" y="1800269"/>
+            <a:ext cx="9755100" cy="606900"/>
+          </a:xfrm>
+          <a:prstGeom prst="rect">
+            <a:avLst/>
+          </a:prstGeom>
+        </p:spPr>
+        <p:txBody>
+          <a:bodyPr spcFirstLastPara="1" wrap="square" lIns="121900" tIns="121900" rIns="121900" bIns="121900" anchor="t" anchorCtr="0">
+            <a:noAutofit/>
+          </a:bodyPr>
+          <a:lstStyle/>
+          <a:p>
+            <a:pPr marL="0" lvl="0" indent="0" algn="l" rtl="0">
+              <a:spcBef>
+                <a:spcPts val="0"/>
+              </a:spcBef>
+              <a:spcAft>
+                <a:spcPts val="2100"/>
+              </a:spcAft>
+              <a:buNone/>
+            </a:pPr>
+            <a:r>
+              <a:rPr lang="en" dirty="0">
+                <a:solidFill>
+                  <a:schemeClr val="accent3"/>
+                </a:solidFill>
+              </a:rPr>
+              <a:t>UPDATE SPEED(c8)</a:t>
+            </a:r>
+            <a:endParaRPr dirty="0"/>
+          </a:p>
+        </p:txBody>
+      </p:sp>
+      <p:sp>
+        <p:nvSpPr>
+          <p:cNvPr id="4" name="Text Placeholder 3">
+            <a:extLst>
+              <a:ext uri="{FF2B5EF4-FFF2-40B4-BE49-F238E27FC236}">
+                <a16:creationId xmlns:a16="http://schemas.microsoft.com/office/drawing/2014/main" id="{71064820-2700-85EE-131A-51CE2DE86E8E}"/>
+              </a:ext>
+            </a:extLst>
+          </p:cNvPr>
+          <p:cNvSpPr>
+            <a:spLocks noGrp="1"/>
+          </p:cNvSpPr>
+          <p:nvPr>
+            <p:ph type="body" idx="4"/>
+          </p:nvPr>
+        </p:nvSpPr>
+        <p:spPr>
+          <a:xfrm>
+            <a:off x="1217550" y="2238218"/>
+            <a:ext cx="9755100" cy="2350874"/>
+          </a:xfrm>
+        </p:spPr>
+        <p:txBody>
+          <a:bodyPr/>
+          <a:lstStyle/>
+          <a:p>
+            <a:pPr marL="139700" indent="0">
+              <a:buNone/>
+            </a:pPr>
+            <a:r>
+              <a:rPr lang="de-DE" dirty="0"/>
+              <a:t>Die Geschwindigkeit der Schlange soll jedes Mal angepasst werden wenn ein Apfel eingesammelt wird.</a:t>
+            </a:r>
+          </a:p>
+          <a:p>
+            <a:pPr marL="139700" indent="0">
+              <a:buNone/>
+            </a:pPr>
+            <a:endParaRPr lang="de-DE" dirty="0"/>
+          </a:p>
+          <a:p>
+            <a:pPr marL="139700" indent="0">
+              <a:buNone/>
+            </a:pPr>
+            <a:r>
+              <a:rPr lang="de-DE" dirty="0"/>
+              <a:t>Füge dafür die notwendige Funktion der Snake Klasse hinzu.</a:t>
+            </a:r>
+          </a:p>
+        </p:txBody>
+      </p:sp>
+    </p:spTree>
+    <p:extLst>
+      <p:ext uri="{BB962C8B-B14F-4D97-AF65-F5344CB8AC3E}">
+        <p14:creationId xmlns:p14="http://schemas.microsoft.com/office/powerpoint/2010/main" val="1468181330"/>
+      </p:ext>
+    </p:extLst>
+  </p:cSld>
+  <p:clrMapOvr>
+    <a:masterClrMapping/>
+  </p:clrMapOvr>
+  <p:transition>
+    <p:fade/>
+  </p:transition>
+</p:sld>
+</file>
+
+<file path=ppt/slides/slide12.xml><?xml version="1.0" encoding="utf-8"?>
+<p:sld xmlns:a="http://schemas.openxmlformats.org/drawingml/2006/main" xmlns:r="http://schemas.openxmlformats.org/officeDocument/2006/relationships" xmlns:p="http://schemas.openxmlformats.org/presentationml/2006/main">
+  <p:cSld>
+    <p:spTree>
+      <p:nvGrpSpPr>
+        <p:cNvPr id="1" name="Shape 439"/>
+        <p:cNvGrpSpPr/>
+        <p:nvPr/>
+      </p:nvGrpSpPr>
+      <p:grpSpPr>
+        <a:xfrm>
+          <a:off x="0" y="0"/>
+          <a:ext cx="0" cy="0"/>
+          <a:chOff x="0" y="0"/>
+          <a:chExt cx="0" cy="0"/>
+        </a:xfrm>
+      </p:grpSpPr>
+      <p:sp>
+        <p:nvSpPr>
+          <p:cNvPr id="440" name="Google Shape;440;p29"/>
+          <p:cNvSpPr txBox="1">
+            <a:spLocks noGrp="1"/>
+          </p:cNvSpPr>
+          <p:nvPr>
+            <p:ph type="title"/>
+          </p:nvPr>
+        </p:nvSpPr>
+        <p:spPr>
+          <a:xfrm>
+            <a:off x="684150" y="358863"/>
+            <a:ext cx="10672108" cy="763500"/>
+          </a:xfrm>
+          <a:prstGeom prst="rect">
+            <a:avLst/>
+          </a:prstGeom>
+        </p:spPr>
+        <p:txBody>
+          <a:bodyPr spcFirstLastPara="1" wrap="square" lIns="121900" tIns="121900" rIns="121900" bIns="121900" anchor="t" anchorCtr="0">
+            <a:noAutofit/>
+          </a:bodyPr>
+          <a:lstStyle/>
+          <a:p>
+            <a:pPr marL="0" lvl="0" indent="0" algn="l" rtl="0">
+              <a:spcBef>
+                <a:spcPts val="0"/>
+              </a:spcBef>
+              <a:spcAft>
+                <a:spcPts val="0"/>
+              </a:spcAft>
+              <a:buNone/>
+            </a:pPr>
+            <a:r>
+              <a:rPr lang="en-US" dirty="0"/>
+              <a:t>CHALLENGE </a:t>
+            </a:r>
+            <a:r>
+              <a:rPr lang="en" sz="6000" dirty="0">
+                <a:solidFill>
+                  <a:schemeClr val="accent2"/>
+                </a:solidFill>
+              </a:rPr>
+              <a:t>GAME CONTROLER</a:t>
+            </a:r>
+            <a:endParaRPr sz="6000" dirty="0">
+              <a:solidFill>
+                <a:schemeClr val="accent2"/>
+              </a:solidFill>
+            </a:endParaRPr>
+          </a:p>
+        </p:txBody>
+      </p:sp>
+      <p:sp>
+        <p:nvSpPr>
+          <p:cNvPr id="441" name="Google Shape;441;p29"/>
+          <p:cNvSpPr txBox="1">
+            <a:spLocks noGrp="1"/>
+          </p:cNvSpPr>
+          <p:nvPr>
+            <p:ph type="subTitle" idx="1"/>
+          </p:nvPr>
+        </p:nvSpPr>
+        <p:spPr>
+          <a:xfrm>
+            <a:off x="1217558" y="1800269"/>
+            <a:ext cx="9755100" cy="606900"/>
+          </a:xfrm>
+          <a:prstGeom prst="rect">
+            <a:avLst/>
+          </a:prstGeom>
+        </p:spPr>
+        <p:txBody>
+          <a:bodyPr spcFirstLastPara="1" wrap="square" lIns="121900" tIns="121900" rIns="121900" bIns="121900" anchor="t" anchorCtr="0">
+            <a:noAutofit/>
+          </a:bodyPr>
+          <a:lstStyle/>
+          <a:p>
+            <a:pPr marL="0" lvl="0" indent="0" algn="l" rtl="0">
+              <a:spcBef>
+                <a:spcPts val="0"/>
+              </a:spcBef>
+              <a:spcAft>
+                <a:spcPts val="2100"/>
+              </a:spcAft>
+              <a:buNone/>
+            </a:pPr>
+            <a:r>
+              <a:rPr lang="en" dirty="0">
+                <a:solidFill>
+                  <a:schemeClr val="accent3"/>
+                </a:solidFill>
+              </a:rPr>
+              <a:t>GAME CONTROLER(c9)</a:t>
+            </a:r>
+            <a:endParaRPr dirty="0"/>
+          </a:p>
+        </p:txBody>
+      </p:sp>
+      <p:sp>
+        <p:nvSpPr>
+          <p:cNvPr id="4" name="Text Placeholder 3">
+            <a:extLst>
+              <a:ext uri="{FF2B5EF4-FFF2-40B4-BE49-F238E27FC236}">
+                <a16:creationId xmlns:a16="http://schemas.microsoft.com/office/drawing/2014/main" id="{71064820-2700-85EE-131A-51CE2DE86E8E}"/>
+              </a:ext>
+            </a:extLst>
+          </p:cNvPr>
+          <p:cNvSpPr>
+            <a:spLocks noGrp="1"/>
+          </p:cNvSpPr>
+          <p:nvPr>
+            <p:ph type="body" idx="4"/>
+          </p:nvPr>
+        </p:nvSpPr>
+        <p:spPr>
+          <a:xfrm>
+            <a:off x="1217550" y="2238218"/>
+            <a:ext cx="9755100" cy="2350874"/>
+          </a:xfrm>
+        </p:spPr>
+        <p:txBody>
+          <a:bodyPr/>
+          <a:lstStyle/>
+          <a:p>
+            <a:pPr marL="139700" indent="0">
+              <a:buNone/>
+            </a:pPr>
+            <a:r>
+              <a:rPr lang="de-DE" dirty="0"/>
+              <a:t>Die ganzen tollen Funktionen sollen nun alle zusammengeführt werden.</a:t>
+            </a:r>
+          </a:p>
+          <a:p>
+            <a:pPr marL="139700" indent="0">
+              <a:buNone/>
+            </a:pPr>
+            <a:endParaRPr lang="de-DE" dirty="0"/>
+          </a:p>
+          <a:p>
+            <a:pPr marL="139700" indent="0">
+              <a:buNone/>
+            </a:pPr>
+            <a:r>
+              <a:rPr lang="de-DE" dirty="0"/>
+              <a:t>Schreibe code für einen Game Controller, er soll dafür sorgen dass sich die Schlange beweget und sobald Nahrung eingesammelt wird die Schlange länger wird, sich die Geschwindigkeit anpasst und die Nahrung neu platziert wird.</a:t>
+            </a:r>
+          </a:p>
+          <a:p>
+            <a:pPr marL="139700" indent="0">
+              <a:buNone/>
+            </a:pPr>
+            <a:endParaRPr lang="de-DE" dirty="0"/>
+          </a:p>
+          <a:p>
+            <a:pPr marL="139700" indent="0">
+              <a:buNone/>
+            </a:pPr>
+            <a:r>
+              <a:rPr lang="de-DE" dirty="0"/>
+              <a:t>Wenn die Schlange mit sich oder der Border kollidiert soll das Spiel zurück gesetzt werden.</a:t>
+            </a:r>
+          </a:p>
+        </p:txBody>
+      </p:sp>
+    </p:spTree>
+    <p:extLst>
+      <p:ext uri="{BB962C8B-B14F-4D97-AF65-F5344CB8AC3E}">
+        <p14:creationId xmlns:p14="http://schemas.microsoft.com/office/powerpoint/2010/main" val="1309005159"/>
+      </p:ext>
+    </p:extLst>
+  </p:cSld>
+  <p:clrMapOvr>
+    <a:masterClrMapping/>
+  </p:clrMapOvr>
+  <p:transition>
+    <p:fade/>
+  </p:transition>
+</p:sld>
+</file>
+
+<file path=ppt/slides/slide13.xml><?xml version="1.0" encoding="utf-8"?>
+<p:sld xmlns:a="http://schemas.openxmlformats.org/drawingml/2006/main" xmlns:r="http://schemas.openxmlformats.org/officeDocument/2006/relationships" xmlns:p="http://schemas.openxmlformats.org/presentationml/2006/main">
+  <p:cSld>
+    <p:spTree>
+      <p:nvGrpSpPr>
+        <p:cNvPr id="1" name="Shape 865"/>
+        <p:cNvGrpSpPr/>
+        <p:nvPr/>
+      </p:nvGrpSpPr>
+      <p:grpSpPr>
+        <a:xfrm>
+          <a:off x="0" y="0"/>
+          <a:ext cx="0" cy="0"/>
+          <a:chOff x="0" y="0"/>
+          <a:chExt cx="0" cy="0"/>
+        </a:xfrm>
+      </p:grpSpPr>
+      <p:sp>
+        <p:nvSpPr>
+          <p:cNvPr id="866" name="Google Shape;866;p44"/>
+          <p:cNvSpPr/>
+          <p:nvPr/>
+        </p:nvSpPr>
+        <p:spPr>
+          <a:xfrm>
+            <a:off x="820850" y="1462175"/>
+            <a:ext cx="9234900" cy="3735000"/>
+          </a:xfrm>
+          <a:prstGeom prst="roundRect">
+            <a:avLst>
+              <a:gd name="adj" fmla="val 3539"/>
+            </a:avLst>
+          </a:prstGeom>
+          <a:solidFill>
+            <a:schemeClr val="lt2"/>
+          </a:solidFill>
+          <a:ln>
+            <a:noFill/>
+          </a:ln>
+          <a:effectLst>
+            <a:outerShdw blurRad="63500" sx="102000" sy="102000" algn="ctr" rotWithShape="0">
+              <a:srgbClr val="000000">
+                <a:alpha val="9800"/>
+              </a:srgbClr>
+            </a:outerShdw>
+          </a:effectLst>
+        </p:spPr>
+        <p:txBody>
+          <a:bodyPr spcFirstLastPara="1" wrap="square" lIns="91425" tIns="45700" rIns="91425" bIns="45700" anchor="ctr" anchorCtr="0">
+            <a:noAutofit/>
+          </a:bodyPr>
+          <a:lstStyle/>
+          <a:p>
+            <a:pPr marL="0" marR="0" lvl="0" indent="0" algn="ctr" rtl="0">
+              <a:spcBef>
+                <a:spcPts val="0"/>
+              </a:spcBef>
+              <a:spcAft>
+                <a:spcPts val="0"/>
+              </a:spcAft>
+              <a:buNone/>
+            </a:pPr>
+            <a:endParaRPr sz="1800" b="0" i="0" u="none" strike="noStrike" cap="none">
+              <a:solidFill>
+                <a:srgbClr val="FFFFFF"/>
+              </a:solidFill>
+              <a:latin typeface="Calibri"/>
+              <a:ea typeface="Calibri"/>
+              <a:cs typeface="Calibri"/>
+              <a:sym typeface="Calibri"/>
+            </a:endParaRPr>
+          </a:p>
+        </p:txBody>
+      </p:sp>
+      <p:sp>
+        <p:nvSpPr>
+          <p:cNvPr id="867" name="Google Shape;867;p44"/>
+          <p:cNvSpPr/>
+          <p:nvPr/>
+        </p:nvSpPr>
+        <p:spPr>
+          <a:xfrm>
+            <a:off x="820850" y="1462175"/>
+            <a:ext cx="9234900" cy="3735000"/>
+          </a:xfrm>
+          <a:prstGeom prst="roundRect">
+            <a:avLst>
+              <a:gd name="adj" fmla="val 3539"/>
+            </a:avLst>
+          </a:prstGeom>
+          <a:solidFill>
+            <a:srgbClr val="000000">
+              <a:alpha val="13100"/>
+            </a:srgbClr>
+          </a:solidFill>
+          <a:ln>
+            <a:noFill/>
+          </a:ln>
+        </p:spPr>
+        <p:txBody>
+          <a:bodyPr spcFirstLastPara="1" wrap="square" lIns="91425" tIns="45700" rIns="91425" bIns="45700" anchor="ctr" anchorCtr="0">
+            <a:noAutofit/>
+          </a:bodyPr>
+          <a:lstStyle/>
+          <a:p>
+            <a:pPr marL="0" marR="0" lvl="0" indent="0" algn="ctr" rtl="0">
+              <a:lnSpc>
+                <a:spcPct val="100000"/>
+              </a:lnSpc>
+              <a:spcBef>
+                <a:spcPts val="0"/>
+              </a:spcBef>
+              <a:spcAft>
+                <a:spcPts val="0"/>
+              </a:spcAft>
+              <a:buNone/>
+            </a:pPr>
+            <a:endParaRPr sz="1800">
+              <a:solidFill>
+                <a:srgbClr val="FFFFFF"/>
+              </a:solidFill>
+              <a:latin typeface="Calibri"/>
+              <a:ea typeface="Calibri"/>
+              <a:cs typeface="Calibri"/>
+              <a:sym typeface="Calibri"/>
+            </a:endParaRPr>
+          </a:p>
+        </p:txBody>
+      </p:sp>
+      <p:sp>
+        <p:nvSpPr>
+          <p:cNvPr id="868" name="Google Shape;868;p44"/>
+          <p:cNvSpPr txBox="1">
+            <a:spLocks noGrp="1"/>
+          </p:cNvSpPr>
+          <p:nvPr>
+            <p:ph type="title"/>
+          </p:nvPr>
+        </p:nvSpPr>
+        <p:spPr>
+          <a:xfrm>
+            <a:off x="1123750" y="1964975"/>
+            <a:ext cx="8608200" cy="763500"/>
+          </a:xfrm>
+          <a:prstGeom prst="rect">
+            <a:avLst/>
+          </a:prstGeom>
+        </p:spPr>
+        <p:txBody>
+          <a:bodyPr spcFirstLastPara="1" wrap="square" lIns="121900" tIns="121900" rIns="121900" bIns="121900" anchor="t" anchorCtr="0">
+            <a:noAutofit/>
+          </a:bodyPr>
+          <a:lstStyle/>
+          <a:p>
+            <a:pPr marL="0" lvl="0" indent="0" algn="l" rtl="0">
+              <a:spcBef>
+                <a:spcPts val="0"/>
+              </a:spcBef>
+              <a:spcAft>
+                <a:spcPts val="0"/>
+              </a:spcAft>
+              <a:buNone/>
+            </a:pPr>
+            <a:r>
+              <a:rPr lang="en" sz="5100" dirty="0"/>
+              <a:t>LINKS</a:t>
+            </a:r>
+            <a:endParaRPr sz="5100" dirty="0"/>
+          </a:p>
+        </p:txBody>
+      </p:sp>
+      <p:sp>
+        <p:nvSpPr>
+          <p:cNvPr id="869" name="Google Shape;869;p44"/>
+          <p:cNvSpPr txBox="1">
+            <a:spLocks noGrp="1"/>
+          </p:cNvSpPr>
+          <p:nvPr>
+            <p:ph type="body" idx="1"/>
+          </p:nvPr>
+        </p:nvSpPr>
+        <p:spPr>
+          <a:xfrm>
+            <a:off x="1123894" y="2965625"/>
+            <a:ext cx="8931856" cy="2066400"/>
+          </a:xfrm>
+          <a:prstGeom prst="rect">
+            <a:avLst/>
+          </a:prstGeom>
+        </p:spPr>
+        <p:txBody>
+          <a:bodyPr spcFirstLastPara="1" wrap="square" lIns="121900" tIns="121900" rIns="121900" bIns="121900" anchor="t" anchorCtr="0">
+            <a:noAutofit/>
+          </a:bodyPr>
+          <a:lstStyle/>
+          <a:p>
+            <a:pPr marL="114300" indent="0">
+              <a:buNone/>
+            </a:pPr>
+            <a:r>
+              <a:rPr lang="de-DE" sz="2000" dirty="0">
+                <a:hlinkClick r:id="rId3"/>
+              </a:rPr>
+              <a:t>https://github.com/derech1e/python-beginner-course</a:t>
+            </a:r>
+            <a:endParaRPr lang="de-DE" sz="2000" dirty="0"/>
+          </a:p>
+          <a:p>
+            <a:pPr marL="114300" indent="0">
+              <a:buNone/>
+            </a:pPr>
+            <a:r>
+              <a:rPr lang="de-DE" sz="2000" dirty="0">
+                <a:hlinkClick r:id="rId4"/>
+              </a:rPr>
+              <a:t>https://docs.python.org/3.12/library/turtle.html</a:t>
+            </a:r>
+            <a:endParaRPr lang="de-DE" sz="2000" dirty="0"/>
+          </a:p>
+          <a:p>
+            <a:pPr marL="114300" indent="0">
+              <a:buNone/>
+            </a:pPr>
+            <a:endParaRPr lang="de-DE" sz="2000" dirty="0"/>
+          </a:p>
+          <a:p>
+            <a:pPr marL="114300" indent="0">
+              <a:buNone/>
+            </a:pPr>
+            <a:endParaRPr lang="de-DE" sz="2000" dirty="0"/>
+          </a:p>
+        </p:txBody>
+      </p:sp>
+      <p:grpSp>
+        <p:nvGrpSpPr>
+          <p:cNvPr id="870" name="Google Shape;870;p44"/>
+          <p:cNvGrpSpPr/>
+          <p:nvPr/>
+        </p:nvGrpSpPr>
+        <p:grpSpPr>
+          <a:xfrm>
+            <a:off x="963121" y="1592209"/>
+            <a:ext cx="635280" cy="147600"/>
+            <a:chOff x="2147366" y="4139382"/>
+            <a:chExt cx="635280" cy="147600"/>
+          </a:xfrm>
+        </p:grpSpPr>
+        <p:sp>
+          <p:nvSpPr>
+            <p:cNvPr id="871" name="Google Shape;871;p44"/>
+            <p:cNvSpPr/>
+            <p:nvPr/>
+          </p:nvSpPr>
+          <p:spPr>
+            <a:xfrm>
+              <a:off x="2147366" y="4139382"/>
+              <a:ext cx="147600" cy="147600"/>
+            </a:xfrm>
+            <a:prstGeom prst="ellipse">
+              <a:avLst/>
+            </a:prstGeom>
+            <a:solidFill>
+              <a:schemeClr val="accent4"/>
+            </a:solidFill>
+            <a:ln>
+              <a:noFill/>
+            </a:ln>
+          </p:spPr>
+          <p:txBody>
+            <a:bodyPr spcFirstLastPara="1" wrap="square" lIns="91425" tIns="45700" rIns="91425" bIns="45700" anchor="ctr" anchorCtr="0">
+              <a:noAutofit/>
+            </a:bodyPr>
+            <a:lstStyle/>
+            <a:p>
+              <a:pPr marL="0" marR="0" lvl="0" indent="0" algn="ctr" rtl="0">
+                <a:spcBef>
+                  <a:spcPts val="0"/>
+                </a:spcBef>
+                <a:spcAft>
+                  <a:spcPts val="0"/>
+                </a:spcAft>
+                <a:buNone/>
+              </a:pPr>
+              <a:endParaRPr sz="1800" b="0" i="0" u="none" strike="noStrike" cap="none">
+                <a:solidFill>
+                  <a:srgbClr val="FFFFFF"/>
+                </a:solidFill>
+                <a:latin typeface="Calibri"/>
+                <a:ea typeface="Calibri"/>
+                <a:cs typeface="Calibri"/>
+                <a:sym typeface="Calibri"/>
+              </a:endParaRPr>
+            </a:p>
+          </p:txBody>
+        </p:sp>
+        <p:sp>
+          <p:nvSpPr>
+            <p:cNvPr id="872" name="Google Shape;872;p44"/>
+            <p:cNvSpPr/>
+            <p:nvPr/>
+          </p:nvSpPr>
+          <p:spPr>
+            <a:xfrm>
+              <a:off x="2391206" y="4139382"/>
+              <a:ext cx="147600" cy="147600"/>
+            </a:xfrm>
+            <a:prstGeom prst="ellipse">
+              <a:avLst/>
+            </a:prstGeom>
+            <a:solidFill>
+              <a:schemeClr val="accent5"/>
+            </a:solidFill>
+            <a:ln>
+              <a:noFill/>
+            </a:ln>
+          </p:spPr>
+          <p:txBody>
+            <a:bodyPr spcFirstLastPara="1" wrap="square" lIns="91425" tIns="45700" rIns="91425" bIns="45700" anchor="ctr" anchorCtr="0">
+              <a:noAutofit/>
+            </a:bodyPr>
+            <a:lstStyle/>
+            <a:p>
+              <a:pPr marL="0" marR="0" lvl="0" indent="0" algn="ctr" rtl="0">
+                <a:spcBef>
+                  <a:spcPts val="0"/>
+                </a:spcBef>
+                <a:spcAft>
+                  <a:spcPts val="0"/>
+                </a:spcAft>
+                <a:buNone/>
+              </a:pPr>
+              <a:endParaRPr sz="1800" b="0" i="0" u="none" strike="noStrike" cap="none">
+                <a:solidFill>
+                  <a:srgbClr val="FFFFFF"/>
+                </a:solidFill>
+                <a:latin typeface="Calibri"/>
+                <a:ea typeface="Calibri"/>
+                <a:cs typeface="Calibri"/>
+                <a:sym typeface="Calibri"/>
+              </a:endParaRPr>
+            </a:p>
+          </p:txBody>
+        </p:sp>
+        <p:sp>
+          <p:nvSpPr>
+            <p:cNvPr id="873" name="Google Shape;873;p44"/>
+            <p:cNvSpPr/>
+            <p:nvPr/>
+          </p:nvSpPr>
+          <p:spPr>
+            <a:xfrm>
+              <a:off x="2635046" y="4139382"/>
+              <a:ext cx="147600" cy="147600"/>
+            </a:xfrm>
+            <a:prstGeom prst="ellipse">
+              <a:avLst/>
+            </a:prstGeom>
+            <a:solidFill>
+              <a:schemeClr val="accent6"/>
+            </a:solidFill>
+            <a:ln>
+              <a:noFill/>
+            </a:ln>
+          </p:spPr>
+          <p:txBody>
+            <a:bodyPr spcFirstLastPara="1" wrap="square" lIns="91425" tIns="45700" rIns="91425" bIns="45700" anchor="ctr" anchorCtr="0">
+              <a:noAutofit/>
+            </a:bodyPr>
+            <a:lstStyle/>
+            <a:p>
+              <a:pPr marL="0" marR="0" lvl="0" indent="0" algn="ctr" rtl="0">
+                <a:spcBef>
+                  <a:spcPts val="0"/>
+                </a:spcBef>
+                <a:spcAft>
+                  <a:spcPts val="0"/>
+                </a:spcAft>
+                <a:buNone/>
+              </a:pPr>
+              <a:endParaRPr sz="1800" b="0" i="0" u="none" strike="noStrike" cap="none">
+                <a:solidFill>
+                  <a:srgbClr val="FFFFFF"/>
+                </a:solidFill>
+                <a:latin typeface="Calibri"/>
+                <a:ea typeface="Calibri"/>
+                <a:cs typeface="Calibri"/>
+                <a:sym typeface="Calibri"/>
+              </a:endParaRPr>
+            </a:p>
+          </p:txBody>
+        </p:sp>
+      </p:grpSp>
+    </p:spTree>
+  </p:cSld>
+  <p:clrMapOvr>
+    <a:masterClrMapping/>
+  </p:clrMapOvr>
+  <p:transition>
+    <p:fade/>
+  </p:transition>
+</p:sld>
+</file>
+
+<file path=ppt/slides/slide2.xml><?xml version="1.0" encoding="utf-8"?>
+<p:sld xmlns:a="http://schemas.openxmlformats.org/drawingml/2006/main" xmlns:r="http://schemas.openxmlformats.org/officeDocument/2006/relationships" xmlns:p="http://schemas.openxmlformats.org/presentationml/2006/main">
+  <p:cSld>
+    <p:spTree>
+      <p:nvGrpSpPr>
+        <p:cNvPr id="1" name="Shape 392"/>
+        <p:cNvGrpSpPr/>
+        <p:nvPr/>
+      </p:nvGrpSpPr>
+      <p:grpSpPr>
+        <a:xfrm>
+          <a:off x="0" y="0"/>
+          <a:ext cx="0" cy="0"/>
+          <a:chOff x="0" y="0"/>
+          <a:chExt cx="0" cy="0"/>
+        </a:xfrm>
+      </p:grpSpPr>
+      <p:sp>
+        <p:nvSpPr>
+          <p:cNvPr id="393" name="Google Shape;393;p24"/>
+          <p:cNvSpPr txBox="1">
+            <a:spLocks noGrp="1"/>
+          </p:cNvSpPr>
+          <p:nvPr>
+            <p:ph type="title" idx="5"/>
+          </p:nvPr>
+        </p:nvSpPr>
+        <p:spPr>
+          <a:xfrm>
+            <a:off x="9503275" y="4180200"/>
+            <a:ext cx="2166900" cy="695700"/>
+          </a:xfrm>
+          <a:prstGeom prst="rect">
+            <a:avLst/>
+          </a:prstGeom>
+        </p:spPr>
+        <p:txBody>
+          <a:bodyPr spcFirstLastPara="1" wrap="square" lIns="121900" tIns="121900" rIns="121900" bIns="121900" anchor="t" anchorCtr="0">
+            <a:noAutofit/>
+          </a:bodyPr>
+          <a:lstStyle/>
+          <a:p>
+            <a:pPr marL="0" lvl="0" indent="0" algn="r" rtl="0">
+              <a:spcBef>
+                <a:spcPts val="0"/>
+              </a:spcBef>
+              <a:spcAft>
+                <a:spcPts val="0"/>
+              </a:spcAft>
+              <a:buNone/>
+            </a:pPr>
+            <a:r>
+              <a:rPr lang="en" dirty="0">
+                <a:solidFill>
+                  <a:schemeClr val="accent2"/>
+                </a:solidFill>
+              </a:rPr>
+              <a:t>06</a:t>
+            </a:r>
+            <a:endParaRPr dirty="0">
+              <a:solidFill>
+                <a:schemeClr val="accent2"/>
+              </a:solidFill>
+            </a:endParaRPr>
+          </a:p>
+        </p:txBody>
+      </p:sp>
+      <p:sp>
+        <p:nvSpPr>
+          <p:cNvPr id="394" name="Google Shape;394;p24"/>
+          <p:cNvSpPr txBox="1">
+            <a:spLocks noGrp="1"/>
+          </p:cNvSpPr>
+          <p:nvPr>
+            <p:ph type="title"/>
+          </p:nvPr>
+        </p:nvSpPr>
+        <p:spPr>
+          <a:xfrm>
+            <a:off x="490775" y="523275"/>
+            <a:ext cx="11210400" cy="763500"/>
+          </a:xfrm>
+          <a:prstGeom prst="rect">
+            <a:avLst/>
+          </a:prstGeom>
+        </p:spPr>
+        <p:txBody>
+          <a:bodyPr spcFirstLastPara="1" wrap="square" lIns="121900" tIns="121900" rIns="121900" bIns="121900" anchor="t" anchorCtr="0">
+            <a:noAutofit/>
+          </a:bodyPr>
+          <a:lstStyle/>
+          <a:p>
+            <a:pPr marL="0" lvl="0" indent="0" algn="l" rtl="0">
+              <a:spcBef>
+                <a:spcPts val="0"/>
+              </a:spcBef>
+              <a:spcAft>
+                <a:spcPts val="0"/>
+              </a:spcAft>
+              <a:buNone/>
+            </a:pPr>
+            <a:r>
+              <a:rPr lang="en" dirty="0"/>
+              <a:t>HEUTIGE </a:t>
+            </a:r>
+            <a:r>
+              <a:rPr lang="en" sz="6000" dirty="0">
+                <a:solidFill>
+                  <a:schemeClr val="accent2"/>
+                </a:solidFill>
+              </a:rPr>
+              <a:t>AGENDA.</a:t>
+            </a:r>
+            <a:endParaRPr sz="6000" dirty="0">
+              <a:solidFill>
+                <a:schemeClr val="accent2"/>
+              </a:solidFill>
+            </a:endParaRPr>
+          </a:p>
+        </p:txBody>
+      </p:sp>
+      <p:sp>
+        <p:nvSpPr>
+          <p:cNvPr id="395" name="Google Shape;395;p24"/>
+          <p:cNvSpPr txBox="1">
+            <a:spLocks noGrp="1"/>
+          </p:cNvSpPr>
+          <p:nvPr>
+            <p:ph type="body" idx="1"/>
+          </p:nvPr>
+        </p:nvSpPr>
+        <p:spPr>
+          <a:xfrm>
+            <a:off x="575950" y="2437574"/>
+            <a:ext cx="3294600" cy="1206300"/>
+          </a:xfrm>
+          <a:prstGeom prst="rect">
+            <a:avLst/>
+          </a:prstGeom>
+        </p:spPr>
+        <p:txBody>
+          <a:bodyPr spcFirstLastPara="1" wrap="square" lIns="121900" tIns="121900" rIns="121900" bIns="121900" anchor="ctr" anchorCtr="0">
+            <a:noAutofit/>
+          </a:bodyPr>
+          <a:lstStyle/>
+          <a:p>
+            <a:pPr marL="0" lvl="0" indent="0" algn="l" rtl="0">
+              <a:spcBef>
+                <a:spcPts val="0"/>
+              </a:spcBef>
+              <a:spcAft>
+                <a:spcPts val="2100"/>
+              </a:spcAft>
+              <a:buNone/>
+            </a:pPr>
+            <a:r>
+              <a:rPr lang="en-US" dirty="0">
+                <a:solidFill>
+                  <a:schemeClr val="accent1"/>
+                </a:solidFill>
+              </a:rPr>
+              <a:t>Challenge </a:t>
+            </a:r>
+            <a:r>
+              <a:rPr lang="en" dirty="0"/>
+              <a:t>Listener</a:t>
+            </a:r>
+            <a:endParaRPr dirty="0"/>
+          </a:p>
+        </p:txBody>
+      </p:sp>
+      <p:sp>
+        <p:nvSpPr>
+          <p:cNvPr id="396" name="Google Shape;396;p24"/>
+          <p:cNvSpPr txBox="1">
+            <a:spLocks noGrp="1"/>
+          </p:cNvSpPr>
+          <p:nvPr>
+            <p:ph type="body" idx="2"/>
+          </p:nvPr>
+        </p:nvSpPr>
+        <p:spPr>
+          <a:xfrm>
+            <a:off x="4418613" y="2437574"/>
+            <a:ext cx="3294600" cy="1206300"/>
+          </a:xfrm>
+          <a:prstGeom prst="rect">
+            <a:avLst/>
+          </a:prstGeom>
+        </p:spPr>
+        <p:txBody>
+          <a:bodyPr spcFirstLastPara="1" wrap="square" lIns="121900" tIns="121900" rIns="121900" bIns="121900" anchor="ctr" anchorCtr="0">
+            <a:noAutofit/>
+          </a:bodyPr>
+          <a:lstStyle/>
+          <a:p>
+            <a:pPr marL="0" indent="0">
+              <a:spcAft>
+                <a:spcPts val="2100"/>
+              </a:spcAft>
+              <a:buNone/>
+            </a:pPr>
+            <a:r>
+              <a:rPr lang="en-US" dirty="0">
+                <a:solidFill>
+                  <a:schemeClr val="accent1"/>
+                </a:solidFill>
+              </a:rPr>
+              <a:t>Challenge </a:t>
+            </a:r>
+            <a:r>
+              <a:rPr lang="en-US" dirty="0"/>
+              <a:t>Direction Logic</a:t>
+            </a:r>
+          </a:p>
+        </p:txBody>
+      </p:sp>
+      <p:sp>
+        <p:nvSpPr>
+          <p:cNvPr id="397" name="Google Shape;397;p24"/>
+          <p:cNvSpPr txBox="1">
+            <a:spLocks noGrp="1"/>
+          </p:cNvSpPr>
+          <p:nvPr>
+            <p:ph type="body" idx="3"/>
+          </p:nvPr>
+        </p:nvSpPr>
+        <p:spPr>
+          <a:xfrm>
+            <a:off x="575949" y="4783425"/>
+            <a:ext cx="3398025" cy="1206300"/>
+          </a:xfrm>
+          <a:prstGeom prst="rect">
+            <a:avLst/>
+          </a:prstGeom>
+        </p:spPr>
+        <p:txBody>
+          <a:bodyPr spcFirstLastPara="1" wrap="square" lIns="121900" tIns="121900" rIns="121900" bIns="121900" anchor="ctr" anchorCtr="0">
+            <a:noAutofit/>
+          </a:bodyPr>
+          <a:lstStyle/>
+          <a:p>
+            <a:pPr marL="0" indent="0">
+              <a:spcAft>
+                <a:spcPts val="2100"/>
+              </a:spcAft>
+              <a:buNone/>
+            </a:pPr>
+            <a:r>
+              <a:rPr lang="en-US" dirty="0">
+                <a:solidFill>
+                  <a:schemeClr val="accent1"/>
+                </a:solidFill>
+              </a:rPr>
+              <a:t>Challenge </a:t>
+            </a:r>
+            <a:r>
+              <a:rPr lang="en" dirty="0"/>
+              <a:t>Move </a:t>
+            </a:r>
+            <a:endParaRPr lang="en" dirty="0">
+              <a:solidFill>
+                <a:schemeClr val="accent1"/>
+              </a:solidFill>
+            </a:endParaRPr>
+          </a:p>
+        </p:txBody>
+      </p:sp>
+      <p:sp>
+        <p:nvSpPr>
+          <p:cNvPr id="398" name="Google Shape;398;p24"/>
+          <p:cNvSpPr txBox="1">
+            <a:spLocks noGrp="1"/>
+          </p:cNvSpPr>
+          <p:nvPr>
+            <p:ph type="body" idx="4"/>
+          </p:nvPr>
+        </p:nvSpPr>
+        <p:spPr>
+          <a:xfrm>
+            <a:off x="4418613" y="4783425"/>
+            <a:ext cx="3294600" cy="1206300"/>
+          </a:xfrm>
+          <a:prstGeom prst="rect">
+            <a:avLst/>
+          </a:prstGeom>
+        </p:spPr>
+        <p:txBody>
+          <a:bodyPr spcFirstLastPara="1" wrap="square" lIns="121900" tIns="121900" rIns="121900" bIns="121900" anchor="ctr" anchorCtr="0">
+            <a:noAutofit/>
+          </a:bodyPr>
+          <a:lstStyle/>
+          <a:p>
+            <a:pPr marL="0" indent="0">
+              <a:spcAft>
+                <a:spcPts val="2100"/>
+              </a:spcAft>
+              <a:buNone/>
+            </a:pPr>
+            <a:r>
+              <a:rPr lang="en-US" dirty="0">
+                <a:solidFill>
+                  <a:schemeClr val="accent1"/>
+                </a:solidFill>
+              </a:rPr>
+              <a:t>Challenge </a:t>
+            </a:r>
+            <a:r>
+              <a:rPr lang="en" dirty="0"/>
+              <a:t>Border Logic</a:t>
+            </a:r>
+            <a:r>
+              <a:rPr lang="en" dirty="0">
+                <a:solidFill>
+                  <a:schemeClr val="accent1"/>
+                </a:solidFill>
+              </a:rPr>
+              <a:t> </a:t>
+            </a:r>
+          </a:p>
+        </p:txBody>
+      </p:sp>
+      <p:sp>
+        <p:nvSpPr>
+          <p:cNvPr id="399" name="Google Shape;399;p24"/>
+          <p:cNvSpPr txBox="1">
+            <a:spLocks noGrp="1"/>
+          </p:cNvSpPr>
+          <p:nvPr>
+            <p:ph type="title" idx="5"/>
+          </p:nvPr>
+        </p:nvSpPr>
+        <p:spPr>
+          <a:xfrm>
+            <a:off x="1807075" y="1818000"/>
+            <a:ext cx="2166900" cy="695700"/>
+          </a:xfrm>
+          <a:prstGeom prst="rect">
+            <a:avLst/>
+          </a:prstGeom>
+        </p:spPr>
+        <p:txBody>
+          <a:bodyPr spcFirstLastPara="1" wrap="square" lIns="121900" tIns="121900" rIns="121900" bIns="121900" anchor="t" anchorCtr="0">
+            <a:noAutofit/>
+          </a:bodyPr>
+          <a:lstStyle/>
+          <a:p>
+            <a:pPr marL="0" lvl="0" indent="0" algn="r" rtl="0">
+              <a:spcBef>
+                <a:spcPts val="0"/>
+              </a:spcBef>
+              <a:spcAft>
+                <a:spcPts val="0"/>
+              </a:spcAft>
+              <a:buNone/>
+            </a:pPr>
+            <a:r>
+              <a:rPr lang="en" dirty="0">
+                <a:solidFill>
+                  <a:schemeClr val="accent1"/>
+                </a:solidFill>
+              </a:rPr>
+              <a:t>01</a:t>
+            </a:r>
+            <a:endParaRPr dirty="0">
+              <a:solidFill>
+                <a:schemeClr val="accent1"/>
+              </a:solidFill>
+            </a:endParaRPr>
+          </a:p>
+        </p:txBody>
+      </p:sp>
+      <p:sp>
+        <p:nvSpPr>
+          <p:cNvPr id="400" name="Google Shape;400;p24"/>
+          <p:cNvSpPr txBox="1">
+            <a:spLocks noGrp="1"/>
+          </p:cNvSpPr>
+          <p:nvPr>
+            <p:ph type="body" idx="9"/>
+          </p:nvPr>
+        </p:nvSpPr>
+        <p:spPr>
+          <a:xfrm>
+            <a:off x="8299375" y="2437574"/>
+            <a:ext cx="3401800" cy="1206300"/>
+          </a:xfrm>
+          <a:prstGeom prst="rect">
+            <a:avLst/>
+          </a:prstGeom>
+        </p:spPr>
+        <p:txBody>
+          <a:bodyPr spcFirstLastPara="1" wrap="square" lIns="121900" tIns="121900" rIns="121900" bIns="121900" anchor="ctr" anchorCtr="0">
+            <a:noAutofit/>
+          </a:bodyPr>
+          <a:lstStyle/>
+          <a:p>
+            <a:pPr marL="0" indent="0">
+              <a:spcAft>
+                <a:spcPts val="2100"/>
+              </a:spcAft>
+              <a:buNone/>
+            </a:pPr>
+            <a:r>
+              <a:rPr lang="en-US" dirty="0"/>
+              <a:t>Basics</a:t>
+            </a:r>
+            <a:br>
+              <a:rPr lang="en" dirty="0"/>
+            </a:br>
+            <a:r>
+              <a:rPr lang="en" dirty="0">
+                <a:solidFill>
+                  <a:schemeClr val="accent1"/>
+                </a:solidFill>
+              </a:rPr>
+              <a:t>Enum </a:t>
+            </a:r>
+          </a:p>
+        </p:txBody>
+      </p:sp>
+      <p:sp>
+        <p:nvSpPr>
+          <p:cNvPr id="401" name="Google Shape;401;p24"/>
+          <p:cNvSpPr txBox="1">
+            <a:spLocks noGrp="1"/>
+          </p:cNvSpPr>
+          <p:nvPr>
+            <p:ph type="body" idx="13"/>
+          </p:nvPr>
+        </p:nvSpPr>
+        <p:spPr>
+          <a:xfrm>
+            <a:off x="8299375" y="4783425"/>
+            <a:ext cx="3294600" cy="1206300"/>
+          </a:xfrm>
+          <a:prstGeom prst="rect">
+            <a:avLst/>
+          </a:prstGeom>
+        </p:spPr>
+        <p:txBody>
+          <a:bodyPr spcFirstLastPara="1" wrap="square" lIns="121900" tIns="121900" rIns="121900" bIns="121900" anchor="ctr" anchorCtr="0">
+            <a:noAutofit/>
+          </a:bodyPr>
+          <a:lstStyle/>
+          <a:p>
+            <a:pPr marL="0" indent="0">
+              <a:spcAft>
+                <a:spcPts val="2100"/>
+              </a:spcAft>
+              <a:buNone/>
+            </a:pPr>
+            <a:r>
+              <a:rPr lang="en-US" dirty="0">
+                <a:solidFill>
+                  <a:schemeClr val="accent1"/>
+                </a:solidFill>
+              </a:rPr>
+              <a:t>Challenge </a:t>
+            </a:r>
+            <a:r>
+              <a:rPr lang="en-US" dirty="0"/>
+              <a:t>Food</a:t>
+            </a:r>
+          </a:p>
+        </p:txBody>
+      </p:sp>
+      <p:sp>
+        <p:nvSpPr>
+          <p:cNvPr id="402" name="Google Shape;402;p24"/>
+          <p:cNvSpPr txBox="1">
+            <a:spLocks noGrp="1"/>
+          </p:cNvSpPr>
+          <p:nvPr>
+            <p:ph type="title" idx="5"/>
+          </p:nvPr>
+        </p:nvSpPr>
+        <p:spPr>
+          <a:xfrm>
+            <a:off x="5693275" y="1818000"/>
+            <a:ext cx="2166900" cy="695700"/>
+          </a:xfrm>
+          <a:prstGeom prst="rect">
+            <a:avLst/>
+          </a:prstGeom>
+        </p:spPr>
+        <p:txBody>
+          <a:bodyPr spcFirstLastPara="1" wrap="square" lIns="121900" tIns="121900" rIns="121900" bIns="121900" anchor="t" anchorCtr="0">
+            <a:noAutofit/>
+          </a:bodyPr>
+          <a:lstStyle/>
+          <a:p>
+            <a:pPr marL="0" lvl="0" indent="0" algn="r" rtl="0">
+              <a:spcBef>
+                <a:spcPts val="0"/>
+              </a:spcBef>
+              <a:spcAft>
+                <a:spcPts val="0"/>
+              </a:spcAft>
+              <a:buNone/>
+            </a:pPr>
+            <a:r>
+              <a:rPr lang="en" dirty="0"/>
+              <a:t>02</a:t>
+            </a:r>
+            <a:endParaRPr dirty="0"/>
+          </a:p>
+        </p:txBody>
+      </p:sp>
+      <p:sp>
+        <p:nvSpPr>
+          <p:cNvPr id="403" name="Google Shape;403;p24"/>
+          <p:cNvSpPr txBox="1">
+            <a:spLocks noGrp="1"/>
+          </p:cNvSpPr>
+          <p:nvPr>
+            <p:ph type="title" idx="5"/>
+          </p:nvPr>
+        </p:nvSpPr>
+        <p:spPr>
+          <a:xfrm>
+            <a:off x="9503275" y="1818000"/>
+            <a:ext cx="2166900" cy="695700"/>
+          </a:xfrm>
+          <a:prstGeom prst="rect">
+            <a:avLst/>
+          </a:prstGeom>
+        </p:spPr>
+        <p:txBody>
+          <a:bodyPr spcFirstLastPara="1" wrap="square" lIns="121900" tIns="121900" rIns="121900" bIns="121900" anchor="t" anchorCtr="0">
+            <a:noAutofit/>
+          </a:bodyPr>
+          <a:lstStyle/>
+          <a:p>
+            <a:pPr marL="0" lvl="0" indent="0" algn="r" rtl="0">
+              <a:spcBef>
+                <a:spcPts val="0"/>
+              </a:spcBef>
+              <a:spcAft>
+                <a:spcPts val="0"/>
+              </a:spcAft>
+              <a:buNone/>
+            </a:pPr>
+            <a:r>
+              <a:rPr lang="en">
+                <a:solidFill>
+                  <a:schemeClr val="accent2"/>
+                </a:solidFill>
+              </a:rPr>
+              <a:t>03</a:t>
+            </a:r>
+            <a:endParaRPr>
+              <a:solidFill>
+                <a:schemeClr val="accent2"/>
+              </a:solidFill>
+            </a:endParaRPr>
+          </a:p>
+        </p:txBody>
+      </p:sp>
+      <p:sp>
+        <p:nvSpPr>
+          <p:cNvPr id="404" name="Google Shape;404;p24"/>
+          <p:cNvSpPr txBox="1">
+            <a:spLocks noGrp="1"/>
+          </p:cNvSpPr>
+          <p:nvPr>
+            <p:ph type="title" idx="5"/>
+          </p:nvPr>
+        </p:nvSpPr>
+        <p:spPr>
+          <a:xfrm>
+            <a:off x="1807075" y="4180200"/>
+            <a:ext cx="2166900" cy="695700"/>
+          </a:xfrm>
+          <a:prstGeom prst="rect">
+            <a:avLst/>
+          </a:prstGeom>
+        </p:spPr>
+        <p:txBody>
+          <a:bodyPr spcFirstLastPara="1" wrap="square" lIns="121900" tIns="121900" rIns="121900" bIns="121900" anchor="t" anchorCtr="0">
+            <a:noAutofit/>
+          </a:bodyPr>
+          <a:lstStyle/>
+          <a:p>
+            <a:pPr marL="0" lvl="0" indent="0" algn="r" rtl="0">
+              <a:spcBef>
+                <a:spcPts val="0"/>
+              </a:spcBef>
+              <a:spcAft>
+                <a:spcPts val="0"/>
+              </a:spcAft>
+              <a:buNone/>
+            </a:pPr>
+            <a:r>
+              <a:rPr lang="en" dirty="0">
+                <a:solidFill>
+                  <a:schemeClr val="accent1"/>
+                </a:solidFill>
+              </a:rPr>
+              <a:t>04</a:t>
+            </a:r>
+            <a:endParaRPr dirty="0">
+              <a:solidFill>
+                <a:schemeClr val="accent1"/>
+              </a:solidFill>
+            </a:endParaRPr>
+          </a:p>
+        </p:txBody>
+      </p:sp>
+      <p:sp>
+        <p:nvSpPr>
+          <p:cNvPr id="405" name="Google Shape;405;p24"/>
+          <p:cNvSpPr txBox="1">
+            <a:spLocks noGrp="1"/>
+          </p:cNvSpPr>
+          <p:nvPr>
+            <p:ph type="title" idx="5"/>
+          </p:nvPr>
+        </p:nvSpPr>
+        <p:spPr>
+          <a:xfrm>
+            <a:off x="5693275" y="4180200"/>
+            <a:ext cx="2166900" cy="695700"/>
+          </a:xfrm>
+          <a:prstGeom prst="rect">
+            <a:avLst/>
+          </a:prstGeom>
+        </p:spPr>
+        <p:txBody>
+          <a:bodyPr spcFirstLastPara="1" wrap="square" lIns="121900" tIns="121900" rIns="121900" bIns="121900" anchor="t" anchorCtr="0">
+            <a:noAutofit/>
+          </a:bodyPr>
+          <a:lstStyle/>
+          <a:p>
+            <a:pPr marL="0" lvl="0" indent="0" algn="r" rtl="0">
+              <a:spcBef>
+                <a:spcPts val="0"/>
+              </a:spcBef>
+              <a:spcAft>
+                <a:spcPts val="0"/>
+              </a:spcAft>
+              <a:buNone/>
+            </a:pPr>
+            <a:r>
+              <a:rPr lang="en" dirty="0"/>
+              <a:t>05</a:t>
+            </a:r>
+            <a:endParaRPr dirty="0"/>
+          </a:p>
+        </p:txBody>
+      </p:sp>
+    </p:spTree>
+  </p:cSld>
+  <p:clrMapOvr>
+    <a:masterClrMapping/>
+  </p:clrMapOvr>
+  <mc:AlternateContent xmlns:mc="http://schemas.openxmlformats.org/markup-compatibility/2006" xmlns:p14="http://schemas.microsoft.com/office/powerpoint/2010/main">
+    <mc:Choice Requires="p14">
+      <p:transition p14:dur="250">
+        <p:fade/>
+      </p:transition>
+    </mc:Choice>
+    <mc:Fallback xmlns="">
+      <p:transition>
+        <p:fade/>
+      </p:transition>
+    </mc:Fallback>
+  </mc:AlternateContent>
+</p:sld>
+</file>
+
+<file path=ppt/slides/slide3.xml><?xml version="1.0" encoding="utf-8"?>
 <p:sld xmlns:a="http://schemas.openxmlformats.org/drawingml/2006/main" xmlns:r="http://schemas.openxmlformats.org/officeDocument/2006/relationships" xmlns:p="http://schemas.openxmlformats.org/presentationml/2006/main">
   <p:cSld>
     <p:spTree>
@@ -19887,7 +20890,7 @@
 </p:sld>
 </file>
 
-<file path=ppt/slides/slide5.xml><?xml version="1.0" encoding="utf-8"?>
+<file path=ppt/slides/slide4.xml><?xml version="1.0" encoding="utf-8"?>
 <p:sld xmlns:a="http://schemas.openxmlformats.org/drawingml/2006/main" xmlns:r="http://schemas.openxmlformats.org/officeDocument/2006/relationships" xmlns:p="http://schemas.openxmlformats.org/presentationml/2006/main">
   <p:cSld>
     <p:spTree>
@@ -20348,7 +21351,7 @@
 </p:sld>
 </file>
 
-<file path=ppt/slides/slide6.xml><?xml version="1.0" encoding="utf-8"?>
+<file path=ppt/slides/slide5.xml><?xml version="1.0" encoding="utf-8"?>
 <p:sld xmlns:a="http://schemas.openxmlformats.org/drawingml/2006/main" xmlns:r="http://schemas.openxmlformats.org/officeDocument/2006/relationships" xmlns:p="http://schemas.openxmlformats.org/presentationml/2006/main">
   <p:cSld>
     <p:spTree>
@@ -20603,6 +21606,483 @@
 </p:sld>
 </file>
 
+<file path=ppt/slides/slide6.xml><?xml version="1.0" encoding="utf-8"?>
+<p:sld xmlns:a="http://schemas.openxmlformats.org/drawingml/2006/main" xmlns:r="http://schemas.openxmlformats.org/officeDocument/2006/relationships" xmlns:p="http://schemas.openxmlformats.org/presentationml/2006/main">
+  <p:cSld>
+    <p:spTree>
+      <p:nvGrpSpPr>
+        <p:cNvPr id="1" name="Shape 439"/>
+        <p:cNvGrpSpPr/>
+        <p:nvPr/>
+      </p:nvGrpSpPr>
+      <p:grpSpPr>
+        <a:xfrm>
+          <a:off x="0" y="0"/>
+          <a:ext cx="0" cy="0"/>
+          <a:chOff x="0" y="0"/>
+          <a:chExt cx="0" cy="0"/>
+        </a:xfrm>
+      </p:grpSpPr>
+      <p:sp>
+        <p:nvSpPr>
+          <p:cNvPr id="440" name="Google Shape;440;p29"/>
+          <p:cNvSpPr txBox="1">
+            <a:spLocks noGrp="1"/>
+          </p:cNvSpPr>
+          <p:nvPr>
+            <p:ph type="title"/>
+          </p:nvPr>
+        </p:nvSpPr>
+        <p:spPr>
+          <a:xfrm>
+            <a:off x="684150" y="358863"/>
+            <a:ext cx="10672108" cy="763500"/>
+          </a:xfrm>
+          <a:prstGeom prst="rect">
+            <a:avLst/>
+          </a:prstGeom>
+        </p:spPr>
+        <p:txBody>
+          <a:bodyPr spcFirstLastPara="1" wrap="square" lIns="121900" tIns="121900" rIns="121900" bIns="121900" anchor="t" anchorCtr="0">
+            <a:noAutofit/>
+          </a:bodyPr>
+          <a:lstStyle/>
+          <a:p>
+            <a:pPr marL="0" lvl="0" indent="0" algn="l" rtl="0">
+              <a:spcBef>
+                <a:spcPts val="0"/>
+              </a:spcBef>
+              <a:spcAft>
+                <a:spcPts val="0"/>
+              </a:spcAft>
+              <a:buNone/>
+            </a:pPr>
+            <a:r>
+              <a:rPr lang="en-US" dirty="0"/>
+              <a:t>CHALLENGE </a:t>
+            </a:r>
+            <a:r>
+              <a:rPr lang="en" sz="6000" dirty="0">
+                <a:solidFill>
+                  <a:schemeClr val="accent2"/>
+                </a:solidFill>
+              </a:rPr>
+              <a:t>MOVE</a:t>
+            </a:r>
+            <a:endParaRPr sz="6000" dirty="0">
+              <a:solidFill>
+                <a:schemeClr val="accent2"/>
+              </a:solidFill>
+            </a:endParaRPr>
+          </a:p>
+        </p:txBody>
+      </p:sp>
+      <p:sp>
+        <p:nvSpPr>
+          <p:cNvPr id="441" name="Google Shape;441;p29"/>
+          <p:cNvSpPr txBox="1">
+            <a:spLocks noGrp="1"/>
+          </p:cNvSpPr>
+          <p:nvPr>
+            <p:ph type="subTitle" idx="1"/>
+          </p:nvPr>
+        </p:nvSpPr>
+        <p:spPr>
+          <a:xfrm>
+            <a:off x="1217558" y="1800269"/>
+            <a:ext cx="9755100" cy="606900"/>
+          </a:xfrm>
+          <a:prstGeom prst="rect">
+            <a:avLst/>
+          </a:prstGeom>
+        </p:spPr>
+        <p:txBody>
+          <a:bodyPr spcFirstLastPara="1" wrap="square" lIns="121900" tIns="121900" rIns="121900" bIns="121900" anchor="t" anchorCtr="0">
+            <a:noAutofit/>
+          </a:bodyPr>
+          <a:lstStyle/>
+          <a:p>
+            <a:pPr marL="0" lvl="0" indent="0" algn="l" rtl="0">
+              <a:spcBef>
+                <a:spcPts val="0"/>
+              </a:spcBef>
+              <a:spcAft>
+                <a:spcPts val="2100"/>
+              </a:spcAft>
+              <a:buNone/>
+            </a:pPr>
+            <a:r>
+              <a:rPr lang="en" dirty="0">
+                <a:solidFill>
+                  <a:schemeClr val="accent3"/>
+                </a:solidFill>
+              </a:rPr>
+              <a:t>MOVE</a:t>
+            </a:r>
+            <a:endParaRPr dirty="0"/>
+          </a:p>
+        </p:txBody>
+      </p:sp>
+      <p:sp>
+        <p:nvSpPr>
+          <p:cNvPr id="446" name="Google Shape;446;p29"/>
+          <p:cNvSpPr txBox="1">
+            <a:spLocks noGrp="1"/>
+          </p:cNvSpPr>
+          <p:nvPr>
+            <p:ph type="body" idx="4"/>
+          </p:nvPr>
+        </p:nvSpPr>
+        <p:spPr>
+          <a:xfrm>
+            <a:off x="1217550" y="2238218"/>
+            <a:ext cx="9755100" cy="3862232"/>
+          </a:xfrm>
+          <a:prstGeom prst="rect">
+            <a:avLst/>
+          </a:prstGeom>
+        </p:spPr>
+        <p:txBody>
+          <a:bodyPr spcFirstLastPara="1" wrap="square" lIns="121900" tIns="121900" rIns="121900" bIns="121900" anchor="t" anchorCtr="0">
+            <a:noAutofit/>
+          </a:bodyPr>
+          <a:lstStyle/>
+          <a:p>
+            <a:pPr marL="0" lvl="0" indent="0" algn="l" rtl="0">
+              <a:spcBef>
+                <a:spcPts val="0"/>
+              </a:spcBef>
+              <a:spcAft>
+                <a:spcPts val="2100"/>
+              </a:spcAft>
+              <a:buNone/>
+            </a:pPr>
+            <a:r>
+              <a:rPr lang="en-US" sz="1600" dirty="0"/>
+              <a:t>Style und </a:t>
+            </a:r>
+            <a:r>
+              <a:rPr lang="en-US" sz="1600" dirty="0" err="1"/>
+              <a:t>bewege</a:t>
+            </a:r>
+            <a:r>
+              <a:rPr lang="en-US" sz="1600" dirty="0"/>
+              <a:t> die Turtle! </a:t>
+            </a:r>
+            <a:r>
+              <a:rPr lang="en-US" sz="1600" dirty="0" err="1"/>
+              <a:t>Implementiere</a:t>
+            </a:r>
+            <a:r>
+              <a:rPr lang="en-US" sz="1600" dirty="0"/>
+              <a:t> nun </a:t>
+            </a:r>
+            <a:r>
+              <a:rPr lang="en-US" sz="1600" dirty="0" err="1"/>
+              <a:t>eine</a:t>
+            </a:r>
+            <a:r>
+              <a:rPr lang="en-US" sz="1600" dirty="0"/>
+              <a:t> </a:t>
+            </a:r>
+            <a:r>
+              <a:rPr lang="en-US" sz="1600" dirty="0" err="1"/>
+              <a:t>Funktion</a:t>
+            </a:r>
+            <a:r>
+              <a:rPr lang="en-US" sz="1600" dirty="0"/>
+              <a:t>, die je </a:t>
+            </a:r>
+            <a:r>
+              <a:rPr lang="en-US" sz="1600" dirty="0" err="1"/>
+              <a:t>nach</a:t>
+            </a:r>
+            <a:r>
+              <a:rPr lang="en-US" sz="1600" dirty="0"/>
+              <a:t> </a:t>
+            </a:r>
+            <a:r>
+              <a:rPr lang="en-US" sz="1600" dirty="0" err="1"/>
+              <a:t>aktueller</a:t>
+            </a:r>
+            <a:r>
+              <a:rPr lang="en-US" sz="1600" dirty="0"/>
+              <a:t> </a:t>
+            </a:r>
+            <a:r>
+              <a:rPr lang="en-US" sz="1600" dirty="0" err="1"/>
+              <a:t>Richtung</a:t>
+            </a:r>
+            <a:r>
+              <a:rPr lang="en-US" sz="1600" dirty="0"/>
+              <a:t>, die Turtle um 10 </a:t>
+            </a:r>
+            <a:r>
+              <a:rPr lang="en-US" sz="1600" dirty="0" err="1"/>
+              <a:t>Einheiten</a:t>
+            </a:r>
+            <a:r>
+              <a:rPr lang="en-US" sz="1600" dirty="0"/>
+              <a:t>, alle 20ms </a:t>
+            </a:r>
+            <a:r>
+              <a:rPr lang="en-US" sz="1600" dirty="0" err="1"/>
+              <a:t>bewegen</a:t>
+            </a:r>
+            <a:r>
+              <a:rPr lang="en-US" sz="1600" dirty="0"/>
+              <a:t> </a:t>
+            </a:r>
+            <a:r>
+              <a:rPr lang="en-US" sz="1600" dirty="0" err="1"/>
+              <a:t>lässt</a:t>
+            </a:r>
+            <a:r>
+              <a:rPr lang="en-US" sz="1600" dirty="0"/>
+              <a:t>. Zu </a:t>
+            </a:r>
+            <a:r>
+              <a:rPr lang="en-US" sz="1600" dirty="0" err="1"/>
+              <a:t>Spielbeginn</a:t>
+            </a:r>
+            <a:r>
+              <a:rPr lang="en-US" sz="1600" dirty="0"/>
+              <a:t> </a:t>
+            </a:r>
+            <a:r>
+              <a:rPr lang="en-US" sz="1600" dirty="0" err="1"/>
+              <a:t>wartet</a:t>
+            </a:r>
+            <a:r>
+              <a:rPr lang="en-US" sz="1600" dirty="0"/>
+              <a:t> die Turtle auf </a:t>
+            </a:r>
+            <a:r>
+              <a:rPr lang="en-US" sz="1600" dirty="0" err="1"/>
+              <a:t>eine</a:t>
+            </a:r>
+            <a:r>
+              <a:rPr lang="en-US" sz="1600" dirty="0"/>
+              <a:t> </a:t>
+            </a:r>
+            <a:r>
+              <a:rPr lang="en-US" sz="1600" dirty="0" err="1"/>
+              <a:t>Eingabe</a:t>
+            </a:r>
+            <a:r>
+              <a:rPr lang="en-US" sz="1600" dirty="0"/>
+              <a:t> des Spielers.</a:t>
+            </a:r>
+          </a:p>
+          <a:p>
+            <a:pPr marL="0" lvl="0" indent="0" algn="l" rtl="0">
+              <a:spcBef>
+                <a:spcPts val="0"/>
+              </a:spcBef>
+              <a:spcAft>
+                <a:spcPts val="2100"/>
+              </a:spcAft>
+              <a:buNone/>
+            </a:pPr>
+            <a:r>
+              <a:rPr lang="en-US" sz="1600" dirty="0" err="1"/>
+              <a:t>Hinweis</a:t>
+            </a:r>
+            <a:r>
+              <a:rPr lang="en-US" sz="1600" dirty="0"/>
+              <a:t>: Es </a:t>
+            </a:r>
+            <a:r>
+              <a:rPr lang="en-US" sz="1600" dirty="0" err="1"/>
+              <a:t>gibt</a:t>
+            </a:r>
+            <a:r>
+              <a:rPr lang="en-US" sz="1600" dirty="0"/>
+              <a:t> </a:t>
+            </a:r>
+            <a:r>
+              <a:rPr lang="en-US" sz="1600" dirty="0" err="1"/>
+              <a:t>hier</a:t>
+            </a:r>
+            <a:r>
+              <a:rPr lang="en-US" sz="1600" dirty="0"/>
+              <a:t> </a:t>
+            </a:r>
+            <a:r>
+              <a:rPr lang="en-US" sz="1600" dirty="0" err="1"/>
+              <a:t>mehrere</a:t>
+            </a:r>
+            <a:r>
+              <a:rPr lang="en-US" sz="1600" dirty="0"/>
+              <a:t> </a:t>
+            </a:r>
+            <a:r>
+              <a:rPr lang="en-US" sz="1600" dirty="0" err="1"/>
+              <a:t>unterschiedliche</a:t>
+            </a:r>
+            <a:r>
+              <a:rPr lang="en-US" sz="1600" dirty="0"/>
+              <a:t> </a:t>
+            </a:r>
+            <a:r>
+              <a:rPr lang="en-US" sz="1600" dirty="0" err="1"/>
+              <a:t>richtige</a:t>
+            </a:r>
+            <a:br>
+              <a:rPr lang="en-US" sz="1600" dirty="0"/>
+            </a:br>
+            <a:r>
+              <a:rPr lang="en-US" sz="1600" dirty="0"/>
+              <a:t>         </a:t>
+            </a:r>
+            <a:r>
+              <a:rPr lang="en-US" sz="1600" dirty="0" err="1"/>
+              <a:t>Lösungswege</a:t>
+            </a:r>
+            <a:r>
+              <a:rPr lang="en-US" sz="1600" dirty="0"/>
+              <a:t>.</a:t>
+            </a:r>
+            <a:br>
+              <a:rPr lang="en-US" sz="1600" dirty="0"/>
+            </a:br>
+            <a:br>
+              <a:rPr lang="en-US" sz="1600" dirty="0"/>
+            </a:br>
+            <a:endParaRPr lang="en-US" sz="1600" dirty="0"/>
+          </a:p>
+          <a:p>
+            <a:pPr marL="0" lvl="0" indent="0" algn="l" rtl="0">
+              <a:spcBef>
+                <a:spcPts val="0"/>
+              </a:spcBef>
+              <a:spcAft>
+                <a:spcPts val="2100"/>
+              </a:spcAft>
+              <a:buNone/>
+            </a:pPr>
+            <a:br>
+              <a:rPr lang="en-US" sz="1600" dirty="0"/>
+            </a:br>
+            <a:r>
+              <a:rPr lang="en-US" sz="1200" dirty="0"/>
+              <a:t>Das Start- und </a:t>
+            </a:r>
+            <a:r>
+              <a:rPr lang="en-US" sz="1200" dirty="0" err="1"/>
+              <a:t>Zielprojekt</a:t>
+            </a:r>
+            <a:r>
+              <a:rPr lang="en-US" sz="1200" dirty="0"/>
+              <a:t> </a:t>
+            </a:r>
+            <a:r>
+              <a:rPr lang="en-US" sz="1200" dirty="0" err="1"/>
+              <a:t>dieser</a:t>
+            </a:r>
+            <a:r>
+              <a:rPr lang="en-US" sz="1200" dirty="0"/>
+              <a:t> Aufgabe </a:t>
+            </a:r>
+            <a:r>
+              <a:rPr lang="en-US" sz="1200" dirty="0" err="1"/>
+              <a:t>findest</a:t>
+            </a:r>
+            <a:r>
+              <a:rPr lang="en-US" sz="1200" dirty="0"/>
+              <a:t> du </a:t>
+            </a:r>
+            <a:r>
+              <a:rPr lang="en-US" sz="1200" dirty="0" err="1"/>
+              <a:t>hier</a:t>
+            </a:r>
+            <a:r>
+              <a:rPr lang="en-US" sz="1200" dirty="0"/>
+              <a:t>:</a:t>
+            </a:r>
+            <a:br>
+              <a:rPr lang="en-US" sz="1200" dirty="0"/>
+            </a:br>
+            <a:r>
+              <a:rPr lang="en-US" sz="1200" dirty="0">
+                <a:hlinkClick r:id="rId3"/>
+              </a:rPr>
+              <a:t>https://github.com/derech1e/python-beginner-course/tree/master/007</a:t>
+            </a:r>
+            <a:endParaRPr lang="en-US" sz="1200" dirty="0"/>
+          </a:p>
+          <a:p>
+            <a:pPr marL="0" lvl="0" indent="0" algn="l" rtl="0">
+              <a:spcBef>
+                <a:spcPts val="0"/>
+              </a:spcBef>
+              <a:spcAft>
+                <a:spcPts val="2100"/>
+              </a:spcAft>
+              <a:buNone/>
+            </a:pPr>
+            <a:endParaRPr lang="en-US" sz="1600" dirty="0"/>
+          </a:p>
+          <a:p>
+            <a:pPr marL="0" lvl="0" indent="0" algn="l" rtl="0">
+              <a:spcBef>
+                <a:spcPts val="0"/>
+              </a:spcBef>
+              <a:spcAft>
+                <a:spcPts val="2100"/>
+              </a:spcAft>
+              <a:buNone/>
+            </a:pPr>
+            <a:endParaRPr lang="en-US" sz="1600" dirty="0"/>
+          </a:p>
+        </p:txBody>
+      </p:sp>
+      <p:pic>
+        <p:nvPicPr>
+          <p:cNvPr id="4" name="Picture 3">
+            <a:extLst>
+              <a:ext uri="{FF2B5EF4-FFF2-40B4-BE49-F238E27FC236}">
+                <a16:creationId xmlns:a16="http://schemas.microsoft.com/office/drawing/2014/main" id="{D614365C-F66E-A734-4D98-85D5FF1E379D}"/>
+              </a:ext>
+            </a:extLst>
+          </p:cNvPr>
+          <p:cNvPicPr>
+            <a:picLocks noChangeAspect="1"/>
+          </p:cNvPicPr>
+          <p:nvPr/>
+        </p:nvPicPr>
+        <p:blipFill>
+          <a:blip r:embed="rId4"/>
+          <a:stretch>
+            <a:fillRect/>
+          </a:stretch>
+        </p:blipFill>
+        <p:spPr>
+          <a:xfrm>
+            <a:off x="8476172" y="3429000"/>
+            <a:ext cx="2209800" cy="2209800"/>
+          </a:xfrm>
+          <a:prstGeom prst="rect">
+            <a:avLst/>
+          </a:prstGeom>
+        </p:spPr>
+      </p:pic>
+    </p:spTree>
+    <p:extLst>
+      <p:ext uri="{BB962C8B-B14F-4D97-AF65-F5344CB8AC3E}">
+        <p14:creationId xmlns:p14="http://schemas.microsoft.com/office/powerpoint/2010/main" val="724500448"/>
+      </p:ext>
+    </p:extLst>
+  </p:cSld>
+  <p:clrMapOvr>
+    <a:masterClrMapping/>
+  </p:clrMapOvr>
+  <p:transition>
+    <p:fade/>
+  </p:transition>
+</p:sld>
+</file>
+
 <file path=ppt/slides/slide7.xml><?xml version="1.0" encoding="utf-8"?>
 <p:sld xmlns:a="http://schemas.openxmlformats.org/drawingml/2006/main" xmlns:r="http://schemas.openxmlformats.org/officeDocument/2006/relationships" xmlns:p="http://schemas.openxmlformats.org/presentationml/2006/main">
   <p:cSld>
@@ -20664,7 +22144,7 @@
                   <a:schemeClr val="accent2"/>
                 </a:solidFill>
               </a:rPr>
-              <a:t>MOVE</a:t>
+              <a:t>BORDER LOGIC</a:t>
             </a:r>
             <a:endParaRPr sz="6000" dirty="0">
               <a:solidFill>
@@ -20714,7 +22194,7 @@
                   <a:schemeClr val="accent3"/>
                 </a:solidFill>
               </a:rPr>
-              <a:t>MOVE</a:t>
+              <a:t>BORDER LOGIC</a:t>
             </a:r>
             <a:endParaRPr dirty="0"/>
           </a:p>
@@ -20755,24 +22235,68 @@
               <a:buNone/>
             </a:pPr>
             <a:r>
+              <a:rPr lang="en-US" sz="1600" dirty="0" err="1"/>
+              <a:t>Teleportiere</a:t>
+            </a:r>
+            <a:r>
               <a:rPr lang="en-US" sz="1600" dirty="0"/>
-              <a:t>Style und </a:t>
+              <a:t> die Turtle </a:t>
             </a:r>
             <a:r>
               <a:rPr lang="en-US" sz="1600" dirty="0" err="1"/>
-              <a:t>bewege</a:t>
+              <a:t>wieder</a:t>
             </a:r>
             <a:r>
               <a:rPr lang="en-US" sz="1600" dirty="0"/>
-              <a:t> die Turtle! </a:t>
+              <a:t> </a:t>
             </a:r>
             <a:r>
               <a:rPr lang="en-US" sz="1600" dirty="0" err="1"/>
-              <a:t>Implementiere</a:t>
+              <a:t>zur</a:t>
             </a:r>
             <a:r>
               <a:rPr lang="en-US" sz="1600" dirty="0"/>
-              <a:t> nun </a:t>
+              <a:t> </a:t>
+            </a:r>
+            <a:r>
+              <a:rPr lang="en-US" sz="1600" dirty="0" err="1"/>
+              <a:t>Bildschirmmitte</a:t>
+            </a:r>
+            <a:r>
+              <a:rPr lang="en-US" sz="1600" dirty="0"/>
+              <a:t>, falls </a:t>
+            </a:r>
+            <a:r>
+              <a:rPr lang="en-US" sz="1600" dirty="0" err="1"/>
+              <a:t>sie</a:t>
+            </a:r>
+            <a:r>
+              <a:rPr lang="en-US" sz="1600" dirty="0"/>
+              <a:t> den Rand des Fensters </a:t>
+            </a:r>
+            <a:r>
+              <a:rPr lang="en-US" sz="1600" dirty="0" err="1"/>
+              <a:t>erreicht</a:t>
+            </a:r>
+            <a:r>
+              <a:rPr lang="en-US" sz="1600" dirty="0"/>
+              <a:t> hat. </a:t>
+            </a:r>
+            <a:r>
+              <a:rPr lang="en-US" sz="1600" dirty="0" err="1"/>
+              <a:t>Schreibe</a:t>
+            </a:r>
+            <a:r>
+              <a:rPr lang="en-US" sz="1600" dirty="0"/>
+              <a:t> </a:t>
+            </a:r>
+            <a:r>
+              <a:rPr lang="en-US" sz="1600" dirty="0" err="1"/>
+              <a:t>dafür</a:t>
+            </a:r>
+            <a:r>
+              <a:rPr lang="en-US" sz="1600" dirty="0"/>
+              <a:t> </a:t>
             </a:r>
             <a:r>
               <a:rPr lang="en-US" sz="1600" dirty="0" err="1"/>
@@ -20788,11 +22312,19 @@
             </a:r>
             <a:r>
               <a:rPr lang="en-US" sz="1600" dirty="0"/>
-              <a:t>, die je </a:t>
+              <a:t>, die </a:t>
             </a:r>
             <a:r>
               <a:rPr lang="en-US" sz="1600" dirty="0" err="1"/>
-              <a:t>nach</a:t>
+              <a:t>einen</a:t>
+            </a:r>
+            <a:r>
+              <a:rPr lang="en-US" sz="1600" dirty="0"/>
+              <a:t> Bool </a:t>
+            </a:r>
+            <a:r>
+              <a:rPr lang="en-US" sz="1600" dirty="0" err="1"/>
+              <a:t>als</a:t>
             </a:r>
             <a:r>
               <a:rPr lang="en-US" sz="1600" dirty="0"/>
@@ -20800,7 +22332,15 @@
             </a:r>
             <a:r>
               <a:rPr lang="en-US" sz="1600" dirty="0" err="1"/>
-              <a:t>aktueller</a:t>
+              <a:t>Rückgabe</a:t>
+            </a:r>
+            <a:r>
+              <a:rPr lang="en-US" sz="1600" dirty="0"/>
+              <a:t> hat, der </a:t>
+            </a:r>
+            <a:r>
+              <a:rPr lang="en-US" sz="1600" dirty="0" err="1"/>
+              <a:t>wahr</a:t>
             </a:r>
             <a:r>
               <a:rPr lang="en-US" sz="1600" dirty="0"/>
@@ -20808,23 +22348,15 @@
             </a:r>
             <a:r>
               <a:rPr lang="en-US" sz="1600" dirty="0" err="1"/>
-              <a:t>Richtung</a:t>
+              <a:t>ist</a:t>
             </a:r>
             <a:r>
               <a:rPr lang="en-US" sz="1600" dirty="0"/>
-              <a:t>, die Turtle um 10 </a:t>
+              <a:t>, </a:t>
             </a:r>
             <a:r>
               <a:rPr lang="en-US" sz="1600" dirty="0" err="1"/>
-              <a:t>Einheiten</a:t>
-            </a:r>
-            <a:r>
-              <a:rPr lang="en-US" sz="1600" dirty="0"/>
-              <a:t>, alle 20ms </a:t>
-            </a:r>
-            <a:r>
-              <a:rPr lang="en-US" sz="1600" dirty="0" err="1"/>
-              <a:t>bewegen</a:t>
+              <a:t>wenn</a:t>
             </a:r>
             <a:r>
               <a:rPr lang="en-US" sz="1600" dirty="0"/>
@@ -20832,15 +22364,7 @@
             </a:r>
             <a:r>
               <a:rPr lang="en-US" sz="1600" dirty="0" err="1"/>
-              <a:t>lässt</a:t>
-            </a:r>
-            <a:r>
-              <a:rPr lang="en-US" sz="1600" dirty="0"/>
-              <a:t>. Zu </a:t>
-            </a:r>
-            <a:r>
-              <a:rPr lang="en-US" sz="1600" dirty="0" err="1"/>
-              <a:t>Spielbeginn</a:t>
+              <a:t>eine</a:t>
             </a:r>
             <a:r>
               <a:rPr lang="en-US" sz="1600" dirty="0"/>
@@ -20848,15 +22372,7 @@
             </a:r>
             <a:r>
               <a:rPr lang="en-US" sz="1600" dirty="0" err="1"/>
-              <a:t>wartet</a:t>
-            </a:r>
-            <a:r>
-              <a:rPr lang="en-US" sz="1600" dirty="0"/>
-              <a:t> die Turtle auf </a:t>
-            </a:r>
-            <a:r>
-              <a:rPr lang="en-US" sz="1600" dirty="0" err="1"/>
-              <a:t>eine</a:t>
+              <a:t>Kollidierung</a:t>
             </a:r>
             <a:r>
               <a:rPr lang="en-US" sz="1600" dirty="0"/>
@@ -20864,34 +22380,15 @@
             </a:r>
             <a:r>
               <a:rPr lang="en-US" sz="1600" dirty="0" err="1"/>
-              <a:t>Eingabe</a:t>
+              <a:t>mit</a:t>
             </a:r>
             <a:r>
               <a:rPr lang="en-US" sz="1600" dirty="0"/>
-              <a:t> des Spielers.</a:t>
-            </a:r>
-          </a:p>
-          <a:p>
-            <a:pPr marL="0" lvl="0" indent="0" algn="l" rtl="0">
-              <a:spcBef>
-                <a:spcPts val="0"/>
-              </a:spcBef>
-              <a:spcAft>
-                <a:spcPts val="2100"/>
-              </a:spcAft>
-              <a:buNone/>
-            </a:pPr>
+              <a:t> dem </a:t>
+            </a:r>
             <a:r>
               <a:rPr lang="en-US" sz="1600" dirty="0" err="1"/>
-              <a:t>Hinweis</a:t>
-            </a:r>
-            <a:r>
-              <a:rPr lang="en-US" sz="1600" dirty="0"/>
-              <a:t>: Es </a:t>
-            </a:r>
-            <a:r>
-              <a:rPr lang="en-US" sz="1600" dirty="0" err="1"/>
-              <a:t>gibt</a:t>
+              <a:t>Fensterrand</a:t>
             </a:r>
             <a:r>
               <a:rPr lang="en-US" sz="1600" dirty="0"/>
@@ -20899,47 +22396,21 @@
             </a:r>
             <a:r>
               <a:rPr lang="en-US" sz="1600" dirty="0" err="1"/>
-              <a:t>hier</a:t>
+              <a:t>entsteht</a:t>
             </a:r>
             <a:r>
               <a:rPr lang="en-US" sz="1600" dirty="0"/>
-              <a:t> </a:t>
-            </a:r>
-            <a:r>
-              <a:rPr lang="en-US" sz="1600" dirty="0" err="1"/>
-              <a:t>mehrere</a:t>
-            </a:r>
-            <a:r>
-              <a:rPr lang="en-US" sz="1600" dirty="0"/>
-              <a:t> </a:t>
-            </a:r>
-            <a:r>
-              <a:rPr lang="en-US" sz="1600" dirty="0" err="1"/>
-              <a:t>unterschiedliche</a:t>
-            </a:r>
-            <a:r>
-              <a:rPr lang="en-US" sz="1600" dirty="0"/>
-              <a:t> </a:t>
-            </a:r>
-            <a:r>
-              <a:rPr lang="en-US" sz="1600" dirty="0" err="1"/>
-              <a:t>richtige</a:t>
+              <a:t>.</a:t>
             </a:r>
             <a:br>
               <a:rPr lang="en-US" sz="1600" dirty="0"/>
             </a:br>
-            <a:r>
+            <a:br>
               <a:rPr lang="en-US" sz="1600" dirty="0"/>
-              <a:t>         </a:t>
-            </a:r>
-            <a:r>
-              <a:rPr lang="en-US" sz="1600" dirty="0" err="1"/>
-              <a:t>Lösungswege</a:t>
-            </a:r>
-            <a:r>
+            </a:br>
+            <a:br>
               <a:rPr lang="en-US" sz="1600" dirty="0"/>
-              <a:t>.</a:t>
-            </a:r>
+            </a:br>
             <a:br>
               <a:rPr lang="en-US" sz="1600" dirty="0"/>
             </a:br>
@@ -21036,10 +22507,10 @@
       </p:sp>
       <p:pic>
         <p:nvPicPr>
-          <p:cNvPr id="4" name="Picture 3">
+          <p:cNvPr id="3" name="Picture 2">
             <a:extLst>
               <a:ext uri="{FF2B5EF4-FFF2-40B4-BE49-F238E27FC236}">
-                <a16:creationId xmlns:a16="http://schemas.microsoft.com/office/drawing/2014/main" id="{D614365C-F66E-A734-4D98-85D5FF1E379D}"/>
+                <a16:creationId xmlns:a16="http://schemas.microsoft.com/office/drawing/2014/main" id="{C96F2CE3-B6E2-04B8-AF00-45AE6BF4A1DF}"/>
               </a:ext>
             </a:extLst>
           </p:cNvPr>
@@ -21056,7 +22527,7 @@
         </p:blipFill>
         <p:spPr>
           <a:xfrm>
-            <a:off x="8476172" y="3429000"/>
+            <a:off x="8562436" y="3429000"/>
             <a:ext cx="2209800" cy="2209800"/>
           </a:xfrm>
           <a:prstGeom prst="rect">
@@ -21067,7 +22538,7 @@
     </p:spTree>
     <p:extLst>
       <p:ext uri="{BB962C8B-B14F-4D97-AF65-F5344CB8AC3E}">
-        <p14:creationId xmlns:p14="http://schemas.microsoft.com/office/powerpoint/2010/main" val="724500448"/>
+        <p14:creationId xmlns:p14="http://schemas.microsoft.com/office/powerpoint/2010/main" val="3101959900"/>
       </p:ext>
     </p:extLst>
   </p:cSld>
@@ -21141,7 +22612,7 @@
                   <a:schemeClr val="accent2"/>
                 </a:solidFill>
               </a:rPr>
-              <a:t>BORDER LOGIC</a:t>
+              <a:t>FOOD</a:t>
             </a:r>
             <a:endParaRPr sz="6000" dirty="0">
               <a:solidFill>
@@ -21191,7 +22662,7 @@
                   <a:schemeClr val="accent3"/>
                 </a:solidFill>
               </a:rPr>
-              <a:t>BORDER LOGIC</a:t>
+              <a:t>FOOD</a:t>
             </a:r>
             <a:endParaRPr dirty="0"/>
           </a:p>
@@ -21233,15 +22704,15 @@
             </a:pPr>
             <a:r>
               <a:rPr lang="en-US" sz="1600" dirty="0" err="1"/>
-              <a:t>Teleportiere</a:t>
+              <a:t>Damit</a:t>
             </a:r>
             <a:r>
               <a:rPr lang="en-US" sz="1600" dirty="0"/>
-              <a:t> die Turtle </a:t>
+              <a:t> die </a:t>
             </a:r>
             <a:r>
               <a:rPr lang="en-US" sz="1600" dirty="0" err="1"/>
-              <a:t>wieder</a:t>
+              <a:t>Schlange</a:t>
             </a:r>
             <a:r>
               <a:rPr lang="en-US" sz="1600" dirty="0"/>
@@ -21249,7 +22720,15 @@
             </a:r>
             <a:r>
               <a:rPr lang="en-US" sz="1600" dirty="0" err="1"/>
-              <a:t>zur</a:t>
+              <a:t>während</a:t>
+            </a:r>
+            <a:r>
+              <a:rPr lang="en-US" sz="1600" dirty="0"/>
+              <a:t> des Spiels </a:t>
+            </a:r>
+            <a:r>
+              <a:rPr lang="en-US" sz="1600" dirty="0" err="1"/>
+              <a:t>wachsen</a:t>
             </a:r>
             <a:r>
               <a:rPr lang="en-US" sz="1600" dirty="0"/>
@@ -21257,11 +22736,11 @@
             </a:r>
             <a:r>
               <a:rPr lang="en-US" sz="1600" dirty="0" err="1"/>
-              <a:t>Bildschirmmitte</a:t>
+              <a:t>kann</a:t>
             </a:r>
             <a:r>
               <a:rPr lang="en-US" sz="1600" dirty="0"/>
-              <a:t>, falls </a:t>
+              <a:t>, muss </a:t>
             </a:r>
             <a:r>
               <a:rPr lang="en-US" sz="1600" dirty="0" err="1"/>
@@ -21269,19 +22748,11 @@
             </a:r>
             <a:r>
               <a:rPr lang="en-US" sz="1600" dirty="0"/>
-              <a:t> den Rand des Fensters </a:t>
+              <a:t> </a:t>
             </a:r>
             <a:r>
               <a:rPr lang="en-US" sz="1600" dirty="0" err="1"/>
-              <a:t>erreicht</a:t>
-            </a:r>
-            <a:r>
-              <a:rPr lang="en-US" sz="1600" dirty="0"/>
-              <a:t> hat. </a:t>
-            </a:r>
-            <a:r>
-              <a:rPr lang="en-US" sz="1600" dirty="0" err="1"/>
-              <a:t>Schreibe</a:t>
+              <a:t>etwas</a:t>
             </a:r>
             <a:r>
               <a:rPr lang="en-US" sz="1600" dirty="0"/>
@@ -21289,7 +22760,15 @@
             </a:r>
             <a:r>
               <a:rPr lang="en-US" sz="1600" dirty="0" err="1"/>
-              <a:t>dafür</a:t>
+              <a:t>essen</a:t>
+            </a:r>
+            <a:r>
+              <a:rPr lang="en-US" sz="1600" dirty="0"/>
+              <a:t>. </a:t>
+            </a:r>
+            <a:r>
+              <a:rPr lang="en-US" sz="1600" dirty="0" err="1"/>
+              <a:t>Implementiere</a:t>
             </a:r>
             <a:r>
               <a:rPr lang="en-US" sz="1600" dirty="0"/>
@@ -21297,7 +22776,7 @@
             </a:r>
             <a:r>
               <a:rPr lang="en-US" sz="1600" dirty="0" err="1"/>
-              <a:t>eine</a:t>
+              <a:t>dazu</a:t>
             </a:r>
             <a:r>
               <a:rPr lang="en-US" sz="1600" dirty="0"/>
@@ -21305,23 +22784,23 @@
             </a:r>
             <a:r>
               <a:rPr lang="en-US" sz="1600" dirty="0" err="1"/>
-              <a:t>Funktion</a:t>
+              <a:t>eine</a:t>
             </a:r>
             <a:r>
               <a:rPr lang="en-US" sz="1600" dirty="0"/>
-              <a:t>, die </a:t>
+              <a:t> rote </a:t>
             </a:r>
             <a:r>
               <a:rPr lang="en-US" sz="1600" dirty="0" err="1"/>
-              <a:t>einen</a:t>
+              <a:t>viereckige</a:t>
             </a:r>
             <a:r>
               <a:rPr lang="en-US" sz="1600" dirty="0"/>
-              <a:t> Bool </a:t>
+              <a:t> Turtle, die an </a:t>
             </a:r>
             <a:r>
               <a:rPr lang="en-US" sz="1600" dirty="0" err="1"/>
-              <a:t>als</a:t>
+              <a:t>einer</a:t>
             </a:r>
             <a:r>
               <a:rPr lang="en-US" sz="1600" dirty="0"/>
@@ -21329,15 +22808,63 @@
             </a:r>
             <a:r>
               <a:rPr lang="en-US" sz="1600" dirty="0" err="1"/>
-              <a:t>Rückgabe</a:t>
+              <a:t>zufälligen</a:t>
             </a:r>
             <a:r>
               <a:rPr lang="en-US" sz="1600" dirty="0"/>
-              <a:t> hat, der </a:t>
+              <a:t> Position </a:t>
             </a:r>
             <a:r>
               <a:rPr lang="en-US" sz="1600" dirty="0" err="1"/>
-              <a:t>wahr</a:t>
+              <a:t>im</a:t>
+            </a:r>
+            <a:r>
+              <a:rPr lang="en-US" sz="1600" dirty="0"/>
+              <a:t> Fenster </a:t>
+            </a:r>
+            <a:r>
+              <a:rPr lang="en-US" sz="1600" dirty="0" err="1"/>
+              <a:t>erscheint</a:t>
+            </a:r>
+            <a:r>
+              <a:rPr lang="en-US" sz="1600" dirty="0"/>
+              <a:t>. </a:t>
+            </a:r>
+            <a:r>
+              <a:rPr lang="en-US" sz="1600" dirty="0" err="1"/>
+              <a:t>Wenn</a:t>
+            </a:r>
+            <a:r>
+              <a:rPr lang="en-US" sz="1600" dirty="0"/>
+              <a:t> die </a:t>
+            </a:r>
+            <a:r>
+              <a:rPr lang="en-US" sz="1600" dirty="0" err="1"/>
+              <a:t>Schlange</a:t>
+            </a:r>
+            <a:r>
+              <a:rPr lang="en-US" sz="1600" dirty="0"/>
+              <a:t> das Essen </a:t>
+            </a:r>
+            <a:r>
+              <a:rPr lang="en-US" sz="1600" dirty="0" err="1"/>
+              <a:t>berührt</a:t>
+            </a:r>
+            <a:r>
+              <a:rPr lang="en-US" sz="1600" dirty="0"/>
+              <a:t>, </a:t>
+            </a:r>
+            <a:r>
+              <a:rPr lang="en-US" sz="1600" dirty="0" err="1"/>
+              <a:t>soll</a:t>
+            </a:r>
+            <a:r>
+              <a:rPr lang="en-US" sz="1600" dirty="0"/>
+              <a:t> dies an </a:t>
+            </a:r>
+            <a:r>
+              <a:rPr lang="en-US" sz="1600" dirty="0" err="1"/>
+              <a:t>eine</a:t>
             </a:r>
             <a:r>
               <a:rPr lang="en-US" sz="1600" dirty="0"/>
@@ -21345,15 +22872,7 @@
             </a:r>
             <a:r>
               <a:rPr lang="en-US" sz="1600" dirty="0" err="1"/>
-              <a:t>ist</a:t>
-            </a:r>
-            <a:r>
-              <a:rPr lang="en-US" sz="1600" dirty="0"/>
-              <a:t>, </a:t>
-            </a:r>
-            <a:r>
-              <a:rPr lang="en-US" sz="1600" dirty="0" err="1"/>
-              <a:t>wenn</a:t>
+              <a:t>neue</a:t>
             </a:r>
             <a:r>
               <a:rPr lang="en-US" sz="1600" dirty="0"/>
@@ -21361,7 +22880,15 @@
             </a:r>
             <a:r>
               <a:rPr lang="en-US" sz="1600" dirty="0" err="1"/>
-              <a:t>eine</a:t>
+              <a:t>zufällige</a:t>
+            </a:r>
+            <a:r>
+              <a:rPr lang="en-US" sz="1600" dirty="0"/>
+              <a:t> Position </a:t>
+            </a:r>
+            <a:r>
+              <a:rPr lang="en-US" sz="1600" dirty="0" err="1"/>
+              <a:t>bewegt</a:t>
             </a:r>
             <a:r>
               <a:rPr lang="en-US" sz="1600" dirty="0"/>
@@ -21369,7 +22896,29 @@
             </a:r>
             <a:r>
               <a:rPr lang="en-US" sz="1600" dirty="0" err="1"/>
-              <a:t>Kollidierung</a:t>
+              <a:t>werden</a:t>
+            </a:r>
+            <a:r>
+              <a:rPr lang="en-US" sz="1600" dirty="0"/>
+              <a:t>.</a:t>
+            </a:r>
+            <a:br>
+              <a:rPr lang="en-US" sz="1600" dirty="0"/>
+            </a:br>
+            <a:br>
+              <a:rPr lang="en-US" sz="1600" dirty="0"/>
+            </a:br>
+            <a:r>
+              <a:rPr lang="en-US" sz="1600" dirty="0" err="1"/>
+              <a:t>Hinweis</a:t>
+            </a:r>
+            <a:r>
+              <a:rPr lang="en-US" sz="1600" dirty="0"/>
+              <a:t>: </a:t>
+            </a:r>
+            <a:r>
+              <a:rPr lang="en-US" sz="1600" dirty="0" err="1"/>
+              <a:t>Implementiere</a:t>
             </a:r>
             <a:r>
               <a:rPr lang="en-US" sz="1600" dirty="0"/>
@@ -21377,15 +22926,7 @@
             </a:r>
             <a:r>
               <a:rPr lang="en-US" sz="1600" dirty="0" err="1"/>
-              <a:t>mit</a:t>
-            </a:r>
-            <a:r>
-              <a:rPr lang="en-US" sz="1600" dirty="0"/>
-              <a:t> dem </a:t>
-            </a:r>
-            <a:r>
-              <a:rPr lang="en-US" sz="1600" dirty="0" err="1"/>
-              <a:t>Fensterrand</a:t>
+              <a:t>dazu</a:t>
             </a:r>
             <a:r>
               <a:rPr lang="en-US" sz="1600" dirty="0"/>
@@ -21393,7 +22934,70 @@
             </a:r>
             <a:r>
               <a:rPr lang="en-US" sz="1600" dirty="0" err="1"/>
-              <a:t>entsteht</a:t>
+              <a:t>eine</a:t>
+            </a:r>
+            <a:r>
+              <a:rPr lang="en-US" sz="1600" dirty="0"/>
+              <a:t> </a:t>
+            </a:r>
+            <a:r>
+              <a:rPr lang="en-US" sz="1600" dirty="0" err="1"/>
+              <a:t>neue</a:t>
+            </a:r>
+            <a:r>
+              <a:rPr lang="en-US" sz="1600" dirty="0"/>
+              <a:t> </a:t>
+            </a:r>
+            <a:r>
+              <a:rPr lang="en-US" sz="1600" dirty="0" err="1"/>
+              <a:t>Klasse</a:t>
+            </a:r>
+            <a:r>
+              <a:rPr lang="en-US" sz="1600" dirty="0"/>
+              <a:t> “Food” die </a:t>
+            </a:r>
+            <a:r>
+              <a:rPr lang="en-US" sz="1600" dirty="0" err="1"/>
+              <a:t>u.a.</a:t>
+            </a:r>
+            <a:r>
+              <a:rPr lang="en-US" sz="1600" dirty="0"/>
+              <a:t> </a:t>
+            </a:r>
+            <a:br>
+              <a:rPr lang="en-US" sz="1600" dirty="0"/>
+            </a:br>
+            <a:r>
+              <a:rPr lang="en-US" sz="1600" dirty="0"/>
+              <a:t>	 </a:t>
+            </a:r>
+            <a:r>
+              <a:rPr lang="en-US" sz="1600" dirty="0" err="1"/>
+              <a:t>eine</a:t>
+            </a:r>
+            <a:r>
+              <a:rPr lang="en-US" sz="1600" dirty="0"/>
+              <a:t> </a:t>
+            </a:r>
+            <a:r>
+              <a:rPr lang="en-US" sz="1600" dirty="0" err="1"/>
+              <a:t>Funktion</a:t>
+            </a:r>
+            <a:r>
+              <a:rPr lang="en-US" sz="1600" dirty="0"/>
+              <a:t> “</a:t>
+            </a:r>
+            <a:r>
+              <a:rPr lang="en-US" sz="1600" dirty="0" err="1"/>
+              <a:t>find_new_location</a:t>
+            </a:r>
+            <a:r>
+              <a:rPr lang="en-US" sz="1600" dirty="0"/>
+              <a:t>” </a:t>
+            </a:r>
+            <a:r>
+              <a:rPr lang="en-US" sz="1600" dirty="0" err="1"/>
+              <a:t>beinhaltet</a:t>
             </a:r>
             <a:r>
               <a:rPr lang="en-US" sz="1600" dirty="0"/>
@@ -21411,24 +23015,6 @@
             <a:br>
               <a:rPr lang="en-US" sz="1600" dirty="0"/>
             </a:br>
-            <a:br>
-              <a:rPr lang="en-US" sz="1600" dirty="0"/>
-            </a:br>
-            <a:endParaRPr lang="en-US" sz="1600" dirty="0"/>
-          </a:p>
-          <a:p>
-            <a:pPr marL="0" lvl="0" indent="0" algn="l" rtl="0">
-              <a:spcBef>
-                <a:spcPts val="0"/>
-              </a:spcBef>
-              <a:spcAft>
-                <a:spcPts val="2100"/>
-              </a:spcAft>
-              <a:buNone/>
-            </a:pPr>
-            <a:br>
-              <a:rPr lang="en-US" sz="1600" dirty="0"/>
-            </a:br>
             <a:r>
               <a:rPr lang="en-US" sz="1200" dirty="0"/>
               <a:t>Das Start- und </a:t>
@@ -21504,10 +23090,10 @@
       </p:sp>
       <p:pic>
         <p:nvPicPr>
-          <p:cNvPr id="3" name="Picture 2">
+          <p:cNvPr id="4" name="Picture 3">
             <a:extLst>
               <a:ext uri="{FF2B5EF4-FFF2-40B4-BE49-F238E27FC236}">
-                <a16:creationId xmlns:a16="http://schemas.microsoft.com/office/drawing/2014/main" id="{C96F2CE3-B6E2-04B8-AF00-45AE6BF4A1DF}"/>
+                <a16:creationId xmlns:a16="http://schemas.microsoft.com/office/drawing/2014/main" id="{44120C97-46D6-E0F4-A848-209FFFD463FF}"/>
               </a:ext>
             </a:extLst>
           </p:cNvPr>
@@ -21524,7 +23110,7 @@
         </p:blipFill>
         <p:spPr>
           <a:xfrm>
-            <a:off x="8562436" y="3429000"/>
+            <a:off x="8982556" y="3617915"/>
             <a:ext cx="2209800" cy="2209800"/>
           </a:xfrm>
           <a:prstGeom prst="rect">
@@ -21535,7 +23121,7 @@
     </p:spTree>
     <p:extLst>
       <p:ext uri="{BB962C8B-B14F-4D97-AF65-F5344CB8AC3E}">
-        <p14:creationId xmlns:p14="http://schemas.microsoft.com/office/powerpoint/2010/main" val="3101959900"/>
+        <p14:creationId xmlns:p14="http://schemas.microsoft.com/office/powerpoint/2010/main" val="1962524757"/>
       </p:ext>
     </p:extLst>
   </p:cSld>
@@ -21609,7 +23195,7 @@
                   <a:schemeClr val="accent2"/>
                 </a:solidFill>
               </a:rPr>
-              <a:t>FOOD</a:t>
+              <a:t>MODULES</a:t>
             </a:r>
             <a:endParaRPr sz="6000" dirty="0">
               <a:solidFill>
@@ -21659,7 +23245,7 @@
                   <a:schemeClr val="accent3"/>
                 </a:solidFill>
               </a:rPr>
-              <a:t>FOOD</a:t>
+              <a:t>SNAKE CLASS (c6)</a:t>
             </a:r>
             <a:endParaRPr dirty="0"/>
           </a:p>
@@ -21667,8 +23253,14 @@
       </p:sp>
       <p:sp>
         <p:nvSpPr>
-          <p:cNvPr id="446" name="Google Shape;446;p29"/>
-          <p:cNvSpPr txBox="1">
+          <p:cNvPr id="4" name="Text Placeholder 3">
+            <a:extLst>
+              <a:ext uri="{FF2B5EF4-FFF2-40B4-BE49-F238E27FC236}">
+                <a16:creationId xmlns:a16="http://schemas.microsoft.com/office/drawing/2014/main" id="{71064820-2700-85EE-131A-51CE2DE86E8E}"/>
+              </a:ext>
+            </a:extLst>
+          </p:cNvPr>
+          <p:cNvSpPr>
             <a:spLocks noGrp="1"/>
           </p:cNvSpPr>
           <p:nvPr>
@@ -21678,447 +23270,86 @@
         <p:spPr>
           <a:xfrm>
             <a:off x="1217550" y="2238218"/>
-            <a:ext cx="9755100" cy="3862232"/>
+            <a:ext cx="9755100" cy="2350874"/>
           </a:xfrm>
-          <a:prstGeom prst="rect">
-            <a:avLst/>
-          </a:prstGeom>
         </p:spPr>
         <p:txBody>
-          <a:bodyPr spcFirstLastPara="1" wrap="square" lIns="121900" tIns="121900" rIns="121900" bIns="121900" anchor="t" anchorCtr="0">
-            <a:noAutofit/>
-          </a:bodyPr>
+          <a:bodyPr/>
           <a:lstStyle/>
           <a:p>
-            <a:pPr marL="0" lvl="0" indent="0" algn="l" rtl="0">
-              <a:spcBef>
-                <a:spcPts val="0"/>
-              </a:spcBef>
-              <a:spcAft>
-                <a:spcPts val="2100"/>
-              </a:spcAft>
+            <a:pPr marL="139700" indent="0">
               <a:buNone/>
             </a:pPr>
             <a:r>
-              <a:rPr lang="en-US" sz="1600" dirty="0" err="1"/>
-              <a:t>Damit</a:t>
-            </a:r>
-            <a:r>
-              <a:rPr lang="en-US" sz="1600" dirty="0"/>
-              <a:t> die </a:t>
-            </a:r>
-            <a:r>
-              <a:rPr lang="en-US" sz="1600" dirty="0" err="1"/>
-              <a:t>Schlange</a:t>
-            </a:r>
-            <a:r>
-              <a:rPr lang="en-US" sz="1600" dirty="0"/>
-              <a:t> </a:t>
-            </a:r>
-            <a:r>
-              <a:rPr lang="en-US" sz="1600" dirty="0" err="1"/>
-              <a:t>während</a:t>
-            </a:r>
-            <a:r>
-              <a:rPr lang="en-US" sz="1600" dirty="0"/>
-              <a:t> des Spiels </a:t>
-            </a:r>
-            <a:r>
-              <a:rPr lang="en-US" sz="1600" dirty="0" err="1"/>
-              <a:t>wachsen</a:t>
-            </a:r>
-            <a:r>
-              <a:rPr lang="en-US" sz="1600" dirty="0"/>
-              <a:t> </a:t>
-            </a:r>
-            <a:r>
-              <a:rPr lang="en-US" sz="1600" dirty="0" err="1"/>
-              <a:t>kann</a:t>
-            </a:r>
-            <a:r>
-              <a:rPr lang="en-US" sz="1600" dirty="0"/>
-              <a:t>, muss </a:t>
-            </a:r>
-            <a:r>
-              <a:rPr lang="en-US" sz="1600" dirty="0" err="1"/>
-              <a:t>sie</a:t>
-            </a:r>
-            <a:r>
-              <a:rPr lang="en-US" sz="1600" dirty="0"/>
-              <a:t> </a:t>
-            </a:r>
-            <a:r>
-              <a:rPr lang="en-US" sz="1600" dirty="0" err="1"/>
-              <a:t>etwas</a:t>
-            </a:r>
-            <a:r>
-              <a:rPr lang="en-US" sz="1600" dirty="0"/>
-              <a:t> </a:t>
-            </a:r>
-            <a:r>
-              <a:rPr lang="en-US" sz="1600" dirty="0" err="1"/>
-              <a:t>essen</a:t>
-            </a:r>
-            <a:r>
-              <a:rPr lang="en-US" sz="1600" dirty="0"/>
-              <a:t>. </a:t>
-            </a:r>
-            <a:r>
-              <a:rPr lang="en-US" sz="1600" dirty="0" err="1"/>
-              <a:t>Implementiere</a:t>
-            </a:r>
-            <a:r>
-              <a:rPr lang="en-US" sz="1600" dirty="0"/>
-              <a:t> </a:t>
-            </a:r>
-            <a:r>
-              <a:rPr lang="en-US" sz="1600" dirty="0" err="1"/>
-              <a:t>dazu</a:t>
-            </a:r>
-            <a:r>
-              <a:rPr lang="en-US" sz="1600" dirty="0"/>
-              <a:t> </a:t>
-            </a:r>
-            <a:r>
-              <a:rPr lang="en-US" sz="1600" dirty="0" err="1"/>
-              <a:t>eine</a:t>
-            </a:r>
-            <a:r>
-              <a:rPr lang="en-US" sz="1600" dirty="0"/>
-              <a:t> rote </a:t>
-            </a:r>
-            <a:r>
-              <a:rPr lang="en-US" sz="1600" dirty="0" err="1"/>
-              <a:t>viereckige</a:t>
-            </a:r>
-            <a:r>
-              <a:rPr lang="en-US" sz="1600" dirty="0"/>
-              <a:t> Turtle, die an </a:t>
-            </a:r>
-            <a:r>
-              <a:rPr lang="en-US" sz="1600" dirty="0" err="1"/>
-              <a:t>einer</a:t>
-            </a:r>
-            <a:r>
-              <a:rPr lang="en-US" sz="1600" dirty="0"/>
-              <a:t> </a:t>
-            </a:r>
-            <a:r>
-              <a:rPr lang="en-US" sz="1600" dirty="0" err="1"/>
-              <a:t>zufälligen</a:t>
-            </a:r>
-            <a:r>
-              <a:rPr lang="en-US" sz="1600" dirty="0"/>
-              <a:t> Position </a:t>
-            </a:r>
-            <a:r>
-              <a:rPr lang="en-US" sz="1600" dirty="0" err="1"/>
-              <a:t>im</a:t>
-            </a:r>
-            <a:r>
-              <a:rPr lang="en-US" sz="1600" dirty="0"/>
-              <a:t> Fenster </a:t>
-            </a:r>
-            <a:r>
-              <a:rPr lang="en-US" sz="1600" dirty="0" err="1"/>
-              <a:t>erscheint</a:t>
-            </a:r>
-            <a:r>
-              <a:rPr lang="en-US" sz="1600" dirty="0"/>
-              <a:t>. </a:t>
-            </a:r>
-            <a:r>
-              <a:rPr lang="en-US" sz="1600" dirty="0" err="1"/>
-              <a:t>Wenn</a:t>
-            </a:r>
-            <a:r>
-              <a:rPr lang="en-US" sz="1600" dirty="0"/>
-              <a:t> die </a:t>
-            </a:r>
-            <a:r>
-              <a:rPr lang="en-US" sz="1600" dirty="0" err="1"/>
-              <a:t>Schlange</a:t>
-            </a:r>
-            <a:r>
-              <a:rPr lang="en-US" sz="1600" dirty="0"/>
-              <a:t> das Essen </a:t>
-            </a:r>
-            <a:r>
-              <a:rPr lang="en-US" sz="1600" dirty="0" err="1"/>
-              <a:t>berührt</a:t>
-            </a:r>
-            <a:r>
-              <a:rPr lang="en-US" sz="1600" dirty="0"/>
-              <a:t>, </a:t>
-            </a:r>
-            <a:r>
-              <a:rPr lang="en-US" sz="1600" dirty="0" err="1"/>
-              <a:t>soll</a:t>
-            </a:r>
-            <a:r>
-              <a:rPr lang="en-US" sz="1600" dirty="0"/>
-              <a:t> dies an </a:t>
-            </a:r>
-            <a:r>
-              <a:rPr lang="en-US" sz="1600" dirty="0" err="1"/>
-              <a:t>eine</a:t>
-            </a:r>
-            <a:r>
-              <a:rPr lang="en-US" sz="1600" dirty="0"/>
-              <a:t> </a:t>
-            </a:r>
-            <a:r>
-              <a:rPr lang="en-US" sz="1600" dirty="0" err="1"/>
-              <a:t>neue</a:t>
-            </a:r>
-            <a:r>
-              <a:rPr lang="en-US" sz="1600" dirty="0"/>
-              <a:t> </a:t>
-            </a:r>
-            <a:r>
-              <a:rPr lang="en-US" sz="1600" dirty="0" err="1"/>
-              <a:t>zufällige</a:t>
-            </a:r>
-            <a:r>
-              <a:rPr lang="en-US" sz="1600" dirty="0"/>
-              <a:t> Position </a:t>
-            </a:r>
-            <a:r>
-              <a:rPr lang="en-US" sz="1600" dirty="0" err="1"/>
-              <a:t>bewegt</a:t>
-            </a:r>
-            <a:r>
-              <a:rPr lang="en-US" sz="1600" dirty="0"/>
-              <a:t> </a:t>
-            </a:r>
-            <a:r>
-              <a:rPr lang="en-US" sz="1600" dirty="0" err="1"/>
-              <a:t>werden</a:t>
-            </a:r>
-            <a:r>
-              <a:rPr lang="en-US" sz="1600" dirty="0"/>
-              <a:t>.</a:t>
-            </a:r>
-            <a:br>
-              <a:rPr lang="en-US" sz="1600" dirty="0"/>
-            </a:br>
-            <a:br>
-              <a:rPr lang="en-US" sz="1600" dirty="0"/>
-            </a:br>
-            <a:r>
-              <a:rPr lang="en-US" sz="1600" dirty="0" err="1"/>
-              <a:t>Hinweis</a:t>
-            </a:r>
-            <a:r>
-              <a:rPr lang="en-US" sz="1600" dirty="0"/>
-              <a:t>: </a:t>
-            </a:r>
-            <a:r>
-              <a:rPr lang="en-US" sz="1600" dirty="0" err="1"/>
-              <a:t>Implementiere</a:t>
-            </a:r>
-            <a:r>
-              <a:rPr lang="en-US" sz="1600" dirty="0"/>
-              <a:t> </a:t>
-            </a:r>
-            <a:r>
-              <a:rPr lang="en-US" sz="1600" dirty="0" err="1"/>
-              <a:t>dazu</a:t>
-            </a:r>
-            <a:r>
-              <a:rPr lang="en-US" sz="1600" dirty="0"/>
-              <a:t> </a:t>
-            </a:r>
-            <a:r>
-              <a:rPr lang="en-US" sz="1600" dirty="0" err="1"/>
-              <a:t>eine</a:t>
-            </a:r>
-            <a:r>
-              <a:rPr lang="en-US" sz="1600" dirty="0"/>
-              <a:t> </a:t>
-            </a:r>
-            <a:r>
-              <a:rPr lang="en-US" sz="1600" dirty="0" err="1"/>
-              <a:t>neue</a:t>
-            </a:r>
-            <a:r>
-              <a:rPr lang="en-US" sz="1600" dirty="0"/>
-              <a:t> </a:t>
-            </a:r>
-            <a:r>
-              <a:rPr lang="en-US" sz="1600" dirty="0" err="1"/>
-              <a:t>Klasse</a:t>
-            </a:r>
-            <a:r>
-              <a:rPr lang="en-US" sz="1600" dirty="0"/>
-              <a:t> “Food” die </a:t>
-            </a:r>
-            <a:r>
-              <a:rPr lang="en-US" sz="1600" dirty="0" err="1"/>
-              <a:t>u.a.</a:t>
-            </a:r>
-            <a:r>
-              <a:rPr lang="en-US" sz="1600" dirty="0"/>
-              <a:t> </a:t>
-            </a:r>
-            <a:br>
-              <a:rPr lang="en-US" sz="1600" dirty="0"/>
-            </a:br>
-            <a:r>
-              <a:rPr lang="en-US" sz="1600" dirty="0"/>
-              <a:t>	 </a:t>
-            </a:r>
-            <a:r>
-              <a:rPr lang="en-US" sz="1600" dirty="0" err="1"/>
-              <a:t>eine</a:t>
-            </a:r>
-            <a:r>
-              <a:rPr lang="en-US" sz="1600" dirty="0"/>
-              <a:t> </a:t>
-            </a:r>
-            <a:r>
-              <a:rPr lang="en-US" sz="1600" dirty="0" err="1"/>
-              <a:t>Funktion</a:t>
-            </a:r>
-            <a:r>
-              <a:rPr lang="en-US" sz="1600" dirty="0"/>
-              <a:t> “</a:t>
-            </a:r>
-            <a:r>
-              <a:rPr lang="en-US" sz="1600" dirty="0" err="1"/>
-              <a:t>find_new_location</a:t>
-            </a:r>
-            <a:r>
-              <a:rPr lang="en-US" sz="1600" dirty="0"/>
-              <a:t>” </a:t>
-            </a:r>
-            <a:r>
-              <a:rPr lang="en-US" sz="1600" dirty="0" err="1"/>
-              <a:t>beinhaltet</a:t>
-            </a:r>
-            <a:r>
-              <a:rPr lang="en-US" sz="1600" dirty="0"/>
-              <a:t>.</a:t>
-            </a:r>
-            <a:br>
-              <a:rPr lang="en-US" sz="1600" dirty="0"/>
-            </a:br>
-            <a:br>
-              <a:rPr lang="en-US" sz="1600" dirty="0"/>
-            </a:br>
-            <a:br>
-              <a:rPr lang="en-US" sz="1600" dirty="0"/>
-            </a:br>
-            <a:br>
-              <a:rPr lang="en-US" sz="1600" dirty="0"/>
-            </a:br>
-            <a:r>
-              <a:rPr lang="en-US" sz="1200" dirty="0"/>
-              <a:t>Das Start- und </a:t>
-            </a:r>
-            <a:r>
-              <a:rPr lang="en-US" sz="1200" dirty="0" err="1"/>
-              <a:t>Zielprojekt</a:t>
-            </a:r>
-            <a:r>
-              <a:rPr lang="en-US" sz="1200" dirty="0"/>
-              <a:t> </a:t>
-            </a:r>
-            <a:r>
-              <a:rPr lang="en-US" sz="1200" dirty="0" err="1"/>
-              <a:t>dieser</a:t>
-            </a:r>
-            <a:r>
-              <a:rPr lang="en-US" sz="1200" dirty="0"/>
-              <a:t> Aufgabe </a:t>
-            </a:r>
-            <a:r>
-              <a:rPr lang="en-US" sz="1200" dirty="0" err="1"/>
-              <a:t>findest</a:t>
-            </a:r>
-            <a:r>
-              <a:rPr lang="en-US" sz="1200" dirty="0"/>
-              <a:t> du </a:t>
-            </a:r>
-            <a:r>
-              <a:rPr lang="en-US" sz="1200" dirty="0" err="1"/>
-              <a:t>hier</a:t>
-            </a:r>
-            <a:r>
-              <a:rPr lang="en-US" sz="1200" dirty="0"/>
-              <a:t>:</a:t>
-            </a:r>
-            <a:br>
-              <a:rPr lang="en-US" sz="1200" dirty="0"/>
-            </a:br>
-            <a:r>
-              <a:rPr lang="en-US" sz="1200" dirty="0">
-                <a:hlinkClick r:id="rId3"/>
-              </a:rPr>
-              <a:t>https://github.com/derech1e/python-beginner-course/tree/master/007</a:t>
-            </a:r>
-            <a:endParaRPr lang="en-US" sz="1200" dirty="0"/>
+              <a:rPr lang="de-DE" dirty="0"/>
+              <a:t>Um das Programm übersichtlicher zu gestalten, soll die Logik in einer eigen Snake-Klasse ausgelagert werden. Diese kann in einer extra Datei gespeichert werden.</a:t>
+            </a:r>
           </a:p>
           <a:p>
-            <a:pPr marL="0" lvl="0" indent="0" algn="l" rtl="0">
-              <a:spcBef>
-                <a:spcPts val="0"/>
-              </a:spcBef>
-              <a:spcAft>
-                <a:spcPts val="2100"/>
-              </a:spcAft>
+            <a:pPr marL="139700" indent="0">
               <a:buNone/>
             </a:pPr>
-            <a:endParaRPr lang="en-US" sz="1600" dirty="0"/>
+            <a:endParaRPr lang="de-DE" dirty="0"/>
           </a:p>
           <a:p>
-            <a:pPr marL="0" lvl="0" indent="0" algn="l" rtl="0">
-              <a:spcBef>
-                <a:spcPts val="0"/>
-              </a:spcBef>
-              <a:spcAft>
-                <a:spcPts val="2100"/>
-              </a:spcAft>
+            <a:pPr marL="139700" indent="0">
               <a:buNone/>
             </a:pPr>
-            <a:endParaRPr lang="en-US" sz="1600" dirty="0"/>
+            <a:r>
+              <a:rPr lang="de-DE" dirty="0"/>
+              <a:t>Ebenfalls sollen andere Funktionen, wie z.B. das Screen-Setup in einer Utils.py Datei ausgelagert und danach importiert werden.</a:t>
+            </a:r>
+          </a:p>
+          <a:p>
+            <a:pPr marL="139700" indent="0">
+              <a:buNone/>
+            </a:pPr>
+            <a:endParaRPr lang="de-DE" dirty="0"/>
+          </a:p>
+          <a:p>
+            <a:pPr marL="139700" indent="0">
+              <a:buNone/>
+            </a:pPr>
+            <a:endParaRPr lang="de-DE" dirty="0"/>
+          </a:p>
+          <a:p>
+            <a:pPr marL="139700" indent="0">
+              <a:buNone/>
+            </a:pPr>
+            <a:r>
+              <a:rPr lang="de-DE" dirty="0"/>
+              <a:t>Die </a:t>
+            </a:r>
+            <a:r>
+              <a:rPr lang="de-DE" dirty="0" err="1"/>
+              <a:t>main</a:t>
+            </a:r>
+            <a:r>
+              <a:rPr lang="de-DE" dirty="0"/>
+              <a:t> Datei soll als Game-</a:t>
+            </a:r>
+            <a:r>
+              <a:rPr lang="de-DE" dirty="0" err="1"/>
+              <a:t>Controler</a:t>
+            </a:r>
+            <a:r>
+              <a:rPr lang="de-DE" dirty="0"/>
+              <a:t> genutzt werden.</a:t>
+            </a:r>
+            <a:br>
+              <a:rPr lang="de-DE" dirty="0"/>
+            </a:br>
+            <a:r>
+              <a:rPr lang="de-DE" dirty="0"/>
+              <a:t> </a:t>
+            </a:r>
           </a:p>
         </p:txBody>
       </p:sp>
-      <p:pic>
-        <p:nvPicPr>
-          <p:cNvPr id="4" name="Picture 3">
-            <a:extLst>
-              <a:ext uri="{FF2B5EF4-FFF2-40B4-BE49-F238E27FC236}">
-                <a16:creationId xmlns:a16="http://schemas.microsoft.com/office/drawing/2014/main" id="{44120C97-46D6-E0F4-A848-209FFFD463FF}"/>
-              </a:ext>
-            </a:extLst>
-          </p:cNvPr>
-          <p:cNvPicPr>
-            <a:picLocks noChangeAspect="1"/>
-          </p:cNvPicPr>
-          <p:nvPr/>
-        </p:nvPicPr>
-        <p:blipFill>
-          <a:blip r:embed="rId4"/>
-          <a:stretch>
-            <a:fillRect/>
-          </a:stretch>
-        </p:blipFill>
-        <p:spPr>
-          <a:xfrm>
-            <a:off x="8982556" y="3617915"/>
-            <a:ext cx="2209800" cy="2209800"/>
-          </a:xfrm>
-          <a:prstGeom prst="rect">
-            <a:avLst/>
-          </a:prstGeom>
-        </p:spPr>
-      </p:pic>
     </p:spTree>
     <p:extLst>
       <p:ext uri="{BB962C8B-B14F-4D97-AF65-F5344CB8AC3E}">
-        <p14:creationId xmlns:p14="http://schemas.microsoft.com/office/powerpoint/2010/main" val="1962524757"/>
+        <p14:creationId xmlns:p14="http://schemas.microsoft.com/office/powerpoint/2010/main" val="3872588631"/>
       </p:ext>
     </p:extLst>
   </p:cSld>

--- a/008/lesson_8.pptx
+++ b/008/lesson_8.pptx
@@ -5,47 +5,43 @@
     <p:sldMasterId id="2147483668" r:id="rId1"/>
   </p:sldMasterIdLst>
   <p:notesMasterIdLst>
-    <p:notesMasterId r:id="rId15"/>
+    <p:notesMasterId r:id="rId11"/>
   </p:notesMasterIdLst>
   <p:sldIdLst>
     <p:sldId id="256" r:id="rId2"/>
     <p:sldId id="297" r:id="rId3"/>
-    <p:sldId id="327" r:id="rId4"/>
-    <p:sldId id="329" r:id="rId5"/>
-    <p:sldId id="322" r:id="rId6"/>
-    <p:sldId id="328" r:id="rId7"/>
-    <p:sldId id="330" r:id="rId8"/>
-    <p:sldId id="331" r:id="rId9"/>
-    <p:sldId id="332" r:id="rId10"/>
-    <p:sldId id="316" r:id="rId11"/>
-    <p:sldId id="333" r:id="rId12"/>
-    <p:sldId id="334" r:id="rId13"/>
-    <p:sldId id="278" r:id="rId14"/>
+    <p:sldId id="332" r:id="rId4"/>
+    <p:sldId id="316" r:id="rId5"/>
+    <p:sldId id="336" r:id="rId6"/>
+    <p:sldId id="335" r:id="rId7"/>
+    <p:sldId id="333" r:id="rId8"/>
+    <p:sldId id="334" r:id="rId9"/>
+    <p:sldId id="278" r:id="rId10"/>
   </p:sldIdLst>
   <p:sldSz cx="12192000" cy="6858000"/>
   <p:notesSz cx="6858000" cy="9144000"/>
   <p:embeddedFontLst>
     <p:embeddedFont>
       <p:font typeface="Abril Fatface" panose="02000503000000020003" pitchFamily="2" charset="0"/>
-      <p:regular r:id="rId16"/>
+      <p:regular r:id="rId12"/>
     </p:embeddedFont>
     <p:embeddedFont>
-      <p:font typeface="Aldrich" panose="020B0604020202020204" charset="0"/>
-      <p:regular r:id="rId17"/>
+      <p:font typeface="Aldrich" panose="02000000000000000000" pitchFamily="2" charset="0"/>
+      <p:regular r:id="rId13"/>
     </p:embeddedFont>
     <p:embeddedFont>
       <p:font typeface="Roboto" panose="02000000000000000000" pitchFamily="2" charset="0"/>
+      <p:regular r:id="rId14"/>
+      <p:bold r:id="rId15"/>
+      <p:italic r:id="rId16"/>
+      <p:boldItalic r:id="rId17"/>
+    </p:embeddedFont>
+    <p:embeddedFont>
+      <p:font typeface="Roboto Mono" panose="00000009000000000000" pitchFamily="49" charset="0"/>
       <p:regular r:id="rId18"/>
       <p:bold r:id="rId19"/>
       <p:italic r:id="rId20"/>
       <p:boldItalic r:id="rId21"/>
-    </p:embeddedFont>
-    <p:embeddedFont>
-      <p:font typeface="Roboto Mono" panose="00000009000000000000" pitchFamily="49" charset="0"/>
-      <p:regular r:id="rId22"/>
-      <p:bold r:id="rId23"/>
-      <p:italic r:id="rId24"/>
-      <p:boldItalic r:id="rId25"/>
     </p:embeddedFont>
   </p:embeddedFontLst>
   <p:defaultTextStyle>
@@ -844,328 +840,6 @@
 </p:notes>
 </file>
 
-<file path=ppt/notesSlides/notesSlide10.xml><?xml version="1.0" encoding="utf-8"?>
-<p:notes xmlns:a="http://schemas.openxmlformats.org/drawingml/2006/main" xmlns:r="http://schemas.openxmlformats.org/officeDocument/2006/relationships" xmlns:p="http://schemas.openxmlformats.org/presentationml/2006/main" showMasterSp="0" showMasterPhAnim="0">
-  <p:cSld>
-    <p:spTree>
-      <p:nvGrpSpPr>
-        <p:cNvPr id="1" name="Shape 436"/>
-        <p:cNvGrpSpPr/>
-        <p:nvPr/>
-      </p:nvGrpSpPr>
-      <p:grpSpPr>
-        <a:xfrm>
-          <a:off x="0" y="0"/>
-          <a:ext cx="0" cy="0"/>
-          <a:chOff x="0" y="0"/>
-          <a:chExt cx="0" cy="0"/>
-        </a:xfrm>
-      </p:grpSpPr>
-      <p:sp>
-        <p:nvSpPr>
-          <p:cNvPr id="437" name="Google Shape;437;ga073618e60_0_106:notes"/>
-          <p:cNvSpPr>
-            <a:spLocks noGrp="1" noRot="1" noChangeAspect="1"/>
-          </p:cNvSpPr>
-          <p:nvPr>
-            <p:ph type="sldImg" idx="2"/>
-          </p:nvPr>
-        </p:nvSpPr>
-        <p:spPr>
-          <a:xfrm>
-            <a:off x="381000" y="685800"/>
-            <a:ext cx="6096000" cy="3429000"/>
-          </a:xfrm>
-          <a:custGeom>
-            <a:avLst/>
-            <a:gdLst/>
-            <a:ahLst/>
-            <a:cxnLst/>
-            <a:rect l="l" t="t" r="r" b="b"/>
-            <a:pathLst>
-              <a:path w="120000" h="120000" extrusionOk="0">
-                <a:moveTo>
-                  <a:pt x="0" y="0"/>
-                </a:moveTo>
-                <a:lnTo>
-                  <a:pt x="120000" y="0"/>
-                </a:lnTo>
-                <a:lnTo>
-                  <a:pt x="120000" y="120000"/>
-                </a:lnTo>
-                <a:lnTo>
-                  <a:pt x="0" y="120000"/>
-                </a:lnTo>
-                <a:close/>
-              </a:path>
-            </a:pathLst>
-          </a:custGeom>
-        </p:spPr>
-      </p:sp>
-      <p:sp>
-        <p:nvSpPr>
-          <p:cNvPr id="438" name="Google Shape;438;ga073618e60_0_106:notes"/>
-          <p:cNvSpPr txBox="1">
-            <a:spLocks noGrp="1"/>
-          </p:cNvSpPr>
-          <p:nvPr>
-            <p:ph type="body" idx="1"/>
-          </p:nvPr>
-        </p:nvSpPr>
-        <p:spPr>
-          <a:xfrm>
-            <a:off x="685800" y="4343400"/>
-            <a:ext cx="5486400" cy="4114800"/>
-          </a:xfrm>
-          <a:prstGeom prst="rect">
-            <a:avLst/>
-          </a:prstGeom>
-        </p:spPr>
-        <p:txBody>
-          <a:bodyPr spcFirstLastPara="1" wrap="square" lIns="91425" tIns="91425" rIns="91425" bIns="91425" anchor="t" anchorCtr="0">
-            <a:noAutofit/>
-          </a:bodyPr>
-          <a:lstStyle/>
-          <a:p>
-            <a:pPr marL="0" lvl="0" indent="0" algn="l" rtl="0">
-              <a:spcBef>
-                <a:spcPts val="0"/>
-              </a:spcBef>
-              <a:spcAft>
-                <a:spcPts val="0"/>
-              </a:spcAft>
-              <a:buNone/>
-            </a:pPr>
-            <a:endParaRPr/>
-          </a:p>
-        </p:txBody>
-      </p:sp>
-    </p:spTree>
-    <p:extLst>
-      <p:ext uri="{BB962C8B-B14F-4D97-AF65-F5344CB8AC3E}">
-        <p14:creationId xmlns:p14="http://schemas.microsoft.com/office/powerpoint/2010/main" val="222837815"/>
-      </p:ext>
-    </p:extLst>
-  </p:cSld>
-  <p:clrMapOvr>
-    <a:masterClrMapping/>
-  </p:clrMapOvr>
-</p:notes>
-</file>
-
-<file path=ppt/notesSlides/notesSlide11.xml><?xml version="1.0" encoding="utf-8"?>
-<p:notes xmlns:a="http://schemas.openxmlformats.org/drawingml/2006/main" xmlns:r="http://schemas.openxmlformats.org/officeDocument/2006/relationships" xmlns:p="http://schemas.openxmlformats.org/presentationml/2006/main" showMasterSp="0" showMasterPhAnim="0">
-  <p:cSld>
-    <p:spTree>
-      <p:nvGrpSpPr>
-        <p:cNvPr id="1" name="Shape 436"/>
-        <p:cNvGrpSpPr/>
-        <p:nvPr/>
-      </p:nvGrpSpPr>
-      <p:grpSpPr>
-        <a:xfrm>
-          <a:off x="0" y="0"/>
-          <a:ext cx="0" cy="0"/>
-          <a:chOff x="0" y="0"/>
-          <a:chExt cx="0" cy="0"/>
-        </a:xfrm>
-      </p:grpSpPr>
-      <p:sp>
-        <p:nvSpPr>
-          <p:cNvPr id="437" name="Google Shape;437;ga073618e60_0_106:notes"/>
-          <p:cNvSpPr>
-            <a:spLocks noGrp="1" noRot="1" noChangeAspect="1"/>
-          </p:cNvSpPr>
-          <p:nvPr>
-            <p:ph type="sldImg" idx="2"/>
-          </p:nvPr>
-        </p:nvSpPr>
-        <p:spPr>
-          <a:xfrm>
-            <a:off x="381000" y="685800"/>
-            <a:ext cx="6096000" cy="3429000"/>
-          </a:xfrm>
-          <a:custGeom>
-            <a:avLst/>
-            <a:gdLst/>
-            <a:ahLst/>
-            <a:cxnLst/>
-            <a:rect l="l" t="t" r="r" b="b"/>
-            <a:pathLst>
-              <a:path w="120000" h="120000" extrusionOk="0">
-                <a:moveTo>
-                  <a:pt x="0" y="0"/>
-                </a:moveTo>
-                <a:lnTo>
-                  <a:pt x="120000" y="0"/>
-                </a:lnTo>
-                <a:lnTo>
-                  <a:pt x="120000" y="120000"/>
-                </a:lnTo>
-                <a:lnTo>
-                  <a:pt x="0" y="120000"/>
-                </a:lnTo>
-                <a:close/>
-              </a:path>
-            </a:pathLst>
-          </a:custGeom>
-        </p:spPr>
-      </p:sp>
-      <p:sp>
-        <p:nvSpPr>
-          <p:cNvPr id="438" name="Google Shape;438;ga073618e60_0_106:notes"/>
-          <p:cNvSpPr txBox="1">
-            <a:spLocks noGrp="1"/>
-          </p:cNvSpPr>
-          <p:nvPr>
-            <p:ph type="body" idx="1"/>
-          </p:nvPr>
-        </p:nvSpPr>
-        <p:spPr>
-          <a:xfrm>
-            <a:off x="685800" y="4343400"/>
-            <a:ext cx="5486400" cy="4114800"/>
-          </a:xfrm>
-          <a:prstGeom prst="rect">
-            <a:avLst/>
-          </a:prstGeom>
-        </p:spPr>
-        <p:txBody>
-          <a:bodyPr spcFirstLastPara="1" wrap="square" lIns="91425" tIns="91425" rIns="91425" bIns="91425" anchor="t" anchorCtr="0">
-            <a:noAutofit/>
-          </a:bodyPr>
-          <a:lstStyle/>
-          <a:p>
-            <a:pPr marL="0" lvl="0" indent="0" algn="l" rtl="0">
-              <a:spcBef>
-                <a:spcPts val="0"/>
-              </a:spcBef>
-              <a:spcAft>
-                <a:spcPts val="0"/>
-              </a:spcAft>
-              <a:buNone/>
-            </a:pPr>
-            <a:endParaRPr/>
-          </a:p>
-        </p:txBody>
-      </p:sp>
-    </p:spTree>
-    <p:extLst>
-      <p:ext uri="{BB962C8B-B14F-4D97-AF65-F5344CB8AC3E}">
-        <p14:creationId xmlns:p14="http://schemas.microsoft.com/office/powerpoint/2010/main" val="2362629242"/>
-      </p:ext>
-    </p:extLst>
-  </p:cSld>
-  <p:clrMapOvr>
-    <a:masterClrMapping/>
-  </p:clrMapOvr>
-</p:notes>
-</file>
-
-<file path=ppt/notesSlides/notesSlide12.xml><?xml version="1.0" encoding="utf-8"?>
-<p:notes xmlns:a="http://schemas.openxmlformats.org/drawingml/2006/main" xmlns:r="http://schemas.openxmlformats.org/officeDocument/2006/relationships" xmlns:p="http://schemas.openxmlformats.org/presentationml/2006/main" showMasterSp="0" showMasterPhAnim="0">
-  <p:cSld>
-    <p:spTree>
-      <p:nvGrpSpPr>
-        <p:cNvPr id="1" name="Shape 862"/>
-        <p:cNvGrpSpPr/>
-        <p:nvPr/>
-      </p:nvGrpSpPr>
-      <p:grpSpPr>
-        <a:xfrm>
-          <a:off x="0" y="0"/>
-          <a:ext cx="0" cy="0"/>
-          <a:chOff x="0" y="0"/>
-          <a:chExt cx="0" cy="0"/>
-        </a:xfrm>
-      </p:grpSpPr>
-      <p:sp>
-        <p:nvSpPr>
-          <p:cNvPr id="863" name="Google Shape;863;ga073618e60_0_910:notes"/>
-          <p:cNvSpPr>
-            <a:spLocks noGrp="1" noRot="1" noChangeAspect="1"/>
-          </p:cNvSpPr>
-          <p:nvPr>
-            <p:ph type="sldImg" idx="2"/>
-          </p:nvPr>
-        </p:nvSpPr>
-        <p:spPr>
-          <a:xfrm>
-            <a:off x="381000" y="685800"/>
-            <a:ext cx="6096000" cy="3429000"/>
-          </a:xfrm>
-          <a:custGeom>
-            <a:avLst/>
-            <a:gdLst/>
-            <a:ahLst/>
-            <a:cxnLst/>
-            <a:rect l="l" t="t" r="r" b="b"/>
-            <a:pathLst>
-              <a:path w="120000" h="120000" extrusionOk="0">
-                <a:moveTo>
-                  <a:pt x="0" y="0"/>
-                </a:moveTo>
-                <a:lnTo>
-                  <a:pt x="120000" y="0"/>
-                </a:lnTo>
-                <a:lnTo>
-                  <a:pt x="120000" y="120000"/>
-                </a:lnTo>
-                <a:lnTo>
-                  <a:pt x="0" y="120000"/>
-                </a:lnTo>
-                <a:close/>
-              </a:path>
-            </a:pathLst>
-          </a:custGeom>
-        </p:spPr>
-      </p:sp>
-      <p:sp>
-        <p:nvSpPr>
-          <p:cNvPr id="864" name="Google Shape;864;ga073618e60_0_910:notes"/>
-          <p:cNvSpPr txBox="1">
-            <a:spLocks noGrp="1"/>
-          </p:cNvSpPr>
-          <p:nvPr>
-            <p:ph type="body" idx="1"/>
-          </p:nvPr>
-        </p:nvSpPr>
-        <p:spPr>
-          <a:xfrm>
-            <a:off x="685800" y="4343400"/>
-            <a:ext cx="5486400" cy="4114800"/>
-          </a:xfrm>
-          <a:prstGeom prst="rect">
-            <a:avLst/>
-          </a:prstGeom>
-        </p:spPr>
-        <p:txBody>
-          <a:bodyPr spcFirstLastPara="1" wrap="square" lIns="91425" tIns="91425" rIns="91425" bIns="91425" anchor="t" anchorCtr="0">
-            <a:noAutofit/>
-          </a:bodyPr>
-          <a:lstStyle/>
-          <a:p>
-            <a:pPr marL="0" lvl="0" indent="0" algn="l" rtl="0">
-              <a:spcBef>
-                <a:spcPts val="0"/>
-              </a:spcBef>
-              <a:spcAft>
-                <a:spcPts val="0"/>
-              </a:spcAft>
-              <a:buNone/>
-            </a:pPr>
-            <a:endParaRPr/>
-          </a:p>
-        </p:txBody>
-      </p:sp>
-    </p:spTree>
-  </p:cSld>
-  <p:clrMapOvr>
-    <a:masterClrMapping/>
-  </p:clrMapOvr>
-</p:notes>
-</file>
-
 <file path=ppt/notesSlides/notesSlide2.xml><?xml version="1.0" encoding="utf-8"?>
 <p:notes xmlns:a="http://schemas.openxmlformats.org/drawingml/2006/main" xmlns:r="http://schemas.openxmlformats.org/officeDocument/2006/relationships" xmlns:p="http://schemas.openxmlformats.org/presentationml/2006/main" showMasterSp="0" showMasterPhAnim="0">
   <p:cSld>
@@ -1369,7 +1043,7 @@
     </p:spTree>
     <p:extLst>
       <p:ext uri="{BB962C8B-B14F-4D97-AF65-F5344CB8AC3E}">
-        <p14:creationId xmlns:p14="http://schemas.microsoft.com/office/powerpoint/2010/main" val="2645587678"/>
+        <p14:creationId xmlns:p14="http://schemas.microsoft.com/office/powerpoint/2010/main" val="4285859915"/>
       </p:ext>
     </p:extLst>
   </p:cSld>
@@ -1478,7 +1152,7 @@
     </p:spTree>
     <p:extLst>
       <p:ext uri="{BB962C8B-B14F-4D97-AF65-F5344CB8AC3E}">
-        <p14:creationId xmlns:p14="http://schemas.microsoft.com/office/powerpoint/2010/main" val="1308580146"/>
+        <p14:creationId xmlns:p14="http://schemas.microsoft.com/office/powerpoint/2010/main" val="2707502455"/>
       </p:ext>
     </p:extLst>
   </p:cSld>
@@ -1587,7 +1261,7 @@
     </p:spTree>
     <p:extLst>
       <p:ext uri="{BB962C8B-B14F-4D97-AF65-F5344CB8AC3E}">
-        <p14:creationId xmlns:p14="http://schemas.microsoft.com/office/powerpoint/2010/main" val="2581877385"/>
+        <p14:creationId xmlns:p14="http://schemas.microsoft.com/office/powerpoint/2010/main" val="950205170"/>
       </p:ext>
     </p:extLst>
   </p:cSld>
@@ -1696,7 +1370,7 @@
     </p:spTree>
     <p:extLst>
       <p:ext uri="{BB962C8B-B14F-4D97-AF65-F5344CB8AC3E}">
-        <p14:creationId xmlns:p14="http://schemas.microsoft.com/office/powerpoint/2010/main" val="243558848"/>
+        <p14:creationId xmlns:p14="http://schemas.microsoft.com/office/powerpoint/2010/main" val="1127136224"/>
       </p:ext>
     </p:extLst>
   </p:cSld>
@@ -1805,7 +1479,7 @@
     </p:spTree>
     <p:extLst>
       <p:ext uri="{BB962C8B-B14F-4D97-AF65-F5344CB8AC3E}">
-        <p14:creationId xmlns:p14="http://schemas.microsoft.com/office/powerpoint/2010/main" val="3155602715"/>
+        <p14:creationId xmlns:p14="http://schemas.microsoft.com/office/powerpoint/2010/main" val="222837815"/>
       </p:ext>
     </p:extLst>
   </p:cSld>
@@ -1914,7 +1588,7 @@
     </p:spTree>
     <p:extLst>
       <p:ext uri="{BB962C8B-B14F-4D97-AF65-F5344CB8AC3E}">
-        <p14:creationId xmlns:p14="http://schemas.microsoft.com/office/powerpoint/2010/main" val="4285859915"/>
+        <p14:creationId xmlns:p14="http://schemas.microsoft.com/office/powerpoint/2010/main" val="2362629242"/>
       </p:ext>
     </p:extLst>
   </p:cSld>
@@ -1929,7 +1603,7 @@
   <p:cSld>
     <p:spTree>
       <p:nvGrpSpPr>
-        <p:cNvPr id="1" name="Shape 436"/>
+        <p:cNvPr id="1" name="Shape 862"/>
         <p:cNvGrpSpPr/>
         <p:nvPr/>
       </p:nvGrpSpPr>
@@ -1943,7 +1617,7 @@
       </p:grpSpPr>
       <p:sp>
         <p:nvSpPr>
-          <p:cNvPr id="437" name="Google Shape;437;ga073618e60_0_106:notes"/>
+          <p:cNvPr id="863" name="Google Shape;863;ga073618e60_0_910:notes"/>
           <p:cNvSpPr>
             <a:spLocks noGrp="1" noRot="1" noChangeAspect="1"/>
           </p:cNvSpPr>
@@ -1984,7 +1658,7 @@
       </p:sp>
       <p:sp>
         <p:nvSpPr>
-          <p:cNvPr id="438" name="Google Shape;438;ga073618e60_0_106:notes"/>
+          <p:cNvPr id="864" name="Google Shape;864;ga073618e60_0_910:notes"/>
           <p:cNvSpPr txBox="1">
             <a:spLocks noGrp="1"/>
           </p:cNvSpPr>
@@ -2021,11 +1695,6 @@
         </p:txBody>
       </p:sp>
     </p:spTree>
-    <p:extLst>
-      <p:ext uri="{BB962C8B-B14F-4D97-AF65-F5344CB8AC3E}">
-        <p14:creationId xmlns:p14="http://schemas.microsoft.com/office/powerpoint/2010/main" val="2707502455"/>
-      </p:ext>
-    </p:extLst>
   </p:cSld>
   <p:clrMapOvr>
     <a:masterClrMapping/>
@@ -9750,7 +9419,7 @@
             </a:pPr>
             <a:fld id="{00000000-1234-1234-1234-123412341234}" type="slidenum">
               <a:rPr lang="en"/>
-              <a:t>‹Nr.›</a:t>
+              <a:t>‹#›</a:t>
             </a:fld>
             <a:endParaRPr/>
           </a:p>
@@ -16066,7 +15735,678 @@
 </p:sld>
 </file>
 
-<file path=ppt/slides/slide10.xml><?xml version="1.0" encoding="utf-8"?>
+<file path=ppt/slides/slide2.xml><?xml version="1.0" encoding="utf-8"?>
+<p:sld xmlns:a="http://schemas.openxmlformats.org/drawingml/2006/main" xmlns:r="http://schemas.openxmlformats.org/officeDocument/2006/relationships" xmlns:p="http://schemas.openxmlformats.org/presentationml/2006/main">
+  <p:cSld>
+    <p:spTree>
+      <p:nvGrpSpPr>
+        <p:cNvPr id="1" name="Shape 392"/>
+        <p:cNvGrpSpPr/>
+        <p:nvPr/>
+      </p:nvGrpSpPr>
+      <p:grpSpPr>
+        <a:xfrm>
+          <a:off x="0" y="0"/>
+          <a:ext cx="0" cy="0"/>
+          <a:chOff x="0" y="0"/>
+          <a:chExt cx="0" cy="0"/>
+        </a:xfrm>
+      </p:grpSpPr>
+      <p:sp>
+        <p:nvSpPr>
+          <p:cNvPr id="393" name="Google Shape;393;p24"/>
+          <p:cNvSpPr txBox="1">
+            <a:spLocks noGrp="1"/>
+          </p:cNvSpPr>
+          <p:nvPr>
+            <p:ph type="title" idx="5"/>
+          </p:nvPr>
+        </p:nvSpPr>
+        <p:spPr>
+          <a:xfrm>
+            <a:off x="9503275" y="4180200"/>
+            <a:ext cx="2166900" cy="695700"/>
+          </a:xfrm>
+          <a:prstGeom prst="rect">
+            <a:avLst/>
+          </a:prstGeom>
+        </p:spPr>
+        <p:txBody>
+          <a:bodyPr spcFirstLastPara="1" wrap="square" lIns="121900" tIns="121900" rIns="121900" bIns="121900" anchor="t" anchorCtr="0">
+            <a:noAutofit/>
+          </a:bodyPr>
+          <a:lstStyle/>
+          <a:p>
+            <a:pPr marL="0" lvl="0" indent="0" algn="r" rtl="0">
+              <a:spcBef>
+                <a:spcPts val="0"/>
+              </a:spcBef>
+              <a:spcAft>
+                <a:spcPts val="0"/>
+              </a:spcAft>
+              <a:buNone/>
+            </a:pPr>
+            <a:r>
+              <a:rPr lang="en" dirty="0">
+                <a:solidFill>
+                  <a:schemeClr val="accent2"/>
+                </a:solidFill>
+              </a:rPr>
+              <a:t>06</a:t>
+            </a:r>
+            <a:endParaRPr dirty="0">
+              <a:solidFill>
+                <a:schemeClr val="accent2"/>
+              </a:solidFill>
+            </a:endParaRPr>
+          </a:p>
+        </p:txBody>
+      </p:sp>
+      <p:sp>
+        <p:nvSpPr>
+          <p:cNvPr id="394" name="Google Shape;394;p24"/>
+          <p:cNvSpPr txBox="1">
+            <a:spLocks noGrp="1"/>
+          </p:cNvSpPr>
+          <p:nvPr>
+            <p:ph type="title"/>
+          </p:nvPr>
+        </p:nvSpPr>
+        <p:spPr>
+          <a:xfrm>
+            <a:off x="490775" y="523275"/>
+            <a:ext cx="11210400" cy="763500"/>
+          </a:xfrm>
+          <a:prstGeom prst="rect">
+            <a:avLst/>
+          </a:prstGeom>
+        </p:spPr>
+        <p:txBody>
+          <a:bodyPr spcFirstLastPara="1" wrap="square" lIns="121900" tIns="121900" rIns="121900" bIns="121900" anchor="t" anchorCtr="0">
+            <a:noAutofit/>
+          </a:bodyPr>
+          <a:lstStyle/>
+          <a:p>
+            <a:pPr marL="0" lvl="0" indent="0" algn="l" rtl="0">
+              <a:spcBef>
+                <a:spcPts val="0"/>
+              </a:spcBef>
+              <a:spcAft>
+                <a:spcPts val="0"/>
+              </a:spcAft>
+              <a:buNone/>
+            </a:pPr>
+            <a:r>
+              <a:rPr lang="en" dirty="0"/>
+              <a:t>HEUTIGE </a:t>
+            </a:r>
+            <a:r>
+              <a:rPr lang="en" sz="6000" dirty="0">
+                <a:solidFill>
+                  <a:schemeClr val="accent2"/>
+                </a:solidFill>
+              </a:rPr>
+              <a:t>AGENDA.</a:t>
+            </a:r>
+            <a:endParaRPr sz="6000" dirty="0">
+              <a:solidFill>
+                <a:schemeClr val="accent2"/>
+              </a:solidFill>
+            </a:endParaRPr>
+          </a:p>
+        </p:txBody>
+      </p:sp>
+      <p:sp>
+        <p:nvSpPr>
+          <p:cNvPr id="395" name="Google Shape;395;p24"/>
+          <p:cNvSpPr txBox="1">
+            <a:spLocks noGrp="1"/>
+          </p:cNvSpPr>
+          <p:nvPr>
+            <p:ph type="body" idx="1"/>
+          </p:nvPr>
+        </p:nvSpPr>
+        <p:spPr>
+          <a:xfrm>
+            <a:off x="575950" y="2437574"/>
+            <a:ext cx="3294600" cy="1206300"/>
+          </a:xfrm>
+          <a:prstGeom prst="rect">
+            <a:avLst/>
+          </a:prstGeom>
+        </p:spPr>
+        <p:txBody>
+          <a:bodyPr spcFirstLastPara="1" wrap="square" lIns="121900" tIns="121900" rIns="121900" bIns="121900" anchor="ctr" anchorCtr="0">
+            <a:noAutofit/>
+          </a:bodyPr>
+          <a:lstStyle/>
+          <a:p>
+            <a:pPr marL="0" lvl="0" indent="0" algn="l" rtl="0">
+              <a:spcBef>
+                <a:spcPts val="0"/>
+              </a:spcBef>
+              <a:spcAft>
+                <a:spcPts val="2100"/>
+              </a:spcAft>
+              <a:buNone/>
+            </a:pPr>
+            <a:r>
+              <a:rPr lang="en-US" dirty="0">
+                <a:solidFill>
+                  <a:schemeClr val="accent1"/>
+                </a:solidFill>
+              </a:rPr>
+              <a:t>Challenge </a:t>
+            </a:r>
+            <a:r>
+              <a:rPr lang="en" dirty="0"/>
+              <a:t>Listener</a:t>
+            </a:r>
+            <a:endParaRPr dirty="0"/>
+          </a:p>
+        </p:txBody>
+      </p:sp>
+      <p:sp>
+        <p:nvSpPr>
+          <p:cNvPr id="396" name="Google Shape;396;p24"/>
+          <p:cNvSpPr txBox="1">
+            <a:spLocks noGrp="1"/>
+          </p:cNvSpPr>
+          <p:nvPr>
+            <p:ph type="body" idx="2"/>
+          </p:nvPr>
+        </p:nvSpPr>
+        <p:spPr>
+          <a:xfrm>
+            <a:off x="4418613" y="2437574"/>
+            <a:ext cx="3294600" cy="1206300"/>
+          </a:xfrm>
+          <a:prstGeom prst="rect">
+            <a:avLst/>
+          </a:prstGeom>
+        </p:spPr>
+        <p:txBody>
+          <a:bodyPr spcFirstLastPara="1" wrap="square" lIns="121900" tIns="121900" rIns="121900" bIns="121900" anchor="ctr" anchorCtr="0">
+            <a:noAutofit/>
+          </a:bodyPr>
+          <a:lstStyle/>
+          <a:p>
+            <a:pPr marL="0" indent="0">
+              <a:spcAft>
+                <a:spcPts val="2100"/>
+              </a:spcAft>
+              <a:buNone/>
+            </a:pPr>
+            <a:r>
+              <a:rPr lang="en-US" dirty="0">
+                <a:solidFill>
+                  <a:schemeClr val="accent1"/>
+                </a:solidFill>
+              </a:rPr>
+              <a:t>Challenge </a:t>
+            </a:r>
+            <a:r>
+              <a:rPr lang="en-US" dirty="0"/>
+              <a:t>Direction Logic</a:t>
+            </a:r>
+          </a:p>
+        </p:txBody>
+      </p:sp>
+      <p:sp>
+        <p:nvSpPr>
+          <p:cNvPr id="397" name="Google Shape;397;p24"/>
+          <p:cNvSpPr txBox="1">
+            <a:spLocks noGrp="1"/>
+          </p:cNvSpPr>
+          <p:nvPr>
+            <p:ph type="body" idx="3"/>
+          </p:nvPr>
+        </p:nvSpPr>
+        <p:spPr>
+          <a:xfrm>
+            <a:off x="575949" y="4783425"/>
+            <a:ext cx="3398025" cy="1206300"/>
+          </a:xfrm>
+          <a:prstGeom prst="rect">
+            <a:avLst/>
+          </a:prstGeom>
+        </p:spPr>
+        <p:txBody>
+          <a:bodyPr spcFirstLastPara="1" wrap="square" lIns="121900" tIns="121900" rIns="121900" bIns="121900" anchor="ctr" anchorCtr="0">
+            <a:noAutofit/>
+          </a:bodyPr>
+          <a:lstStyle/>
+          <a:p>
+            <a:pPr marL="0" indent="0">
+              <a:spcAft>
+                <a:spcPts val="2100"/>
+              </a:spcAft>
+              <a:buNone/>
+            </a:pPr>
+            <a:r>
+              <a:rPr lang="en-US" dirty="0">
+                <a:solidFill>
+                  <a:schemeClr val="accent1"/>
+                </a:solidFill>
+              </a:rPr>
+              <a:t>Challenge </a:t>
+            </a:r>
+            <a:r>
+              <a:rPr lang="en" dirty="0"/>
+              <a:t>Move </a:t>
+            </a:r>
+            <a:endParaRPr lang="en" dirty="0">
+              <a:solidFill>
+                <a:schemeClr val="accent1"/>
+              </a:solidFill>
+            </a:endParaRPr>
+          </a:p>
+        </p:txBody>
+      </p:sp>
+      <p:sp>
+        <p:nvSpPr>
+          <p:cNvPr id="398" name="Google Shape;398;p24"/>
+          <p:cNvSpPr txBox="1">
+            <a:spLocks noGrp="1"/>
+          </p:cNvSpPr>
+          <p:nvPr>
+            <p:ph type="body" idx="4"/>
+          </p:nvPr>
+        </p:nvSpPr>
+        <p:spPr>
+          <a:xfrm>
+            <a:off x="4418613" y="4783425"/>
+            <a:ext cx="3294600" cy="1206300"/>
+          </a:xfrm>
+          <a:prstGeom prst="rect">
+            <a:avLst/>
+          </a:prstGeom>
+        </p:spPr>
+        <p:txBody>
+          <a:bodyPr spcFirstLastPara="1" wrap="square" lIns="121900" tIns="121900" rIns="121900" bIns="121900" anchor="ctr" anchorCtr="0">
+            <a:noAutofit/>
+          </a:bodyPr>
+          <a:lstStyle/>
+          <a:p>
+            <a:pPr marL="0" indent="0">
+              <a:spcAft>
+                <a:spcPts val="2100"/>
+              </a:spcAft>
+              <a:buNone/>
+            </a:pPr>
+            <a:r>
+              <a:rPr lang="en-US" dirty="0">
+                <a:solidFill>
+                  <a:schemeClr val="accent1"/>
+                </a:solidFill>
+              </a:rPr>
+              <a:t>Challenge </a:t>
+            </a:r>
+            <a:r>
+              <a:rPr lang="en" dirty="0"/>
+              <a:t>Border Logic</a:t>
+            </a:r>
+            <a:r>
+              <a:rPr lang="en" dirty="0">
+                <a:solidFill>
+                  <a:schemeClr val="accent1"/>
+                </a:solidFill>
+              </a:rPr>
+              <a:t> </a:t>
+            </a:r>
+          </a:p>
+        </p:txBody>
+      </p:sp>
+      <p:sp>
+        <p:nvSpPr>
+          <p:cNvPr id="399" name="Google Shape;399;p24"/>
+          <p:cNvSpPr txBox="1">
+            <a:spLocks noGrp="1"/>
+          </p:cNvSpPr>
+          <p:nvPr>
+            <p:ph type="title" idx="5"/>
+          </p:nvPr>
+        </p:nvSpPr>
+        <p:spPr>
+          <a:xfrm>
+            <a:off x="1807075" y="1818000"/>
+            <a:ext cx="2166900" cy="695700"/>
+          </a:xfrm>
+          <a:prstGeom prst="rect">
+            <a:avLst/>
+          </a:prstGeom>
+        </p:spPr>
+        <p:txBody>
+          <a:bodyPr spcFirstLastPara="1" wrap="square" lIns="121900" tIns="121900" rIns="121900" bIns="121900" anchor="t" anchorCtr="0">
+            <a:noAutofit/>
+          </a:bodyPr>
+          <a:lstStyle/>
+          <a:p>
+            <a:pPr marL="0" lvl="0" indent="0" algn="r" rtl="0">
+              <a:spcBef>
+                <a:spcPts val="0"/>
+              </a:spcBef>
+              <a:spcAft>
+                <a:spcPts val="0"/>
+              </a:spcAft>
+              <a:buNone/>
+            </a:pPr>
+            <a:r>
+              <a:rPr lang="en" dirty="0">
+                <a:solidFill>
+                  <a:schemeClr val="accent1"/>
+                </a:solidFill>
+              </a:rPr>
+              <a:t>01</a:t>
+            </a:r>
+            <a:endParaRPr dirty="0">
+              <a:solidFill>
+                <a:schemeClr val="accent1"/>
+              </a:solidFill>
+            </a:endParaRPr>
+          </a:p>
+        </p:txBody>
+      </p:sp>
+      <p:sp>
+        <p:nvSpPr>
+          <p:cNvPr id="400" name="Google Shape;400;p24"/>
+          <p:cNvSpPr txBox="1">
+            <a:spLocks noGrp="1"/>
+          </p:cNvSpPr>
+          <p:nvPr>
+            <p:ph type="body" idx="9"/>
+          </p:nvPr>
+        </p:nvSpPr>
+        <p:spPr>
+          <a:xfrm>
+            <a:off x="8299375" y="2437574"/>
+            <a:ext cx="3401800" cy="1206300"/>
+          </a:xfrm>
+          <a:prstGeom prst="rect">
+            <a:avLst/>
+          </a:prstGeom>
+        </p:spPr>
+        <p:txBody>
+          <a:bodyPr spcFirstLastPara="1" wrap="square" lIns="121900" tIns="121900" rIns="121900" bIns="121900" anchor="ctr" anchorCtr="0">
+            <a:noAutofit/>
+          </a:bodyPr>
+          <a:lstStyle/>
+          <a:p>
+            <a:pPr marL="0" indent="0">
+              <a:spcAft>
+                <a:spcPts val="2100"/>
+              </a:spcAft>
+              <a:buNone/>
+            </a:pPr>
+            <a:r>
+              <a:rPr lang="en-US" dirty="0"/>
+              <a:t>Basics</a:t>
+            </a:r>
+            <a:br>
+              <a:rPr lang="en" dirty="0"/>
+            </a:br>
+            <a:r>
+              <a:rPr lang="en" dirty="0">
+                <a:solidFill>
+                  <a:schemeClr val="accent1"/>
+                </a:solidFill>
+              </a:rPr>
+              <a:t>Enum </a:t>
+            </a:r>
+          </a:p>
+        </p:txBody>
+      </p:sp>
+      <p:sp>
+        <p:nvSpPr>
+          <p:cNvPr id="401" name="Google Shape;401;p24"/>
+          <p:cNvSpPr txBox="1">
+            <a:spLocks noGrp="1"/>
+          </p:cNvSpPr>
+          <p:nvPr>
+            <p:ph type="body" idx="13"/>
+          </p:nvPr>
+        </p:nvSpPr>
+        <p:spPr>
+          <a:xfrm>
+            <a:off x="8299375" y="4783425"/>
+            <a:ext cx="3294600" cy="1206300"/>
+          </a:xfrm>
+          <a:prstGeom prst="rect">
+            <a:avLst/>
+          </a:prstGeom>
+        </p:spPr>
+        <p:txBody>
+          <a:bodyPr spcFirstLastPara="1" wrap="square" lIns="121900" tIns="121900" rIns="121900" bIns="121900" anchor="ctr" anchorCtr="0">
+            <a:noAutofit/>
+          </a:bodyPr>
+          <a:lstStyle/>
+          <a:p>
+            <a:pPr marL="0" indent="0">
+              <a:spcAft>
+                <a:spcPts val="2100"/>
+              </a:spcAft>
+              <a:buNone/>
+            </a:pPr>
+            <a:r>
+              <a:rPr lang="en-US" dirty="0">
+                <a:solidFill>
+                  <a:schemeClr val="accent1"/>
+                </a:solidFill>
+              </a:rPr>
+              <a:t>Challenge </a:t>
+            </a:r>
+            <a:r>
+              <a:rPr lang="en-US" dirty="0"/>
+              <a:t>Food</a:t>
+            </a:r>
+          </a:p>
+        </p:txBody>
+      </p:sp>
+      <p:sp>
+        <p:nvSpPr>
+          <p:cNvPr id="402" name="Google Shape;402;p24"/>
+          <p:cNvSpPr txBox="1">
+            <a:spLocks noGrp="1"/>
+          </p:cNvSpPr>
+          <p:nvPr>
+            <p:ph type="title" idx="5"/>
+          </p:nvPr>
+        </p:nvSpPr>
+        <p:spPr>
+          <a:xfrm>
+            <a:off x="5693275" y="1818000"/>
+            <a:ext cx="2166900" cy="695700"/>
+          </a:xfrm>
+          <a:prstGeom prst="rect">
+            <a:avLst/>
+          </a:prstGeom>
+        </p:spPr>
+        <p:txBody>
+          <a:bodyPr spcFirstLastPara="1" wrap="square" lIns="121900" tIns="121900" rIns="121900" bIns="121900" anchor="t" anchorCtr="0">
+            <a:noAutofit/>
+          </a:bodyPr>
+          <a:lstStyle/>
+          <a:p>
+            <a:pPr marL="0" lvl="0" indent="0" algn="r" rtl="0">
+              <a:spcBef>
+                <a:spcPts val="0"/>
+              </a:spcBef>
+              <a:spcAft>
+                <a:spcPts val="0"/>
+              </a:spcAft>
+              <a:buNone/>
+            </a:pPr>
+            <a:r>
+              <a:rPr lang="en" dirty="0"/>
+              <a:t>02</a:t>
+            </a:r>
+            <a:endParaRPr dirty="0"/>
+          </a:p>
+        </p:txBody>
+      </p:sp>
+      <p:sp>
+        <p:nvSpPr>
+          <p:cNvPr id="403" name="Google Shape;403;p24"/>
+          <p:cNvSpPr txBox="1">
+            <a:spLocks noGrp="1"/>
+          </p:cNvSpPr>
+          <p:nvPr>
+            <p:ph type="title" idx="5"/>
+          </p:nvPr>
+        </p:nvSpPr>
+        <p:spPr>
+          <a:xfrm>
+            <a:off x="9503275" y="1818000"/>
+            <a:ext cx="2166900" cy="695700"/>
+          </a:xfrm>
+          <a:prstGeom prst="rect">
+            <a:avLst/>
+          </a:prstGeom>
+        </p:spPr>
+        <p:txBody>
+          <a:bodyPr spcFirstLastPara="1" wrap="square" lIns="121900" tIns="121900" rIns="121900" bIns="121900" anchor="t" anchorCtr="0">
+            <a:noAutofit/>
+          </a:bodyPr>
+          <a:lstStyle/>
+          <a:p>
+            <a:pPr marL="0" lvl="0" indent="0" algn="r" rtl="0">
+              <a:spcBef>
+                <a:spcPts val="0"/>
+              </a:spcBef>
+              <a:spcAft>
+                <a:spcPts val="0"/>
+              </a:spcAft>
+              <a:buNone/>
+            </a:pPr>
+            <a:r>
+              <a:rPr lang="en">
+                <a:solidFill>
+                  <a:schemeClr val="accent2"/>
+                </a:solidFill>
+              </a:rPr>
+              <a:t>03</a:t>
+            </a:r>
+            <a:endParaRPr>
+              <a:solidFill>
+                <a:schemeClr val="accent2"/>
+              </a:solidFill>
+            </a:endParaRPr>
+          </a:p>
+        </p:txBody>
+      </p:sp>
+      <p:sp>
+        <p:nvSpPr>
+          <p:cNvPr id="404" name="Google Shape;404;p24"/>
+          <p:cNvSpPr txBox="1">
+            <a:spLocks noGrp="1"/>
+          </p:cNvSpPr>
+          <p:nvPr>
+            <p:ph type="title" idx="5"/>
+          </p:nvPr>
+        </p:nvSpPr>
+        <p:spPr>
+          <a:xfrm>
+            <a:off x="1807075" y="4180200"/>
+            <a:ext cx="2166900" cy="695700"/>
+          </a:xfrm>
+          <a:prstGeom prst="rect">
+            <a:avLst/>
+          </a:prstGeom>
+        </p:spPr>
+        <p:txBody>
+          <a:bodyPr spcFirstLastPara="1" wrap="square" lIns="121900" tIns="121900" rIns="121900" bIns="121900" anchor="t" anchorCtr="0">
+            <a:noAutofit/>
+          </a:bodyPr>
+          <a:lstStyle/>
+          <a:p>
+            <a:pPr marL="0" lvl="0" indent="0" algn="r" rtl="0">
+              <a:spcBef>
+                <a:spcPts val="0"/>
+              </a:spcBef>
+              <a:spcAft>
+                <a:spcPts val="0"/>
+              </a:spcAft>
+              <a:buNone/>
+            </a:pPr>
+            <a:r>
+              <a:rPr lang="en" dirty="0">
+                <a:solidFill>
+                  <a:schemeClr val="accent1"/>
+                </a:solidFill>
+              </a:rPr>
+              <a:t>04</a:t>
+            </a:r>
+            <a:endParaRPr dirty="0">
+              <a:solidFill>
+                <a:schemeClr val="accent1"/>
+              </a:solidFill>
+            </a:endParaRPr>
+          </a:p>
+        </p:txBody>
+      </p:sp>
+      <p:sp>
+        <p:nvSpPr>
+          <p:cNvPr id="405" name="Google Shape;405;p24"/>
+          <p:cNvSpPr txBox="1">
+            <a:spLocks noGrp="1"/>
+          </p:cNvSpPr>
+          <p:nvPr>
+            <p:ph type="title" idx="5"/>
+          </p:nvPr>
+        </p:nvSpPr>
+        <p:spPr>
+          <a:xfrm>
+            <a:off x="5693275" y="4180200"/>
+            <a:ext cx="2166900" cy="695700"/>
+          </a:xfrm>
+          <a:prstGeom prst="rect">
+            <a:avLst/>
+          </a:prstGeom>
+        </p:spPr>
+        <p:txBody>
+          <a:bodyPr spcFirstLastPara="1" wrap="square" lIns="121900" tIns="121900" rIns="121900" bIns="121900" anchor="t" anchorCtr="0">
+            <a:noAutofit/>
+          </a:bodyPr>
+          <a:lstStyle/>
+          <a:p>
+            <a:pPr marL="0" lvl="0" indent="0" algn="r" rtl="0">
+              <a:spcBef>
+                <a:spcPts val="0"/>
+              </a:spcBef>
+              <a:spcAft>
+                <a:spcPts val="0"/>
+              </a:spcAft>
+              <a:buNone/>
+            </a:pPr>
+            <a:r>
+              <a:rPr lang="en" dirty="0"/>
+              <a:t>05</a:t>
+            </a:r>
+            <a:endParaRPr dirty="0"/>
+          </a:p>
+        </p:txBody>
+      </p:sp>
+    </p:spTree>
+  </p:cSld>
+  <p:clrMapOvr>
+    <a:masterClrMapping/>
+  </p:clrMapOvr>
+  <mc:AlternateContent xmlns:mc="http://schemas.openxmlformats.org/markup-compatibility/2006" xmlns:p14="http://schemas.microsoft.com/office/powerpoint/2010/main">
+    <mc:Choice Requires="p14">
+      <p:transition p14:dur="250">
+        <p:fade/>
+      </p:transition>
+    </mc:Choice>
+    <mc:Fallback xmlns="">
+      <p:transition>
+        <p:fade/>
+      </p:transition>
+    </mc:Fallback>
+  </mc:AlternateContent>
+</p:sld>
+</file>
+
+<file path=ppt/slides/slide3.xml><?xml version="1.0" encoding="utf-8"?>
 <p:sld xmlns:a="http://schemas.openxmlformats.org/drawingml/2006/main" xmlns:r="http://schemas.openxmlformats.org/officeDocument/2006/relationships" xmlns:p="http://schemas.openxmlformats.org/presentationml/2006/main">
   <p:cSld>
     <p:spTree>
@@ -16083,234 +16423,6 @@
           <a:chExt cx="0" cy="0"/>
         </a:xfrm>
       </p:grpSpPr>
-      <p:sp>
-        <p:nvSpPr>
-          <p:cNvPr id="26" name="Arrow: Curved Down 25">
-            <a:extLst>
-              <a:ext uri="{FF2B5EF4-FFF2-40B4-BE49-F238E27FC236}">
-                <a16:creationId xmlns:a16="http://schemas.microsoft.com/office/drawing/2014/main" id="{7A9AA5A5-EBFE-EBF5-420F-FD1C21BF42C8}"/>
-              </a:ext>
-            </a:extLst>
-          </p:cNvPr>
-          <p:cNvSpPr/>
-          <p:nvPr/>
-        </p:nvSpPr>
-        <p:spPr>
-          <a:xfrm flipH="1">
-            <a:off x="7737112" y="3294083"/>
-            <a:ext cx="738451" cy="535057"/>
-          </a:xfrm>
-          <a:prstGeom prst="curvedDownArrow">
-            <a:avLst>
-              <a:gd name="adj1" fmla="val 25000"/>
-              <a:gd name="adj2" fmla="val 69007"/>
-              <a:gd name="adj3" fmla="val 46362"/>
-            </a:avLst>
-          </a:prstGeom>
-        </p:spPr>
-        <p:style>
-          <a:lnRef idx="2">
-            <a:schemeClr val="accent1">
-              <a:shade val="15000"/>
-            </a:schemeClr>
-          </a:lnRef>
-          <a:fillRef idx="1">
-            <a:schemeClr val="accent1"/>
-          </a:fillRef>
-          <a:effectRef idx="0">
-            <a:schemeClr val="accent1"/>
-          </a:effectRef>
-          <a:fontRef idx="minor">
-            <a:schemeClr val="lt1"/>
-          </a:fontRef>
-        </p:style>
-        <p:txBody>
-          <a:bodyPr rtlCol="0" anchor="ctr"/>
-          <a:lstStyle/>
-          <a:p>
-            <a:pPr algn="ctr"/>
-            <a:r>
-              <a:rPr lang="de-DE" dirty="0">
-                <a:solidFill>
-                  <a:schemeClr val="tx1"/>
-                </a:solidFill>
-              </a:rPr>
-              <a:t> </a:t>
-            </a:r>
-          </a:p>
-        </p:txBody>
-      </p:sp>
-      <p:sp>
-        <p:nvSpPr>
-          <p:cNvPr id="31" name="Arrow: Curved Down 30">
-            <a:extLst>
-              <a:ext uri="{FF2B5EF4-FFF2-40B4-BE49-F238E27FC236}">
-                <a16:creationId xmlns:a16="http://schemas.microsoft.com/office/drawing/2014/main" id="{965F8A46-BA66-C2AC-C0F2-C44A19190489}"/>
-              </a:ext>
-            </a:extLst>
-          </p:cNvPr>
-          <p:cNvSpPr/>
-          <p:nvPr/>
-        </p:nvSpPr>
-        <p:spPr>
-          <a:xfrm flipH="1">
-            <a:off x="8345675" y="3283993"/>
-            <a:ext cx="738451" cy="535057"/>
-          </a:xfrm>
-          <a:prstGeom prst="curvedDownArrow">
-            <a:avLst>
-              <a:gd name="adj1" fmla="val 25000"/>
-              <a:gd name="adj2" fmla="val 69007"/>
-              <a:gd name="adj3" fmla="val 46362"/>
-            </a:avLst>
-          </a:prstGeom>
-        </p:spPr>
-        <p:style>
-          <a:lnRef idx="2">
-            <a:schemeClr val="accent1">
-              <a:shade val="15000"/>
-            </a:schemeClr>
-          </a:lnRef>
-          <a:fillRef idx="1">
-            <a:schemeClr val="accent1"/>
-          </a:fillRef>
-          <a:effectRef idx="0">
-            <a:schemeClr val="accent1"/>
-          </a:effectRef>
-          <a:fontRef idx="minor">
-            <a:schemeClr val="lt1"/>
-          </a:fontRef>
-        </p:style>
-        <p:txBody>
-          <a:bodyPr rtlCol="0" anchor="ctr"/>
-          <a:lstStyle/>
-          <a:p>
-            <a:pPr algn="ctr"/>
-            <a:r>
-              <a:rPr lang="de-DE" dirty="0">
-                <a:solidFill>
-                  <a:schemeClr val="tx1"/>
-                </a:solidFill>
-              </a:rPr>
-              <a:t> </a:t>
-            </a:r>
-          </a:p>
-        </p:txBody>
-      </p:sp>
-      <p:sp>
-        <p:nvSpPr>
-          <p:cNvPr id="30" name="Arrow: Curved Down 29">
-            <a:extLst>
-              <a:ext uri="{FF2B5EF4-FFF2-40B4-BE49-F238E27FC236}">
-                <a16:creationId xmlns:a16="http://schemas.microsoft.com/office/drawing/2014/main" id="{B6C87D9A-E7B1-4C94-E888-38268A8F8B67}"/>
-              </a:ext>
-            </a:extLst>
-          </p:cNvPr>
-          <p:cNvSpPr/>
-          <p:nvPr/>
-        </p:nvSpPr>
-        <p:spPr>
-          <a:xfrm flipH="1">
-            <a:off x="8954238" y="3288980"/>
-            <a:ext cx="738451" cy="535057"/>
-          </a:xfrm>
-          <a:prstGeom prst="curvedDownArrow">
-            <a:avLst>
-              <a:gd name="adj1" fmla="val 25000"/>
-              <a:gd name="adj2" fmla="val 69007"/>
-              <a:gd name="adj3" fmla="val 46362"/>
-            </a:avLst>
-          </a:prstGeom>
-        </p:spPr>
-        <p:style>
-          <a:lnRef idx="2">
-            <a:schemeClr val="accent1">
-              <a:shade val="15000"/>
-            </a:schemeClr>
-          </a:lnRef>
-          <a:fillRef idx="1">
-            <a:schemeClr val="accent1"/>
-          </a:fillRef>
-          <a:effectRef idx="0">
-            <a:schemeClr val="accent1"/>
-          </a:effectRef>
-          <a:fontRef idx="minor">
-            <a:schemeClr val="lt1"/>
-          </a:fontRef>
-        </p:style>
-        <p:txBody>
-          <a:bodyPr rtlCol="0" anchor="ctr"/>
-          <a:lstStyle/>
-          <a:p>
-            <a:pPr algn="ctr"/>
-            <a:r>
-              <a:rPr lang="de-DE" dirty="0">
-                <a:solidFill>
-                  <a:schemeClr val="tx1"/>
-                </a:solidFill>
-              </a:rPr>
-              <a:t> </a:t>
-            </a:r>
-          </a:p>
-        </p:txBody>
-      </p:sp>
-      <p:sp>
-        <p:nvSpPr>
-          <p:cNvPr id="29" name="Arrow: Curved Down 28">
-            <a:extLst>
-              <a:ext uri="{FF2B5EF4-FFF2-40B4-BE49-F238E27FC236}">
-                <a16:creationId xmlns:a16="http://schemas.microsoft.com/office/drawing/2014/main" id="{DF511DA9-2398-CB8C-65B3-F24D21FDCEAF}"/>
-              </a:ext>
-            </a:extLst>
-          </p:cNvPr>
-          <p:cNvSpPr/>
-          <p:nvPr/>
-        </p:nvSpPr>
-        <p:spPr>
-          <a:xfrm flipH="1">
-            <a:off x="9516581" y="3286710"/>
-            <a:ext cx="738451" cy="535057"/>
-          </a:xfrm>
-          <a:prstGeom prst="curvedDownArrow">
-            <a:avLst>
-              <a:gd name="adj1" fmla="val 25000"/>
-              <a:gd name="adj2" fmla="val 69007"/>
-              <a:gd name="adj3" fmla="val 46362"/>
-            </a:avLst>
-          </a:prstGeom>
-        </p:spPr>
-        <p:style>
-          <a:lnRef idx="2">
-            <a:schemeClr val="accent1">
-              <a:shade val="15000"/>
-            </a:schemeClr>
-          </a:lnRef>
-          <a:fillRef idx="1">
-            <a:schemeClr val="accent1"/>
-          </a:fillRef>
-          <a:effectRef idx="0">
-            <a:schemeClr val="accent1"/>
-          </a:effectRef>
-          <a:fontRef idx="minor">
-            <a:schemeClr val="lt1"/>
-          </a:fontRef>
-        </p:style>
-        <p:txBody>
-          <a:bodyPr rtlCol="0" anchor="ctr"/>
-          <a:lstStyle/>
-          <a:p>
-            <a:pPr algn="ctr"/>
-            <a:r>
-              <a:rPr lang="de-DE" dirty="0">
-                <a:solidFill>
-                  <a:schemeClr val="tx1"/>
-                </a:solidFill>
-              </a:rPr>
-              <a:t> </a:t>
-            </a:r>
-          </a:p>
-        </p:txBody>
-      </p:sp>
       <p:sp>
         <p:nvSpPr>
           <p:cNvPr id="440" name="Google Shape;440;p29"/>
@@ -16355,7 +16467,7 @@
                   <a:schemeClr val="accent2"/>
                 </a:solidFill>
               </a:rPr>
-              <a:t>SNAKE SEGMENTS</a:t>
+              <a:t>MODULES</a:t>
             </a:r>
             <a:endParaRPr sz="6000" dirty="0">
               <a:solidFill>
@@ -16405,7 +16517,7 @@
                   <a:schemeClr val="accent3"/>
                 </a:solidFill>
               </a:rPr>
-              <a:t>SNAKE SEGMENTS(c7)</a:t>
+              <a:t>SNAKE CLASS (c6)</a:t>
             </a:r>
             <a:endParaRPr dirty="0"/>
           </a:p>
@@ -16427,6 +16539,730 @@
             <p:ph type="body" idx="4"/>
           </p:nvPr>
         </p:nvSpPr>
+        <p:spPr>
+          <a:xfrm>
+            <a:off x="1217550" y="2238218"/>
+            <a:ext cx="9755100" cy="3705382"/>
+          </a:xfrm>
+        </p:spPr>
+        <p:txBody>
+          <a:bodyPr/>
+          <a:lstStyle/>
+          <a:p>
+            <a:pPr marL="139700" indent="0">
+              <a:buNone/>
+            </a:pPr>
+            <a:r>
+              <a:rPr lang="de-DE" dirty="0"/>
+              <a:t>Um das Programm übersichtlicher zu gestalten, soll d</a:t>
+            </a:r>
+            <a:r>
+              <a:rPr lang="en-DE" dirty="0"/>
+              <a:t>er Snake </a:t>
+            </a:r>
+            <a:r>
+              <a:rPr lang="en-DE" dirty="0" err="1"/>
+              <a:t>spezifische</a:t>
+            </a:r>
+            <a:r>
+              <a:rPr lang="en-DE" dirty="0"/>
+              <a:t> </a:t>
+            </a:r>
+            <a:r>
+              <a:rPr lang="en-DE" dirty="0" err="1"/>
+              <a:t>Quellcode</a:t>
+            </a:r>
+            <a:r>
+              <a:rPr lang="de-DE" dirty="0"/>
+              <a:t> in eine</a:t>
+            </a:r>
+            <a:r>
+              <a:rPr lang="en-DE" dirty="0"/>
+              <a:t>r</a:t>
+            </a:r>
+            <a:r>
+              <a:rPr lang="de-DE" dirty="0"/>
+              <a:t> </a:t>
+            </a:r>
+            <a:r>
+              <a:rPr lang="de-DE" dirty="0" err="1"/>
+              <a:t>eige</a:t>
+            </a:r>
+            <a:r>
+              <a:rPr lang="en-DE" dirty="0"/>
+              <a:t>n</a:t>
+            </a:r>
+            <a:r>
+              <a:rPr lang="de-DE" dirty="0"/>
+              <a:t> Snake-Klasse ausgelagert werden</a:t>
+            </a:r>
+            <a:r>
+              <a:rPr lang="en-DE" dirty="0"/>
+              <a:t>. </a:t>
+            </a:r>
+            <a:r>
+              <a:rPr lang="en-DE" dirty="0" err="1"/>
+              <a:t>Diese</a:t>
+            </a:r>
+            <a:r>
+              <a:rPr lang="en-DE" dirty="0"/>
+              <a:t> </a:t>
+            </a:r>
+            <a:r>
+              <a:rPr lang="en-DE" dirty="0" err="1"/>
+              <a:t>Auslagerung</a:t>
+            </a:r>
+            <a:r>
+              <a:rPr lang="en-DE" dirty="0"/>
+              <a:t> </a:t>
+            </a:r>
+            <a:r>
+              <a:rPr lang="en-DE" dirty="0" err="1"/>
+              <a:t>sollte</a:t>
+            </a:r>
+            <a:r>
+              <a:rPr lang="en-DE" dirty="0"/>
+              <a:t> </a:t>
+            </a:r>
+            <a:r>
+              <a:rPr lang="en-DE" dirty="0" err="1"/>
+              <a:t>weiterhin</a:t>
+            </a:r>
+            <a:r>
+              <a:rPr lang="de-DE" dirty="0"/>
+              <a:t> in einer extra Datei gespeichert werden.</a:t>
+            </a:r>
+            <a:br>
+              <a:rPr lang="en-DE" sz="900" dirty="0"/>
+            </a:br>
+            <a:r>
+              <a:rPr lang="en-DE" sz="700" dirty="0">
+                <a:solidFill>
+                  <a:schemeClr val="bg1">
+                    <a:lumMod val="90000"/>
+                    <a:lumOff val="10000"/>
+                  </a:schemeClr>
+                </a:solidFill>
+              </a:rPr>
+              <a:t>.</a:t>
+            </a:r>
+            <a:br>
+              <a:rPr lang="en-DE" dirty="0"/>
+            </a:br>
+            <a:r>
+              <a:rPr lang="en-DE" dirty="0" err="1"/>
+              <a:t>Hinweis</a:t>
+            </a:r>
+            <a:r>
+              <a:rPr lang="en-DE" dirty="0"/>
+              <a:t>: Für </a:t>
+            </a:r>
+            <a:r>
+              <a:rPr lang="en-DE" dirty="0" err="1"/>
+              <a:t>eine</a:t>
+            </a:r>
+            <a:r>
+              <a:rPr lang="en-DE" dirty="0"/>
+              <a:t> </a:t>
+            </a:r>
+            <a:r>
+              <a:rPr lang="en-DE" dirty="0" err="1"/>
+              <a:t>saubere</a:t>
+            </a:r>
+            <a:r>
+              <a:rPr lang="en-DE" dirty="0"/>
+              <a:t> </a:t>
+            </a:r>
+            <a:r>
+              <a:rPr lang="en-DE" dirty="0" err="1"/>
+              <a:t>implementierung</a:t>
+            </a:r>
+            <a:r>
+              <a:rPr lang="en-DE" dirty="0"/>
+              <a:t>, </a:t>
+            </a:r>
+            <a:r>
+              <a:rPr lang="en-DE" dirty="0" err="1"/>
+              <a:t>müssen</a:t>
+            </a:r>
+            <a:r>
+              <a:rPr lang="en-DE" dirty="0"/>
+              <a:t> </a:t>
+            </a:r>
+            <a:r>
+              <a:rPr lang="en-DE" dirty="0" err="1"/>
+              <a:t>nicht</a:t>
+            </a:r>
+            <a:r>
+              <a:rPr lang="en-DE" dirty="0"/>
+              <a:t> alle </a:t>
+            </a:r>
+            <a:r>
+              <a:rPr lang="en-DE" dirty="0" err="1"/>
+              <a:t>Funktionen</a:t>
+            </a:r>
+            <a:r>
+              <a:rPr lang="en-DE" dirty="0"/>
+              <a:t> </a:t>
+            </a:r>
+            <a:r>
+              <a:rPr lang="en-DE" dirty="0" err="1"/>
+              <a:t>auserhalb</a:t>
+            </a:r>
+            <a:r>
+              <a:rPr lang="en-DE" dirty="0"/>
+              <a:t> der </a:t>
+            </a:r>
+            <a:r>
+              <a:rPr lang="en-DE" dirty="0" err="1"/>
+              <a:t>Klasse</a:t>
+            </a:r>
+            <a:r>
+              <a:rPr lang="en-DE" dirty="0"/>
+              <a:t> </a:t>
+            </a:r>
+            <a:r>
+              <a:rPr lang="en-DE" dirty="0" err="1"/>
+              <a:t>aufrufbar</a:t>
+            </a:r>
+            <a:r>
+              <a:rPr lang="en-DE" dirty="0"/>
+              <a:t> sein. </a:t>
+            </a:r>
+            <a:br>
+              <a:rPr lang="en-DE" dirty="0"/>
+            </a:br>
+            <a:endParaRPr lang="de-DE" dirty="0"/>
+          </a:p>
+          <a:p>
+            <a:pPr marL="139700" indent="0">
+              <a:buNone/>
+            </a:pPr>
+            <a:endParaRPr lang="de-DE" dirty="0"/>
+          </a:p>
+          <a:p>
+            <a:pPr marL="139700" indent="0">
+              <a:buNone/>
+            </a:pPr>
+            <a:r>
+              <a:rPr lang="de-DE" dirty="0"/>
+              <a:t>Ebenfalls sollen andere Funktionen</a:t>
+            </a:r>
+            <a:r>
+              <a:rPr lang="en-DE" dirty="0" err="1"/>
+              <a:t>saufrufe</a:t>
+            </a:r>
+            <a:r>
+              <a:rPr lang="de-DE" dirty="0"/>
+              <a:t>, wie z.B. das Screen-Setup in einer Utils.py Datei </a:t>
+            </a:r>
+            <a:r>
+              <a:rPr lang="en-DE" dirty="0" err="1"/>
+              <a:t>gebündelt</a:t>
+            </a:r>
+            <a:r>
+              <a:rPr lang="en-DE" dirty="0"/>
+              <a:t>, </a:t>
+            </a:r>
+            <a:r>
+              <a:rPr lang="de-DE" dirty="0"/>
+              <a:t>ausgelagert und danach importiert werden.</a:t>
+            </a:r>
+          </a:p>
+          <a:p>
+            <a:pPr marL="139700" indent="0">
+              <a:buNone/>
+            </a:pPr>
+            <a:endParaRPr lang="de-DE" dirty="0"/>
+          </a:p>
+          <a:p>
+            <a:pPr marL="139700" indent="0">
+              <a:buNone/>
+            </a:pPr>
+            <a:endParaRPr lang="de-DE" dirty="0"/>
+          </a:p>
+          <a:p>
+            <a:pPr marL="139700" indent="0">
+              <a:buNone/>
+            </a:pPr>
+            <a:r>
+              <a:rPr lang="de-DE" dirty="0"/>
+              <a:t>Die </a:t>
+            </a:r>
+            <a:r>
+              <a:rPr lang="de-DE" dirty="0" err="1"/>
+              <a:t>main</a:t>
+            </a:r>
+            <a:r>
+              <a:rPr lang="de-DE" dirty="0"/>
+              <a:t> Datei soll </a:t>
+            </a:r>
+            <a:r>
+              <a:rPr lang="en-DE" dirty="0" err="1"/>
+              <a:t>zukünftig</a:t>
+            </a:r>
+            <a:r>
+              <a:rPr lang="en-DE" dirty="0"/>
+              <a:t> </a:t>
+            </a:r>
+            <a:r>
+              <a:rPr lang="de-DE" dirty="0"/>
+              <a:t>als Game-Control</a:t>
+            </a:r>
+            <a:r>
+              <a:rPr lang="en-DE" dirty="0"/>
+              <a:t>l</a:t>
+            </a:r>
+            <a:r>
+              <a:rPr lang="de-DE" dirty="0"/>
+              <a:t>er genutzt werden.</a:t>
+            </a:r>
+            <a:br>
+              <a:rPr lang="de-DE" dirty="0"/>
+            </a:br>
+            <a:r>
+              <a:rPr lang="de-DE" dirty="0"/>
+              <a:t> </a:t>
+            </a:r>
+          </a:p>
+        </p:txBody>
+      </p:sp>
+    </p:spTree>
+    <p:extLst>
+      <p:ext uri="{BB962C8B-B14F-4D97-AF65-F5344CB8AC3E}">
+        <p14:creationId xmlns:p14="http://schemas.microsoft.com/office/powerpoint/2010/main" val="3872588631"/>
+      </p:ext>
+    </p:extLst>
+  </p:cSld>
+  <p:clrMapOvr>
+    <a:masterClrMapping/>
+  </p:clrMapOvr>
+  <p:transition>
+    <p:fade/>
+  </p:transition>
+</p:sld>
+</file>
+
+<file path=ppt/slides/slide4.xml><?xml version="1.0" encoding="utf-8"?>
+<p:sld xmlns:a="http://schemas.openxmlformats.org/drawingml/2006/main" xmlns:r="http://schemas.openxmlformats.org/officeDocument/2006/relationships" xmlns:p="http://schemas.openxmlformats.org/presentationml/2006/main">
+  <p:cSld>
+    <p:spTree>
+      <p:nvGrpSpPr>
+        <p:cNvPr id="1" name="Shape 439"/>
+        <p:cNvGrpSpPr/>
+        <p:nvPr/>
+      </p:nvGrpSpPr>
+      <p:grpSpPr>
+        <a:xfrm>
+          <a:off x="0" y="0"/>
+          <a:ext cx="0" cy="0"/>
+          <a:chOff x="0" y="0"/>
+          <a:chExt cx="0" cy="0"/>
+        </a:xfrm>
+      </p:grpSpPr>
+      <p:sp>
+        <p:nvSpPr>
+          <p:cNvPr id="440" name="Google Shape;440;p29"/>
+          <p:cNvSpPr txBox="1">
+            <a:spLocks noGrp="1"/>
+          </p:cNvSpPr>
+          <p:nvPr>
+            <p:ph type="title"/>
+          </p:nvPr>
+        </p:nvSpPr>
+        <p:spPr>
+          <a:xfrm>
+            <a:off x="684150" y="358863"/>
+            <a:ext cx="10672108" cy="763500"/>
+          </a:xfrm>
+          <a:prstGeom prst="rect">
+            <a:avLst/>
+          </a:prstGeom>
+        </p:spPr>
+        <p:txBody>
+          <a:bodyPr spcFirstLastPara="1" wrap="square" lIns="121900" tIns="121900" rIns="121900" bIns="121900" anchor="t" anchorCtr="0">
+            <a:noAutofit/>
+          </a:bodyPr>
+          <a:lstStyle/>
+          <a:p>
+            <a:pPr marL="0" lvl="0" indent="0" algn="l" rtl="0">
+              <a:spcBef>
+                <a:spcPts val="0"/>
+              </a:spcBef>
+              <a:spcAft>
+                <a:spcPts val="0"/>
+              </a:spcAft>
+              <a:buNone/>
+            </a:pPr>
+            <a:r>
+              <a:rPr lang="en-US" dirty="0"/>
+              <a:t>CHALLENGE </a:t>
+            </a:r>
+            <a:r>
+              <a:rPr lang="en" sz="6000" dirty="0">
+                <a:solidFill>
+                  <a:schemeClr val="accent2"/>
+                </a:solidFill>
+              </a:rPr>
+              <a:t>SNAKE SEGMENTS</a:t>
+            </a:r>
+            <a:endParaRPr sz="6000" dirty="0">
+              <a:solidFill>
+                <a:schemeClr val="accent2"/>
+              </a:solidFill>
+            </a:endParaRPr>
+          </a:p>
+        </p:txBody>
+      </p:sp>
+      <p:sp>
+        <p:nvSpPr>
+          <p:cNvPr id="441" name="Google Shape;441;p29"/>
+          <p:cNvSpPr txBox="1">
+            <a:spLocks noGrp="1"/>
+          </p:cNvSpPr>
+          <p:nvPr>
+            <p:ph type="subTitle" idx="1"/>
+          </p:nvPr>
+        </p:nvSpPr>
+        <p:spPr>
+          <a:xfrm>
+            <a:off x="1217558" y="1800269"/>
+            <a:ext cx="9755100" cy="606900"/>
+          </a:xfrm>
+          <a:prstGeom prst="rect">
+            <a:avLst/>
+          </a:prstGeom>
+        </p:spPr>
+        <p:txBody>
+          <a:bodyPr spcFirstLastPara="1" wrap="square" lIns="121900" tIns="121900" rIns="121900" bIns="121900" anchor="t" anchorCtr="0">
+            <a:noAutofit/>
+          </a:bodyPr>
+          <a:lstStyle/>
+          <a:p>
+            <a:pPr marL="0" lvl="0" indent="0" algn="l" rtl="0">
+              <a:spcBef>
+                <a:spcPts val="0"/>
+              </a:spcBef>
+              <a:spcAft>
+                <a:spcPts val="2100"/>
+              </a:spcAft>
+              <a:buNone/>
+            </a:pPr>
+            <a:r>
+              <a:rPr lang="en" dirty="0">
+                <a:solidFill>
+                  <a:schemeClr val="accent3"/>
+                </a:solidFill>
+              </a:rPr>
+              <a:t>SNAKE SEGMENTS(c7)</a:t>
+            </a:r>
+            <a:endParaRPr dirty="0"/>
+          </a:p>
+        </p:txBody>
+      </p:sp>
+      <p:sp>
+        <p:nvSpPr>
+          <p:cNvPr id="2" name="Text Placeholder 3">
+            <a:extLst>
+              <a:ext uri="{FF2B5EF4-FFF2-40B4-BE49-F238E27FC236}">
+                <a16:creationId xmlns:a16="http://schemas.microsoft.com/office/drawing/2014/main" id="{1FD33FB7-7933-E59B-CD79-311DD5AF3774}"/>
+              </a:ext>
+            </a:extLst>
+          </p:cNvPr>
+          <p:cNvSpPr txBox="1">
+            <a:spLocks/>
+          </p:cNvSpPr>
+          <p:nvPr/>
+        </p:nvSpPr>
+        <p:spPr>
+          <a:xfrm>
+            <a:off x="1261460" y="5401113"/>
+            <a:ext cx="9755100" cy="925200"/>
+          </a:xfrm>
+          <a:prstGeom prst="rect">
+            <a:avLst/>
+          </a:prstGeom>
+          <a:noFill/>
+          <a:ln>
+            <a:noFill/>
+          </a:ln>
+        </p:spPr>
+        <p:txBody>
+          <a:bodyPr spcFirstLastPara="1" wrap="square" lIns="121900" tIns="121900" rIns="121900" bIns="121900" anchor="t" anchorCtr="0">
+            <a:noAutofit/>
+          </a:bodyPr>
+          <a:lstStyle>
+            <a:defPPr marR="0" lvl="0" algn="l" rtl="0">
+              <a:lnSpc>
+                <a:spcPct val="100000"/>
+              </a:lnSpc>
+              <a:spcBef>
+                <a:spcPts val="0"/>
+              </a:spcBef>
+              <a:spcAft>
+                <a:spcPts val="0"/>
+              </a:spcAft>
+            </a:defPPr>
+            <a:lvl1pPr marL="457200" marR="0" lvl="0" indent="-317500" algn="l" rtl="0">
+              <a:lnSpc>
+                <a:spcPct val="115000"/>
+              </a:lnSpc>
+              <a:spcBef>
+                <a:spcPts val="0"/>
+              </a:spcBef>
+              <a:spcAft>
+                <a:spcPts val="0"/>
+              </a:spcAft>
+              <a:buClr>
+                <a:schemeClr val="dk2"/>
+              </a:buClr>
+              <a:buSzPts val="1400"/>
+              <a:buFont typeface="Roboto Mono"/>
+              <a:buChar char="●"/>
+              <a:defRPr sz="1400" b="0" i="0" u="none" strike="noStrike" cap="none">
+                <a:solidFill>
+                  <a:schemeClr val="dk2"/>
+                </a:solidFill>
+                <a:latin typeface="Roboto Mono"/>
+                <a:ea typeface="Roboto Mono"/>
+                <a:cs typeface="Roboto Mono"/>
+                <a:sym typeface="Roboto Mono"/>
+              </a:defRPr>
+            </a:lvl1pPr>
+            <a:lvl2pPr marL="914400" marR="0" lvl="1" indent="-317500" algn="l" rtl="0">
+              <a:lnSpc>
+                <a:spcPct val="115000"/>
+              </a:lnSpc>
+              <a:spcBef>
+                <a:spcPts val="2100"/>
+              </a:spcBef>
+              <a:spcAft>
+                <a:spcPts val="0"/>
+              </a:spcAft>
+              <a:buClr>
+                <a:schemeClr val="dk2"/>
+              </a:buClr>
+              <a:buSzPts val="1400"/>
+              <a:buFont typeface="Roboto Mono"/>
+              <a:buChar char="○"/>
+              <a:defRPr sz="1400" b="0" i="0" u="none" strike="noStrike" cap="none">
+                <a:solidFill>
+                  <a:schemeClr val="dk2"/>
+                </a:solidFill>
+                <a:latin typeface="Roboto Mono"/>
+                <a:ea typeface="Roboto Mono"/>
+                <a:cs typeface="Roboto Mono"/>
+                <a:sym typeface="Roboto Mono"/>
+              </a:defRPr>
+            </a:lvl2pPr>
+            <a:lvl3pPr marL="1371600" marR="0" lvl="2" indent="-317500" algn="l" rtl="0">
+              <a:lnSpc>
+                <a:spcPct val="115000"/>
+              </a:lnSpc>
+              <a:spcBef>
+                <a:spcPts val="2100"/>
+              </a:spcBef>
+              <a:spcAft>
+                <a:spcPts val="0"/>
+              </a:spcAft>
+              <a:buClr>
+                <a:schemeClr val="dk2"/>
+              </a:buClr>
+              <a:buSzPts val="1400"/>
+              <a:buFont typeface="Roboto Mono"/>
+              <a:buChar char="■"/>
+              <a:defRPr sz="1400" b="0" i="0" u="none" strike="noStrike" cap="none">
+                <a:solidFill>
+                  <a:schemeClr val="dk2"/>
+                </a:solidFill>
+                <a:latin typeface="Roboto Mono"/>
+                <a:ea typeface="Roboto Mono"/>
+                <a:cs typeface="Roboto Mono"/>
+                <a:sym typeface="Roboto Mono"/>
+              </a:defRPr>
+            </a:lvl3pPr>
+            <a:lvl4pPr marL="1828800" marR="0" lvl="3" indent="-317500" algn="l" rtl="0">
+              <a:lnSpc>
+                <a:spcPct val="115000"/>
+              </a:lnSpc>
+              <a:spcBef>
+                <a:spcPts val="2100"/>
+              </a:spcBef>
+              <a:spcAft>
+                <a:spcPts val="0"/>
+              </a:spcAft>
+              <a:buClr>
+                <a:schemeClr val="dk2"/>
+              </a:buClr>
+              <a:buSzPts val="1400"/>
+              <a:buFont typeface="Roboto Mono"/>
+              <a:buChar char="●"/>
+              <a:defRPr sz="1400" b="0" i="0" u="none" strike="noStrike" cap="none">
+                <a:solidFill>
+                  <a:schemeClr val="dk2"/>
+                </a:solidFill>
+                <a:latin typeface="Roboto Mono"/>
+                <a:ea typeface="Roboto Mono"/>
+                <a:cs typeface="Roboto Mono"/>
+                <a:sym typeface="Roboto Mono"/>
+              </a:defRPr>
+            </a:lvl4pPr>
+            <a:lvl5pPr marL="2286000" marR="0" lvl="4" indent="-317500" algn="l" rtl="0">
+              <a:lnSpc>
+                <a:spcPct val="115000"/>
+              </a:lnSpc>
+              <a:spcBef>
+                <a:spcPts val="2100"/>
+              </a:spcBef>
+              <a:spcAft>
+                <a:spcPts val="0"/>
+              </a:spcAft>
+              <a:buClr>
+                <a:schemeClr val="dk2"/>
+              </a:buClr>
+              <a:buSzPts val="1400"/>
+              <a:buFont typeface="Roboto Mono"/>
+              <a:buChar char="○"/>
+              <a:defRPr sz="1400" b="0" i="0" u="none" strike="noStrike" cap="none">
+                <a:solidFill>
+                  <a:schemeClr val="dk2"/>
+                </a:solidFill>
+                <a:latin typeface="Roboto Mono"/>
+                <a:ea typeface="Roboto Mono"/>
+                <a:cs typeface="Roboto Mono"/>
+                <a:sym typeface="Roboto Mono"/>
+              </a:defRPr>
+            </a:lvl5pPr>
+            <a:lvl6pPr marL="2743200" marR="0" lvl="5" indent="-317500" algn="l" rtl="0">
+              <a:lnSpc>
+                <a:spcPct val="115000"/>
+              </a:lnSpc>
+              <a:spcBef>
+                <a:spcPts val="2100"/>
+              </a:spcBef>
+              <a:spcAft>
+                <a:spcPts val="0"/>
+              </a:spcAft>
+              <a:buClr>
+                <a:schemeClr val="dk2"/>
+              </a:buClr>
+              <a:buSzPts val="1400"/>
+              <a:buFont typeface="Roboto Mono"/>
+              <a:buChar char="■"/>
+              <a:defRPr sz="1400" b="0" i="0" u="none" strike="noStrike" cap="none">
+                <a:solidFill>
+                  <a:schemeClr val="dk2"/>
+                </a:solidFill>
+                <a:latin typeface="Roboto Mono"/>
+                <a:ea typeface="Roboto Mono"/>
+                <a:cs typeface="Roboto Mono"/>
+                <a:sym typeface="Roboto Mono"/>
+              </a:defRPr>
+            </a:lvl6pPr>
+            <a:lvl7pPr marL="3200400" marR="0" lvl="6" indent="-317500" algn="l" rtl="0">
+              <a:lnSpc>
+                <a:spcPct val="115000"/>
+              </a:lnSpc>
+              <a:spcBef>
+                <a:spcPts val="2100"/>
+              </a:spcBef>
+              <a:spcAft>
+                <a:spcPts val="0"/>
+              </a:spcAft>
+              <a:buClr>
+                <a:schemeClr val="dk2"/>
+              </a:buClr>
+              <a:buSzPts val="1400"/>
+              <a:buFont typeface="Roboto Mono"/>
+              <a:buChar char="●"/>
+              <a:defRPr sz="1400" b="0" i="0" u="none" strike="noStrike" cap="none">
+                <a:solidFill>
+                  <a:schemeClr val="dk2"/>
+                </a:solidFill>
+                <a:latin typeface="Roboto Mono"/>
+                <a:ea typeface="Roboto Mono"/>
+                <a:cs typeface="Roboto Mono"/>
+                <a:sym typeface="Roboto Mono"/>
+              </a:defRPr>
+            </a:lvl7pPr>
+            <a:lvl8pPr marL="3657600" marR="0" lvl="7" indent="-317500" algn="l" rtl="0">
+              <a:lnSpc>
+                <a:spcPct val="115000"/>
+              </a:lnSpc>
+              <a:spcBef>
+                <a:spcPts val="2100"/>
+              </a:spcBef>
+              <a:spcAft>
+                <a:spcPts val="0"/>
+              </a:spcAft>
+              <a:buClr>
+                <a:schemeClr val="dk2"/>
+              </a:buClr>
+              <a:buSzPts val="1400"/>
+              <a:buFont typeface="Roboto Mono"/>
+              <a:buChar char="○"/>
+              <a:defRPr sz="1400" b="0" i="0" u="none" strike="noStrike" cap="none">
+                <a:solidFill>
+                  <a:schemeClr val="dk2"/>
+                </a:solidFill>
+                <a:latin typeface="Roboto Mono"/>
+                <a:ea typeface="Roboto Mono"/>
+                <a:cs typeface="Roboto Mono"/>
+                <a:sym typeface="Roboto Mono"/>
+              </a:defRPr>
+            </a:lvl8pPr>
+            <a:lvl9pPr marL="4114800" marR="0" lvl="8" indent="-317500" algn="l" rtl="0">
+              <a:lnSpc>
+                <a:spcPct val="115000"/>
+              </a:lnSpc>
+              <a:spcBef>
+                <a:spcPts val="2100"/>
+              </a:spcBef>
+              <a:spcAft>
+                <a:spcPts val="2100"/>
+              </a:spcAft>
+              <a:buClr>
+                <a:schemeClr val="dk2"/>
+              </a:buClr>
+              <a:buSzPts val="1400"/>
+              <a:buFont typeface="Roboto Mono"/>
+              <a:buChar char="■"/>
+              <a:defRPr sz="1400" b="0" i="0" u="none" strike="noStrike" cap="none">
+                <a:solidFill>
+                  <a:schemeClr val="dk2"/>
+                </a:solidFill>
+                <a:latin typeface="Roboto Mono"/>
+                <a:ea typeface="Roboto Mono"/>
+                <a:cs typeface="Roboto Mono"/>
+                <a:sym typeface="Roboto Mono"/>
+              </a:defRPr>
+            </a:lvl9pPr>
+          </a:lstStyle>
+          <a:p>
+            <a:pPr marL="139700" indent="0">
+              <a:buFont typeface="Roboto Mono"/>
+              <a:buNone/>
+            </a:pPr>
+            <a:endParaRPr lang="de-DE" dirty="0"/>
+          </a:p>
+        </p:txBody>
+      </p:sp>
+      <p:sp>
+        <p:nvSpPr>
+          <p:cNvPr id="12" name="Text Placeholder 11">
+            <a:extLst>
+              <a:ext uri="{FF2B5EF4-FFF2-40B4-BE49-F238E27FC236}">
+                <a16:creationId xmlns:a16="http://schemas.microsoft.com/office/drawing/2014/main" id="{A15100B1-CCDF-278E-C23A-E316035A76B0}"/>
+              </a:ext>
+            </a:extLst>
+          </p:cNvPr>
+          <p:cNvSpPr>
+            <a:spLocks noGrp="1"/>
+          </p:cNvSpPr>
+          <p:nvPr>
+            <p:ph type="body" idx="4"/>
+          </p:nvPr>
+        </p:nvSpPr>
         <p:spPr/>
         <p:txBody>
           <a:bodyPr/>
@@ -16435,6 +17271,828 @@
             <a:pPr marL="139700" indent="0">
               <a:buNone/>
             </a:pPr>
+            <a:r>
+              <a:rPr lang="de-DE" dirty="0"/>
+              <a:t>Die Schlange soll mit jedem gegessen Apfel um ein Segment wachsen.</a:t>
+            </a:r>
+            <a:r>
+              <a:rPr lang="en-DE" dirty="0"/>
+              <a:t> </a:t>
+            </a:r>
+            <a:r>
+              <a:rPr lang="en-DE" dirty="0" err="1"/>
+              <a:t>Segmente</a:t>
+            </a:r>
+            <a:r>
+              <a:rPr lang="en-DE" dirty="0"/>
+              <a:t> </a:t>
+            </a:r>
+            <a:r>
+              <a:rPr lang="en-DE" dirty="0" err="1"/>
+              <a:t>sind</a:t>
+            </a:r>
+            <a:r>
+              <a:rPr lang="en-DE" dirty="0"/>
+              <a:t> </a:t>
+            </a:r>
+            <a:r>
+              <a:rPr lang="en-DE" dirty="0" err="1"/>
+              <a:t>weitere</a:t>
+            </a:r>
+            <a:r>
+              <a:rPr lang="en-DE" dirty="0"/>
+              <a:t> Turtle </a:t>
+            </a:r>
+            <a:r>
+              <a:rPr lang="en-DE" dirty="0" err="1"/>
+              <a:t>instanzen</a:t>
+            </a:r>
+            <a:r>
+              <a:rPr lang="en-DE" dirty="0"/>
+              <a:t> </a:t>
+            </a:r>
+            <a:r>
+              <a:rPr lang="en-DE" dirty="0" err="1"/>
+              <a:t>mit</a:t>
+            </a:r>
+            <a:r>
+              <a:rPr lang="en-DE" dirty="0"/>
+              <a:t> der Form “Circle” und der </a:t>
+            </a:r>
+            <a:r>
+              <a:rPr lang="en-DE" dirty="0" err="1"/>
+              <a:t>Farbe</a:t>
+            </a:r>
+            <a:r>
+              <a:rPr lang="en-DE" dirty="0"/>
+              <a:t> “</a:t>
+            </a:r>
+            <a:r>
+              <a:rPr lang="en-DE" dirty="0" err="1"/>
+              <a:t>gray</a:t>
+            </a:r>
+            <a:r>
+              <a:rPr lang="en-DE" dirty="0"/>
+              <a:t>”.</a:t>
+            </a:r>
+            <a:r>
+              <a:rPr lang="de-DE" dirty="0"/>
+              <a:t> Schreibe den entsprechenden Code dafür.</a:t>
+            </a:r>
+            <a:endParaRPr lang="en-DE" dirty="0"/>
+          </a:p>
+          <a:p>
+            <a:pPr marL="139700" indent="0">
+              <a:buNone/>
+            </a:pPr>
+            <a:endParaRPr lang="en-DE" dirty="0"/>
+          </a:p>
+          <a:p>
+            <a:pPr marL="139700" indent="0">
+              <a:buNone/>
+            </a:pPr>
+            <a:r>
+              <a:rPr lang="en-DE" dirty="0"/>
+              <a:t>So </a:t>
+            </a:r>
+            <a:r>
+              <a:rPr lang="en-DE" dirty="0" err="1"/>
+              <a:t>könnte</a:t>
+            </a:r>
+            <a:r>
+              <a:rPr lang="en-DE" dirty="0"/>
+              <a:t> </a:t>
+            </a:r>
+            <a:r>
+              <a:rPr lang="en-DE" dirty="0" err="1"/>
+              <a:t>ein</a:t>
+            </a:r>
+            <a:r>
+              <a:rPr lang="en-DE" dirty="0"/>
+              <a:t> </a:t>
+            </a:r>
+            <a:r>
+              <a:rPr lang="en-DE" dirty="0" err="1"/>
+              <a:t>Segmentturtle</a:t>
+            </a:r>
+            <a:r>
+              <a:rPr lang="en-DE" dirty="0"/>
+              <a:t> </a:t>
+            </a:r>
+            <a:r>
+              <a:rPr lang="en-DE" dirty="0" err="1"/>
+              <a:t>aussehen</a:t>
+            </a:r>
+            <a:r>
+              <a:rPr lang="en-DE" dirty="0"/>
+              <a:t>:</a:t>
+            </a:r>
+          </a:p>
+          <a:p>
+            <a:pPr marL="139700" indent="0">
+              <a:buNone/>
+            </a:pPr>
+            <a:r>
+              <a:rPr lang="de-DE" dirty="0"/>
+              <a:t> </a:t>
+            </a:r>
+          </a:p>
+          <a:p>
+            <a:pPr marL="139700" indent="0">
+              <a:buNone/>
+            </a:pPr>
+            <a:endParaRPr lang="de-DE" dirty="0"/>
+          </a:p>
+        </p:txBody>
+      </p:sp>
+      <p:pic>
+        <p:nvPicPr>
+          <p:cNvPr id="39" name="Picture 38">
+            <a:extLst>
+              <a:ext uri="{FF2B5EF4-FFF2-40B4-BE49-F238E27FC236}">
+                <a16:creationId xmlns:a16="http://schemas.microsoft.com/office/drawing/2014/main" id="{D264EB09-E7A0-EAA9-F547-151FB55100A9}"/>
+              </a:ext>
+            </a:extLst>
+          </p:cNvPr>
+          <p:cNvPicPr>
+            <a:picLocks noChangeAspect="1"/>
+          </p:cNvPicPr>
+          <p:nvPr/>
+        </p:nvPicPr>
+        <p:blipFill rotWithShape="1">
+          <a:blip r:embed="rId3"/>
+          <a:srcRect l="39830" t="7964" r="29316" b="57527"/>
+          <a:stretch/>
+        </p:blipFill>
+        <p:spPr>
+          <a:xfrm>
+            <a:off x="6889686" y="3462194"/>
+            <a:ext cx="1946495" cy="2270090"/>
+          </a:xfrm>
+          <a:prstGeom prst="rect">
+            <a:avLst/>
+          </a:prstGeom>
+        </p:spPr>
+      </p:pic>
+      <p:pic>
+        <p:nvPicPr>
+          <p:cNvPr id="48" name="Picture 47">
+            <a:extLst>
+              <a:ext uri="{FF2B5EF4-FFF2-40B4-BE49-F238E27FC236}">
+                <a16:creationId xmlns:a16="http://schemas.microsoft.com/office/drawing/2014/main" id="{62FB9D36-AD17-C56F-BB11-544DA8130A20}"/>
+              </a:ext>
+            </a:extLst>
+          </p:cNvPr>
+          <p:cNvPicPr>
+            <a:picLocks noChangeAspect="1"/>
+          </p:cNvPicPr>
+          <p:nvPr/>
+        </p:nvPicPr>
+        <p:blipFill>
+          <a:blip r:embed="rId4"/>
+          <a:stretch>
+            <a:fillRect/>
+          </a:stretch>
+        </p:blipFill>
+        <p:spPr>
+          <a:xfrm>
+            <a:off x="1054202" y="3462194"/>
+            <a:ext cx="3655105" cy="2208840"/>
+          </a:xfrm>
+          <a:prstGeom prst="rect">
+            <a:avLst/>
+          </a:prstGeom>
+        </p:spPr>
+      </p:pic>
+    </p:spTree>
+    <p:extLst>
+      <p:ext uri="{BB962C8B-B14F-4D97-AF65-F5344CB8AC3E}">
+        <p14:creationId xmlns:p14="http://schemas.microsoft.com/office/powerpoint/2010/main" val="778617869"/>
+      </p:ext>
+    </p:extLst>
+  </p:cSld>
+  <p:clrMapOvr>
+    <a:masterClrMapping/>
+  </p:clrMapOvr>
+  <p:transition>
+    <p:fade/>
+  </p:transition>
+</p:sld>
+</file>
+
+<file path=ppt/slides/slide5.xml><?xml version="1.0" encoding="utf-8"?>
+<p:sld xmlns:a="http://schemas.openxmlformats.org/drawingml/2006/main" xmlns:r="http://schemas.openxmlformats.org/officeDocument/2006/relationships" xmlns:p="http://schemas.openxmlformats.org/presentationml/2006/main">
+  <p:cSld>
+    <p:spTree>
+      <p:nvGrpSpPr>
+        <p:cNvPr id="1" name="Shape 439"/>
+        <p:cNvGrpSpPr/>
+        <p:nvPr/>
+      </p:nvGrpSpPr>
+      <p:grpSpPr>
+        <a:xfrm>
+          <a:off x="0" y="0"/>
+          <a:ext cx="0" cy="0"/>
+          <a:chOff x="0" y="0"/>
+          <a:chExt cx="0" cy="0"/>
+        </a:xfrm>
+      </p:grpSpPr>
+      <p:sp>
+        <p:nvSpPr>
+          <p:cNvPr id="26" name="Arrow: Curved Down 25">
+            <a:extLst>
+              <a:ext uri="{FF2B5EF4-FFF2-40B4-BE49-F238E27FC236}">
+                <a16:creationId xmlns:a16="http://schemas.microsoft.com/office/drawing/2014/main" id="{7A9AA5A5-EBFE-EBF5-420F-FD1C21BF42C8}"/>
+              </a:ext>
+            </a:extLst>
+          </p:cNvPr>
+          <p:cNvSpPr/>
+          <p:nvPr/>
+        </p:nvSpPr>
+        <p:spPr>
+          <a:xfrm flipH="1">
+            <a:off x="2412064" y="4310057"/>
+            <a:ext cx="738451" cy="535057"/>
+          </a:xfrm>
+          <a:prstGeom prst="curvedDownArrow">
+            <a:avLst>
+              <a:gd name="adj1" fmla="val 25000"/>
+              <a:gd name="adj2" fmla="val 69007"/>
+              <a:gd name="adj3" fmla="val 46362"/>
+            </a:avLst>
+          </a:prstGeom>
+        </p:spPr>
+        <p:style>
+          <a:lnRef idx="2">
+            <a:schemeClr val="accent1">
+              <a:shade val="15000"/>
+            </a:schemeClr>
+          </a:lnRef>
+          <a:fillRef idx="1">
+            <a:schemeClr val="accent1"/>
+          </a:fillRef>
+          <a:effectRef idx="0">
+            <a:schemeClr val="accent1"/>
+          </a:effectRef>
+          <a:fontRef idx="minor">
+            <a:schemeClr val="lt1"/>
+          </a:fontRef>
+        </p:style>
+        <p:txBody>
+          <a:bodyPr rtlCol="0" anchor="ctr"/>
+          <a:lstStyle/>
+          <a:p>
+            <a:pPr algn="ctr"/>
+            <a:r>
+              <a:rPr lang="de-DE" dirty="0">
+                <a:solidFill>
+                  <a:schemeClr val="tx1"/>
+                </a:solidFill>
+              </a:rPr>
+              <a:t> </a:t>
+            </a:r>
+          </a:p>
+        </p:txBody>
+      </p:sp>
+      <p:sp>
+        <p:nvSpPr>
+          <p:cNvPr id="31" name="Arrow: Curved Down 30">
+            <a:extLst>
+              <a:ext uri="{FF2B5EF4-FFF2-40B4-BE49-F238E27FC236}">
+                <a16:creationId xmlns:a16="http://schemas.microsoft.com/office/drawing/2014/main" id="{965F8A46-BA66-C2AC-C0F2-C44A19190489}"/>
+              </a:ext>
+            </a:extLst>
+          </p:cNvPr>
+          <p:cNvSpPr/>
+          <p:nvPr/>
+        </p:nvSpPr>
+        <p:spPr>
+          <a:xfrm flipH="1">
+            <a:off x="3020627" y="4299967"/>
+            <a:ext cx="738451" cy="535057"/>
+          </a:xfrm>
+          <a:prstGeom prst="curvedDownArrow">
+            <a:avLst>
+              <a:gd name="adj1" fmla="val 25000"/>
+              <a:gd name="adj2" fmla="val 69007"/>
+              <a:gd name="adj3" fmla="val 46362"/>
+            </a:avLst>
+          </a:prstGeom>
+        </p:spPr>
+        <p:style>
+          <a:lnRef idx="2">
+            <a:schemeClr val="accent1">
+              <a:shade val="15000"/>
+            </a:schemeClr>
+          </a:lnRef>
+          <a:fillRef idx="1">
+            <a:schemeClr val="accent1"/>
+          </a:fillRef>
+          <a:effectRef idx="0">
+            <a:schemeClr val="accent1"/>
+          </a:effectRef>
+          <a:fontRef idx="minor">
+            <a:schemeClr val="lt1"/>
+          </a:fontRef>
+        </p:style>
+        <p:txBody>
+          <a:bodyPr rtlCol="0" anchor="ctr"/>
+          <a:lstStyle/>
+          <a:p>
+            <a:pPr algn="ctr"/>
+            <a:r>
+              <a:rPr lang="de-DE" dirty="0">
+                <a:solidFill>
+                  <a:schemeClr val="tx1"/>
+                </a:solidFill>
+              </a:rPr>
+              <a:t> </a:t>
+            </a:r>
+          </a:p>
+        </p:txBody>
+      </p:sp>
+      <p:sp>
+        <p:nvSpPr>
+          <p:cNvPr id="30" name="Arrow: Curved Down 29">
+            <a:extLst>
+              <a:ext uri="{FF2B5EF4-FFF2-40B4-BE49-F238E27FC236}">
+                <a16:creationId xmlns:a16="http://schemas.microsoft.com/office/drawing/2014/main" id="{B6C87D9A-E7B1-4C94-E888-38268A8F8B67}"/>
+              </a:ext>
+            </a:extLst>
+          </p:cNvPr>
+          <p:cNvSpPr/>
+          <p:nvPr/>
+        </p:nvSpPr>
+        <p:spPr>
+          <a:xfrm flipH="1">
+            <a:off x="3629190" y="4304954"/>
+            <a:ext cx="738451" cy="535057"/>
+          </a:xfrm>
+          <a:prstGeom prst="curvedDownArrow">
+            <a:avLst>
+              <a:gd name="adj1" fmla="val 25000"/>
+              <a:gd name="adj2" fmla="val 69007"/>
+              <a:gd name="adj3" fmla="val 46362"/>
+            </a:avLst>
+          </a:prstGeom>
+        </p:spPr>
+        <p:style>
+          <a:lnRef idx="2">
+            <a:schemeClr val="accent1">
+              <a:shade val="15000"/>
+            </a:schemeClr>
+          </a:lnRef>
+          <a:fillRef idx="1">
+            <a:schemeClr val="accent1"/>
+          </a:fillRef>
+          <a:effectRef idx="0">
+            <a:schemeClr val="accent1"/>
+          </a:effectRef>
+          <a:fontRef idx="minor">
+            <a:schemeClr val="lt1"/>
+          </a:fontRef>
+        </p:style>
+        <p:txBody>
+          <a:bodyPr rtlCol="0" anchor="ctr"/>
+          <a:lstStyle/>
+          <a:p>
+            <a:pPr algn="ctr"/>
+            <a:r>
+              <a:rPr lang="de-DE" dirty="0">
+                <a:solidFill>
+                  <a:schemeClr val="tx1"/>
+                </a:solidFill>
+              </a:rPr>
+              <a:t> </a:t>
+            </a:r>
+          </a:p>
+        </p:txBody>
+      </p:sp>
+      <p:sp>
+        <p:nvSpPr>
+          <p:cNvPr id="29" name="Arrow: Curved Down 28">
+            <a:extLst>
+              <a:ext uri="{FF2B5EF4-FFF2-40B4-BE49-F238E27FC236}">
+                <a16:creationId xmlns:a16="http://schemas.microsoft.com/office/drawing/2014/main" id="{DF511DA9-2398-CB8C-65B3-F24D21FDCEAF}"/>
+              </a:ext>
+            </a:extLst>
+          </p:cNvPr>
+          <p:cNvSpPr/>
+          <p:nvPr/>
+        </p:nvSpPr>
+        <p:spPr>
+          <a:xfrm flipH="1">
+            <a:off x="4191533" y="4302684"/>
+            <a:ext cx="738451" cy="535057"/>
+          </a:xfrm>
+          <a:prstGeom prst="curvedDownArrow">
+            <a:avLst>
+              <a:gd name="adj1" fmla="val 25000"/>
+              <a:gd name="adj2" fmla="val 69007"/>
+              <a:gd name="adj3" fmla="val 46362"/>
+            </a:avLst>
+          </a:prstGeom>
+        </p:spPr>
+        <p:style>
+          <a:lnRef idx="2">
+            <a:schemeClr val="accent1">
+              <a:shade val="15000"/>
+            </a:schemeClr>
+          </a:lnRef>
+          <a:fillRef idx="1">
+            <a:schemeClr val="accent1"/>
+          </a:fillRef>
+          <a:effectRef idx="0">
+            <a:schemeClr val="accent1"/>
+          </a:effectRef>
+          <a:fontRef idx="minor">
+            <a:schemeClr val="lt1"/>
+          </a:fontRef>
+        </p:style>
+        <p:txBody>
+          <a:bodyPr rtlCol="0" anchor="ctr"/>
+          <a:lstStyle/>
+          <a:p>
+            <a:pPr algn="ctr"/>
+            <a:r>
+              <a:rPr lang="de-DE" dirty="0">
+                <a:solidFill>
+                  <a:schemeClr val="tx1"/>
+                </a:solidFill>
+              </a:rPr>
+              <a:t> </a:t>
+            </a:r>
+          </a:p>
+        </p:txBody>
+      </p:sp>
+      <p:sp>
+        <p:nvSpPr>
+          <p:cNvPr id="440" name="Google Shape;440;p29"/>
+          <p:cNvSpPr txBox="1">
+            <a:spLocks noGrp="1"/>
+          </p:cNvSpPr>
+          <p:nvPr>
+            <p:ph type="title"/>
+          </p:nvPr>
+        </p:nvSpPr>
+        <p:spPr>
+          <a:xfrm>
+            <a:off x="684150" y="358863"/>
+            <a:ext cx="10672108" cy="763500"/>
+          </a:xfrm>
+          <a:prstGeom prst="rect">
+            <a:avLst/>
+          </a:prstGeom>
+        </p:spPr>
+        <p:txBody>
+          <a:bodyPr spcFirstLastPara="1" wrap="square" lIns="121900" tIns="121900" rIns="121900" bIns="121900" anchor="t" anchorCtr="0">
+            <a:noAutofit/>
+          </a:bodyPr>
+          <a:lstStyle/>
+          <a:p>
+            <a:pPr marL="0" lvl="0" indent="0" algn="l" rtl="0">
+              <a:spcBef>
+                <a:spcPts val="0"/>
+              </a:spcBef>
+              <a:spcAft>
+                <a:spcPts val="0"/>
+              </a:spcAft>
+              <a:buNone/>
+            </a:pPr>
+            <a:r>
+              <a:rPr lang="en-US" dirty="0"/>
+              <a:t>CHALLENGE </a:t>
+            </a:r>
+            <a:r>
+              <a:rPr lang="en" sz="6000" dirty="0">
+                <a:solidFill>
+                  <a:schemeClr val="accent2"/>
+                </a:solidFill>
+              </a:rPr>
+              <a:t>SNAKE SEGMENTS</a:t>
+            </a:r>
+            <a:endParaRPr sz="6000" dirty="0">
+              <a:solidFill>
+                <a:schemeClr val="accent2"/>
+              </a:solidFill>
+            </a:endParaRPr>
+          </a:p>
+        </p:txBody>
+      </p:sp>
+      <p:sp>
+        <p:nvSpPr>
+          <p:cNvPr id="441" name="Google Shape;441;p29"/>
+          <p:cNvSpPr txBox="1">
+            <a:spLocks noGrp="1"/>
+          </p:cNvSpPr>
+          <p:nvPr>
+            <p:ph type="subTitle" idx="1"/>
+          </p:nvPr>
+        </p:nvSpPr>
+        <p:spPr>
+          <a:xfrm>
+            <a:off x="1217558" y="1800269"/>
+            <a:ext cx="9755100" cy="606900"/>
+          </a:xfrm>
+          <a:prstGeom prst="rect">
+            <a:avLst/>
+          </a:prstGeom>
+        </p:spPr>
+        <p:txBody>
+          <a:bodyPr spcFirstLastPara="1" wrap="square" lIns="121900" tIns="121900" rIns="121900" bIns="121900" anchor="t" anchorCtr="0">
+            <a:noAutofit/>
+          </a:bodyPr>
+          <a:lstStyle/>
+          <a:p>
+            <a:pPr marL="0" lvl="0" indent="0" algn="l" rtl="0">
+              <a:spcBef>
+                <a:spcPts val="0"/>
+              </a:spcBef>
+              <a:spcAft>
+                <a:spcPts val="2100"/>
+              </a:spcAft>
+              <a:buNone/>
+            </a:pPr>
+            <a:r>
+              <a:rPr lang="en-DE" dirty="0" err="1">
+                <a:solidFill>
+                  <a:schemeClr val="accent3"/>
+                </a:solidFill>
+              </a:rPr>
+              <a:t>Hilfestellung</a:t>
+            </a:r>
+            <a:endParaRPr dirty="0"/>
+          </a:p>
+        </p:txBody>
+      </p:sp>
+      <p:sp>
+        <p:nvSpPr>
+          <p:cNvPr id="4" name="Text Placeholder 3">
+            <a:extLst>
+              <a:ext uri="{FF2B5EF4-FFF2-40B4-BE49-F238E27FC236}">
+                <a16:creationId xmlns:a16="http://schemas.microsoft.com/office/drawing/2014/main" id="{71064820-2700-85EE-131A-51CE2DE86E8E}"/>
+              </a:ext>
+            </a:extLst>
+          </p:cNvPr>
+          <p:cNvSpPr>
+            <a:spLocks noGrp="1"/>
+          </p:cNvSpPr>
+          <p:nvPr>
+            <p:ph type="body" idx="4"/>
+          </p:nvPr>
+        </p:nvSpPr>
+        <p:spPr>
+          <a:xfrm>
+            <a:off x="1142654" y="2184700"/>
+            <a:ext cx="9755100" cy="925200"/>
+          </a:xfrm>
+        </p:spPr>
+        <p:txBody>
+          <a:bodyPr/>
+          <a:lstStyle/>
+          <a:p>
+            <a:pPr marL="139700" indent="0">
+              <a:buNone/>
+            </a:pPr>
+            <a:r>
+              <a:rPr lang="en-DE" dirty="0"/>
+              <a:t>Alle Turtle-</a:t>
+            </a:r>
+            <a:r>
+              <a:rPr lang="en-DE" dirty="0" err="1"/>
+              <a:t>Segmente</a:t>
+            </a:r>
+            <a:r>
+              <a:rPr lang="en-DE" dirty="0"/>
+              <a:t> der Snake </a:t>
+            </a:r>
+            <a:r>
+              <a:rPr lang="en-DE" dirty="0" err="1"/>
+              <a:t>werden</a:t>
+            </a:r>
+            <a:r>
+              <a:rPr lang="en-DE" dirty="0"/>
+              <a:t> in </a:t>
+            </a:r>
+            <a:r>
+              <a:rPr lang="en-DE" dirty="0" err="1"/>
+              <a:t>einer</a:t>
+            </a:r>
+            <a:r>
+              <a:rPr lang="en-DE" dirty="0"/>
+              <a:t> </a:t>
+            </a:r>
+            <a:r>
+              <a:rPr lang="en-DE" dirty="0" err="1"/>
+              <a:t>Liste</a:t>
+            </a:r>
+            <a:r>
+              <a:rPr lang="en-DE" dirty="0"/>
+              <a:t> </a:t>
+            </a:r>
+            <a:r>
+              <a:rPr lang="en-DE" dirty="0" err="1"/>
+              <a:t>gespeichert</a:t>
+            </a:r>
+            <a:r>
+              <a:rPr lang="en-DE" dirty="0"/>
+              <a:t>. </a:t>
+            </a:r>
+            <a:r>
+              <a:rPr lang="en-DE" dirty="0" err="1"/>
+              <a:t>Jede</a:t>
+            </a:r>
+            <a:r>
+              <a:rPr lang="en-DE" dirty="0"/>
+              <a:t> Turtle der </a:t>
+            </a:r>
+            <a:r>
+              <a:rPr lang="en-DE" dirty="0" err="1"/>
+              <a:t>Liste</a:t>
+            </a:r>
+            <a:r>
+              <a:rPr lang="en-DE" dirty="0"/>
+              <a:t> </a:t>
+            </a:r>
+            <a:r>
+              <a:rPr lang="en-DE" dirty="0" err="1"/>
+              <a:t>ändert</a:t>
+            </a:r>
+            <a:r>
+              <a:rPr lang="en-DE" dirty="0"/>
+              <a:t> nun seine Position </a:t>
+            </a:r>
+            <a:r>
+              <a:rPr lang="en-DE" dirty="0" err="1"/>
+              <a:t>zum</a:t>
+            </a:r>
+            <a:r>
+              <a:rPr lang="en-DE" dirty="0"/>
+              <a:t> </a:t>
+            </a:r>
+            <a:r>
+              <a:rPr lang="en-DE" dirty="0" err="1"/>
+              <a:t>vorgänger</a:t>
+            </a:r>
+            <a:r>
+              <a:rPr lang="en-DE" dirty="0"/>
+              <a:t> Element. Es </a:t>
+            </a:r>
+            <a:r>
+              <a:rPr lang="en-DE" dirty="0" err="1"/>
+              <a:t>ist</a:t>
+            </a:r>
+            <a:r>
+              <a:rPr lang="en-DE" dirty="0"/>
+              <a:t> </a:t>
+            </a:r>
+            <a:r>
+              <a:rPr lang="en-DE" dirty="0" err="1"/>
+              <a:t>wichtig</a:t>
+            </a:r>
+            <a:r>
+              <a:rPr lang="en-DE" dirty="0"/>
+              <a:t> </a:t>
+            </a:r>
+            <a:r>
+              <a:rPr lang="en-DE" dirty="0" err="1"/>
+              <a:t>zu</a:t>
+            </a:r>
+            <a:r>
+              <a:rPr lang="en-DE" dirty="0"/>
+              <a:t> </a:t>
+            </a:r>
+            <a:r>
+              <a:rPr lang="en-DE" dirty="0" err="1"/>
+              <a:t>beachten</a:t>
+            </a:r>
+            <a:r>
+              <a:rPr lang="en-DE" dirty="0"/>
+              <a:t>, in </a:t>
+            </a:r>
+            <a:r>
+              <a:rPr lang="en-DE" dirty="0" err="1"/>
+              <a:t>welcher</a:t>
+            </a:r>
+            <a:r>
+              <a:rPr lang="en-DE" dirty="0"/>
+              <a:t> </a:t>
+            </a:r>
+            <a:r>
+              <a:rPr lang="en-DE" dirty="0" err="1"/>
+              <a:t>Reinfolge</a:t>
+            </a:r>
+            <a:r>
+              <a:rPr lang="en-DE" dirty="0"/>
+              <a:t> die </a:t>
+            </a:r>
+            <a:r>
+              <a:rPr lang="en-DE" dirty="0" err="1"/>
+              <a:t>Segmente</a:t>
+            </a:r>
+            <a:r>
+              <a:rPr lang="en-DE" dirty="0"/>
+              <a:t> </a:t>
+            </a:r>
+            <a:r>
+              <a:rPr lang="en-DE" dirty="0" err="1"/>
+              <a:t>vom</a:t>
+            </a:r>
+            <a:r>
+              <a:rPr lang="en-DE" dirty="0"/>
+              <a:t> </a:t>
+            </a:r>
+            <a:r>
+              <a:rPr lang="en-DE" dirty="0" err="1"/>
+              <a:t>Programm</a:t>
+            </a:r>
+            <a:r>
+              <a:rPr lang="en-DE" dirty="0"/>
+              <a:t> </a:t>
+            </a:r>
+            <a:r>
+              <a:rPr lang="en-DE" dirty="0" err="1"/>
+              <a:t>gezeichnet</a:t>
+            </a:r>
+            <a:r>
+              <a:rPr lang="en-DE" dirty="0"/>
+              <a:t> </a:t>
+            </a:r>
+            <a:r>
+              <a:rPr lang="en-DE" dirty="0" err="1"/>
+              <a:t>werden</a:t>
+            </a:r>
+            <a:r>
+              <a:rPr lang="en-DE" dirty="0"/>
+              <a:t>. Bitte Frage </a:t>
+            </a:r>
+            <a:r>
+              <a:rPr lang="en-DE" dirty="0" err="1"/>
+              <a:t>uns</a:t>
+            </a:r>
+            <a:r>
+              <a:rPr lang="en-DE" dirty="0"/>
+              <a:t> falls </a:t>
+            </a:r>
+            <a:r>
+              <a:rPr lang="en-DE" dirty="0" err="1"/>
+              <a:t>dir</a:t>
+            </a:r>
+            <a:r>
+              <a:rPr lang="en-DE" dirty="0"/>
+              <a:t> die </a:t>
+            </a:r>
+            <a:r>
+              <a:rPr lang="en-DE" dirty="0" err="1"/>
+              <a:t>nachfolgenden</a:t>
+            </a:r>
+            <a:r>
+              <a:rPr lang="en-DE" dirty="0"/>
+              <a:t> </a:t>
+            </a:r>
+            <a:r>
+              <a:rPr lang="en-DE" dirty="0" err="1"/>
+              <a:t>Grafiken</a:t>
+            </a:r>
+            <a:r>
+              <a:rPr lang="en-DE" dirty="0"/>
+              <a:t> </a:t>
+            </a:r>
+            <a:r>
+              <a:rPr lang="en-DE" dirty="0" err="1"/>
+              <a:t>unverständlich</a:t>
+            </a:r>
+            <a:r>
+              <a:rPr lang="en-DE" dirty="0"/>
+              <a:t> sein </a:t>
+            </a:r>
+            <a:r>
+              <a:rPr lang="en-DE" dirty="0" err="1"/>
+              <a:t>sollten</a:t>
+            </a:r>
+            <a:r>
+              <a:rPr lang="en-DE" dirty="0"/>
+              <a:t>. </a:t>
+            </a:r>
+          </a:p>
+          <a:p>
+            <a:pPr marL="139700" indent="0">
+              <a:buNone/>
+            </a:pPr>
+            <a:r>
+              <a:rPr lang="en-DE" sz="800" dirty="0">
+                <a:solidFill>
+                  <a:schemeClr val="bg1">
+                    <a:lumMod val="90000"/>
+                    <a:lumOff val="10000"/>
+                  </a:schemeClr>
+                </a:solidFill>
+              </a:rPr>
+              <a:t>.</a:t>
+            </a:r>
+            <a:br>
+              <a:rPr lang="en-DE" dirty="0"/>
+            </a:br>
             <a:r>
               <a:rPr lang="de-DE" dirty="0" err="1"/>
               <a:t>segments</a:t>
@@ -16460,7 +18118,7 @@
         </p:nvSpPr>
         <p:spPr>
           <a:xfrm>
-            <a:off x="1824452" y="3945551"/>
+            <a:off x="7280105" y="4868081"/>
             <a:ext cx="776815" cy="776815"/>
           </a:xfrm>
           <a:prstGeom prst="ellipse">
@@ -16506,7 +18164,7 @@
         </p:nvSpPr>
         <p:spPr>
           <a:xfrm>
-            <a:off x="2420677" y="3943979"/>
+            <a:off x="7876330" y="4866509"/>
             <a:ext cx="776815" cy="776815"/>
           </a:xfrm>
           <a:prstGeom prst="ellipse">
@@ -16558,7 +18216,7 @@
         </p:nvSpPr>
         <p:spPr>
           <a:xfrm>
-            <a:off x="1863306" y="4114330"/>
+            <a:off x="7318959" y="5036860"/>
             <a:ext cx="222250" cy="196850"/>
           </a:xfrm>
           <a:prstGeom prst="ellipse">
@@ -16604,7 +18262,7 @@
         </p:nvSpPr>
         <p:spPr>
           <a:xfrm>
-            <a:off x="2171492" y="4114330"/>
+            <a:off x="7627145" y="5036860"/>
             <a:ext cx="222250" cy="196850"/>
           </a:xfrm>
           <a:prstGeom prst="ellipse">
@@ -16650,7 +18308,7 @@
         </p:nvSpPr>
         <p:spPr>
           <a:xfrm>
-            <a:off x="1963266" y="4371905"/>
+            <a:off x="7418919" y="5294435"/>
             <a:ext cx="371686" cy="146050"/>
           </a:xfrm>
           <a:prstGeom prst="roundRect">
@@ -16698,7 +18356,7 @@
         </p:nvSpPr>
         <p:spPr>
           <a:xfrm>
-            <a:off x="7435448" y="3906033"/>
+            <a:off x="2110400" y="4922007"/>
             <a:ext cx="776815" cy="776815"/>
           </a:xfrm>
           <a:prstGeom prst="ellipse">
@@ -16744,7 +18402,7 @@
         </p:nvSpPr>
         <p:spPr>
           <a:xfrm>
-            <a:off x="7480652" y="4074812"/>
+            <a:off x="2155604" y="5090786"/>
             <a:ext cx="222250" cy="196850"/>
           </a:xfrm>
           <a:prstGeom prst="ellipse">
@@ -16790,7 +18448,7 @@
         </p:nvSpPr>
         <p:spPr>
           <a:xfrm>
-            <a:off x="7788838" y="4074812"/>
+            <a:off x="2463790" y="5090786"/>
             <a:ext cx="222250" cy="196850"/>
           </a:xfrm>
           <a:prstGeom prst="ellipse">
@@ -16836,7 +18494,7 @@
         </p:nvSpPr>
         <p:spPr>
           <a:xfrm>
-            <a:off x="7580612" y="4332387"/>
+            <a:off x="2255564" y="5348361"/>
             <a:ext cx="371686" cy="146050"/>
           </a:xfrm>
           <a:prstGeom prst="roundRect">
@@ -16884,7 +18542,7 @@
         </p:nvSpPr>
         <p:spPr>
           <a:xfrm flipH="1">
-            <a:off x="2126116" y="3353380"/>
+            <a:off x="7581769" y="4275910"/>
             <a:ext cx="738451" cy="535057"/>
           </a:xfrm>
           <a:prstGeom prst="curvedDownArrow">
@@ -16941,7 +18599,7 @@
         </p:nvSpPr>
         <p:spPr>
           <a:xfrm>
-            <a:off x="3016894" y="3943979"/>
+            <a:off x="8880707" y="4866509"/>
             <a:ext cx="776815" cy="776815"/>
           </a:xfrm>
           <a:prstGeom prst="ellipse">
@@ -16995,7 +18653,7 @@
         </p:nvSpPr>
         <p:spPr>
           <a:xfrm>
-            <a:off x="8031673" y="3904461"/>
+            <a:off x="2706625" y="4920435"/>
             <a:ext cx="776815" cy="776815"/>
           </a:xfrm>
           <a:prstGeom prst="ellipse">
@@ -17049,7 +18707,7 @@
         </p:nvSpPr>
         <p:spPr>
           <a:xfrm>
-            <a:off x="8627890" y="3904461"/>
+            <a:off x="3302842" y="4920435"/>
             <a:ext cx="776815" cy="776815"/>
           </a:xfrm>
           <a:prstGeom prst="ellipse">
@@ -17103,7 +18761,7 @@
         </p:nvSpPr>
         <p:spPr>
           <a:xfrm>
-            <a:off x="9224107" y="3883255"/>
+            <a:off x="3899059" y="4899229"/>
             <a:ext cx="776815" cy="776815"/>
           </a:xfrm>
           <a:prstGeom prst="ellipse">
@@ -17157,7 +18815,7 @@
         </p:nvSpPr>
         <p:spPr>
           <a:xfrm>
-            <a:off x="9820324" y="3904461"/>
+            <a:off x="4495276" y="4920435"/>
             <a:ext cx="776815" cy="776815"/>
           </a:xfrm>
           <a:prstGeom prst="ellipse">
@@ -17211,7 +18869,7 @@
         </p:nvSpPr>
         <p:spPr>
           <a:xfrm>
-            <a:off x="3613111" y="3922773"/>
+            <a:off x="9476924" y="4845303"/>
             <a:ext cx="776815" cy="776815"/>
           </a:xfrm>
           <a:prstGeom prst="ellipse">
@@ -17265,7 +18923,7 @@
         </p:nvSpPr>
         <p:spPr>
           <a:xfrm>
-            <a:off x="4209328" y="3943979"/>
+            <a:off x="10073141" y="4866509"/>
             <a:ext cx="776815" cy="776815"/>
           </a:xfrm>
           <a:prstGeom prst="ellipse">
@@ -17319,7 +18977,7 @@
         </p:nvSpPr>
         <p:spPr>
           <a:xfrm flipH="1">
-            <a:off x="2778434" y="3363028"/>
+            <a:off x="8642247" y="4285558"/>
             <a:ext cx="738451" cy="535057"/>
           </a:xfrm>
           <a:prstGeom prst="curvedDownArrow">
@@ -17376,7 +19034,7 @@
         </p:nvSpPr>
         <p:spPr>
           <a:xfrm flipH="1">
-            <a:off x="3371373" y="3373119"/>
+            <a:off x="9235186" y="4295649"/>
             <a:ext cx="738451" cy="535057"/>
           </a:xfrm>
           <a:prstGeom prst="curvedDownArrow">
@@ -17433,7 +19091,7 @@
         </p:nvSpPr>
         <p:spPr>
           <a:xfrm flipH="1">
-            <a:off x="4028780" y="3401346"/>
+            <a:off x="9892593" y="4323876"/>
             <a:ext cx="738451" cy="535057"/>
           </a:xfrm>
           <a:prstGeom prst="curvedDownArrow">
@@ -17490,7 +19148,7 @@
         </p:nvSpPr>
         <p:spPr>
           <a:xfrm>
-            <a:off x="9857630" y="2893300"/>
+            <a:off x="4532582" y="3909274"/>
             <a:ext cx="387132" cy="307777"/>
           </a:xfrm>
           <a:prstGeom prst="rect">
@@ -17529,7 +19187,7 @@
         </p:nvSpPr>
         <p:spPr>
           <a:xfrm>
-            <a:off x="9211139" y="2896239"/>
+            <a:off x="3886091" y="3912213"/>
             <a:ext cx="387132" cy="307777"/>
           </a:xfrm>
           <a:prstGeom prst="rect">
@@ -17568,7 +19226,7 @@
         </p:nvSpPr>
         <p:spPr>
           <a:xfrm>
-            <a:off x="8629165" y="2890805"/>
+            <a:off x="3304117" y="3906779"/>
             <a:ext cx="387132" cy="307777"/>
           </a:xfrm>
           <a:prstGeom prst="rect">
@@ -17607,7 +19265,7 @@
         </p:nvSpPr>
         <p:spPr>
           <a:xfrm>
-            <a:off x="7947285" y="2893301"/>
+            <a:off x="2622237" y="3909275"/>
             <a:ext cx="387132" cy="307777"/>
           </a:xfrm>
           <a:prstGeom prst="rect">
@@ -17646,7 +19304,7 @@
         </p:nvSpPr>
         <p:spPr>
           <a:xfrm>
-            <a:off x="2336504" y="2995432"/>
+            <a:off x="7792157" y="3917962"/>
             <a:ext cx="387132" cy="307777"/>
           </a:xfrm>
           <a:prstGeom prst="rect">
@@ -17685,7 +19343,7 @@
         </p:nvSpPr>
         <p:spPr>
           <a:xfrm>
-            <a:off x="4340920" y="2986306"/>
+            <a:off x="8919944" y="3917405"/>
             <a:ext cx="387132" cy="307777"/>
           </a:xfrm>
           <a:prstGeom prst="rect">
@@ -17724,7 +19382,7 @@
         </p:nvSpPr>
         <p:spPr>
           <a:xfrm>
-            <a:off x="3641648" y="2995431"/>
+            <a:off x="9523303" y="3915515"/>
             <a:ext cx="387132" cy="307777"/>
           </a:xfrm>
           <a:prstGeom prst="rect">
@@ -17763,7 +19421,7 @@
         </p:nvSpPr>
         <p:spPr>
           <a:xfrm>
-            <a:off x="2954501" y="2995431"/>
+            <a:off x="10181745" y="3909274"/>
             <a:ext cx="387132" cy="307777"/>
           </a:xfrm>
           <a:prstGeom prst="rect">
@@ -17802,8 +19460,8 @@
         </p:nvSpPr>
         <p:spPr>
           <a:xfrm>
-            <a:off x="1261460" y="3179173"/>
-            <a:ext cx="654378" cy="737821"/>
+            <a:off x="8204352" y="3958997"/>
+            <a:ext cx="596369" cy="535057"/>
           </a:xfrm>
           <a:prstGeom prst="lightningBolt">
             <a:avLst/>
@@ -17836,344 +19494,60 @@
       </p:sp>
       <p:sp>
         <p:nvSpPr>
-          <p:cNvPr id="46" name="Smiley Face 45">
+          <p:cNvPr id="3" name="TextBox 2">
             <a:extLst>
               <a:ext uri="{FF2B5EF4-FFF2-40B4-BE49-F238E27FC236}">
-                <a16:creationId xmlns:a16="http://schemas.microsoft.com/office/drawing/2014/main" id="{0D38126C-14DD-D297-BF0F-8554BF05ABA6}"/>
+                <a16:creationId xmlns:a16="http://schemas.microsoft.com/office/drawing/2014/main" id="{E8FAE597-16AE-E65D-ACB5-0F542241048F}"/>
               </a:ext>
             </a:extLst>
           </p:cNvPr>
-          <p:cNvSpPr/>
+          <p:cNvSpPr txBox="1"/>
           <p:nvPr/>
         </p:nvSpPr>
         <p:spPr>
           <a:xfrm>
-            <a:off x="6924828" y="2803000"/>
-            <a:ext cx="499882" cy="500208"/>
-          </a:xfrm>
-          <a:prstGeom prst="smileyFace">
-            <a:avLst/>
-          </a:prstGeom>
-        </p:spPr>
-        <p:style>
-          <a:lnRef idx="2">
-            <a:schemeClr val="accent1">
-              <a:shade val="15000"/>
-            </a:schemeClr>
-          </a:lnRef>
-          <a:fillRef idx="1">
-            <a:schemeClr val="accent1"/>
-          </a:fillRef>
-          <a:effectRef idx="0">
-            <a:schemeClr val="accent1"/>
-          </a:effectRef>
-          <a:fontRef idx="minor">
-            <a:schemeClr val="lt1"/>
-          </a:fontRef>
-        </p:style>
-        <p:txBody>
-          <a:bodyPr rtlCol="0" anchor="ctr"/>
-          <a:lstStyle/>
-          <a:p>
-            <a:pPr algn="ctr"/>
-            <a:endParaRPr lang="de-DE"/>
-          </a:p>
-        </p:txBody>
-      </p:sp>
-      <p:sp>
-        <p:nvSpPr>
-          <p:cNvPr id="2" name="Text Placeholder 3">
-            <a:extLst>
-              <a:ext uri="{FF2B5EF4-FFF2-40B4-BE49-F238E27FC236}">
-                <a16:creationId xmlns:a16="http://schemas.microsoft.com/office/drawing/2014/main" id="{1FD33FB7-7933-E59B-CD79-311DD5AF3774}"/>
-              </a:ext>
-            </a:extLst>
-          </p:cNvPr>
-          <p:cNvSpPr txBox="1">
-            <a:spLocks/>
-          </p:cNvSpPr>
-          <p:nvPr/>
-        </p:nvSpPr>
-        <p:spPr>
-          <a:xfrm>
-            <a:off x="1261460" y="5498768"/>
-            <a:ext cx="9755100" cy="925200"/>
+            <a:off x="1330460" y="3898871"/>
+            <a:ext cx="1260163" cy="307777"/>
           </a:xfrm>
           <a:prstGeom prst="rect">
             <a:avLst/>
           </a:prstGeom>
           <a:noFill/>
-          <a:ln>
-            <a:noFill/>
-          </a:ln>
         </p:spPr>
         <p:txBody>
-          <a:bodyPr spcFirstLastPara="1" wrap="square" lIns="121900" tIns="121900" rIns="121900" bIns="121900" anchor="t" anchorCtr="0">
-            <a:noAutofit/>
+          <a:bodyPr wrap="square" rtlCol="0">
+            <a:spAutoFit/>
           </a:bodyPr>
-          <a:lstStyle>
-            <a:defPPr marR="0" lvl="0" algn="l" rtl="0">
-              <a:lnSpc>
-                <a:spcPct val="100000"/>
-              </a:lnSpc>
-              <a:spcBef>
-                <a:spcPts val="0"/>
-              </a:spcBef>
-              <a:spcAft>
-                <a:spcPts val="0"/>
-              </a:spcAft>
-            </a:defPPr>
-            <a:lvl1pPr marL="457200" marR="0" lvl="0" indent="-317500" algn="l" rtl="0">
-              <a:lnSpc>
-                <a:spcPct val="115000"/>
-              </a:lnSpc>
-              <a:spcBef>
-                <a:spcPts val="0"/>
-              </a:spcBef>
-              <a:spcAft>
-                <a:spcPts val="0"/>
-              </a:spcAft>
-              <a:buClr>
-                <a:schemeClr val="dk2"/>
-              </a:buClr>
-              <a:buSzPts val="1400"/>
-              <a:buFont typeface="Roboto Mono"/>
-              <a:buChar char="●"/>
-              <a:defRPr sz="1400" b="0" i="0" u="none" strike="noStrike" cap="none">
-                <a:solidFill>
-                  <a:schemeClr val="dk2"/>
-                </a:solidFill>
-                <a:latin typeface="Roboto Mono"/>
-                <a:ea typeface="Roboto Mono"/>
-                <a:cs typeface="Roboto Mono"/>
-                <a:sym typeface="Roboto Mono"/>
-              </a:defRPr>
-            </a:lvl1pPr>
-            <a:lvl2pPr marL="914400" marR="0" lvl="1" indent="-317500" algn="l" rtl="0">
-              <a:lnSpc>
-                <a:spcPct val="115000"/>
-              </a:lnSpc>
-              <a:spcBef>
-                <a:spcPts val="2100"/>
-              </a:spcBef>
-              <a:spcAft>
-                <a:spcPts val="0"/>
-              </a:spcAft>
-              <a:buClr>
-                <a:schemeClr val="dk2"/>
-              </a:buClr>
-              <a:buSzPts val="1400"/>
-              <a:buFont typeface="Roboto Mono"/>
-              <a:buChar char="○"/>
-              <a:defRPr sz="1400" b="0" i="0" u="none" strike="noStrike" cap="none">
-                <a:solidFill>
-                  <a:schemeClr val="dk2"/>
-                </a:solidFill>
-                <a:latin typeface="Roboto Mono"/>
-                <a:ea typeface="Roboto Mono"/>
-                <a:cs typeface="Roboto Mono"/>
-                <a:sym typeface="Roboto Mono"/>
-              </a:defRPr>
-            </a:lvl2pPr>
-            <a:lvl3pPr marL="1371600" marR="0" lvl="2" indent="-317500" algn="l" rtl="0">
-              <a:lnSpc>
-                <a:spcPct val="115000"/>
-              </a:lnSpc>
-              <a:spcBef>
-                <a:spcPts val="2100"/>
-              </a:spcBef>
-              <a:spcAft>
-                <a:spcPts val="0"/>
-              </a:spcAft>
-              <a:buClr>
-                <a:schemeClr val="dk2"/>
-              </a:buClr>
-              <a:buSzPts val="1400"/>
-              <a:buFont typeface="Roboto Mono"/>
-              <a:buChar char="■"/>
-              <a:defRPr sz="1400" b="0" i="0" u="none" strike="noStrike" cap="none">
-                <a:solidFill>
-                  <a:schemeClr val="dk2"/>
-                </a:solidFill>
-                <a:latin typeface="Roboto Mono"/>
-                <a:ea typeface="Roboto Mono"/>
-                <a:cs typeface="Roboto Mono"/>
-                <a:sym typeface="Roboto Mono"/>
-              </a:defRPr>
-            </a:lvl3pPr>
-            <a:lvl4pPr marL="1828800" marR="0" lvl="3" indent="-317500" algn="l" rtl="0">
-              <a:lnSpc>
-                <a:spcPct val="115000"/>
-              </a:lnSpc>
-              <a:spcBef>
-                <a:spcPts val="2100"/>
-              </a:spcBef>
-              <a:spcAft>
-                <a:spcPts val="0"/>
-              </a:spcAft>
-              <a:buClr>
-                <a:schemeClr val="dk2"/>
-              </a:buClr>
-              <a:buSzPts val="1400"/>
-              <a:buFont typeface="Roboto Mono"/>
-              <a:buChar char="●"/>
-              <a:defRPr sz="1400" b="0" i="0" u="none" strike="noStrike" cap="none">
-                <a:solidFill>
-                  <a:schemeClr val="dk2"/>
-                </a:solidFill>
-                <a:latin typeface="Roboto Mono"/>
-                <a:ea typeface="Roboto Mono"/>
-                <a:cs typeface="Roboto Mono"/>
-                <a:sym typeface="Roboto Mono"/>
-              </a:defRPr>
-            </a:lvl4pPr>
-            <a:lvl5pPr marL="2286000" marR="0" lvl="4" indent="-317500" algn="l" rtl="0">
-              <a:lnSpc>
-                <a:spcPct val="115000"/>
-              </a:lnSpc>
-              <a:spcBef>
-                <a:spcPts val="2100"/>
-              </a:spcBef>
-              <a:spcAft>
-                <a:spcPts val="0"/>
-              </a:spcAft>
-              <a:buClr>
-                <a:schemeClr val="dk2"/>
-              </a:buClr>
-              <a:buSzPts val="1400"/>
-              <a:buFont typeface="Roboto Mono"/>
-              <a:buChar char="○"/>
-              <a:defRPr sz="1400" b="0" i="0" u="none" strike="noStrike" cap="none">
-                <a:solidFill>
-                  <a:schemeClr val="dk2"/>
-                </a:solidFill>
-                <a:latin typeface="Roboto Mono"/>
-                <a:ea typeface="Roboto Mono"/>
-                <a:cs typeface="Roboto Mono"/>
-                <a:sym typeface="Roboto Mono"/>
-              </a:defRPr>
-            </a:lvl5pPr>
-            <a:lvl6pPr marL="2743200" marR="0" lvl="5" indent="-317500" algn="l" rtl="0">
-              <a:lnSpc>
-                <a:spcPct val="115000"/>
-              </a:lnSpc>
-              <a:spcBef>
-                <a:spcPts val="2100"/>
-              </a:spcBef>
-              <a:spcAft>
-                <a:spcPts val="0"/>
-              </a:spcAft>
-              <a:buClr>
-                <a:schemeClr val="dk2"/>
-              </a:buClr>
-              <a:buSzPts val="1400"/>
-              <a:buFont typeface="Roboto Mono"/>
-              <a:buChar char="■"/>
-              <a:defRPr sz="1400" b="0" i="0" u="none" strike="noStrike" cap="none">
-                <a:solidFill>
-                  <a:schemeClr val="dk2"/>
-                </a:solidFill>
-                <a:latin typeface="Roboto Mono"/>
-                <a:ea typeface="Roboto Mono"/>
-                <a:cs typeface="Roboto Mono"/>
-                <a:sym typeface="Roboto Mono"/>
-              </a:defRPr>
-            </a:lvl6pPr>
-            <a:lvl7pPr marL="3200400" marR="0" lvl="6" indent="-317500" algn="l" rtl="0">
-              <a:lnSpc>
-                <a:spcPct val="115000"/>
-              </a:lnSpc>
-              <a:spcBef>
-                <a:spcPts val="2100"/>
-              </a:spcBef>
-              <a:spcAft>
-                <a:spcPts val="0"/>
-              </a:spcAft>
-              <a:buClr>
-                <a:schemeClr val="dk2"/>
-              </a:buClr>
-              <a:buSzPts val="1400"/>
-              <a:buFont typeface="Roboto Mono"/>
-              <a:buChar char="●"/>
-              <a:defRPr sz="1400" b="0" i="0" u="none" strike="noStrike" cap="none">
-                <a:solidFill>
-                  <a:schemeClr val="dk2"/>
-                </a:solidFill>
-                <a:latin typeface="Roboto Mono"/>
-                <a:ea typeface="Roboto Mono"/>
-                <a:cs typeface="Roboto Mono"/>
-                <a:sym typeface="Roboto Mono"/>
-              </a:defRPr>
-            </a:lvl7pPr>
-            <a:lvl8pPr marL="3657600" marR="0" lvl="7" indent="-317500" algn="l" rtl="0">
-              <a:lnSpc>
-                <a:spcPct val="115000"/>
-              </a:lnSpc>
-              <a:spcBef>
-                <a:spcPts val="2100"/>
-              </a:spcBef>
-              <a:spcAft>
-                <a:spcPts val="0"/>
-              </a:spcAft>
-              <a:buClr>
-                <a:schemeClr val="dk2"/>
-              </a:buClr>
-              <a:buSzPts val="1400"/>
-              <a:buFont typeface="Roboto Mono"/>
-              <a:buChar char="○"/>
-              <a:defRPr sz="1400" b="0" i="0" u="none" strike="noStrike" cap="none">
-                <a:solidFill>
-                  <a:schemeClr val="dk2"/>
-                </a:solidFill>
-                <a:latin typeface="Roboto Mono"/>
-                <a:ea typeface="Roboto Mono"/>
-                <a:cs typeface="Roboto Mono"/>
-                <a:sym typeface="Roboto Mono"/>
-              </a:defRPr>
-            </a:lvl8pPr>
-            <a:lvl9pPr marL="4114800" marR="0" lvl="8" indent="-317500" algn="l" rtl="0">
-              <a:lnSpc>
-                <a:spcPct val="115000"/>
-              </a:lnSpc>
-              <a:spcBef>
-                <a:spcPts val="2100"/>
-              </a:spcBef>
-              <a:spcAft>
-                <a:spcPts val="2100"/>
-              </a:spcAft>
-              <a:buClr>
-                <a:schemeClr val="dk2"/>
-              </a:buClr>
-              <a:buSzPts val="1400"/>
-              <a:buFont typeface="Roboto Mono"/>
-              <a:buChar char="■"/>
-              <a:defRPr sz="1400" b="0" i="0" u="none" strike="noStrike" cap="none">
-                <a:solidFill>
-                  <a:schemeClr val="dk2"/>
-                </a:solidFill>
-                <a:latin typeface="Roboto Mono"/>
-                <a:ea typeface="Roboto Mono"/>
-                <a:cs typeface="Roboto Mono"/>
-                <a:sym typeface="Roboto Mono"/>
-              </a:defRPr>
-            </a:lvl9pPr>
-          </a:lstStyle>
+          <a:lstStyle/>
           <a:p>
-            <a:pPr marL="139700" indent="0">
-              <a:buFont typeface="Roboto Mono"/>
-              <a:buNone/>
-            </a:pPr>
-            <a:r>
-              <a:rPr lang="de-DE" dirty="0"/>
-              <a:t>Die Schlange soll mit jedem gegessen Apfel um ein Segment wachsen. Schreibe den entsprechenden Code dafür. </a:t>
-            </a:r>
+            <a:r>
+              <a:rPr lang="de-DE" dirty="0">
+                <a:solidFill>
+                  <a:schemeClr val="tx1"/>
+                </a:solidFill>
+              </a:rPr>
+              <a:t>Reihenfolge</a:t>
+            </a:r>
+            <a:r>
+              <a:rPr lang="en-DE" dirty="0">
+                <a:solidFill>
+                  <a:schemeClr val="tx1"/>
+                </a:solidFill>
+              </a:rPr>
+              <a:t>:</a:t>
+            </a:r>
+            <a:endParaRPr lang="de-DE" dirty="0">
+              <a:solidFill>
+                <a:schemeClr val="tx1"/>
+              </a:solidFill>
+            </a:endParaRPr>
           </a:p>
         </p:txBody>
       </p:sp>
     </p:spTree>
     <p:extLst>
       <p:ext uri="{BB962C8B-B14F-4D97-AF65-F5344CB8AC3E}">
-        <p14:creationId xmlns:p14="http://schemas.microsoft.com/office/powerpoint/2010/main" val="778617869"/>
+        <p14:creationId xmlns:p14="http://schemas.microsoft.com/office/powerpoint/2010/main" val="3714525190"/>
       </p:ext>
     </p:extLst>
   </p:cSld>
@@ -18186,7 +19560,7 @@
 </p:sld>
 </file>
 
-<file path=ppt/slides/slide11.xml><?xml version="1.0" encoding="utf-8"?>
+<file path=ppt/slides/slide6.xml><?xml version="1.0" encoding="utf-8"?>
 <p:sld xmlns:a="http://schemas.openxmlformats.org/drawingml/2006/main" xmlns:r="http://schemas.openxmlformats.org/officeDocument/2006/relationships" xmlns:p="http://schemas.openxmlformats.org/presentationml/2006/main">
   <p:cSld>
     <p:spTree>
@@ -18247,7 +19621,7 @@
                   <a:schemeClr val="accent2"/>
                 </a:solidFill>
               </a:rPr>
-              <a:t>SPEED</a:t>
+              <a:t>SNAKE SEGMENTS</a:t>
             </a:r>
             <a:endParaRPr sz="6000" dirty="0">
               <a:solidFill>
@@ -18292,12 +19666,12 @@
               <a:buNone/>
             </a:pPr>
             <a:r>
-              <a:rPr lang="en" dirty="0">
+              <a:rPr lang="en-DE" dirty="0" err="1">
                 <a:solidFill>
                   <a:schemeClr val="accent3"/>
                 </a:solidFill>
               </a:rPr>
-              <a:t>UPDATE SPEED(c8)</a:t>
+              <a:t>MainLoop</a:t>
             </a:r>
             <a:endParaRPr dirty="0"/>
           </a:p>
@@ -18305,59 +19679,1274 @@
       </p:sp>
       <p:sp>
         <p:nvSpPr>
-          <p:cNvPr id="4" name="Text Placeholder 3">
+          <p:cNvPr id="13" name="Oval 12">
             <a:extLst>
               <a:ext uri="{FF2B5EF4-FFF2-40B4-BE49-F238E27FC236}">
-                <a16:creationId xmlns:a16="http://schemas.microsoft.com/office/drawing/2014/main" id="{71064820-2700-85EE-131A-51CE2DE86E8E}"/>
+                <a16:creationId xmlns:a16="http://schemas.microsoft.com/office/drawing/2014/main" id="{704B00CD-9908-8F37-BA90-BC14A299511C}"/>
               </a:ext>
             </a:extLst>
           </p:cNvPr>
-          <p:cNvSpPr>
-            <a:spLocks noGrp="1"/>
-          </p:cNvSpPr>
-          <p:nvPr>
-            <p:ph type="body" idx="4"/>
-          </p:nvPr>
+          <p:cNvSpPr/>
+          <p:nvPr/>
         </p:nvSpPr>
         <p:spPr>
           <a:xfrm>
-            <a:off x="1217550" y="2238218"/>
-            <a:ext cx="9755100" cy="2350874"/>
+            <a:off x="4697285" y="2318907"/>
+            <a:ext cx="3122762" cy="3124361"/>
           </a:xfrm>
+          <a:prstGeom prst="ellipse">
+            <a:avLst/>
+          </a:prstGeom>
+          <a:noFill/>
+          <a:ln w="76200">
+            <a:solidFill>
+              <a:schemeClr val="accent6">
+                <a:lumMod val="60000"/>
+                <a:lumOff val="40000"/>
+              </a:schemeClr>
+            </a:solidFill>
+          </a:ln>
+        </p:spPr>
+        <p:style>
+          <a:lnRef idx="2">
+            <a:schemeClr val="accent1">
+              <a:shade val="15000"/>
+            </a:schemeClr>
+          </a:lnRef>
+          <a:fillRef idx="1">
+            <a:schemeClr val="accent1"/>
+          </a:fillRef>
+          <a:effectRef idx="0">
+            <a:schemeClr val="accent1"/>
+          </a:effectRef>
+          <a:fontRef idx="minor">
+            <a:schemeClr val="lt1"/>
+          </a:fontRef>
+        </p:style>
+        <p:txBody>
+          <a:bodyPr rtlCol="0" anchor="ctr"/>
+          <a:lstStyle/>
+          <a:p>
+            <a:pPr algn="ctr"/>
+            <a:endParaRPr lang="de-DE"/>
+          </a:p>
+        </p:txBody>
+      </p:sp>
+      <p:sp>
+        <p:nvSpPr>
+          <p:cNvPr id="15" name="Arrow: Chevron 14">
+            <a:extLst>
+              <a:ext uri="{FF2B5EF4-FFF2-40B4-BE49-F238E27FC236}">
+                <a16:creationId xmlns:a16="http://schemas.microsoft.com/office/drawing/2014/main" id="{7D5D4CE5-0978-BB72-4A98-BAB1910B3EDA}"/>
+              </a:ext>
+            </a:extLst>
+          </p:cNvPr>
+          <p:cNvSpPr/>
+          <p:nvPr/>
+        </p:nvSpPr>
+        <p:spPr>
+          <a:xfrm>
+            <a:off x="5702809" y="1923690"/>
+            <a:ext cx="845388" cy="885339"/>
+          </a:xfrm>
+          <a:prstGeom prst="chevron">
+            <a:avLst/>
+          </a:prstGeom>
+        </p:spPr>
+        <p:style>
+          <a:lnRef idx="2">
+            <a:schemeClr val="accent6">
+              <a:shade val="15000"/>
+            </a:schemeClr>
+          </a:lnRef>
+          <a:fillRef idx="1">
+            <a:schemeClr val="accent6"/>
+          </a:fillRef>
+          <a:effectRef idx="0">
+            <a:schemeClr val="accent6"/>
+          </a:effectRef>
+          <a:fontRef idx="minor">
+            <a:schemeClr val="lt1"/>
+          </a:fontRef>
+        </p:style>
+        <p:txBody>
+          <a:bodyPr rtlCol="0" anchor="ctr"/>
+          <a:lstStyle/>
+          <a:p>
+            <a:pPr algn="ctr"/>
+            <a:endParaRPr lang="de-DE">
+              <a:solidFill>
+                <a:schemeClr val="tx1"/>
+              </a:solidFill>
+            </a:endParaRPr>
+          </a:p>
+        </p:txBody>
+      </p:sp>
+      <p:sp>
+        <p:nvSpPr>
+          <p:cNvPr id="17" name="TextBox 16">
+            <a:extLst>
+              <a:ext uri="{FF2B5EF4-FFF2-40B4-BE49-F238E27FC236}">
+                <a16:creationId xmlns:a16="http://schemas.microsoft.com/office/drawing/2014/main" id="{A8F1FF3C-7CEE-48D4-C3AB-0F99E2B6908C}"/>
+              </a:ext>
+            </a:extLst>
+          </p:cNvPr>
+          <p:cNvSpPr txBox="1"/>
+          <p:nvPr/>
+        </p:nvSpPr>
+        <p:spPr>
+          <a:xfrm>
+            <a:off x="3522210" y="2136719"/>
+            <a:ext cx="2441275" cy="400110"/>
+          </a:xfrm>
+          <a:prstGeom prst="rect">
+            <a:avLst/>
+          </a:prstGeom>
+          <a:noFill/>
         </p:spPr>
         <p:txBody>
-          <a:bodyPr/>
+          <a:bodyPr wrap="square" rtlCol="0">
+            <a:spAutoFit/>
+          </a:bodyPr>
           <a:lstStyle/>
           <a:p>
-            <a:pPr marL="139700" indent="0">
-              <a:buNone/>
-            </a:pPr>
-            <a:r>
-              <a:rPr lang="de-DE" dirty="0"/>
-              <a:t>Die Geschwindigkeit der Schlange soll jedes Mal angepasst werden wenn ein Apfel eingesammelt wird.</a:t>
-            </a:r>
+            <a:r>
+              <a:rPr lang="en-DE" sz="2000" dirty="0">
+                <a:solidFill>
+                  <a:schemeClr val="bg2"/>
+                </a:solidFill>
+                <a:latin typeface="Roboto" panose="02000000000000000000" pitchFamily="2" charset="0"/>
+                <a:ea typeface="Roboto" panose="02000000000000000000" pitchFamily="2" charset="0"/>
+              </a:rPr>
+              <a:t>Update Screen</a:t>
+            </a:r>
+            <a:endParaRPr lang="de-DE" sz="2000" dirty="0">
+              <a:solidFill>
+                <a:schemeClr val="bg2"/>
+              </a:solidFill>
+              <a:latin typeface="Roboto" panose="02000000000000000000" pitchFamily="2" charset="0"/>
+              <a:ea typeface="Roboto" panose="02000000000000000000" pitchFamily="2" charset="0"/>
+            </a:endParaRPr>
           </a:p>
+        </p:txBody>
+      </p:sp>
+      <p:sp>
+        <p:nvSpPr>
+          <p:cNvPr id="28" name="TextBox 27">
+            <a:extLst>
+              <a:ext uri="{FF2B5EF4-FFF2-40B4-BE49-F238E27FC236}">
+                <a16:creationId xmlns:a16="http://schemas.microsoft.com/office/drawing/2014/main" id="{1E80B41F-EF25-E4E0-558D-4A31289F30D3}"/>
+              </a:ext>
+            </a:extLst>
+          </p:cNvPr>
+          <p:cNvSpPr txBox="1"/>
+          <p:nvPr/>
+        </p:nvSpPr>
+        <p:spPr>
+          <a:xfrm>
+            <a:off x="6836633" y="1923690"/>
+            <a:ext cx="2441275" cy="400110"/>
+          </a:xfrm>
+          <a:prstGeom prst="rect">
+            <a:avLst/>
+          </a:prstGeom>
+          <a:noFill/>
+        </p:spPr>
+        <p:txBody>
+          <a:bodyPr wrap="square" rtlCol="0">
+            <a:spAutoFit/>
+          </a:bodyPr>
+          <a:lstStyle/>
           <a:p>
-            <a:pPr marL="139700" indent="0">
-              <a:buNone/>
-            </a:pPr>
-            <a:endParaRPr lang="de-DE" dirty="0"/>
+            <a:r>
+              <a:rPr lang="en-DE" sz="2000" dirty="0">
+                <a:solidFill>
+                  <a:schemeClr val="bg2"/>
+                </a:solidFill>
+                <a:latin typeface="Roboto" panose="02000000000000000000" pitchFamily="2" charset="0"/>
+                <a:ea typeface="Roboto" panose="02000000000000000000" pitchFamily="2" charset="0"/>
+              </a:rPr>
+              <a:t>Wait for input</a:t>
+            </a:r>
+            <a:endParaRPr lang="de-DE" sz="2000" dirty="0">
+              <a:solidFill>
+                <a:schemeClr val="bg2"/>
+              </a:solidFill>
+              <a:latin typeface="Roboto" panose="02000000000000000000" pitchFamily="2" charset="0"/>
+              <a:ea typeface="Roboto" panose="02000000000000000000" pitchFamily="2" charset="0"/>
+            </a:endParaRPr>
           </a:p>
+        </p:txBody>
+      </p:sp>
+      <p:sp>
+        <p:nvSpPr>
+          <p:cNvPr id="39" name="TextBox 38">
+            <a:extLst>
+              <a:ext uri="{FF2B5EF4-FFF2-40B4-BE49-F238E27FC236}">
+                <a16:creationId xmlns:a16="http://schemas.microsoft.com/office/drawing/2014/main" id="{C0F6FDD9-EFEC-5D27-AD14-81C9EF1D6AF8}"/>
+              </a:ext>
+            </a:extLst>
+          </p:cNvPr>
+          <p:cNvSpPr txBox="1"/>
+          <p:nvPr/>
+        </p:nvSpPr>
+        <p:spPr>
+          <a:xfrm>
+            <a:off x="8234659" y="3451254"/>
+            <a:ext cx="2441275" cy="400110"/>
+          </a:xfrm>
+          <a:prstGeom prst="rect">
+            <a:avLst/>
+          </a:prstGeom>
+          <a:noFill/>
+        </p:spPr>
+        <p:txBody>
+          <a:bodyPr wrap="square" rtlCol="0">
+            <a:spAutoFit/>
+          </a:bodyPr>
+          <a:lstStyle/>
           <a:p>
-            <a:pPr marL="139700" indent="0">
-              <a:buNone/>
-            </a:pPr>
-            <a:r>
-              <a:rPr lang="de-DE" dirty="0"/>
-              <a:t>Füge dafür die notwendige Funktion der Snake Klasse hinzu.</a:t>
-            </a:r>
+            <a:r>
+              <a:rPr lang="en-DE" sz="2000" dirty="0">
+                <a:solidFill>
+                  <a:schemeClr val="bg2"/>
+                </a:solidFill>
+                <a:latin typeface="Roboto" panose="02000000000000000000" pitchFamily="2" charset="0"/>
+                <a:ea typeface="Roboto" panose="02000000000000000000" pitchFamily="2" charset="0"/>
+              </a:rPr>
+              <a:t>Handle input</a:t>
+            </a:r>
+          </a:p>
+        </p:txBody>
+      </p:sp>
+      <p:sp>
+        <p:nvSpPr>
+          <p:cNvPr id="44" name="TextBox 43">
+            <a:extLst>
+              <a:ext uri="{FF2B5EF4-FFF2-40B4-BE49-F238E27FC236}">
+                <a16:creationId xmlns:a16="http://schemas.microsoft.com/office/drawing/2014/main" id="{6C3ADEB1-8C9C-6118-B69C-469F8D2C5632}"/>
+              </a:ext>
+            </a:extLst>
+          </p:cNvPr>
+          <p:cNvSpPr txBox="1"/>
+          <p:nvPr/>
+        </p:nvSpPr>
+        <p:spPr>
+          <a:xfrm>
+            <a:off x="7752548" y="4801590"/>
+            <a:ext cx="2695408" cy="400110"/>
+          </a:xfrm>
+          <a:prstGeom prst="rect">
+            <a:avLst/>
+          </a:prstGeom>
+          <a:noFill/>
+        </p:spPr>
+        <p:txBody>
+          <a:bodyPr wrap="square" rtlCol="0">
+            <a:spAutoFit/>
+          </a:bodyPr>
+          <a:lstStyle/>
+          <a:p>
+            <a:r>
+              <a:rPr lang="en-DE" sz="2000" dirty="0">
+                <a:solidFill>
+                  <a:schemeClr val="bg2"/>
+                </a:solidFill>
+                <a:latin typeface="Roboto" panose="02000000000000000000" pitchFamily="2" charset="0"/>
+                <a:ea typeface="Roboto" panose="02000000000000000000" pitchFamily="2" charset="0"/>
+              </a:rPr>
+              <a:t>Check food collision</a:t>
+            </a:r>
+            <a:endParaRPr lang="de-DE" sz="2000" dirty="0">
+              <a:solidFill>
+                <a:schemeClr val="bg2"/>
+              </a:solidFill>
+              <a:latin typeface="Roboto" panose="02000000000000000000" pitchFamily="2" charset="0"/>
+              <a:ea typeface="Roboto" panose="02000000000000000000" pitchFamily="2" charset="0"/>
+            </a:endParaRPr>
+          </a:p>
+        </p:txBody>
+      </p:sp>
+      <p:sp>
+        <p:nvSpPr>
+          <p:cNvPr id="46" name="TextBox 45">
+            <a:extLst>
+              <a:ext uri="{FF2B5EF4-FFF2-40B4-BE49-F238E27FC236}">
+                <a16:creationId xmlns:a16="http://schemas.microsoft.com/office/drawing/2014/main" id="{B73548A1-DD33-B7E7-DECF-2A57D3C57666}"/>
+              </a:ext>
+            </a:extLst>
+          </p:cNvPr>
+          <p:cNvSpPr txBox="1"/>
+          <p:nvPr/>
+        </p:nvSpPr>
+        <p:spPr>
+          <a:xfrm>
+            <a:off x="7944714" y="3028890"/>
+            <a:ext cx="2441275" cy="400110"/>
+          </a:xfrm>
+          <a:prstGeom prst="rect">
+            <a:avLst/>
+          </a:prstGeom>
+          <a:noFill/>
+        </p:spPr>
+        <p:txBody>
+          <a:bodyPr wrap="square" rtlCol="0">
+            <a:spAutoFit/>
+          </a:bodyPr>
+          <a:lstStyle/>
+          <a:p>
+            <a:r>
+              <a:rPr lang="de-DE" sz="2000" dirty="0" err="1">
+                <a:solidFill>
+                  <a:schemeClr val="bg2"/>
+                </a:solidFill>
+                <a:latin typeface="Roboto" panose="02000000000000000000" pitchFamily="2" charset="0"/>
+                <a:ea typeface="Roboto" panose="02000000000000000000" pitchFamily="2" charset="0"/>
+              </a:rPr>
+              <a:t>Onkeypress</a:t>
+            </a:r>
+            <a:r>
+              <a:rPr lang="en-DE" sz="2000" dirty="0">
+                <a:solidFill>
+                  <a:schemeClr val="bg2"/>
+                </a:solidFill>
+                <a:latin typeface="Roboto" panose="02000000000000000000" pitchFamily="2" charset="0"/>
+                <a:ea typeface="Roboto" panose="02000000000000000000" pitchFamily="2" charset="0"/>
+              </a:rPr>
+              <a:t> “Up”</a:t>
+            </a:r>
+            <a:endParaRPr lang="de-DE" sz="2000" dirty="0">
+              <a:solidFill>
+                <a:schemeClr val="bg2"/>
+              </a:solidFill>
+              <a:latin typeface="Roboto" panose="02000000000000000000" pitchFamily="2" charset="0"/>
+              <a:ea typeface="Roboto" panose="02000000000000000000" pitchFamily="2" charset="0"/>
+            </a:endParaRPr>
+          </a:p>
+        </p:txBody>
+      </p:sp>
+      <p:sp>
+        <p:nvSpPr>
+          <p:cNvPr id="48" name="TextBox 47">
+            <a:extLst>
+              <a:ext uri="{FF2B5EF4-FFF2-40B4-BE49-F238E27FC236}">
+                <a16:creationId xmlns:a16="http://schemas.microsoft.com/office/drawing/2014/main" id="{BF6CCC1A-5013-D0EF-C776-A4146D9313AE}"/>
+              </a:ext>
+            </a:extLst>
+          </p:cNvPr>
+          <p:cNvSpPr txBox="1"/>
+          <p:nvPr/>
+        </p:nvSpPr>
+        <p:spPr>
+          <a:xfrm>
+            <a:off x="6548197" y="5561796"/>
+            <a:ext cx="2441275" cy="400110"/>
+          </a:xfrm>
+          <a:prstGeom prst="rect">
+            <a:avLst/>
+          </a:prstGeom>
+          <a:noFill/>
+        </p:spPr>
+        <p:txBody>
+          <a:bodyPr wrap="square" rtlCol="0">
+            <a:spAutoFit/>
+          </a:bodyPr>
+          <a:lstStyle/>
+          <a:p>
+            <a:r>
+              <a:rPr lang="de-DE" sz="2000" dirty="0" err="1">
+                <a:solidFill>
+                  <a:schemeClr val="bg2"/>
+                </a:solidFill>
+                <a:latin typeface="Roboto" panose="02000000000000000000" pitchFamily="2" charset="0"/>
+                <a:ea typeface="Roboto" panose="02000000000000000000" pitchFamily="2" charset="0"/>
+              </a:rPr>
+              <a:t>find_new_location</a:t>
+            </a:r>
+            <a:r>
+              <a:rPr lang="en-DE" sz="2000" dirty="0">
+                <a:solidFill>
+                  <a:schemeClr val="bg2"/>
+                </a:solidFill>
+                <a:latin typeface="Roboto" panose="02000000000000000000" pitchFamily="2" charset="0"/>
+                <a:ea typeface="Roboto" panose="02000000000000000000" pitchFamily="2" charset="0"/>
+              </a:rPr>
+              <a:t>()</a:t>
+            </a:r>
+            <a:endParaRPr lang="de-DE" sz="2000" dirty="0">
+              <a:solidFill>
+                <a:schemeClr val="bg2"/>
+              </a:solidFill>
+              <a:latin typeface="Roboto" panose="02000000000000000000" pitchFamily="2" charset="0"/>
+              <a:ea typeface="Roboto" panose="02000000000000000000" pitchFamily="2" charset="0"/>
+            </a:endParaRPr>
+          </a:p>
+        </p:txBody>
+      </p:sp>
+      <p:sp>
+        <p:nvSpPr>
+          <p:cNvPr id="51" name="TextBox 50">
+            <a:extLst>
+              <a:ext uri="{FF2B5EF4-FFF2-40B4-BE49-F238E27FC236}">
+                <a16:creationId xmlns:a16="http://schemas.microsoft.com/office/drawing/2014/main" id="{01B375FA-723C-9E79-9712-7BD8A080B26C}"/>
+              </a:ext>
+            </a:extLst>
+          </p:cNvPr>
+          <p:cNvSpPr txBox="1"/>
+          <p:nvPr/>
+        </p:nvSpPr>
+        <p:spPr>
+          <a:xfrm>
+            <a:off x="8531383" y="3851364"/>
+            <a:ext cx="2441275" cy="400110"/>
+          </a:xfrm>
+          <a:prstGeom prst="rect">
+            <a:avLst/>
+          </a:prstGeom>
+          <a:noFill/>
+        </p:spPr>
+        <p:txBody>
+          <a:bodyPr wrap="square" rtlCol="0">
+            <a:spAutoFit/>
+          </a:bodyPr>
+          <a:lstStyle/>
+          <a:p>
+            <a:r>
+              <a:rPr lang="en-DE" sz="2000" dirty="0">
+                <a:solidFill>
+                  <a:schemeClr val="bg2"/>
+                </a:solidFill>
+                <a:latin typeface="Roboto" panose="02000000000000000000" pitchFamily="2" charset="0"/>
+                <a:ea typeface="Roboto" panose="02000000000000000000" pitchFamily="2" charset="0"/>
+              </a:rPr>
+              <a:t>Change Direction</a:t>
+            </a:r>
+            <a:endParaRPr lang="de-DE" sz="2000" dirty="0">
+              <a:solidFill>
+                <a:schemeClr val="bg2"/>
+              </a:solidFill>
+              <a:latin typeface="Roboto" panose="02000000000000000000" pitchFamily="2" charset="0"/>
+              <a:ea typeface="Roboto" panose="02000000000000000000" pitchFamily="2" charset="0"/>
+            </a:endParaRPr>
+          </a:p>
+        </p:txBody>
+      </p:sp>
+      <p:sp>
+        <p:nvSpPr>
+          <p:cNvPr id="52" name="TextBox 51">
+            <a:extLst>
+              <a:ext uri="{FF2B5EF4-FFF2-40B4-BE49-F238E27FC236}">
+                <a16:creationId xmlns:a16="http://schemas.microsoft.com/office/drawing/2014/main" id="{440B9FAC-7266-F540-7FC1-720523A9DC96}"/>
+              </a:ext>
+            </a:extLst>
+          </p:cNvPr>
+          <p:cNvSpPr txBox="1"/>
+          <p:nvPr/>
+        </p:nvSpPr>
+        <p:spPr>
+          <a:xfrm>
+            <a:off x="3401430" y="4966600"/>
+            <a:ext cx="2441275" cy="400110"/>
+          </a:xfrm>
+          <a:prstGeom prst="rect">
+            <a:avLst/>
+          </a:prstGeom>
+          <a:noFill/>
+        </p:spPr>
+        <p:txBody>
+          <a:bodyPr wrap="square" rtlCol="0">
+            <a:spAutoFit/>
+          </a:bodyPr>
+          <a:lstStyle/>
+          <a:p>
+            <a:r>
+              <a:rPr lang="en-DE" sz="2000" dirty="0">
+                <a:solidFill>
+                  <a:schemeClr val="bg2"/>
+                </a:solidFill>
+                <a:latin typeface="Roboto" panose="02000000000000000000" pitchFamily="2" charset="0"/>
+                <a:ea typeface="Roboto" panose="02000000000000000000" pitchFamily="2" charset="0"/>
+              </a:rPr>
+              <a:t>Render head</a:t>
+            </a:r>
+            <a:endParaRPr lang="de-DE" sz="2000" dirty="0">
+              <a:solidFill>
+                <a:schemeClr val="bg2"/>
+              </a:solidFill>
+              <a:latin typeface="Roboto" panose="02000000000000000000" pitchFamily="2" charset="0"/>
+              <a:ea typeface="Roboto" panose="02000000000000000000" pitchFamily="2" charset="0"/>
+            </a:endParaRPr>
+          </a:p>
+        </p:txBody>
+      </p:sp>
+      <p:sp>
+        <p:nvSpPr>
+          <p:cNvPr id="53" name="TextBox 52">
+            <a:extLst>
+              <a:ext uri="{FF2B5EF4-FFF2-40B4-BE49-F238E27FC236}">
+                <a16:creationId xmlns:a16="http://schemas.microsoft.com/office/drawing/2014/main" id="{85CF008C-0831-7323-6416-A5BE9AF81FEF}"/>
+              </a:ext>
+            </a:extLst>
+          </p:cNvPr>
+          <p:cNvSpPr txBox="1"/>
+          <p:nvPr/>
+        </p:nvSpPr>
+        <p:spPr>
+          <a:xfrm>
+            <a:off x="3269342" y="4417515"/>
+            <a:ext cx="2441275" cy="400110"/>
+          </a:xfrm>
+          <a:prstGeom prst="rect">
+            <a:avLst/>
+          </a:prstGeom>
+          <a:noFill/>
+        </p:spPr>
+        <p:txBody>
+          <a:bodyPr wrap="square" rtlCol="0">
+            <a:spAutoFit/>
+          </a:bodyPr>
+          <a:lstStyle/>
+          <a:p>
+            <a:r>
+              <a:rPr lang="en-DE" sz="2000" dirty="0">
+                <a:solidFill>
+                  <a:schemeClr val="bg2"/>
+                </a:solidFill>
+                <a:latin typeface="Roboto" panose="02000000000000000000" pitchFamily="2" charset="0"/>
+                <a:ea typeface="Roboto" panose="02000000000000000000" pitchFamily="2" charset="0"/>
+              </a:rPr>
+              <a:t>Render s1</a:t>
+            </a:r>
+            <a:endParaRPr lang="de-DE" sz="2000" dirty="0">
+              <a:solidFill>
+                <a:schemeClr val="bg2"/>
+              </a:solidFill>
+              <a:latin typeface="Roboto" panose="02000000000000000000" pitchFamily="2" charset="0"/>
+              <a:ea typeface="Roboto" panose="02000000000000000000" pitchFamily="2" charset="0"/>
+            </a:endParaRPr>
+          </a:p>
+        </p:txBody>
+      </p:sp>
+      <p:sp>
+        <p:nvSpPr>
+          <p:cNvPr id="54" name="TextBox 53">
+            <a:extLst>
+              <a:ext uri="{FF2B5EF4-FFF2-40B4-BE49-F238E27FC236}">
+                <a16:creationId xmlns:a16="http://schemas.microsoft.com/office/drawing/2014/main" id="{50C3F630-5E12-B873-1786-3B2AA2C5082E}"/>
+              </a:ext>
+            </a:extLst>
+          </p:cNvPr>
+          <p:cNvSpPr txBox="1"/>
+          <p:nvPr/>
+        </p:nvSpPr>
+        <p:spPr>
+          <a:xfrm>
+            <a:off x="3254519" y="3990453"/>
+            <a:ext cx="2441275" cy="400110"/>
+          </a:xfrm>
+          <a:prstGeom prst="rect">
+            <a:avLst/>
+          </a:prstGeom>
+          <a:noFill/>
+        </p:spPr>
+        <p:txBody>
+          <a:bodyPr wrap="square" rtlCol="0">
+            <a:spAutoFit/>
+          </a:bodyPr>
+          <a:lstStyle/>
+          <a:p>
+            <a:r>
+              <a:rPr lang="en-DE" sz="2000" dirty="0">
+                <a:solidFill>
+                  <a:schemeClr val="bg2"/>
+                </a:solidFill>
+                <a:latin typeface="Roboto" panose="02000000000000000000" pitchFamily="2" charset="0"/>
+                <a:ea typeface="Roboto" panose="02000000000000000000" pitchFamily="2" charset="0"/>
+              </a:rPr>
+              <a:t>Render s2</a:t>
+            </a:r>
+            <a:endParaRPr lang="de-DE" sz="2000" dirty="0">
+              <a:solidFill>
+                <a:schemeClr val="bg2"/>
+              </a:solidFill>
+              <a:latin typeface="Roboto" panose="02000000000000000000" pitchFamily="2" charset="0"/>
+              <a:ea typeface="Roboto" panose="02000000000000000000" pitchFamily="2" charset="0"/>
+            </a:endParaRPr>
+          </a:p>
+        </p:txBody>
+      </p:sp>
+      <p:sp>
+        <p:nvSpPr>
+          <p:cNvPr id="55" name="TextBox 54">
+            <a:extLst>
+              <a:ext uri="{FF2B5EF4-FFF2-40B4-BE49-F238E27FC236}">
+                <a16:creationId xmlns:a16="http://schemas.microsoft.com/office/drawing/2014/main" id="{06A480C4-A8A4-2DB2-A48D-037B2FDA1CEC}"/>
+              </a:ext>
+            </a:extLst>
+          </p:cNvPr>
+          <p:cNvSpPr txBox="1"/>
+          <p:nvPr/>
+        </p:nvSpPr>
+        <p:spPr>
+          <a:xfrm>
+            <a:off x="3292039" y="3528546"/>
+            <a:ext cx="2441275" cy="400110"/>
+          </a:xfrm>
+          <a:prstGeom prst="rect">
+            <a:avLst/>
+          </a:prstGeom>
+          <a:noFill/>
+        </p:spPr>
+        <p:txBody>
+          <a:bodyPr wrap="square" rtlCol="0">
+            <a:spAutoFit/>
+          </a:bodyPr>
+          <a:lstStyle/>
+          <a:p>
+            <a:r>
+              <a:rPr lang="en-DE" sz="2000" dirty="0">
+                <a:solidFill>
+                  <a:schemeClr val="bg2"/>
+                </a:solidFill>
+                <a:latin typeface="Roboto" panose="02000000000000000000" pitchFamily="2" charset="0"/>
+                <a:ea typeface="Roboto" panose="02000000000000000000" pitchFamily="2" charset="0"/>
+              </a:rPr>
+              <a:t>Render </a:t>
+            </a:r>
+            <a:r>
+              <a:rPr lang="en-DE" sz="2000" dirty="0" err="1">
+                <a:solidFill>
+                  <a:schemeClr val="bg2"/>
+                </a:solidFill>
+                <a:latin typeface="Roboto" panose="02000000000000000000" pitchFamily="2" charset="0"/>
+                <a:ea typeface="Roboto" panose="02000000000000000000" pitchFamily="2" charset="0"/>
+              </a:rPr>
+              <a:t>sn</a:t>
+            </a:r>
+            <a:endParaRPr lang="de-DE" sz="2000" dirty="0">
+              <a:solidFill>
+                <a:schemeClr val="bg2"/>
+              </a:solidFill>
+              <a:latin typeface="Roboto" panose="02000000000000000000" pitchFamily="2" charset="0"/>
+              <a:ea typeface="Roboto" panose="02000000000000000000" pitchFamily="2" charset="0"/>
+            </a:endParaRPr>
+          </a:p>
+        </p:txBody>
+      </p:sp>
+      <p:sp>
+        <p:nvSpPr>
+          <p:cNvPr id="56" name="TextBox 55">
+            <a:extLst>
+              <a:ext uri="{FF2B5EF4-FFF2-40B4-BE49-F238E27FC236}">
+                <a16:creationId xmlns:a16="http://schemas.microsoft.com/office/drawing/2014/main" id="{BABF72E0-C230-E7DF-90A4-543C99139D64}"/>
+              </a:ext>
+            </a:extLst>
+          </p:cNvPr>
+          <p:cNvSpPr txBox="1"/>
+          <p:nvPr/>
+        </p:nvSpPr>
+        <p:spPr>
+          <a:xfrm>
+            <a:off x="7353328" y="5175337"/>
+            <a:ext cx="2441275" cy="400110"/>
+          </a:xfrm>
+          <a:prstGeom prst="rect">
+            <a:avLst/>
+          </a:prstGeom>
+          <a:noFill/>
+        </p:spPr>
+        <p:txBody>
+          <a:bodyPr wrap="square" rtlCol="0">
+            <a:spAutoFit/>
+          </a:bodyPr>
+          <a:lstStyle/>
+          <a:p>
+            <a:r>
+              <a:rPr lang="en-DE" sz="2000" dirty="0" err="1">
+                <a:solidFill>
+                  <a:schemeClr val="bg2"/>
+                </a:solidFill>
+                <a:latin typeface="Roboto" panose="02000000000000000000" pitchFamily="2" charset="0"/>
+                <a:ea typeface="Roboto" panose="02000000000000000000" pitchFamily="2" charset="0"/>
+              </a:rPr>
+              <a:t>add_segment</a:t>
+            </a:r>
+            <a:r>
+              <a:rPr lang="en-DE" sz="2000" dirty="0">
+                <a:solidFill>
+                  <a:schemeClr val="bg2"/>
+                </a:solidFill>
+                <a:latin typeface="Roboto" panose="02000000000000000000" pitchFamily="2" charset="0"/>
+                <a:ea typeface="Roboto" panose="02000000000000000000" pitchFamily="2" charset="0"/>
+              </a:rPr>
+              <a:t>()</a:t>
+            </a:r>
+            <a:endParaRPr lang="de-DE" sz="2000" dirty="0">
+              <a:solidFill>
+                <a:schemeClr val="bg2"/>
+              </a:solidFill>
+              <a:latin typeface="Roboto" panose="02000000000000000000" pitchFamily="2" charset="0"/>
+              <a:ea typeface="Roboto" panose="02000000000000000000" pitchFamily="2" charset="0"/>
+            </a:endParaRPr>
+          </a:p>
+        </p:txBody>
+      </p:sp>
+      <p:sp>
+        <p:nvSpPr>
+          <p:cNvPr id="58" name="Rectangle 57">
+            <a:extLst>
+              <a:ext uri="{FF2B5EF4-FFF2-40B4-BE49-F238E27FC236}">
+                <a16:creationId xmlns:a16="http://schemas.microsoft.com/office/drawing/2014/main" id="{50B189C8-DC2A-5C57-2463-28037316D6B4}"/>
+              </a:ext>
+            </a:extLst>
+          </p:cNvPr>
+          <p:cNvSpPr/>
+          <p:nvPr/>
+        </p:nvSpPr>
+        <p:spPr>
+          <a:xfrm rot="1619045">
+            <a:off x="7009906" y="2282599"/>
+            <a:ext cx="157139" cy="522923"/>
+          </a:xfrm>
+          <a:prstGeom prst="rect">
+            <a:avLst/>
+          </a:prstGeom>
+        </p:spPr>
+        <p:style>
+          <a:lnRef idx="2">
+            <a:schemeClr val="accent4">
+              <a:shade val="15000"/>
+            </a:schemeClr>
+          </a:lnRef>
+          <a:fillRef idx="1">
+            <a:schemeClr val="accent4"/>
+          </a:fillRef>
+          <a:effectRef idx="0">
+            <a:schemeClr val="accent4"/>
+          </a:effectRef>
+          <a:fontRef idx="minor">
+            <a:schemeClr val="lt1"/>
+          </a:fontRef>
+        </p:style>
+        <p:txBody>
+          <a:bodyPr rtlCol="0" anchor="ctr"/>
+          <a:lstStyle/>
+          <a:p>
+            <a:pPr algn="ctr"/>
+            <a:endParaRPr lang="de-DE"/>
+          </a:p>
+        </p:txBody>
+      </p:sp>
+      <p:sp>
+        <p:nvSpPr>
+          <p:cNvPr id="59" name="Rectangle 58">
+            <a:extLst>
+              <a:ext uri="{FF2B5EF4-FFF2-40B4-BE49-F238E27FC236}">
+                <a16:creationId xmlns:a16="http://schemas.microsoft.com/office/drawing/2014/main" id="{37469E64-4C9E-D9FC-B80D-3751C51CF7C9}"/>
+              </a:ext>
+            </a:extLst>
+          </p:cNvPr>
+          <p:cNvSpPr/>
+          <p:nvPr/>
+        </p:nvSpPr>
+        <p:spPr>
+          <a:xfrm rot="4594196">
+            <a:off x="7599426" y="3030391"/>
+            <a:ext cx="157139" cy="522923"/>
+          </a:xfrm>
+          <a:prstGeom prst="rect">
+            <a:avLst/>
+          </a:prstGeom>
+        </p:spPr>
+        <p:style>
+          <a:lnRef idx="2">
+            <a:schemeClr val="accent4">
+              <a:shade val="15000"/>
+            </a:schemeClr>
+          </a:lnRef>
+          <a:fillRef idx="1">
+            <a:schemeClr val="accent4"/>
+          </a:fillRef>
+          <a:effectRef idx="0">
+            <a:schemeClr val="accent4"/>
+          </a:effectRef>
+          <a:fontRef idx="minor">
+            <a:schemeClr val="lt1"/>
+          </a:fontRef>
+        </p:style>
+        <p:txBody>
+          <a:bodyPr rtlCol="0" anchor="ctr"/>
+          <a:lstStyle/>
+          <a:p>
+            <a:pPr algn="ctr"/>
+            <a:endParaRPr lang="de-DE"/>
+          </a:p>
+        </p:txBody>
+      </p:sp>
+      <p:sp>
+        <p:nvSpPr>
+          <p:cNvPr id="60" name="Rectangle 59">
+            <a:extLst>
+              <a:ext uri="{FF2B5EF4-FFF2-40B4-BE49-F238E27FC236}">
+                <a16:creationId xmlns:a16="http://schemas.microsoft.com/office/drawing/2014/main" id="{42A8D731-D5C3-8D5D-D4F7-EA9DB53D8D83}"/>
+              </a:ext>
+            </a:extLst>
+          </p:cNvPr>
+          <p:cNvSpPr/>
+          <p:nvPr/>
+        </p:nvSpPr>
+        <p:spPr>
+          <a:xfrm rot="8040358">
+            <a:off x="7421111" y="4557189"/>
+            <a:ext cx="157139" cy="522923"/>
+          </a:xfrm>
+          <a:prstGeom prst="rect">
+            <a:avLst/>
+          </a:prstGeom>
+        </p:spPr>
+        <p:style>
+          <a:lnRef idx="2">
+            <a:schemeClr val="accent4">
+              <a:shade val="15000"/>
+            </a:schemeClr>
+          </a:lnRef>
+          <a:fillRef idx="1">
+            <a:schemeClr val="accent4"/>
+          </a:fillRef>
+          <a:effectRef idx="0">
+            <a:schemeClr val="accent4"/>
+          </a:effectRef>
+          <a:fontRef idx="minor">
+            <a:schemeClr val="lt1"/>
+          </a:fontRef>
+        </p:style>
+        <p:txBody>
+          <a:bodyPr rtlCol="0" anchor="ctr"/>
+          <a:lstStyle/>
+          <a:p>
+            <a:pPr algn="ctr"/>
+            <a:endParaRPr lang="de-DE"/>
+          </a:p>
+        </p:txBody>
+      </p:sp>
+      <p:sp>
+        <p:nvSpPr>
+          <p:cNvPr id="389" name="Arrow: Notched Right 388">
+            <a:extLst>
+              <a:ext uri="{FF2B5EF4-FFF2-40B4-BE49-F238E27FC236}">
+                <a16:creationId xmlns:a16="http://schemas.microsoft.com/office/drawing/2014/main" id="{3B688AAE-5054-C184-4322-94C637EAF337}"/>
+              </a:ext>
+            </a:extLst>
+          </p:cNvPr>
+          <p:cNvSpPr/>
+          <p:nvPr/>
+        </p:nvSpPr>
+        <p:spPr>
+          <a:xfrm>
+            <a:off x="8035708" y="3460693"/>
+            <a:ext cx="282343" cy="351493"/>
+          </a:xfrm>
+          <a:prstGeom prst="notchedRightArrow">
+            <a:avLst/>
+          </a:prstGeom>
+        </p:spPr>
+        <p:style>
+          <a:lnRef idx="2">
+            <a:schemeClr val="dk1">
+              <a:shade val="15000"/>
+            </a:schemeClr>
+          </a:lnRef>
+          <a:fillRef idx="1">
+            <a:schemeClr val="dk1"/>
+          </a:fillRef>
+          <a:effectRef idx="0">
+            <a:schemeClr val="dk1"/>
+          </a:effectRef>
+          <a:fontRef idx="minor">
+            <a:schemeClr val="lt1"/>
+          </a:fontRef>
+        </p:style>
+        <p:txBody>
+          <a:bodyPr rtlCol="0" anchor="ctr"/>
+          <a:lstStyle/>
+          <a:p>
+            <a:pPr algn="ctr"/>
+            <a:endParaRPr lang="de-DE"/>
+          </a:p>
+        </p:txBody>
+      </p:sp>
+      <p:sp>
+        <p:nvSpPr>
+          <p:cNvPr id="390" name="Arrow: Notched Right 389">
+            <a:extLst>
+              <a:ext uri="{FF2B5EF4-FFF2-40B4-BE49-F238E27FC236}">
+                <a16:creationId xmlns:a16="http://schemas.microsoft.com/office/drawing/2014/main" id="{E2B1F640-72DA-19F6-E4C7-E4D8040B345B}"/>
+              </a:ext>
+            </a:extLst>
+          </p:cNvPr>
+          <p:cNvSpPr/>
+          <p:nvPr/>
+        </p:nvSpPr>
+        <p:spPr>
+          <a:xfrm>
+            <a:off x="8266634" y="3855441"/>
+            <a:ext cx="282343" cy="351493"/>
+          </a:xfrm>
+          <a:prstGeom prst="notchedRightArrow">
+            <a:avLst/>
+          </a:prstGeom>
+        </p:spPr>
+        <p:style>
+          <a:lnRef idx="2">
+            <a:schemeClr val="dk1">
+              <a:shade val="15000"/>
+            </a:schemeClr>
+          </a:lnRef>
+          <a:fillRef idx="1">
+            <a:schemeClr val="dk1"/>
+          </a:fillRef>
+          <a:effectRef idx="0">
+            <a:schemeClr val="dk1"/>
+          </a:effectRef>
+          <a:fontRef idx="minor">
+            <a:schemeClr val="lt1"/>
+          </a:fontRef>
+        </p:style>
+        <p:txBody>
+          <a:bodyPr rtlCol="0" anchor="ctr"/>
+          <a:lstStyle/>
+          <a:p>
+            <a:pPr algn="ctr"/>
+            <a:endParaRPr lang="de-DE"/>
+          </a:p>
+        </p:txBody>
+      </p:sp>
+      <p:sp>
+        <p:nvSpPr>
+          <p:cNvPr id="391" name="Arrow: Notched Right 390">
+            <a:extLst>
+              <a:ext uri="{FF2B5EF4-FFF2-40B4-BE49-F238E27FC236}">
+                <a16:creationId xmlns:a16="http://schemas.microsoft.com/office/drawing/2014/main" id="{036053F4-555E-E741-A8FA-58C1EDC7E20B}"/>
+              </a:ext>
+            </a:extLst>
+          </p:cNvPr>
+          <p:cNvSpPr/>
+          <p:nvPr/>
+        </p:nvSpPr>
+        <p:spPr>
+          <a:xfrm rot="10800000">
+            <a:off x="9277908" y="5212827"/>
+            <a:ext cx="282343" cy="351493"/>
+          </a:xfrm>
+          <a:prstGeom prst="notchedRightArrow">
+            <a:avLst/>
+          </a:prstGeom>
+        </p:spPr>
+        <p:style>
+          <a:lnRef idx="2">
+            <a:schemeClr val="dk1">
+              <a:shade val="15000"/>
+            </a:schemeClr>
+          </a:lnRef>
+          <a:fillRef idx="1">
+            <a:schemeClr val="dk1"/>
+          </a:fillRef>
+          <a:effectRef idx="0">
+            <a:schemeClr val="dk1"/>
+          </a:effectRef>
+          <a:fontRef idx="minor">
+            <a:schemeClr val="lt1"/>
+          </a:fontRef>
+        </p:style>
+        <p:txBody>
+          <a:bodyPr rtlCol="0" anchor="ctr"/>
+          <a:lstStyle/>
+          <a:p>
+            <a:pPr algn="ctr"/>
+            <a:endParaRPr lang="de-DE"/>
+          </a:p>
+        </p:txBody>
+      </p:sp>
+      <p:sp>
+        <p:nvSpPr>
+          <p:cNvPr id="392" name="Arrow: Notched Right 391">
+            <a:extLst>
+              <a:ext uri="{FF2B5EF4-FFF2-40B4-BE49-F238E27FC236}">
+                <a16:creationId xmlns:a16="http://schemas.microsoft.com/office/drawing/2014/main" id="{8CCD5DDF-111F-389F-DF9D-94D7A300C4BB}"/>
+              </a:ext>
+            </a:extLst>
+          </p:cNvPr>
+          <p:cNvSpPr/>
+          <p:nvPr/>
+        </p:nvSpPr>
+        <p:spPr>
+          <a:xfrm rot="10800000">
+            <a:off x="8959080" y="5586104"/>
+            <a:ext cx="282343" cy="351493"/>
+          </a:xfrm>
+          <a:prstGeom prst="notchedRightArrow">
+            <a:avLst/>
+          </a:prstGeom>
+        </p:spPr>
+        <p:style>
+          <a:lnRef idx="2">
+            <a:schemeClr val="dk1">
+              <a:shade val="15000"/>
+            </a:schemeClr>
+          </a:lnRef>
+          <a:fillRef idx="1">
+            <a:schemeClr val="dk1"/>
+          </a:fillRef>
+          <a:effectRef idx="0">
+            <a:schemeClr val="dk1"/>
+          </a:effectRef>
+          <a:fontRef idx="minor">
+            <a:schemeClr val="lt1"/>
+          </a:fontRef>
+        </p:style>
+        <p:txBody>
+          <a:bodyPr rtlCol="0" anchor="ctr"/>
+          <a:lstStyle/>
+          <a:p>
+            <a:pPr algn="ctr"/>
+            <a:endParaRPr lang="de-DE"/>
+          </a:p>
+        </p:txBody>
+      </p:sp>
+      <p:sp>
+        <p:nvSpPr>
+          <p:cNvPr id="393" name="Arrow: Notched Right 392">
+            <a:extLst>
+              <a:ext uri="{FF2B5EF4-FFF2-40B4-BE49-F238E27FC236}">
+                <a16:creationId xmlns:a16="http://schemas.microsoft.com/office/drawing/2014/main" id="{564A43E0-7615-17F4-E5CC-64390614279C}"/>
+              </a:ext>
+            </a:extLst>
+          </p:cNvPr>
+          <p:cNvSpPr/>
+          <p:nvPr/>
+        </p:nvSpPr>
+        <p:spPr>
+          <a:xfrm>
+            <a:off x="2981888" y="4441823"/>
+            <a:ext cx="282343" cy="351493"/>
+          </a:xfrm>
+          <a:prstGeom prst="notchedRightArrow">
+            <a:avLst/>
+          </a:prstGeom>
+        </p:spPr>
+        <p:style>
+          <a:lnRef idx="2">
+            <a:schemeClr val="dk1">
+              <a:shade val="15000"/>
+            </a:schemeClr>
+          </a:lnRef>
+          <a:fillRef idx="1">
+            <a:schemeClr val="dk1"/>
+          </a:fillRef>
+          <a:effectRef idx="0">
+            <a:schemeClr val="dk1"/>
+          </a:effectRef>
+          <a:fontRef idx="minor">
+            <a:schemeClr val="lt1"/>
+          </a:fontRef>
+        </p:style>
+        <p:txBody>
+          <a:bodyPr rtlCol="0" anchor="ctr"/>
+          <a:lstStyle/>
+          <a:p>
+            <a:pPr algn="ctr"/>
+            <a:endParaRPr lang="de-DE"/>
+          </a:p>
+        </p:txBody>
+      </p:sp>
+      <p:sp>
+        <p:nvSpPr>
+          <p:cNvPr id="394" name="Arrow: Notched Right 393">
+            <a:extLst>
+              <a:ext uri="{FF2B5EF4-FFF2-40B4-BE49-F238E27FC236}">
+                <a16:creationId xmlns:a16="http://schemas.microsoft.com/office/drawing/2014/main" id="{CCCC7E25-06B8-7643-6DCA-33B6F67C94C1}"/>
+              </a:ext>
+            </a:extLst>
+          </p:cNvPr>
+          <p:cNvSpPr/>
+          <p:nvPr/>
+        </p:nvSpPr>
+        <p:spPr>
+          <a:xfrm>
+            <a:off x="2994607" y="3990453"/>
+            <a:ext cx="282343" cy="351493"/>
+          </a:xfrm>
+          <a:prstGeom prst="notchedRightArrow">
+            <a:avLst/>
+          </a:prstGeom>
+        </p:spPr>
+        <p:style>
+          <a:lnRef idx="2">
+            <a:schemeClr val="dk1">
+              <a:shade val="15000"/>
+            </a:schemeClr>
+          </a:lnRef>
+          <a:fillRef idx="1">
+            <a:schemeClr val="dk1"/>
+          </a:fillRef>
+          <a:effectRef idx="0">
+            <a:schemeClr val="dk1"/>
+          </a:effectRef>
+          <a:fontRef idx="minor">
+            <a:schemeClr val="lt1"/>
+          </a:fontRef>
+        </p:style>
+        <p:txBody>
+          <a:bodyPr rtlCol="0" anchor="ctr"/>
+          <a:lstStyle/>
+          <a:p>
+            <a:pPr algn="ctr"/>
+            <a:endParaRPr lang="de-DE"/>
+          </a:p>
+        </p:txBody>
+      </p:sp>
+      <p:sp>
+        <p:nvSpPr>
+          <p:cNvPr id="395" name="Arrow: Notched Right 394">
+            <a:extLst>
+              <a:ext uri="{FF2B5EF4-FFF2-40B4-BE49-F238E27FC236}">
+                <a16:creationId xmlns:a16="http://schemas.microsoft.com/office/drawing/2014/main" id="{8B1FF517-76B8-DEB7-4013-9C75BEAAF008}"/>
+              </a:ext>
+            </a:extLst>
+          </p:cNvPr>
+          <p:cNvSpPr/>
+          <p:nvPr/>
+        </p:nvSpPr>
+        <p:spPr>
+          <a:xfrm>
+            <a:off x="3004871" y="3529465"/>
+            <a:ext cx="282343" cy="351493"/>
+          </a:xfrm>
+          <a:prstGeom prst="notchedRightArrow">
+            <a:avLst/>
+          </a:prstGeom>
+        </p:spPr>
+        <p:style>
+          <a:lnRef idx="2">
+            <a:schemeClr val="dk1">
+              <a:shade val="15000"/>
+            </a:schemeClr>
+          </a:lnRef>
+          <a:fillRef idx="1">
+            <a:schemeClr val="dk1"/>
+          </a:fillRef>
+          <a:effectRef idx="0">
+            <a:schemeClr val="dk1"/>
+          </a:effectRef>
+          <a:fontRef idx="minor">
+            <a:schemeClr val="lt1"/>
+          </a:fontRef>
+        </p:style>
+        <p:txBody>
+          <a:bodyPr rtlCol="0" anchor="ctr"/>
+          <a:lstStyle/>
+          <a:p>
+            <a:pPr algn="ctr"/>
+            <a:endParaRPr lang="de-DE"/>
+          </a:p>
+        </p:txBody>
+      </p:sp>
+      <p:sp>
+        <p:nvSpPr>
+          <p:cNvPr id="396" name="Rectangle 395">
+            <a:extLst>
+              <a:ext uri="{FF2B5EF4-FFF2-40B4-BE49-F238E27FC236}">
+                <a16:creationId xmlns:a16="http://schemas.microsoft.com/office/drawing/2014/main" id="{A738B878-13CB-A5F1-14FE-254F99D4D9D9}"/>
+              </a:ext>
+            </a:extLst>
+          </p:cNvPr>
+          <p:cNvSpPr/>
+          <p:nvPr/>
+        </p:nvSpPr>
+        <p:spPr>
+          <a:xfrm rot="2615722">
+            <a:off x="5046069" y="4628072"/>
+            <a:ext cx="157139" cy="522923"/>
+          </a:xfrm>
+          <a:prstGeom prst="rect">
+            <a:avLst/>
+          </a:prstGeom>
+        </p:spPr>
+        <p:style>
+          <a:lnRef idx="2">
+            <a:schemeClr val="accent4">
+              <a:shade val="15000"/>
+            </a:schemeClr>
+          </a:lnRef>
+          <a:fillRef idx="1">
+            <a:schemeClr val="accent4"/>
+          </a:fillRef>
+          <a:effectRef idx="0">
+            <a:schemeClr val="accent4"/>
+          </a:effectRef>
+          <a:fontRef idx="minor">
+            <a:schemeClr val="lt1"/>
+          </a:fontRef>
+        </p:style>
+        <p:txBody>
+          <a:bodyPr rtlCol="0" anchor="ctr"/>
+          <a:lstStyle/>
+          <a:p>
+            <a:pPr algn="ctr"/>
+            <a:endParaRPr lang="de-DE"/>
+          </a:p>
+        </p:txBody>
+      </p:sp>
+      <p:sp>
+        <p:nvSpPr>
+          <p:cNvPr id="397" name="Rectangle 396">
+            <a:extLst>
+              <a:ext uri="{FF2B5EF4-FFF2-40B4-BE49-F238E27FC236}">
+                <a16:creationId xmlns:a16="http://schemas.microsoft.com/office/drawing/2014/main" id="{08A94145-26C6-E180-33BA-E2990D11A5E4}"/>
+              </a:ext>
+            </a:extLst>
+          </p:cNvPr>
+          <p:cNvSpPr/>
+          <p:nvPr/>
+        </p:nvSpPr>
+        <p:spPr>
+          <a:xfrm rot="8040358">
+            <a:off x="5110600" y="2499107"/>
+            <a:ext cx="157139" cy="522923"/>
+          </a:xfrm>
+          <a:prstGeom prst="rect">
+            <a:avLst/>
+          </a:prstGeom>
+        </p:spPr>
+        <p:style>
+          <a:lnRef idx="2">
+            <a:schemeClr val="accent4">
+              <a:shade val="15000"/>
+            </a:schemeClr>
+          </a:lnRef>
+          <a:fillRef idx="1">
+            <a:schemeClr val="accent4"/>
+          </a:fillRef>
+          <a:effectRef idx="0">
+            <a:schemeClr val="accent4"/>
+          </a:effectRef>
+          <a:fontRef idx="minor">
+            <a:schemeClr val="lt1"/>
+          </a:fontRef>
+        </p:style>
+        <p:txBody>
+          <a:bodyPr rtlCol="0" anchor="ctr"/>
+          <a:lstStyle/>
+          <a:p>
+            <a:pPr algn="ctr"/>
+            <a:endParaRPr lang="de-DE"/>
           </a:p>
         </p:txBody>
       </p:sp>
     </p:spTree>
     <p:extLst>
       <p:ext uri="{BB962C8B-B14F-4D97-AF65-F5344CB8AC3E}">
-        <p14:creationId xmlns:p14="http://schemas.microsoft.com/office/powerpoint/2010/main" val="1468181330"/>
+        <p14:creationId xmlns:p14="http://schemas.microsoft.com/office/powerpoint/2010/main" val="3711327338"/>
       </p:ext>
     </p:extLst>
   </p:cSld>
@@ -18367,10 +20956,121 @@
   <p:transition>
     <p:fade/>
   </p:transition>
+  <p:timing>
+    <p:tnLst>
+      <p:par>
+        <p:cTn id="1" dur="indefinite" restart="never" nodeType="tmRoot">
+          <p:childTnLst>
+            <p:seq concurrent="1" nextAc="seek">
+              <p:cTn id="2" dur="indefinite" nodeType="mainSeq">
+                <p:childTnLst>
+                  <p:par>
+                    <p:cTn id="3" fill="hold">
+                      <p:stCondLst>
+                        <p:cond delay="indefinite"/>
+                        <p:cond evt="onBegin" delay="0">
+                          <p:tn val="2"/>
+                        </p:cond>
+                      </p:stCondLst>
+                      <p:childTnLst>
+                        <p:par>
+                          <p:cTn id="4" fill="hold">
+                            <p:stCondLst>
+                              <p:cond delay="0"/>
+                            </p:stCondLst>
+                            <p:childTnLst>
+                              <p:par>
+                                <p:cTn id="5" presetID="50" presetClass="path" presetSubtype="0" repeatCount="indefinite" fill="hold" grpId="1" nodeType="withEffect">
+                                  <p:stCondLst>
+                                    <p:cond delay="0"/>
+                                  </p:stCondLst>
+                                  <p:endCondLst>
+                                    <p:cond evt="onNext" delay="0">
+                                      <p:tgtEl>
+                                        <p:sldTgt/>
+                                      </p:tgtEl>
+                                    </p:cond>
+                                  </p:endCondLst>
+                                  <p:childTnLst>
+                                    <p:animMotion origin="layout" path="M -3.54167E-6 -3.33333E-6 C 0.02396 -3.33333E-6 0.08503 0.0294 0.10144 0.05834 C 0.12357 0.09769 0.14258 0.19051 0.14258 0.24051 C 0.14623 0.29537 0.11967 0.35139 0.1 0.38542 C 0.08776 0.39584 0.03685 0.475 -0.01458 0.45278 C -0.02981 0.43588 -0.07617 0.42778 -0.09778 0.33982 C -0.12461 0.27385 -0.11888 0.17385 -0.1026 0.11829 C -0.09062 0.06436 -0.03906 -0.00139 -0.02187 0.00602 C -0.00468 -0.01273 -0.00403 0.00648 -3.54167E-6 0.0051 " pathEditMode="relative" rAng="0" ptsTypes="AAAAAAAAA">
+                                      <p:cBhvr>
+                                        <p:cTn id="6" dur="2000" fill="hold"/>
+                                        <p:tgtEl>
+                                          <p:spTgt spid="15"/>
+                                        </p:tgtEl>
+                                        <p:attrNameLst>
+                                          <p:attrName>ppt_x</p:attrName>
+                                          <p:attrName>ppt_y</p:attrName>
+                                        </p:attrNameLst>
+                                      </p:cBhvr>
+                                      <p:rCtr x="1328" y="22731"/>
+                                    </p:animMotion>
+                                  </p:childTnLst>
+                                </p:cTn>
+                              </p:par>
+                              <p:par>
+                                <p:cTn id="7" presetID="8" presetClass="emph" presetSubtype="0" repeatCount="indefinite" fill="hold" grpId="2" nodeType="withEffect">
+                                  <p:stCondLst>
+                                    <p:cond delay="0"/>
+                                  </p:stCondLst>
+                                  <p:endCondLst>
+                                    <p:cond evt="onNext" delay="0">
+                                      <p:tgtEl>
+                                        <p:sldTgt/>
+                                      </p:tgtEl>
+                                    </p:cond>
+                                  </p:endCondLst>
+                                  <p:childTnLst>
+                                    <p:animRot by="21600000">
+                                      <p:cBhvr>
+                                        <p:cTn id="8" dur="2000" fill="hold"/>
+                                        <p:tgtEl>
+                                          <p:spTgt spid="15"/>
+                                        </p:tgtEl>
+                                        <p:attrNameLst>
+                                          <p:attrName>r</p:attrName>
+                                        </p:attrNameLst>
+                                      </p:cBhvr>
+                                    </p:animRot>
+                                  </p:childTnLst>
+                                </p:cTn>
+                              </p:par>
+                            </p:childTnLst>
+                          </p:cTn>
+                        </p:par>
+                      </p:childTnLst>
+                    </p:cTn>
+                  </p:par>
+                </p:childTnLst>
+              </p:cTn>
+              <p:prevCondLst>
+                <p:cond evt="onPrev" delay="0">
+                  <p:tgtEl>
+                    <p:sldTgt/>
+                  </p:tgtEl>
+                </p:cond>
+              </p:prevCondLst>
+              <p:nextCondLst>
+                <p:cond evt="onNext" delay="0">
+                  <p:tgtEl>
+                    <p:sldTgt/>
+                  </p:tgtEl>
+                </p:cond>
+              </p:nextCondLst>
+            </p:seq>
+          </p:childTnLst>
+        </p:cTn>
+      </p:par>
+    </p:tnLst>
+    <p:bldLst>
+      <p:bldP spid="15" grpId="1" animBg="1"/>
+      <p:bldP spid="15" grpId="2" animBg="1"/>
+    </p:bldLst>
+  </p:timing>
 </p:sld>
 </file>
 
-<file path=ppt/slides/slide12.xml><?xml version="1.0" encoding="utf-8"?>
+<file path=ppt/slides/slide7.xml><?xml version="1.0" encoding="utf-8"?>
 <p:sld xmlns:a="http://schemas.openxmlformats.org/drawingml/2006/main" xmlns:r="http://schemas.openxmlformats.org/officeDocument/2006/relationships" xmlns:p="http://schemas.openxmlformats.org/presentationml/2006/main">
   <p:cSld>
     <p:spTree>
@@ -18431,7 +21131,7 @@
                   <a:schemeClr val="accent2"/>
                 </a:solidFill>
               </a:rPr>
-              <a:t>GAME CONTROLER</a:t>
+              <a:t>SPEED</a:t>
             </a:r>
             <a:endParaRPr sz="6000" dirty="0">
               <a:solidFill>
@@ -18481,7 +21181,7 @@
                   <a:schemeClr val="accent3"/>
                 </a:solidFill>
               </a:rPr>
-              <a:t>GAME CONTROLER(c9)</a:t>
+              <a:t>UPDATE SPEED(c8)</a:t>
             </a:r>
             <a:endParaRPr dirty="0"/>
           </a:p>
@@ -18518,6 +21218,190 @@
             </a:pPr>
             <a:r>
               <a:rPr lang="de-DE" dirty="0"/>
+              <a:t>Die Geschwindigkeit der Schlange soll jedes Mal angepasst werden wenn ein Apfel eingesammelt wird.</a:t>
+            </a:r>
+          </a:p>
+          <a:p>
+            <a:pPr marL="139700" indent="0">
+              <a:buNone/>
+            </a:pPr>
+            <a:endParaRPr lang="de-DE" dirty="0"/>
+          </a:p>
+          <a:p>
+            <a:pPr marL="139700" indent="0">
+              <a:buNone/>
+            </a:pPr>
+            <a:r>
+              <a:rPr lang="de-DE" dirty="0"/>
+              <a:t>Füge dafür die notwendige Funktion der Snake Klasse hinzu.</a:t>
+            </a:r>
+          </a:p>
+        </p:txBody>
+      </p:sp>
+    </p:spTree>
+    <p:extLst>
+      <p:ext uri="{BB962C8B-B14F-4D97-AF65-F5344CB8AC3E}">
+        <p14:creationId xmlns:p14="http://schemas.microsoft.com/office/powerpoint/2010/main" val="1468181330"/>
+      </p:ext>
+    </p:extLst>
+  </p:cSld>
+  <p:clrMapOvr>
+    <a:masterClrMapping/>
+  </p:clrMapOvr>
+  <p:transition>
+    <p:fade/>
+  </p:transition>
+</p:sld>
+</file>
+
+<file path=ppt/slides/slide8.xml><?xml version="1.0" encoding="utf-8"?>
+<p:sld xmlns:a="http://schemas.openxmlformats.org/drawingml/2006/main" xmlns:r="http://schemas.openxmlformats.org/officeDocument/2006/relationships" xmlns:p="http://schemas.openxmlformats.org/presentationml/2006/main">
+  <p:cSld>
+    <p:spTree>
+      <p:nvGrpSpPr>
+        <p:cNvPr id="1" name="Shape 439"/>
+        <p:cNvGrpSpPr/>
+        <p:nvPr/>
+      </p:nvGrpSpPr>
+      <p:grpSpPr>
+        <a:xfrm>
+          <a:off x="0" y="0"/>
+          <a:ext cx="0" cy="0"/>
+          <a:chOff x="0" y="0"/>
+          <a:chExt cx="0" cy="0"/>
+        </a:xfrm>
+      </p:grpSpPr>
+      <p:sp>
+        <p:nvSpPr>
+          <p:cNvPr id="440" name="Google Shape;440;p29"/>
+          <p:cNvSpPr txBox="1">
+            <a:spLocks noGrp="1"/>
+          </p:cNvSpPr>
+          <p:nvPr>
+            <p:ph type="title"/>
+          </p:nvPr>
+        </p:nvSpPr>
+        <p:spPr>
+          <a:xfrm>
+            <a:off x="684150" y="358863"/>
+            <a:ext cx="10672108" cy="763500"/>
+          </a:xfrm>
+          <a:prstGeom prst="rect">
+            <a:avLst/>
+          </a:prstGeom>
+        </p:spPr>
+        <p:txBody>
+          <a:bodyPr spcFirstLastPara="1" wrap="square" lIns="121900" tIns="121900" rIns="121900" bIns="121900" anchor="t" anchorCtr="0">
+            <a:noAutofit/>
+          </a:bodyPr>
+          <a:lstStyle/>
+          <a:p>
+            <a:pPr marL="0" lvl="0" indent="0" algn="l" rtl="0">
+              <a:spcBef>
+                <a:spcPts val="0"/>
+              </a:spcBef>
+              <a:spcAft>
+                <a:spcPts val="0"/>
+              </a:spcAft>
+              <a:buNone/>
+            </a:pPr>
+            <a:r>
+              <a:rPr lang="en-US" dirty="0"/>
+              <a:t>CHALLENGE </a:t>
+            </a:r>
+            <a:r>
+              <a:rPr lang="en" sz="6000" dirty="0">
+                <a:solidFill>
+                  <a:schemeClr val="accent2"/>
+                </a:solidFill>
+              </a:rPr>
+              <a:t>GAME CONTROLER</a:t>
+            </a:r>
+            <a:endParaRPr sz="6000" dirty="0">
+              <a:solidFill>
+                <a:schemeClr val="accent2"/>
+              </a:solidFill>
+            </a:endParaRPr>
+          </a:p>
+        </p:txBody>
+      </p:sp>
+      <p:sp>
+        <p:nvSpPr>
+          <p:cNvPr id="441" name="Google Shape;441;p29"/>
+          <p:cNvSpPr txBox="1">
+            <a:spLocks noGrp="1"/>
+          </p:cNvSpPr>
+          <p:nvPr>
+            <p:ph type="subTitle" idx="1"/>
+          </p:nvPr>
+        </p:nvSpPr>
+        <p:spPr>
+          <a:xfrm>
+            <a:off x="1217558" y="1800269"/>
+            <a:ext cx="9755100" cy="606900"/>
+          </a:xfrm>
+          <a:prstGeom prst="rect">
+            <a:avLst/>
+          </a:prstGeom>
+        </p:spPr>
+        <p:txBody>
+          <a:bodyPr spcFirstLastPara="1" wrap="square" lIns="121900" tIns="121900" rIns="121900" bIns="121900" anchor="t" anchorCtr="0">
+            <a:noAutofit/>
+          </a:bodyPr>
+          <a:lstStyle/>
+          <a:p>
+            <a:pPr marL="0" lvl="0" indent="0" algn="l" rtl="0">
+              <a:spcBef>
+                <a:spcPts val="0"/>
+              </a:spcBef>
+              <a:spcAft>
+                <a:spcPts val="2100"/>
+              </a:spcAft>
+              <a:buNone/>
+            </a:pPr>
+            <a:r>
+              <a:rPr lang="en" dirty="0">
+                <a:solidFill>
+                  <a:schemeClr val="accent3"/>
+                </a:solidFill>
+              </a:rPr>
+              <a:t>GAME CONTROLER(c9)</a:t>
+            </a:r>
+            <a:endParaRPr dirty="0"/>
+          </a:p>
+        </p:txBody>
+      </p:sp>
+      <p:sp>
+        <p:nvSpPr>
+          <p:cNvPr id="4" name="Text Placeholder 3">
+            <a:extLst>
+              <a:ext uri="{FF2B5EF4-FFF2-40B4-BE49-F238E27FC236}">
+                <a16:creationId xmlns:a16="http://schemas.microsoft.com/office/drawing/2014/main" id="{71064820-2700-85EE-131A-51CE2DE86E8E}"/>
+              </a:ext>
+            </a:extLst>
+          </p:cNvPr>
+          <p:cNvSpPr>
+            <a:spLocks noGrp="1"/>
+          </p:cNvSpPr>
+          <p:nvPr>
+            <p:ph type="body" idx="4"/>
+          </p:nvPr>
+        </p:nvSpPr>
+        <p:spPr>
+          <a:xfrm>
+            <a:off x="1217550" y="2238218"/>
+            <a:ext cx="9755100" cy="2350874"/>
+          </a:xfrm>
+        </p:spPr>
+        <p:txBody>
+          <a:bodyPr/>
+          <a:lstStyle/>
+          <a:p>
+            <a:pPr marL="139700" indent="0">
+              <a:buNone/>
+            </a:pPr>
+            <a:r>
+              <a:rPr lang="de-DE" dirty="0"/>
               <a:t>Die ganzen tollen Funktionen sollen nun alle zusammengeführt werden.</a:t>
             </a:r>
           </a:p>
@@ -18569,7 +21453,7 @@
 </p:sld>
 </file>
 
-<file path=ppt/slides/slide13.xml><?xml version="1.0" encoding="utf-8"?>
+<file path=ppt/slides/slide9.xml><?xml version="1.0" encoding="utf-8"?>
 <p:sld xmlns:a="http://schemas.openxmlformats.org/drawingml/2006/main" xmlns:r="http://schemas.openxmlformats.org/officeDocument/2006/relationships" xmlns:p="http://schemas.openxmlformats.org/presentationml/2006/main">
   <p:cSld>
     <p:spTree>
@@ -18962,4396 +21846,6 @@
         </p:sp>
       </p:grpSp>
     </p:spTree>
-  </p:cSld>
-  <p:clrMapOvr>
-    <a:masterClrMapping/>
-  </p:clrMapOvr>
-  <p:transition>
-    <p:fade/>
-  </p:transition>
-</p:sld>
-</file>
-
-<file path=ppt/slides/slide2.xml><?xml version="1.0" encoding="utf-8"?>
-<p:sld xmlns:a="http://schemas.openxmlformats.org/drawingml/2006/main" xmlns:r="http://schemas.openxmlformats.org/officeDocument/2006/relationships" xmlns:p="http://schemas.openxmlformats.org/presentationml/2006/main">
-  <p:cSld>
-    <p:spTree>
-      <p:nvGrpSpPr>
-        <p:cNvPr id="1" name="Shape 392"/>
-        <p:cNvGrpSpPr/>
-        <p:nvPr/>
-      </p:nvGrpSpPr>
-      <p:grpSpPr>
-        <a:xfrm>
-          <a:off x="0" y="0"/>
-          <a:ext cx="0" cy="0"/>
-          <a:chOff x="0" y="0"/>
-          <a:chExt cx="0" cy="0"/>
-        </a:xfrm>
-      </p:grpSpPr>
-      <p:sp>
-        <p:nvSpPr>
-          <p:cNvPr id="393" name="Google Shape;393;p24"/>
-          <p:cNvSpPr txBox="1">
-            <a:spLocks noGrp="1"/>
-          </p:cNvSpPr>
-          <p:nvPr>
-            <p:ph type="title" idx="5"/>
-          </p:nvPr>
-        </p:nvSpPr>
-        <p:spPr>
-          <a:xfrm>
-            <a:off x="9503275" y="4180200"/>
-            <a:ext cx="2166900" cy="695700"/>
-          </a:xfrm>
-          <a:prstGeom prst="rect">
-            <a:avLst/>
-          </a:prstGeom>
-        </p:spPr>
-        <p:txBody>
-          <a:bodyPr spcFirstLastPara="1" wrap="square" lIns="121900" tIns="121900" rIns="121900" bIns="121900" anchor="t" anchorCtr="0">
-            <a:noAutofit/>
-          </a:bodyPr>
-          <a:lstStyle/>
-          <a:p>
-            <a:pPr marL="0" lvl="0" indent="0" algn="r" rtl="0">
-              <a:spcBef>
-                <a:spcPts val="0"/>
-              </a:spcBef>
-              <a:spcAft>
-                <a:spcPts val="0"/>
-              </a:spcAft>
-              <a:buNone/>
-            </a:pPr>
-            <a:r>
-              <a:rPr lang="en" dirty="0">
-                <a:solidFill>
-                  <a:schemeClr val="accent2"/>
-                </a:solidFill>
-              </a:rPr>
-              <a:t>06</a:t>
-            </a:r>
-            <a:endParaRPr dirty="0">
-              <a:solidFill>
-                <a:schemeClr val="accent2"/>
-              </a:solidFill>
-            </a:endParaRPr>
-          </a:p>
-        </p:txBody>
-      </p:sp>
-      <p:sp>
-        <p:nvSpPr>
-          <p:cNvPr id="394" name="Google Shape;394;p24"/>
-          <p:cNvSpPr txBox="1">
-            <a:spLocks noGrp="1"/>
-          </p:cNvSpPr>
-          <p:nvPr>
-            <p:ph type="title"/>
-          </p:nvPr>
-        </p:nvSpPr>
-        <p:spPr>
-          <a:xfrm>
-            <a:off x="490775" y="523275"/>
-            <a:ext cx="11210400" cy="763500"/>
-          </a:xfrm>
-          <a:prstGeom prst="rect">
-            <a:avLst/>
-          </a:prstGeom>
-        </p:spPr>
-        <p:txBody>
-          <a:bodyPr spcFirstLastPara="1" wrap="square" lIns="121900" tIns="121900" rIns="121900" bIns="121900" anchor="t" anchorCtr="0">
-            <a:noAutofit/>
-          </a:bodyPr>
-          <a:lstStyle/>
-          <a:p>
-            <a:pPr marL="0" lvl="0" indent="0" algn="l" rtl="0">
-              <a:spcBef>
-                <a:spcPts val="0"/>
-              </a:spcBef>
-              <a:spcAft>
-                <a:spcPts val="0"/>
-              </a:spcAft>
-              <a:buNone/>
-            </a:pPr>
-            <a:r>
-              <a:rPr lang="en" dirty="0"/>
-              <a:t>HEUTIGE </a:t>
-            </a:r>
-            <a:r>
-              <a:rPr lang="en" sz="6000" dirty="0">
-                <a:solidFill>
-                  <a:schemeClr val="accent2"/>
-                </a:solidFill>
-              </a:rPr>
-              <a:t>AGENDA.</a:t>
-            </a:r>
-            <a:endParaRPr sz="6000" dirty="0">
-              <a:solidFill>
-                <a:schemeClr val="accent2"/>
-              </a:solidFill>
-            </a:endParaRPr>
-          </a:p>
-        </p:txBody>
-      </p:sp>
-      <p:sp>
-        <p:nvSpPr>
-          <p:cNvPr id="395" name="Google Shape;395;p24"/>
-          <p:cNvSpPr txBox="1">
-            <a:spLocks noGrp="1"/>
-          </p:cNvSpPr>
-          <p:nvPr>
-            <p:ph type="body" idx="1"/>
-          </p:nvPr>
-        </p:nvSpPr>
-        <p:spPr>
-          <a:xfrm>
-            <a:off x="575950" y="2437574"/>
-            <a:ext cx="3294600" cy="1206300"/>
-          </a:xfrm>
-          <a:prstGeom prst="rect">
-            <a:avLst/>
-          </a:prstGeom>
-        </p:spPr>
-        <p:txBody>
-          <a:bodyPr spcFirstLastPara="1" wrap="square" lIns="121900" tIns="121900" rIns="121900" bIns="121900" anchor="ctr" anchorCtr="0">
-            <a:noAutofit/>
-          </a:bodyPr>
-          <a:lstStyle/>
-          <a:p>
-            <a:pPr marL="0" lvl="0" indent="0" algn="l" rtl="0">
-              <a:spcBef>
-                <a:spcPts val="0"/>
-              </a:spcBef>
-              <a:spcAft>
-                <a:spcPts val="2100"/>
-              </a:spcAft>
-              <a:buNone/>
-            </a:pPr>
-            <a:r>
-              <a:rPr lang="en-US" dirty="0">
-                <a:solidFill>
-                  <a:schemeClr val="accent1"/>
-                </a:solidFill>
-              </a:rPr>
-              <a:t>Challenge </a:t>
-            </a:r>
-            <a:r>
-              <a:rPr lang="en" dirty="0"/>
-              <a:t>Listener</a:t>
-            </a:r>
-            <a:endParaRPr dirty="0"/>
-          </a:p>
-        </p:txBody>
-      </p:sp>
-      <p:sp>
-        <p:nvSpPr>
-          <p:cNvPr id="396" name="Google Shape;396;p24"/>
-          <p:cNvSpPr txBox="1">
-            <a:spLocks noGrp="1"/>
-          </p:cNvSpPr>
-          <p:nvPr>
-            <p:ph type="body" idx="2"/>
-          </p:nvPr>
-        </p:nvSpPr>
-        <p:spPr>
-          <a:xfrm>
-            <a:off x="4418613" y="2437574"/>
-            <a:ext cx="3294600" cy="1206300"/>
-          </a:xfrm>
-          <a:prstGeom prst="rect">
-            <a:avLst/>
-          </a:prstGeom>
-        </p:spPr>
-        <p:txBody>
-          <a:bodyPr spcFirstLastPara="1" wrap="square" lIns="121900" tIns="121900" rIns="121900" bIns="121900" anchor="ctr" anchorCtr="0">
-            <a:noAutofit/>
-          </a:bodyPr>
-          <a:lstStyle/>
-          <a:p>
-            <a:pPr marL="0" indent="0">
-              <a:spcAft>
-                <a:spcPts val="2100"/>
-              </a:spcAft>
-              <a:buNone/>
-            </a:pPr>
-            <a:r>
-              <a:rPr lang="en-US" dirty="0">
-                <a:solidFill>
-                  <a:schemeClr val="accent1"/>
-                </a:solidFill>
-              </a:rPr>
-              <a:t>Challenge </a:t>
-            </a:r>
-            <a:r>
-              <a:rPr lang="en-US" dirty="0"/>
-              <a:t>Direction Logic</a:t>
-            </a:r>
-          </a:p>
-        </p:txBody>
-      </p:sp>
-      <p:sp>
-        <p:nvSpPr>
-          <p:cNvPr id="397" name="Google Shape;397;p24"/>
-          <p:cNvSpPr txBox="1">
-            <a:spLocks noGrp="1"/>
-          </p:cNvSpPr>
-          <p:nvPr>
-            <p:ph type="body" idx="3"/>
-          </p:nvPr>
-        </p:nvSpPr>
-        <p:spPr>
-          <a:xfrm>
-            <a:off x="575949" y="4783425"/>
-            <a:ext cx="3398025" cy="1206300"/>
-          </a:xfrm>
-          <a:prstGeom prst="rect">
-            <a:avLst/>
-          </a:prstGeom>
-        </p:spPr>
-        <p:txBody>
-          <a:bodyPr spcFirstLastPara="1" wrap="square" lIns="121900" tIns="121900" rIns="121900" bIns="121900" anchor="ctr" anchorCtr="0">
-            <a:noAutofit/>
-          </a:bodyPr>
-          <a:lstStyle/>
-          <a:p>
-            <a:pPr marL="0" indent="0">
-              <a:spcAft>
-                <a:spcPts val="2100"/>
-              </a:spcAft>
-              <a:buNone/>
-            </a:pPr>
-            <a:r>
-              <a:rPr lang="en-US" dirty="0">
-                <a:solidFill>
-                  <a:schemeClr val="accent1"/>
-                </a:solidFill>
-              </a:rPr>
-              <a:t>Challenge </a:t>
-            </a:r>
-            <a:r>
-              <a:rPr lang="en" dirty="0"/>
-              <a:t>Move </a:t>
-            </a:r>
-            <a:endParaRPr lang="en" dirty="0">
-              <a:solidFill>
-                <a:schemeClr val="accent1"/>
-              </a:solidFill>
-            </a:endParaRPr>
-          </a:p>
-        </p:txBody>
-      </p:sp>
-      <p:sp>
-        <p:nvSpPr>
-          <p:cNvPr id="398" name="Google Shape;398;p24"/>
-          <p:cNvSpPr txBox="1">
-            <a:spLocks noGrp="1"/>
-          </p:cNvSpPr>
-          <p:nvPr>
-            <p:ph type="body" idx="4"/>
-          </p:nvPr>
-        </p:nvSpPr>
-        <p:spPr>
-          <a:xfrm>
-            <a:off x="4418613" y="4783425"/>
-            <a:ext cx="3294600" cy="1206300"/>
-          </a:xfrm>
-          <a:prstGeom prst="rect">
-            <a:avLst/>
-          </a:prstGeom>
-        </p:spPr>
-        <p:txBody>
-          <a:bodyPr spcFirstLastPara="1" wrap="square" lIns="121900" tIns="121900" rIns="121900" bIns="121900" anchor="ctr" anchorCtr="0">
-            <a:noAutofit/>
-          </a:bodyPr>
-          <a:lstStyle/>
-          <a:p>
-            <a:pPr marL="0" indent="0">
-              <a:spcAft>
-                <a:spcPts val="2100"/>
-              </a:spcAft>
-              <a:buNone/>
-            </a:pPr>
-            <a:r>
-              <a:rPr lang="en-US" dirty="0">
-                <a:solidFill>
-                  <a:schemeClr val="accent1"/>
-                </a:solidFill>
-              </a:rPr>
-              <a:t>Challenge </a:t>
-            </a:r>
-            <a:r>
-              <a:rPr lang="en" dirty="0"/>
-              <a:t>Border Logic</a:t>
-            </a:r>
-            <a:r>
-              <a:rPr lang="en" dirty="0">
-                <a:solidFill>
-                  <a:schemeClr val="accent1"/>
-                </a:solidFill>
-              </a:rPr>
-              <a:t> </a:t>
-            </a:r>
-          </a:p>
-        </p:txBody>
-      </p:sp>
-      <p:sp>
-        <p:nvSpPr>
-          <p:cNvPr id="399" name="Google Shape;399;p24"/>
-          <p:cNvSpPr txBox="1">
-            <a:spLocks noGrp="1"/>
-          </p:cNvSpPr>
-          <p:nvPr>
-            <p:ph type="title" idx="5"/>
-          </p:nvPr>
-        </p:nvSpPr>
-        <p:spPr>
-          <a:xfrm>
-            <a:off x="1807075" y="1818000"/>
-            <a:ext cx="2166900" cy="695700"/>
-          </a:xfrm>
-          <a:prstGeom prst="rect">
-            <a:avLst/>
-          </a:prstGeom>
-        </p:spPr>
-        <p:txBody>
-          <a:bodyPr spcFirstLastPara="1" wrap="square" lIns="121900" tIns="121900" rIns="121900" bIns="121900" anchor="t" anchorCtr="0">
-            <a:noAutofit/>
-          </a:bodyPr>
-          <a:lstStyle/>
-          <a:p>
-            <a:pPr marL="0" lvl="0" indent="0" algn="r" rtl="0">
-              <a:spcBef>
-                <a:spcPts val="0"/>
-              </a:spcBef>
-              <a:spcAft>
-                <a:spcPts val="0"/>
-              </a:spcAft>
-              <a:buNone/>
-            </a:pPr>
-            <a:r>
-              <a:rPr lang="en" dirty="0">
-                <a:solidFill>
-                  <a:schemeClr val="accent1"/>
-                </a:solidFill>
-              </a:rPr>
-              <a:t>01</a:t>
-            </a:r>
-            <a:endParaRPr dirty="0">
-              <a:solidFill>
-                <a:schemeClr val="accent1"/>
-              </a:solidFill>
-            </a:endParaRPr>
-          </a:p>
-        </p:txBody>
-      </p:sp>
-      <p:sp>
-        <p:nvSpPr>
-          <p:cNvPr id="400" name="Google Shape;400;p24"/>
-          <p:cNvSpPr txBox="1">
-            <a:spLocks noGrp="1"/>
-          </p:cNvSpPr>
-          <p:nvPr>
-            <p:ph type="body" idx="9"/>
-          </p:nvPr>
-        </p:nvSpPr>
-        <p:spPr>
-          <a:xfrm>
-            <a:off x="8299375" y="2437574"/>
-            <a:ext cx="3401800" cy="1206300"/>
-          </a:xfrm>
-          <a:prstGeom prst="rect">
-            <a:avLst/>
-          </a:prstGeom>
-        </p:spPr>
-        <p:txBody>
-          <a:bodyPr spcFirstLastPara="1" wrap="square" lIns="121900" tIns="121900" rIns="121900" bIns="121900" anchor="ctr" anchorCtr="0">
-            <a:noAutofit/>
-          </a:bodyPr>
-          <a:lstStyle/>
-          <a:p>
-            <a:pPr marL="0" indent="0">
-              <a:spcAft>
-                <a:spcPts val="2100"/>
-              </a:spcAft>
-              <a:buNone/>
-            </a:pPr>
-            <a:r>
-              <a:rPr lang="en-US" dirty="0"/>
-              <a:t>Basics</a:t>
-            </a:r>
-            <a:br>
-              <a:rPr lang="en" dirty="0"/>
-            </a:br>
-            <a:r>
-              <a:rPr lang="en" dirty="0">
-                <a:solidFill>
-                  <a:schemeClr val="accent1"/>
-                </a:solidFill>
-              </a:rPr>
-              <a:t>Enum </a:t>
-            </a:r>
-          </a:p>
-        </p:txBody>
-      </p:sp>
-      <p:sp>
-        <p:nvSpPr>
-          <p:cNvPr id="401" name="Google Shape;401;p24"/>
-          <p:cNvSpPr txBox="1">
-            <a:spLocks noGrp="1"/>
-          </p:cNvSpPr>
-          <p:nvPr>
-            <p:ph type="body" idx="13"/>
-          </p:nvPr>
-        </p:nvSpPr>
-        <p:spPr>
-          <a:xfrm>
-            <a:off x="8299375" y="4783425"/>
-            <a:ext cx="3294600" cy="1206300"/>
-          </a:xfrm>
-          <a:prstGeom prst="rect">
-            <a:avLst/>
-          </a:prstGeom>
-        </p:spPr>
-        <p:txBody>
-          <a:bodyPr spcFirstLastPara="1" wrap="square" lIns="121900" tIns="121900" rIns="121900" bIns="121900" anchor="ctr" anchorCtr="0">
-            <a:noAutofit/>
-          </a:bodyPr>
-          <a:lstStyle/>
-          <a:p>
-            <a:pPr marL="0" indent="0">
-              <a:spcAft>
-                <a:spcPts val="2100"/>
-              </a:spcAft>
-              <a:buNone/>
-            </a:pPr>
-            <a:r>
-              <a:rPr lang="en-US" dirty="0">
-                <a:solidFill>
-                  <a:schemeClr val="accent1"/>
-                </a:solidFill>
-              </a:rPr>
-              <a:t>Challenge </a:t>
-            </a:r>
-            <a:r>
-              <a:rPr lang="en-US" dirty="0"/>
-              <a:t>Food</a:t>
-            </a:r>
-          </a:p>
-        </p:txBody>
-      </p:sp>
-      <p:sp>
-        <p:nvSpPr>
-          <p:cNvPr id="402" name="Google Shape;402;p24"/>
-          <p:cNvSpPr txBox="1">
-            <a:spLocks noGrp="1"/>
-          </p:cNvSpPr>
-          <p:nvPr>
-            <p:ph type="title" idx="5"/>
-          </p:nvPr>
-        </p:nvSpPr>
-        <p:spPr>
-          <a:xfrm>
-            <a:off x="5693275" y="1818000"/>
-            <a:ext cx="2166900" cy="695700"/>
-          </a:xfrm>
-          <a:prstGeom prst="rect">
-            <a:avLst/>
-          </a:prstGeom>
-        </p:spPr>
-        <p:txBody>
-          <a:bodyPr spcFirstLastPara="1" wrap="square" lIns="121900" tIns="121900" rIns="121900" bIns="121900" anchor="t" anchorCtr="0">
-            <a:noAutofit/>
-          </a:bodyPr>
-          <a:lstStyle/>
-          <a:p>
-            <a:pPr marL="0" lvl="0" indent="0" algn="r" rtl="0">
-              <a:spcBef>
-                <a:spcPts val="0"/>
-              </a:spcBef>
-              <a:spcAft>
-                <a:spcPts val="0"/>
-              </a:spcAft>
-              <a:buNone/>
-            </a:pPr>
-            <a:r>
-              <a:rPr lang="en" dirty="0"/>
-              <a:t>02</a:t>
-            </a:r>
-            <a:endParaRPr dirty="0"/>
-          </a:p>
-        </p:txBody>
-      </p:sp>
-      <p:sp>
-        <p:nvSpPr>
-          <p:cNvPr id="403" name="Google Shape;403;p24"/>
-          <p:cNvSpPr txBox="1">
-            <a:spLocks noGrp="1"/>
-          </p:cNvSpPr>
-          <p:nvPr>
-            <p:ph type="title" idx="5"/>
-          </p:nvPr>
-        </p:nvSpPr>
-        <p:spPr>
-          <a:xfrm>
-            <a:off x="9503275" y="1818000"/>
-            <a:ext cx="2166900" cy="695700"/>
-          </a:xfrm>
-          <a:prstGeom prst="rect">
-            <a:avLst/>
-          </a:prstGeom>
-        </p:spPr>
-        <p:txBody>
-          <a:bodyPr spcFirstLastPara="1" wrap="square" lIns="121900" tIns="121900" rIns="121900" bIns="121900" anchor="t" anchorCtr="0">
-            <a:noAutofit/>
-          </a:bodyPr>
-          <a:lstStyle/>
-          <a:p>
-            <a:pPr marL="0" lvl="0" indent="0" algn="r" rtl="0">
-              <a:spcBef>
-                <a:spcPts val="0"/>
-              </a:spcBef>
-              <a:spcAft>
-                <a:spcPts val="0"/>
-              </a:spcAft>
-              <a:buNone/>
-            </a:pPr>
-            <a:r>
-              <a:rPr lang="en">
-                <a:solidFill>
-                  <a:schemeClr val="accent2"/>
-                </a:solidFill>
-              </a:rPr>
-              <a:t>03</a:t>
-            </a:r>
-            <a:endParaRPr>
-              <a:solidFill>
-                <a:schemeClr val="accent2"/>
-              </a:solidFill>
-            </a:endParaRPr>
-          </a:p>
-        </p:txBody>
-      </p:sp>
-      <p:sp>
-        <p:nvSpPr>
-          <p:cNvPr id="404" name="Google Shape;404;p24"/>
-          <p:cNvSpPr txBox="1">
-            <a:spLocks noGrp="1"/>
-          </p:cNvSpPr>
-          <p:nvPr>
-            <p:ph type="title" idx="5"/>
-          </p:nvPr>
-        </p:nvSpPr>
-        <p:spPr>
-          <a:xfrm>
-            <a:off x="1807075" y="4180200"/>
-            <a:ext cx="2166900" cy="695700"/>
-          </a:xfrm>
-          <a:prstGeom prst="rect">
-            <a:avLst/>
-          </a:prstGeom>
-        </p:spPr>
-        <p:txBody>
-          <a:bodyPr spcFirstLastPara="1" wrap="square" lIns="121900" tIns="121900" rIns="121900" bIns="121900" anchor="t" anchorCtr="0">
-            <a:noAutofit/>
-          </a:bodyPr>
-          <a:lstStyle/>
-          <a:p>
-            <a:pPr marL="0" lvl="0" indent="0" algn="r" rtl="0">
-              <a:spcBef>
-                <a:spcPts val="0"/>
-              </a:spcBef>
-              <a:spcAft>
-                <a:spcPts val="0"/>
-              </a:spcAft>
-              <a:buNone/>
-            </a:pPr>
-            <a:r>
-              <a:rPr lang="en" dirty="0">
-                <a:solidFill>
-                  <a:schemeClr val="accent1"/>
-                </a:solidFill>
-              </a:rPr>
-              <a:t>04</a:t>
-            </a:r>
-            <a:endParaRPr dirty="0">
-              <a:solidFill>
-                <a:schemeClr val="accent1"/>
-              </a:solidFill>
-            </a:endParaRPr>
-          </a:p>
-        </p:txBody>
-      </p:sp>
-      <p:sp>
-        <p:nvSpPr>
-          <p:cNvPr id="405" name="Google Shape;405;p24"/>
-          <p:cNvSpPr txBox="1">
-            <a:spLocks noGrp="1"/>
-          </p:cNvSpPr>
-          <p:nvPr>
-            <p:ph type="title" idx="5"/>
-          </p:nvPr>
-        </p:nvSpPr>
-        <p:spPr>
-          <a:xfrm>
-            <a:off x="5693275" y="4180200"/>
-            <a:ext cx="2166900" cy="695700"/>
-          </a:xfrm>
-          <a:prstGeom prst="rect">
-            <a:avLst/>
-          </a:prstGeom>
-        </p:spPr>
-        <p:txBody>
-          <a:bodyPr spcFirstLastPara="1" wrap="square" lIns="121900" tIns="121900" rIns="121900" bIns="121900" anchor="t" anchorCtr="0">
-            <a:noAutofit/>
-          </a:bodyPr>
-          <a:lstStyle/>
-          <a:p>
-            <a:pPr marL="0" lvl="0" indent="0" algn="r" rtl="0">
-              <a:spcBef>
-                <a:spcPts val="0"/>
-              </a:spcBef>
-              <a:spcAft>
-                <a:spcPts val="0"/>
-              </a:spcAft>
-              <a:buNone/>
-            </a:pPr>
-            <a:r>
-              <a:rPr lang="en" dirty="0"/>
-              <a:t>05</a:t>
-            </a:r>
-            <a:endParaRPr dirty="0"/>
-          </a:p>
-        </p:txBody>
-      </p:sp>
-    </p:spTree>
-  </p:cSld>
-  <p:clrMapOvr>
-    <a:masterClrMapping/>
-  </p:clrMapOvr>
-  <mc:AlternateContent xmlns:mc="http://schemas.openxmlformats.org/markup-compatibility/2006" xmlns:p14="http://schemas.microsoft.com/office/powerpoint/2010/main">
-    <mc:Choice Requires="p14">
-      <p:transition p14:dur="250">
-        <p:fade/>
-      </p:transition>
-    </mc:Choice>
-    <mc:Fallback xmlns="">
-      <p:transition>
-        <p:fade/>
-      </p:transition>
-    </mc:Fallback>
-  </mc:AlternateContent>
-</p:sld>
-</file>
-
-<file path=ppt/slides/slide3.xml><?xml version="1.0" encoding="utf-8"?>
-<p:sld xmlns:a="http://schemas.openxmlformats.org/drawingml/2006/main" xmlns:r="http://schemas.openxmlformats.org/officeDocument/2006/relationships" xmlns:p="http://schemas.openxmlformats.org/presentationml/2006/main">
-  <p:cSld>
-    <p:spTree>
-      <p:nvGrpSpPr>
-        <p:cNvPr id="1" name="Shape 439"/>
-        <p:cNvGrpSpPr/>
-        <p:nvPr/>
-      </p:nvGrpSpPr>
-      <p:grpSpPr>
-        <a:xfrm>
-          <a:off x="0" y="0"/>
-          <a:ext cx="0" cy="0"/>
-          <a:chOff x="0" y="0"/>
-          <a:chExt cx="0" cy="0"/>
-        </a:xfrm>
-      </p:grpSpPr>
-      <p:sp>
-        <p:nvSpPr>
-          <p:cNvPr id="440" name="Google Shape;440;p29"/>
-          <p:cNvSpPr txBox="1">
-            <a:spLocks noGrp="1"/>
-          </p:cNvSpPr>
-          <p:nvPr>
-            <p:ph type="title"/>
-          </p:nvPr>
-        </p:nvSpPr>
-        <p:spPr>
-          <a:xfrm>
-            <a:off x="684150" y="358863"/>
-            <a:ext cx="10672108" cy="763500"/>
-          </a:xfrm>
-          <a:prstGeom prst="rect">
-            <a:avLst/>
-          </a:prstGeom>
-        </p:spPr>
-        <p:txBody>
-          <a:bodyPr spcFirstLastPara="1" wrap="square" lIns="121900" tIns="121900" rIns="121900" bIns="121900" anchor="t" anchorCtr="0">
-            <a:noAutofit/>
-          </a:bodyPr>
-          <a:lstStyle/>
-          <a:p>
-            <a:pPr marL="0" lvl="0" indent="0" algn="l" rtl="0">
-              <a:spcBef>
-                <a:spcPts val="0"/>
-              </a:spcBef>
-              <a:spcAft>
-                <a:spcPts val="0"/>
-              </a:spcAft>
-              <a:buNone/>
-            </a:pPr>
-            <a:r>
-              <a:rPr lang="en-US" dirty="0"/>
-              <a:t>CHALLENGE </a:t>
-            </a:r>
-            <a:r>
-              <a:rPr lang="en" sz="6000" dirty="0">
-                <a:solidFill>
-                  <a:schemeClr val="accent2"/>
-                </a:solidFill>
-              </a:rPr>
-              <a:t>DIRECTION LOGIC</a:t>
-            </a:r>
-            <a:endParaRPr sz="6000" dirty="0">
-              <a:solidFill>
-                <a:schemeClr val="accent2"/>
-              </a:solidFill>
-            </a:endParaRPr>
-          </a:p>
-        </p:txBody>
-      </p:sp>
-      <p:sp>
-        <p:nvSpPr>
-          <p:cNvPr id="441" name="Google Shape;441;p29"/>
-          <p:cNvSpPr txBox="1">
-            <a:spLocks noGrp="1"/>
-          </p:cNvSpPr>
-          <p:nvPr>
-            <p:ph type="subTitle" idx="1"/>
-          </p:nvPr>
-        </p:nvSpPr>
-        <p:spPr>
-          <a:xfrm>
-            <a:off x="1217558" y="1800269"/>
-            <a:ext cx="9755100" cy="606900"/>
-          </a:xfrm>
-          <a:prstGeom prst="rect">
-            <a:avLst/>
-          </a:prstGeom>
-        </p:spPr>
-        <p:txBody>
-          <a:bodyPr spcFirstLastPara="1" wrap="square" lIns="121900" tIns="121900" rIns="121900" bIns="121900" anchor="t" anchorCtr="0">
-            <a:noAutofit/>
-          </a:bodyPr>
-          <a:lstStyle/>
-          <a:p>
-            <a:pPr marL="0" lvl="0" indent="0" algn="l" rtl="0">
-              <a:spcBef>
-                <a:spcPts val="0"/>
-              </a:spcBef>
-              <a:spcAft>
-                <a:spcPts val="2100"/>
-              </a:spcAft>
-              <a:buNone/>
-            </a:pPr>
-            <a:r>
-              <a:rPr lang="en" dirty="0">
-                <a:solidFill>
-                  <a:schemeClr val="accent3"/>
-                </a:solidFill>
-              </a:rPr>
-              <a:t>DIRECTION LOGIC</a:t>
-            </a:r>
-            <a:endParaRPr dirty="0"/>
-          </a:p>
-        </p:txBody>
-      </p:sp>
-      <p:sp>
-        <p:nvSpPr>
-          <p:cNvPr id="446" name="Google Shape;446;p29"/>
-          <p:cNvSpPr txBox="1">
-            <a:spLocks noGrp="1"/>
-          </p:cNvSpPr>
-          <p:nvPr>
-            <p:ph type="body" idx="4"/>
-          </p:nvPr>
-        </p:nvSpPr>
-        <p:spPr>
-          <a:xfrm>
-            <a:off x="1217550" y="2238218"/>
-            <a:ext cx="9755100" cy="3862232"/>
-          </a:xfrm>
-          <a:prstGeom prst="rect">
-            <a:avLst/>
-          </a:prstGeom>
-        </p:spPr>
-        <p:txBody>
-          <a:bodyPr spcFirstLastPara="1" wrap="square" lIns="121900" tIns="121900" rIns="121900" bIns="121900" anchor="t" anchorCtr="0">
-            <a:noAutofit/>
-          </a:bodyPr>
-          <a:lstStyle/>
-          <a:p>
-            <a:pPr marL="0" lvl="0" indent="0" algn="l" rtl="0">
-              <a:spcBef>
-                <a:spcPts val="0"/>
-              </a:spcBef>
-              <a:spcAft>
-                <a:spcPts val="2100"/>
-              </a:spcAft>
-              <a:buNone/>
-            </a:pPr>
-            <a:r>
-              <a:rPr lang="en-US" sz="1600" dirty="0"/>
-              <a:t>Die Turtle </a:t>
-            </a:r>
-            <a:r>
-              <a:rPr lang="en-US" sz="1600" dirty="0" err="1"/>
-              <a:t>kann</a:t>
-            </a:r>
-            <a:r>
-              <a:rPr lang="en-US" sz="1600" dirty="0"/>
-              <a:t> </a:t>
-            </a:r>
-            <a:r>
-              <a:rPr lang="en-US" sz="1600" dirty="0" err="1"/>
-              <a:t>sich</a:t>
-            </a:r>
-            <a:r>
-              <a:rPr lang="en-US" sz="1600" dirty="0"/>
-              <a:t> </a:t>
-            </a:r>
-            <a:r>
-              <a:rPr lang="en-US" sz="1600" dirty="0" err="1"/>
-              <a:t>niemals</a:t>
-            </a:r>
-            <a:r>
-              <a:rPr lang="en-US" sz="1600" dirty="0"/>
-              <a:t> von der </a:t>
-            </a:r>
-            <a:r>
-              <a:rPr lang="en-US" sz="1600" dirty="0" err="1"/>
-              <a:t>aktuellen</a:t>
-            </a:r>
-            <a:r>
-              <a:rPr lang="en-US" sz="1600" dirty="0"/>
-              <a:t> </a:t>
-            </a:r>
-            <a:r>
-              <a:rPr lang="en-US" sz="1600" dirty="0" err="1"/>
-              <a:t>Bewegungsrichtung</a:t>
-            </a:r>
-            <a:r>
-              <a:rPr lang="en-US" sz="1600" dirty="0"/>
-              <a:t> in die </a:t>
-            </a:r>
-            <a:r>
-              <a:rPr lang="en-US" sz="1600" dirty="0" err="1"/>
-              <a:t>entgegengesetze</a:t>
-            </a:r>
-            <a:r>
-              <a:rPr lang="en-US" sz="1600" dirty="0"/>
-              <a:t> </a:t>
-            </a:r>
-            <a:r>
-              <a:rPr lang="en-US" sz="1600" dirty="0" err="1"/>
-              <a:t>bewegen</a:t>
-            </a:r>
-            <a:r>
-              <a:rPr lang="en-US" sz="1600" dirty="0"/>
-              <a:t>. </a:t>
-            </a:r>
-            <a:r>
-              <a:rPr lang="en-US" sz="1600" dirty="0" err="1"/>
-              <a:t>Implementiere</a:t>
-            </a:r>
-            <a:r>
-              <a:rPr lang="en-US" sz="1600" dirty="0"/>
-              <a:t> </a:t>
-            </a:r>
-            <a:r>
-              <a:rPr lang="en-US" sz="1600" dirty="0" err="1"/>
-              <a:t>diese</a:t>
-            </a:r>
-            <a:r>
-              <a:rPr lang="en-US" sz="1600" dirty="0"/>
-              <a:t> </a:t>
-            </a:r>
-            <a:r>
-              <a:rPr lang="en-US" sz="1600" dirty="0" err="1"/>
-              <a:t>Logik</a:t>
-            </a:r>
-            <a:r>
-              <a:rPr lang="en-US" sz="1600" dirty="0"/>
-              <a:t> und </a:t>
-            </a:r>
-            <a:r>
-              <a:rPr lang="en-US" sz="1600" dirty="0" err="1"/>
-              <a:t>überprüfe</a:t>
-            </a:r>
-            <a:r>
-              <a:rPr lang="en-US" sz="1600" dirty="0"/>
-              <a:t> </a:t>
-            </a:r>
-            <a:r>
-              <a:rPr lang="en-US" sz="1600" dirty="0" err="1"/>
-              <a:t>diese</a:t>
-            </a:r>
-            <a:r>
-              <a:rPr lang="en-US" sz="1600" dirty="0"/>
-              <a:t>, </a:t>
-            </a:r>
-            <a:r>
-              <a:rPr lang="en-US" sz="1600" dirty="0" err="1"/>
-              <a:t>indem</a:t>
-            </a:r>
-            <a:r>
-              <a:rPr lang="en-US" sz="1600" dirty="0"/>
-              <a:t> du die </a:t>
-            </a:r>
-            <a:r>
-              <a:rPr lang="en-US" sz="1600" dirty="0" err="1">
-                <a:solidFill>
-                  <a:schemeClr val="accent3"/>
-                </a:solidFill>
-              </a:rPr>
-              <a:t>aktuelle</a:t>
-            </a:r>
-            <a:r>
-              <a:rPr lang="en-US" sz="1600" dirty="0"/>
-              <a:t> </a:t>
-            </a:r>
-            <a:r>
-              <a:rPr lang="en-US" sz="1600" dirty="0" err="1"/>
-              <a:t>Richtung</a:t>
-            </a:r>
-            <a:r>
-              <a:rPr lang="en-US" sz="1600" dirty="0"/>
-              <a:t> und die </a:t>
-            </a:r>
-            <a:r>
-              <a:rPr lang="en-US" sz="1600" dirty="0" err="1">
-                <a:solidFill>
-                  <a:schemeClr val="accent3"/>
-                </a:solidFill>
-              </a:rPr>
-              <a:t>neue</a:t>
-            </a:r>
-            <a:r>
-              <a:rPr lang="en-US" sz="1600" dirty="0"/>
-              <a:t> </a:t>
-            </a:r>
-            <a:r>
-              <a:rPr lang="en-US" sz="1600" dirty="0" err="1"/>
-              <a:t>Richtung</a:t>
-            </a:r>
-            <a:r>
-              <a:rPr lang="en-US" sz="1600" dirty="0"/>
-              <a:t> in der </a:t>
-            </a:r>
-            <a:r>
-              <a:rPr lang="en-US" sz="1600" dirty="0" err="1"/>
-              <a:t>Konsole</a:t>
-            </a:r>
-            <a:r>
-              <a:rPr lang="en-US" sz="1600" dirty="0"/>
-              <a:t> </a:t>
-            </a:r>
-            <a:r>
-              <a:rPr lang="en-US" sz="1600" dirty="0" err="1"/>
-              <a:t>ausgibst</a:t>
-            </a:r>
-            <a:r>
-              <a:rPr lang="en-US" sz="1600" dirty="0"/>
-              <a:t>.</a:t>
-            </a:r>
-            <a:br>
-              <a:rPr lang="en-US" sz="1600" dirty="0"/>
-            </a:br>
-            <a:br>
-              <a:rPr lang="en-US" sz="1600" dirty="0"/>
-            </a:br>
-            <a:r>
-              <a:rPr lang="en-US" sz="1600" dirty="0" err="1"/>
-              <a:t>Hinweis</a:t>
-            </a:r>
-            <a:r>
-              <a:rPr lang="en-US" sz="1600" dirty="0"/>
-              <a:t>: Die Turtle </a:t>
-            </a:r>
-            <a:r>
-              <a:rPr lang="en-US" sz="1600" dirty="0" err="1"/>
-              <a:t>sollte</a:t>
-            </a:r>
-            <a:r>
-              <a:rPr lang="en-US" sz="1600" dirty="0"/>
-              <a:t> </a:t>
-            </a:r>
-            <a:r>
-              <a:rPr lang="en-US" sz="1600" dirty="0" err="1"/>
-              <a:t>sich</a:t>
-            </a:r>
-            <a:r>
-              <a:rPr lang="en-US" sz="1600" dirty="0"/>
-              <a:t> die </a:t>
-            </a:r>
-            <a:r>
-              <a:rPr lang="en-US" sz="1600" dirty="0" err="1"/>
-              <a:t>aktuelle</a:t>
-            </a:r>
-            <a:r>
-              <a:rPr lang="en-US" sz="1600" dirty="0"/>
-              <a:t> </a:t>
-            </a:r>
-            <a:br>
-              <a:rPr lang="en-US" sz="1600" dirty="0"/>
-            </a:br>
-            <a:r>
-              <a:rPr lang="en-US" sz="1600" dirty="0" err="1"/>
-              <a:t>Bewegungsrichtung</a:t>
-            </a:r>
-            <a:r>
-              <a:rPr lang="en-US" sz="1600" dirty="0"/>
-              <a:t> </a:t>
-            </a:r>
-            <a:r>
-              <a:rPr lang="en-US" sz="1600" dirty="0" err="1"/>
-              <a:t>merken</a:t>
-            </a:r>
-            <a:r>
-              <a:rPr lang="en-US" sz="1600" dirty="0"/>
-              <a:t>.</a:t>
-            </a:r>
-            <a:br>
-              <a:rPr lang="en-US" sz="1600" dirty="0"/>
-            </a:br>
-            <a:br>
-              <a:rPr lang="en-US" sz="1600" dirty="0"/>
-            </a:br>
-            <a:endParaRPr lang="en-US" sz="1600" dirty="0"/>
-          </a:p>
-          <a:p>
-            <a:pPr marL="0" lvl="0" indent="0" algn="l" rtl="0">
-              <a:spcBef>
-                <a:spcPts val="0"/>
-              </a:spcBef>
-              <a:spcAft>
-                <a:spcPts val="2100"/>
-              </a:spcAft>
-              <a:buNone/>
-            </a:pPr>
-            <a:br>
-              <a:rPr lang="en-US" sz="1600" dirty="0"/>
-            </a:br>
-            <a:r>
-              <a:rPr lang="en-US" sz="1200" dirty="0"/>
-              <a:t>Das Start- und </a:t>
-            </a:r>
-            <a:r>
-              <a:rPr lang="en-US" sz="1200" dirty="0" err="1"/>
-              <a:t>Zielprojekt</a:t>
-            </a:r>
-            <a:r>
-              <a:rPr lang="en-US" sz="1200" dirty="0"/>
-              <a:t> </a:t>
-            </a:r>
-            <a:r>
-              <a:rPr lang="en-US" sz="1200" dirty="0" err="1"/>
-              <a:t>dieser</a:t>
-            </a:r>
-            <a:r>
-              <a:rPr lang="en-US" sz="1200" dirty="0"/>
-              <a:t> Aufgabe </a:t>
-            </a:r>
-            <a:r>
-              <a:rPr lang="en-US" sz="1200" dirty="0" err="1"/>
-              <a:t>findest</a:t>
-            </a:r>
-            <a:r>
-              <a:rPr lang="en-US" sz="1200" dirty="0"/>
-              <a:t> du </a:t>
-            </a:r>
-            <a:r>
-              <a:rPr lang="en-US" sz="1200" dirty="0" err="1"/>
-              <a:t>hier</a:t>
-            </a:r>
-            <a:r>
-              <a:rPr lang="en-US" sz="1200" dirty="0"/>
-              <a:t>:</a:t>
-            </a:r>
-            <a:br>
-              <a:rPr lang="en-US" sz="1200" dirty="0"/>
-            </a:br>
-            <a:r>
-              <a:rPr lang="en-US" sz="1200" dirty="0">
-                <a:hlinkClick r:id="rId3"/>
-              </a:rPr>
-              <a:t>https://github.com/derech1e/python-beginner-course/tree/master/007</a:t>
-            </a:r>
-            <a:endParaRPr lang="en-US" sz="1200" dirty="0"/>
-          </a:p>
-          <a:p>
-            <a:pPr marL="0" lvl="0" indent="0" algn="l" rtl="0">
-              <a:spcBef>
-                <a:spcPts val="0"/>
-              </a:spcBef>
-              <a:spcAft>
-                <a:spcPts val="2100"/>
-              </a:spcAft>
-              <a:buNone/>
-            </a:pPr>
-            <a:endParaRPr lang="en-US" sz="1600" dirty="0"/>
-          </a:p>
-          <a:p>
-            <a:pPr marL="0" lvl="0" indent="0" algn="l" rtl="0">
-              <a:spcBef>
-                <a:spcPts val="0"/>
-              </a:spcBef>
-              <a:spcAft>
-                <a:spcPts val="2100"/>
-              </a:spcAft>
-              <a:buNone/>
-            </a:pPr>
-            <a:endParaRPr lang="en-US" sz="1600" dirty="0"/>
-          </a:p>
-        </p:txBody>
-      </p:sp>
-      <p:graphicFrame>
-        <p:nvGraphicFramePr>
-          <p:cNvPr id="3" name="Table 2">
-            <a:extLst>
-              <a:ext uri="{FF2B5EF4-FFF2-40B4-BE49-F238E27FC236}">
-                <a16:creationId xmlns:a16="http://schemas.microsoft.com/office/drawing/2014/main" id="{B714EDA4-45F2-A4B0-B414-689FB71B02CB}"/>
-              </a:ext>
-            </a:extLst>
-          </p:cNvPr>
-          <p:cNvGraphicFramePr>
-            <a:graphicFrameLocks noGrp="1"/>
-          </p:cNvGraphicFramePr>
-          <p:nvPr>
-            <p:extLst>
-              <p:ext uri="{D42A27DB-BD31-4B8C-83A1-F6EECF244321}">
-                <p14:modId xmlns:p14="http://schemas.microsoft.com/office/powerpoint/2010/main" val="2529405334"/>
-              </p:ext>
-            </p:extLst>
-          </p:nvPr>
-        </p:nvGraphicFramePr>
-        <p:xfrm>
-          <a:off x="8293794" y="3368169"/>
-          <a:ext cx="2678860" cy="2372360"/>
-        </p:xfrm>
-        <a:graphic>
-          <a:graphicData uri="http://schemas.openxmlformats.org/drawingml/2006/table">
-            <a:tbl>
-              <a:tblPr firstRow="1" bandRow="1">
-                <a:tableStyleId>{21E4AEA4-8DFA-4A89-87EB-49C32662AFE0}</a:tableStyleId>
-              </a:tblPr>
-              <a:tblGrid>
-                <a:gridCol w="1065720">
-                  <a:extLst>
-                    <a:ext uri="{9D8B030D-6E8A-4147-A177-3AD203B41FA5}">
-                      <a16:colId xmlns:a16="http://schemas.microsoft.com/office/drawing/2014/main" val="1160250027"/>
-                    </a:ext>
-                  </a:extLst>
-                </a:gridCol>
-                <a:gridCol w="284672">
-                  <a:extLst>
-                    <a:ext uri="{9D8B030D-6E8A-4147-A177-3AD203B41FA5}">
-                      <a16:colId xmlns:a16="http://schemas.microsoft.com/office/drawing/2014/main" val="3671169129"/>
-                    </a:ext>
-                  </a:extLst>
-                </a:gridCol>
-                <a:gridCol w="284672">
-                  <a:extLst>
-                    <a:ext uri="{9D8B030D-6E8A-4147-A177-3AD203B41FA5}">
-                      <a16:colId xmlns:a16="http://schemas.microsoft.com/office/drawing/2014/main" val="2822901575"/>
-                    </a:ext>
-                  </a:extLst>
-                </a:gridCol>
-                <a:gridCol w="345057">
-                  <a:extLst>
-                    <a:ext uri="{9D8B030D-6E8A-4147-A177-3AD203B41FA5}">
-                      <a16:colId xmlns:a16="http://schemas.microsoft.com/office/drawing/2014/main" val="2532318188"/>
-                    </a:ext>
-                  </a:extLst>
-                </a:gridCol>
-                <a:gridCol w="362309">
-                  <a:extLst>
-                    <a:ext uri="{9D8B030D-6E8A-4147-A177-3AD203B41FA5}">
-                      <a16:colId xmlns:a16="http://schemas.microsoft.com/office/drawing/2014/main" val="2637834947"/>
-                    </a:ext>
-                  </a:extLst>
-                </a:gridCol>
-                <a:gridCol w="336430">
-                  <a:extLst>
-                    <a:ext uri="{9D8B030D-6E8A-4147-A177-3AD203B41FA5}">
-                      <a16:colId xmlns:a16="http://schemas.microsoft.com/office/drawing/2014/main" val="3956061279"/>
-                    </a:ext>
-                  </a:extLst>
-                </a:gridCol>
-              </a:tblGrid>
-              <a:tr h="370840">
-                <a:tc>
-                  <a:txBody>
-                    <a:bodyPr/>
-                    <a:lstStyle/>
-                    <a:p>
-                      <a:r>
-                        <a:rPr lang="de-DE" dirty="0">
-                          <a:solidFill>
-                            <a:schemeClr val="bg1"/>
-                          </a:solidFill>
-                        </a:rPr>
-                        <a:t>aktuelle Richtung</a:t>
-                      </a:r>
-                    </a:p>
-                  </a:txBody>
-                  <a:tcPr/>
-                </a:tc>
-                <a:tc>
-                  <a:txBody>
-                    <a:bodyPr/>
-                    <a:lstStyle/>
-                    <a:p>
-                      <a:r>
-                        <a:rPr lang="de-DE" dirty="0">
-                          <a:solidFill>
-                            <a:schemeClr val="bg1"/>
-                          </a:solidFill>
-                        </a:rPr>
-                        <a:t>R</a:t>
-                      </a:r>
-                    </a:p>
-                  </a:txBody>
-                  <a:tcPr/>
-                </a:tc>
-                <a:tc>
-                  <a:txBody>
-                    <a:bodyPr/>
-                    <a:lstStyle/>
-                    <a:p>
-                      <a:r>
-                        <a:rPr lang="de-DE" dirty="0">
-                          <a:solidFill>
-                            <a:schemeClr val="bg1"/>
-                          </a:solidFill>
-                        </a:rPr>
-                        <a:t>L</a:t>
-                      </a:r>
-                    </a:p>
-                  </a:txBody>
-                  <a:tcPr/>
-                </a:tc>
-                <a:tc>
-                  <a:txBody>
-                    <a:bodyPr/>
-                    <a:lstStyle/>
-                    <a:p>
-                      <a:r>
-                        <a:rPr lang="de-DE" dirty="0">
-                          <a:solidFill>
-                            <a:schemeClr val="bg1"/>
-                          </a:solidFill>
-                        </a:rPr>
-                        <a:t>U</a:t>
-                      </a:r>
-                    </a:p>
-                  </a:txBody>
-                  <a:tcPr/>
-                </a:tc>
-                <a:tc>
-                  <a:txBody>
-                    <a:bodyPr/>
-                    <a:lstStyle/>
-                    <a:p>
-                      <a:r>
-                        <a:rPr lang="de-DE" dirty="0">
-                          <a:solidFill>
-                            <a:schemeClr val="bg1"/>
-                          </a:solidFill>
-                        </a:rPr>
-                        <a:t>O</a:t>
-                      </a:r>
-                    </a:p>
-                  </a:txBody>
-                  <a:tcPr/>
-                </a:tc>
-                <a:tc>
-                  <a:txBody>
-                    <a:bodyPr/>
-                    <a:lstStyle/>
-                    <a:p>
-                      <a:r>
-                        <a:rPr lang="de-DE" dirty="0">
-                          <a:solidFill>
-                            <a:schemeClr val="bg1"/>
-                          </a:solidFill>
-                        </a:rPr>
-                        <a:t>S</a:t>
-                      </a:r>
-                    </a:p>
-                  </a:txBody>
-                  <a:tcPr/>
-                </a:tc>
-                <a:extLst>
-                  <a:ext uri="{0D108BD9-81ED-4DB2-BD59-A6C34878D82A}">
-                    <a16:rowId xmlns:a16="http://schemas.microsoft.com/office/drawing/2014/main" val="2390346546"/>
-                  </a:ext>
-                </a:extLst>
-              </a:tr>
-              <a:tr h="370840">
-                <a:tc>
-                  <a:txBody>
-                    <a:bodyPr/>
-                    <a:lstStyle/>
-                    <a:p>
-                      <a:r>
-                        <a:rPr lang="de-DE" dirty="0">
-                          <a:solidFill>
-                            <a:schemeClr val="bg1"/>
-                          </a:solidFill>
-                        </a:rPr>
-                        <a:t>Links (L)</a:t>
-                      </a:r>
-                    </a:p>
-                  </a:txBody>
-                  <a:tcPr/>
-                </a:tc>
-                <a:tc>
-                  <a:txBody>
-                    <a:bodyPr/>
-                    <a:lstStyle/>
-                    <a:p>
-                      <a:pPr algn="ctr"/>
-                      <a:r>
-                        <a:rPr lang="de-DE" dirty="0">
-                          <a:solidFill>
-                            <a:schemeClr val="bg1"/>
-                          </a:solidFill>
-                        </a:rPr>
-                        <a:t>0</a:t>
-                      </a:r>
-                    </a:p>
-                  </a:txBody>
-                  <a:tcPr/>
-                </a:tc>
-                <a:tc>
-                  <a:txBody>
-                    <a:bodyPr/>
-                    <a:lstStyle/>
-                    <a:p>
-                      <a:pPr algn="ctr"/>
-                      <a:r>
-                        <a:rPr lang="de-DE" dirty="0">
-                          <a:solidFill>
-                            <a:schemeClr val="bg1"/>
-                          </a:solidFill>
-                        </a:rPr>
-                        <a:t>1</a:t>
-                      </a:r>
-                    </a:p>
-                  </a:txBody>
-                  <a:tcPr/>
-                </a:tc>
-                <a:tc>
-                  <a:txBody>
-                    <a:bodyPr/>
-                    <a:lstStyle/>
-                    <a:p>
-                      <a:pPr algn="ctr"/>
-                      <a:r>
-                        <a:rPr lang="de-DE" dirty="0">
-                          <a:solidFill>
-                            <a:schemeClr val="bg1"/>
-                          </a:solidFill>
-                        </a:rPr>
-                        <a:t>1</a:t>
-                      </a:r>
-                    </a:p>
-                  </a:txBody>
-                  <a:tcPr/>
-                </a:tc>
-                <a:tc>
-                  <a:txBody>
-                    <a:bodyPr/>
-                    <a:lstStyle/>
-                    <a:p>
-                      <a:pPr algn="ctr"/>
-                      <a:r>
-                        <a:rPr lang="de-DE" dirty="0">
-                          <a:solidFill>
-                            <a:schemeClr val="bg1"/>
-                          </a:solidFill>
-                        </a:rPr>
-                        <a:t>1</a:t>
-                      </a:r>
-                    </a:p>
-                  </a:txBody>
-                  <a:tcPr/>
-                </a:tc>
-                <a:tc>
-                  <a:txBody>
-                    <a:bodyPr/>
-                    <a:lstStyle/>
-                    <a:p>
-                      <a:pPr algn="ctr"/>
-                      <a:r>
-                        <a:rPr lang="de-DE" dirty="0">
-                          <a:solidFill>
-                            <a:schemeClr val="bg1"/>
-                          </a:solidFill>
-                        </a:rPr>
-                        <a:t>1</a:t>
-                      </a:r>
-                    </a:p>
-                  </a:txBody>
-                  <a:tcPr/>
-                </a:tc>
-                <a:extLst>
-                  <a:ext uri="{0D108BD9-81ED-4DB2-BD59-A6C34878D82A}">
-                    <a16:rowId xmlns:a16="http://schemas.microsoft.com/office/drawing/2014/main" val="1994617277"/>
-                  </a:ext>
-                </a:extLst>
-              </a:tr>
-              <a:tr h="370840">
-                <a:tc>
-                  <a:txBody>
-                    <a:bodyPr/>
-                    <a:lstStyle/>
-                    <a:p>
-                      <a:r>
-                        <a:rPr lang="de-DE" dirty="0">
-                          <a:solidFill>
-                            <a:schemeClr val="bg1"/>
-                          </a:solidFill>
-                        </a:rPr>
-                        <a:t>Rechts (R)</a:t>
-                      </a:r>
-                    </a:p>
-                  </a:txBody>
-                  <a:tcPr/>
-                </a:tc>
-                <a:tc>
-                  <a:txBody>
-                    <a:bodyPr/>
-                    <a:lstStyle/>
-                    <a:p>
-                      <a:pPr algn="ctr"/>
-                      <a:r>
-                        <a:rPr lang="de-DE" dirty="0">
-                          <a:solidFill>
-                            <a:schemeClr val="bg1"/>
-                          </a:solidFill>
-                        </a:rPr>
-                        <a:t>1</a:t>
-                      </a:r>
-                    </a:p>
-                  </a:txBody>
-                  <a:tcPr/>
-                </a:tc>
-                <a:tc>
-                  <a:txBody>
-                    <a:bodyPr/>
-                    <a:lstStyle/>
-                    <a:p>
-                      <a:pPr algn="ctr"/>
-                      <a:r>
-                        <a:rPr lang="de-DE" dirty="0">
-                          <a:solidFill>
-                            <a:schemeClr val="bg1"/>
-                          </a:solidFill>
-                        </a:rPr>
-                        <a:t>0</a:t>
-                      </a:r>
-                    </a:p>
-                  </a:txBody>
-                  <a:tcPr/>
-                </a:tc>
-                <a:tc>
-                  <a:txBody>
-                    <a:bodyPr/>
-                    <a:lstStyle/>
-                    <a:p>
-                      <a:pPr algn="ctr"/>
-                      <a:r>
-                        <a:rPr lang="de-DE" dirty="0">
-                          <a:solidFill>
-                            <a:schemeClr val="bg1"/>
-                          </a:solidFill>
-                        </a:rPr>
-                        <a:t>1</a:t>
-                      </a:r>
-                    </a:p>
-                  </a:txBody>
-                  <a:tcPr/>
-                </a:tc>
-                <a:tc>
-                  <a:txBody>
-                    <a:bodyPr/>
-                    <a:lstStyle/>
-                    <a:p>
-                      <a:pPr algn="ctr"/>
-                      <a:r>
-                        <a:rPr lang="de-DE" dirty="0">
-                          <a:solidFill>
-                            <a:schemeClr val="bg1"/>
-                          </a:solidFill>
-                        </a:rPr>
-                        <a:t>1</a:t>
-                      </a:r>
-                    </a:p>
-                  </a:txBody>
-                  <a:tcPr/>
-                </a:tc>
-                <a:tc>
-                  <a:txBody>
-                    <a:bodyPr/>
-                    <a:lstStyle/>
-                    <a:p>
-                      <a:pPr algn="ctr"/>
-                      <a:r>
-                        <a:rPr lang="de-DE" dirty="0">
-                          <a:solidFill>
-                            <a:schemeClr val="bg1"/>
-                          </a:solidFill>
-                        </a:rPr>
-                        <a:t>1</a:t>
-                      </a:r>
-                    </a:p>
-                  </a:txBody>
-                  <a:tcPr/>
-                </a:tc>
-                <a:extLst>
-                  <a:ext uri="{0D108BD9-81ED-4DB2-BD59-A6C34878D82A}">
-                    <a16:rowId xmlns:a16="http://schemas.microsoft.com/office/drawing/2014/main" val="761630658"/>
-                  </a:ext>
-                </a:extLst>
-              </a:tr>
-              <a:tr h="370840">
-                <a:tc>
-                  <a:txBody>
-                    <a:bodyPr/>
-                    <a:lstStyle/>
-                    <a:p>
-                      <a:r>
-                        <a:rPr lang="de-DE" dirty="0">
-                          <a:solidFill>
-                            <a:schemeClr val="bg1"/>
-                          </a:solidFill>
-                        </a:rPr>
-                        <a:t>Oben (O)</a:t>
-                      </a:r>
-                    </a:p>
-                  </a:txBody>
-                  <a:tcPr/>
-                </a:tc>
-                <a:tc>
-                  <a:txBody>
-                    <a:bodyPr/>
-                    <a:lstStyle/>
-                    <a:p>
-                      <a:pPr algn="ctr"/>
-                      <a:r>
-                        <a:rPr lang="de-DE" dirty="0">
-                          <a:solidFill>
-                            <a:schemeClr val="bg1"/>
-                          </a:solidFill>
-                        </a:rPr>
-                        <a:t>1</a:t>
-                      </a:r>
-                    </a:p>
-                  </a:txBody>
-                  <a:tcPr/>
-                </a:tc>
-                <a:tc>
-                  <a:txBody>
-                    <a:bodyPr/>
-                    <a:lstStyle/>
-                    <a:p>
-                      <a:pPr algn="ctr"/>
-                      <a:r>
-                        <a:rPr lang="de-DE" dirty="0">
-                          <a:solidFill>
-                            <a:schemeClr val="bg1"/>
-                          </a:solidFill>
-                        </a:rPr>
-                        <a:t>1</a:t>
-                      </a:r>
-                    </a:p>
-                  </a:txBody>
-                  <a:tcPr/>
-                </a:tc>
-                <a:tc>
-                  <a:txBody>
-                    <a:bodyPr/>
-                    <a:lstStyle/>
-                    <a:p>
-                      <a:pPr algn="ctr"/>
-                      <a:r>
-                        <a:rPr lang="de-DE" dirty="0">
-                          <a:solidFill>
-                            <a:schemeClr val="bg1"/>
-                          </a:solidFill>
-                        </a:rPr>
-                        <a:t>0</a:t>
-                      </a:r>
-                    </a:p>
-                  </a:txBody>
-                  <a:tcPr/>
-                </a:tc>
-                <a:tc>
-                  <a:txBody>
-                    <a:bodyPr/>
-                    <a:lstStyle/>
-                    <a:p>
-                      <a:pPr algn="ctr"/>
-                      <a:r>
-                        <a:rPr lang="de-DE" dirty="0">
-                          <a:solidFill>
-                            <a:schemeClr val="bg1"/>
-                          </a:solidFill>
-                        </a:rPr>
-                        <a:t>1</a:t>
-                      </a:r>
-                    </a:p>
-                  </a:txBody>
-                  <a:tcPr/>
-                </a:tc>
-                <a:tc>
-                  <a:txBody>
-                    <a:bodyPr/>
-                    <a:lstStyle/>
-                    <a:p>
-                      <a:pPr algn="ctr"/>
-                      <a:r>
-                        <a:rPr lang="de-DE" dirty="0">
-                          <a:solidFill>
-                            <a:schemeClr val="bg1"/>
-                          </a:solidFill>
-                        </a:rPr>
-                        <a:t>1</a:t>
-                      </a:r>
-                    </a:p>
-                  </a:txBody>
-                  <a:tcPr/>
-                </a:tc>
-                <a:extLst>
-                  <a:ext uri="{0D108BD9-81ED-4DB2-BD59-A6C34878D82A}">
-                    <a16:rowId xmlns:a16="http://schemas.microsoft.com/office/drawing/2014/main" val="380783526"/>
-                  </a:ext>
-                </a:extLst>
-              </a:tr>
-              <a:tr h="370840">
-                <a:tc>
-                  <a:txBody>
-                    <a:bodyPr/>
-                    <a:lstStyle/>
-                    <a:p>
-                      <a:r>
-                        <a:rPr lang="de-DE" dirty="0">
-                          <a:solidFill>
-                            <a:schemeClr val="bg1"/>
-                          </a:solidFill>
-                        </a:rPr>
-                        <a:t>Unten (U)</a:t>
-                      </a:r>
-                    </a:p>
-                  </a:txBody>
-                  <a:tcPr/>
-                </a:tc>
-                <a:tc>
-                  <a:txBody>
-                    <a:bodyPr/>
-                    <a:lstStyle/>
-                    <a:p>
-                      <a:pPr algn="ctr"/>
-                      <a:r>
-                        <a:rPr lang="de-DE" dirty="0">
-                          <a:solidFill>
-                            <a:schemeClr val="bg1"/>
-                          </a:solidFill>
-                        </a:rPr>
-                        <a:t>1</a:t>
-                      </a:r>
-                    </a:p>
-                  </a:txBody>
-                  <a:tcPr/>
-                </a:tc>
-                <a:tc>
-                  <a:txBody>
-                    <a:bodyPr/>
-                    <a:lstStyle/>
-                    <a:p>
-                      <a:pPr algn="ctr"/>
-                      <a:r>
-                        <a:rPr lang="de-DE" dirty="0">
-                          <a:solidFill>
-                            <a:schemeClr val="bg1"/>
-                          </a:solidFill>
-                        </a:rPr>
-                        <a:t>1</a:t>
-                      </a:r>
-                    </a:p>
-                  </a:txBody>
-                  <a:tcPr/>
-                </a:tc>
-                <a:tc>
-                  <a:txBody>
-                    <a:bodyPr/>
-                    <a:lstStyle/>
-                    <a:p>
-                      <a:pPr algn="ctr"/>
-                      <a:r>
-                        <a:rPr lang="de-DE" dirty="0">
-                          <a:solidFill>
-                            <a:schemeClr val="bg1"/>
-                          </a:solidFill>
-                        </a:rPr>
-                        <a:t>1</a:t>
-                      </a:r>
-                    </a:p>
-                  </a:txBody>
-                  <a:tcPr/>
-                </a:tc>
-                <a:tc>
-                  <a:txBody>
-                    <a:bodyPr/>
-                    <a:lstStyle/>
-                    <a:p>
-                      <a:pPr algn="ctr"/>
-                      <a:r>
-                        <a:rPr lang="de-DE" dirty="0">
-                          <a:solidFill>
-                            <a:schemeClr val="bg1"/>
-                          </a:solidFill>
-                        </a:rPr>
-                        <a:t>0</a:t>
-                      </a:r>
-                    </a:p>
-                  </a:txBody>
-                  <a:tcPr/>
-                </a:tc>
-                <a:tc>
-                  <a:txBody>
-                    <a:bodyPr/>
-                    <a:lstStyle/>
-                    <a:p>
-                      <a:pPr algn="ctr"/>
-                      <a:r>
-                        <a:rPr lang="de-DE" dirty="0">
-                          <a:solidFill>
-                            <a:schemeClr val="bg1"/>
-                          </a:solidFill>
-                        </a:rPr>
-                        <a:t>1</a:t>
-                      </a:r>
-                    </a:p>
-                  </a:txBody>
-                  <a:tcPr/>
-                </a:tc>
-                <a:extLst>
-                  <a:ext uri="{0D108BD9-81ED-4DB2-BD59-A6C34878D82A}">
-                    <a16:rowId xmlns:a16="http://schemas.microsoft.com/office/drawing/2014/main" val="651215479"/>
-                  </a:ext>
-                </a:extLst>
-              </a:tr>
-              <a:tr h="370840">
-                <a:tc>
-                  <a:txBody>
-                    <a:bodyPr/>
-                    <a:lstStyle/>
-                    <a:p>
-                      <a:r>
-                        <a:rPr lang="de-DE" dirty="0" err="1">
-                          <a:solidFill>
-                            <a:schemeClr val="bg1"/>
-                          </a:solidFill>
-                        </a:rPr>
-                        <a:t>Stop</a:t>
-                      </a:r>
-                      <a:r>
-                        <a:rPr lang="de-DE" dirty="0">
-                          <a:solidFill>
-                            <a:schemeClr val="bg1"/>
-                          </a:solidFill>
-                        </a:rPr>
-                        <a:t> (S)</a:t>
-                      </a:r>
-                    </a:p>
-                  </a:txBody>
-                  <a:tcPr/>
-                </a:tc>
-                <a:tc>
-                  <a:txBody>
-                    <a:bodyPr/>
-                    <a:lstStyle/>
-                    <a:p>
-                      <a:pPr algn="ctr"/>
-                      <a:r>
-                        <a:rPr lang="de-DE" dirty="0">
-                          <a:solidFill>
-                            <a:schemeClr val="bg1"/>
-                          </a:solidFill>
-                        </a:rPr>
-                        <a:t>1</a:t>
-                      </a:r>
-                    </a:p>
-                  </a:txBody>
-                  <a:tcPr/>
-                </a:tc>
-                <a:tc>
-                  <a:txBody>
-                    <a:bodyPr/>
-                    <a:lstStyle/>
-                    <a:p>
-                      <a:pPr algn="ctr"/>
-                      <a:r>
-                        <a:rPr lang="de-DE" dirty="0">
-                          <a:solidFill>
-                            <a:schemeClr val="bg1"/>
-                          </a:solidFill>
-                        </a:rPr>
-                        <a:t>1</a:t>
-                      </a:r>
-                    </a:p>
-                  </a:txBody>
-                  <a:tcPr/>
-                </a:tc>
-                <a:tc>
-                  <a:txBody>
-                    <a:bodyPr/>
-                    <a:lstStyle/>
-                    <a:p>
-                      <a:pPr algn="ctr"/>
-                      <a:r>
-                        <a:rPr lang="de-DE" dirty="0">
-                          <a:solidFill>
-                            <a:schemeClr val="bg1"/>
-                          </a:solidFill>
-                        </a:rPr>
-                        <a:t>1</a:t>
-                      </a:r>
-                    </a:p>
-                  </a:txBody>
-                  <a:tcPr/>
-                </a:tc>
-                <a:tc>
-                  <a:txBody>
-                    <a:bodyPr/>
-                    <a:lstStyle/>
-                    <a:p>
-                      <a:pPr algn="ctr"/>
-                      <a:r>
-                        <a:rPr lang="de-DE" dirty="0">
-                          <a:solidFill>
-                            <a:schemeClr val="bg1"/>
-                          </a:solidFill>
-                        </a:rPr>
-                        <a:t>1</a:t>
-                      </a:r>
-                    </a:p>
-                  </a:txBody>
-                  <a:tcPr/>
-                </a:tc>
-                <a:tc>
-                  <a:txBody>
-                    <a:bodyPr/>
-                    <a:lstStyle/>
-                    <a:p>
-                      <a:pPr algn="ctr"/>
-                      <a:r>
-                        <a:rPr lang="de-DE" dirty="0">
-                          <a:solidFill>
-                            <a:schemeClr val="bg1"/>
-                          </a:solidFill>
-                        </a:rPr>
-                        <a:t>1</a:t>
-                      </a:r>
-                    </a:p>
-                  </a:txBody>
-                  <a:tcPr/>
-                </a:tc>
-                <a:extLst>
-                  <a:ext uri="{0D108BD9-81ED-4DB2-BD59-A6C34878D82A}">
-                    <a16:rowId xmlns:a16="http://schemas.microsoft.com/office/drawing/2014/main" val="2959770285"/>
-                  </a:ext>
-                </a:extLst>
-              </a:tr>
-            </a:tbl>
-          </a:graphicData>
-        </a:graphic>
-      </p:graphicFrame>
-    </p:spTree>
-    <p:extLst>
-      <p:ext uri="{BB962C8B-B14F-4D97-AF65-F5344CB8AC3E}">
-        <p14:creationId xmlns:p14="http://schemas.microsoft.com/office/powerpoint/2010/main" val="1130880787"/>
-      </p:ext>
-    </p:extLst>
-  </p:cSld>
-  <p:clrMapOvr>
-    <a:masterClrMapping/>
-  </p:clrMapOvr>
-  <p:transition>
-    <p:fade/>
-  </p:transition>
-</p:sld>
-</file>
-
-<file path=ppt/slides/slide4.xml><?xml version="1.0" encoding="utf-8"?>
-<p:sld xmlns:a="http://schemas.openxmlformats.org/drawingml/2006/main" xmlns:r="http://schemas.openxmlformats.org/officeDocument/2006/relationships" xmlns:p="http://schemas.openxmlformats.org/presentationml/2006/main">
-  <p:cSld>
-    <p:spTree>
-      <p:nvGrpSpPr>
-        <p:cNvPr id="1" name="Shape 439"/>
-        <p:cNvGrpSpPr/>
-        <p:nvPr/>
-      </p:nvGrpSpPr>
-      <p:grpSpPr>
-        <a:xfrm>
-          <a:off x="0" y="0"/>
-          <a:ext cx="0" cy="0"/>
-          <a:chOff x="0" y="0"/>
-          <a:chExt cx="0" cy="0"/>
-        </a:xfrm>
-      </p:grpSpPr>
-      <p:sp>
-        <p:nvSpPr>
-          <p:cNvPr id="440" name="Google Shape;440;p29"/>
-          <p:cNvSpPr txBox="1">
-            <a:spLocks noGrp="1"/>
-          </p:cNvSpPr>
-          <p:nvPr>
-            <p:ph type="title"/>
-          </p:nvPr>
-        </p:nvSpPr>
-        <p:spPr>
-          <a:xfrm>
-            <a:off x="684150" y="358863"/>
-            <a:ext cx="10672108" cy="763500"/>
-          </a:xfrm>
-          <a:prstGeom prst="rect">
-            <a:avLst/>
-          </a:prstGeom>
-        </p:spPr>
-        <p:txBody>
-          <a:bodyPr spcFirstLastPara="1" wrap="square" lIns="121900" tIns="121900" rIns="121900" bIns="121900" anchor="t" anchorCtr="0">
-            <a:noAutofit/>
-          </a:bodyPr>
-          <a:lstStyle/>
-          <a:p>
-            <a:pPr marL="0" lvl="0" indent="0" algn="l" rtl="0">
-              <a:spcBef>
-                <a:spcPts val="0"/>
-              </a:spcBef>
-              <a:spcAft>
-                <a:spcPts val="0"/>
-              </a:spcAft>
-              <a:buNone/>
-            </a:pPr>
-            <a:r>
-              <a:rPr lang="en-US" dirty="0"/>
-              <a:t>CHALLENGE </a:t>
-            </a:r>
-            <a:r>
-              <a:rPr lang="en" sz="6000" dirty="0">
-                <a:solidFill>
-                  <a:schemeClr val="accent2"/>
-                </a:solidFill>
-              </a:rPr>
-              <a:t>DIRECTION LOGIC**</a:t>
-            </a:r>
-            <a:endParaRPr sz="6000" dirty="0">
-              <a:solidFill>
-                <a:schemeClr val="accent2"/>
-              </a:solidFill>
-            </a:endParaRPr>
-          </a:p>
-        </p:txBody>
-      </p:sp>
-      <p:sp>
-        <p:nvSpPr>
-          <p:cNvPr id="441" name="Google Shape;441;p29"/>
-          <p:cNvSpPr txBox="1">
-            <a:spLocks noGrp="1"/>
-          </p:cNvSpPr>
-          <p:nvPr>
-            <p:ph type="subTitle" idx="1"/>
-          </p:nvPr>
-        </p:nvSpPr>
-        <p:spPr>
-          <a:xfrm>
-            <a:off x="1217558" y="1800269"/>
-            <a:ext cx="9755100" cy="606900"/>
-          </a:xfrm>
-          <a:prstGeom prst="rect">
-            <a:avLst/>
-          </a:prstGeom>
-        </p:spPr>
-        <p:txBody>
-          <a:bodyPr spcFirstLastPara="1" wrap="square" lIns="121900" tIns="121900" rIns="121900" bIns="121900" anchor="t" anchorCtr="0">
-            <a:noAutofit/>
-          </a:bodyPr>
-          <a:lstStyle/>
-          <a:p>
-            <a:pPr marL="0" lvl="0" indent="0" algn="l" rtl="0">
-              <a:spcBef>
-                <a:spcPts val="0"/>
-              </a:spcBef>
-              <a:spcAft>
-                <a:spcPts val="2100"/>
-              </a:spcAft>
-              <a:buNone/>
-            </a:pPr>
-            <a:r>
-              <a:rPr lang="en" dirty="0">
-                <a:solidFill>
-                  <a:schemeClr val="accent3"/>
-                </a:solidFill>
-              </a:rPr>
-              <a:t>DIRECTION LOGIC**</a:t>
-            </a:r>
-            <a:endParaRPr dirty="0"/>
-          </a:p>
-        </p:txBody>
-      </p:sp>
-      <p:sp>
-        <p:nvSpPr>
-          <p:cNvPr id="446" name="Google Shape;446;p29"/>
-          <p:cNvSpPr txBox="1">
-            <a:spLocks noGrp="1"/>
-          </p:cNvSpPr>
-          <p:nvPr>
-            <p:ph type="body" idx="4"/>
-          </p:nvPr>
-        </p:nvSpPr>
-        <p:spPr>
-          <a:xfrm>
-            <a:off x="1217550" y="2238218"/>
-            <a:ext cx="9755100" cy="3862232"/>
-          </a:xfrm>
-          <a:prstGeom prst="rect">
-            <a:avLst/>
-          </a:prstGeom>
-        </p:spPr>
-        <p:txBody>
-          <a:bodyPr spcFirstLastPara="1" wrap="square" lIns="121900" tIns="121900" rIns="121900" bIns="121900" anchor="t" anchorCtr="0">
-            <a:noAutofit/>
-          </a:bodyPr>
-          <a:lstStyle/>
-          <a:p>
-            <a:pPr marL="0" lvl="0" indent="0" algn="l" rtl="0">
-              <a:spcBef>
-                <a:spcPts val="0"/>
-              </a:spcBef>
-              <a:spcAft>
-                <a:spcPts val="2100"/>
-              </a:spcAft>
-              <a:buNone/>
-            </a:pPr>
-            <a:r>
-              <a:rPr lang="en-US" sz="1600" dirty="0" err="1"/>
-              <a:t>Diese</a:t>
-            </a:r>
-            <a:r>
-              <a:rPr lang="en-US" sz="1600" dirty="0"/>
-              <a:t> Aufgabe </a:t>
-            </a:r>
-            <a:r>
-              <a:rPr lang="en-US" sz="1600" dirty="0" err="1"/>
-              <a:t>ist</a:t>
-            </a:r>
-            <a:r>
-              <a:rPr lang="en-US" sz="1600" dirty="0"/>
-              <a:t> optional.</a:t>
-            </a:r>
-            <a:br>
-              <a:rPr lang="en-US" sz="1600" dirty="0"/>
-            </a:br>
-            <a:r>
-              <a:rPr lang="en-US" sz="1600" dirty="0" err="1"/>
-              <a:t>Implementiere</a:t>
-            </a:r>
-            <a:r>
-              <a:rPr lang="en-US" sz="1600" dirty="0"/>
-              <a:t> </a:t>
-            </a:r>
-            <a:r>
-              <a:rPr lang="en-US" sz="1600" dirty="0" err="1"/>
-              <a:t>ein</a:t>
-            </a:r>
-            <a:r>
-              <a:rPr lang="en-US" sz="1600" dirty="0"/>
-              <a:t> Enum für die </a:t>
-            </a:r>
-            <a:r>
-              <a:rPr lang="en-US" sz="1600" dirty="0" err="1"/>
-              <a:t>Richtungen</a:t>
-            </a:r>
-            <a:r>
-              <a:rPr lang="en-US" sz="1600" dirty="0"/>
-              <a:t> </a:t>
-            </a:r>
-            <a:r>
-              <a:rPr lang="en-US" sz="1600" dirty="0" err="1"/>
-              <a:t>deiner</a:t>
-            </a:r>
-            <a:r>
-              <a:rPr lang="en-US" sz="1600" dirty="0"/>
-              <a:t> Turtle, um </a:t>
-            </a:r>
-            <a:r>
-              <a:rPr lang="en-US" sz="1600" dirty="0" err="1"/>
-              <a:t>deinen</a:t>
-            </a:r>
-            <a:r>
-              <a:rPr lang="en-US" sz="1600" dirty="0"/>
-              <a:t> </a:t>
-            </a:r>
-            <a:r>
-              <a:rPr lang="en-US" sz="1600" dirty="0" err="1"/>
-              <a:t>Quellcode</a:t>
-            </a:r>
-            <a:r>
-              <a:rPr lang="en-US" sz="1600" dirty="0"/>
-              <a:t> </a:t>
-            </a:r>
-            <a:r>
-              <a:rPr lang="en-US" sz="1600" dirty="0" err="1"/>
-              <a:t>einheitlicher</a:t>
-            </a:r>
-            <a:r>
-              <a:rPr lang="en-US" sz="1600" dirty="0"/>
-              <a:t> und </a:t>
-            </a:r>
-            <a:r>
-              <a:rPr lang="en-US" sz="1600" dirty="0" err="1"/>
-              <a:t>sicherer</a:t>
-            </a:r>
-            <a:r>
-              <a:rPr lang="en-US" sz="1600" dirty="0"/>
-              <a:t> </a:t>
-            </a:r>
-            <a:r>
-              <a:rPr lang="en-US" sz="1600" dirty="0" err="1"/>
-              <a:t>zu</a:t>
-            </a:r>
-            <a:r>
-              <a:rPr lang="en-US" sz="1600" dirty="0"/>
-              <a:t> gestalten. </a:t>
-            </a:r>
-            <a:r>
-              <a:rPr lang="en-US" sz="1600" dirty="0" err="1"/>
-              <a:t>Nutze</a:t>
-            </a:r>
-            <a:r>
-              <a:rPr lang="en-US" sz="1600" dirty="0"/>
-              <a:t> </a:t>
-            </a:r>
-            <a:r>
-              <a:rPr lang="en-US" sz="1600" dirty="0" err="1"/>
-              <a:t>dafür</a:t>
-            </a:r>
-            <a:r>
-              <a:rPr lang="en-US" sz="1600" dirty="0"/>
-              <a:t> die </a:t>
-            </a:r>
-            <a:r>
-              <a:rPr lang="en-US" sz="1600" dirty="0" err="1"/>
-              <a:t>nächste</a:t>
-            </a:r>
-            <a:r>
-              <a:rPr lang="en-US" sz="1600" dirty="0"/>
-              <a:t> Folie </a:t>
-            </a:r>
-            <a:r>
-              <a:rPr lang="en-US" sz="1600" dirty="0" err="1"/>
-              <a:t>als</a:t>
-            </a:r>
-            <a:r>
-              <a:rPr lang="en-US" sz="1600" dirty="0"/>
-              <a:t> </a:t>
-            </a:r>
-            <a:r>
-              <a:rPr lang="en-US" sz="1600" dirty="0" err="1"/>
-              <a:t>Hilfestellung</a:t>
-            </a:r>
-            <a:r>
-              <a:rPr lang="en-US" sz="1600" dirty="0"/>
-              <a:t> und/ </a:t>
-            </a:r>
-            <a:r>
-              <a:rPr lang="en-US" sz="1600" dirty="0" err="1"/>
-              <a:t>oder</a:t>
-            </a:r>
-            <a:r>
-              <a:rPr lang="en-US" sz="1600" dirty="0"/>
-              <a:t> </a:t>
-            </a:r>
-            <a:r>
-              <a:rPr lang="en-US" sz="1600" dirty="0" err="1"/>
-              <a:t>frage</a:t>
-            </a:r>
-            <a:r>
-              <a:rPr lang="en-US" sz="1600" dirty="0"/>
-              <a:t> </a:t>
-            </a:r>
-            <a:r>
-              <a:rPr lang="en-US" sz="1600" dirty="0" err="1"/>
-              <a:t>uns</a:t>
-            </a:r>
-            <a:r>
-              <a:rPr lang="en-US" sz="1600" dirty="0"/>
-              <a:t>!</a:t>
-            </a:r>
-            <a:br>
-              <a:rPr lang="en-US" sz="1600" dirty="0"/>
-            </a:br>
-            <a:endParaRPr lang="en-US" sz="1600" dirty="0"/>
-          </a:p>
-          <a:p>
-            <a:pPr marL="0" lvl="0" indent="0" algn="l" rtl="0">
-              <a:spcBef>
-                <a:spcPts val="0"/>
-              </a:spcBef>
-              <a:spcAft>
-                <a:spcPts val="2100"/>
-              </a:spcAft>
-              <a:buNone/>
-            </a:pPr>
-            <a:br>
-              <a:rPr lang="en-US" sz="1600" dirty="0"/>
-            </a:br>
-            <a:br>
-              <a:rPr lang="en-US" sz="1600" dirty="0"/>
-            </a:br>
-            <a:endParaRPr lang="en-US" sz="1600" dirty="0"/>
-          </a:p>
-          <a:p>
-            <a:pPr marL="0" lvl="0" indent="0" algn="l" rtl="0">
-              <a:spcBef>
-                <a:spcPts val="0"/>
-              </a:spcBef>
-              <a:spcAft>
-                <a:spcPts val="2100"/>
-              </a:spcAft>
-              <a:buNone/>
-            </a:pPr>
-            <a:br>
-              <a:rPr lang="en-US" sz="1600" dirty="0"/>
-            </a:br>
-            <a:r>
-              <a:rPr lang="en-US" sz="1200" dirty="0"/>
-              <a:t>Das Start- und </a:t>
-            </a:r>
-            <a:r>
-              <a:rPr lang="en-US" sz="1200" dirty="0" err="1"/>
-              <a:t>Zielprojekt</a:t>
-            </a:r>
-            <a:r>
-              <a:rPr lang="en-US" sz="1200" dirty="0"/>
-              <a:t> </a:t>
-            </a:r>
-            <a:r>
-              <a:rPr lang="en-US" sz="1200" dirty="0" err="1"/>
-              <a:t>dieser</a:t>
-            </a:r>
-            <a:r>
-              <a:rPr lang="en-US" sz="1200" dirty="0"/>
-              <a:t> Aufgabe </a:t>
-            </a:r>
-            <a:r>
-              <a:rPr lang="en-US" sz="1200" dirty="0" err="1"/>
-              <a:t>findest</a:t>
-            </a:r>
-            <a:r>
-              <a:rPr lang="en-US" sz="1200" dirty="0"/>
-              <a:t> du </a:t>
-            </a:r>
-            <a:r>
-              <a:rPr lang="en-US" sz="1200" dirty="0" err="1"/>
-              <a:t>hier</a:t>
-            </a:r>
-            <a:r>
-              <a:rPr lang="en-US" sz="1200" dirty="0"/>
-              <a:t>:</a:t>
-            </a:r>
-            <a:br>
-              <a:rPr lang="en-US" sz="1200" dirty="0"/>
-            </a:br>
-            <a:r>
-              <a:rPr lang="en-US" sz="1200" dirty="0">
-                <a:hlinkClick r:id="rId3"/>
-              </a:rPr>
-              <a:t>https://github.com/derech1e/python-beginner-course/tree/master/007</a:t>
-            </a:r>
-            <a:endParaRPr lang="en-US" sz="1200" dirty="0"/>
-          </a:p>
-          <a:p>
-            <a:pPr marL="0" lvl="0" indent="0" algn="l" rtl="0">
-              <a:spcBef>
-                <a:spcPts val="0"/>
-              </a:spcBef>
-              <a:spcAft>
-                <a:spcPts val="2100"/>
-              </a:spcAft>
-              <a:buNone/>
-            </a:pPr>
-            <a:endParaRPr lang="en-US" sz="1600" dirty="0"/>
-          </a:p>
-          <a:p>
-            <a:pPr marL="0" lvl="0" indent="0" algn="l" rtl="0">
-              <a:spcBef>
-                <a:spcPts val="0"/>
-              </a:spcBef>
-              <a:spcAft>
-                <a:spcPts val="2100"/>
-              </a:spcAft>
-              <a:buNone/>
-            </a:pPr>
-            <a:endParaRPr lang="en-US" sz="1600" dirty="0"/>
-          </a:p>
-        </p:txBody>
-      </p:sp>
-      <p:pic>
-        <p:nvPicPr>
-          <p:cNvPr id="4" name="Picture 3">
-            <a:extLst>
-              <a:ext uri="{FF2B5EF4-FFF2-40B4-BE49-F238E27FC236}">
-                <a16:creationId xmlns:a16="http://schemas.microsoft.com/office/drawing/2014/main" id="{8A0D1333-83E2-B726-AA3D-822950CBF819}"/>
-              </a:ext>
-            </a:extLst>
-          </p:cNvPr>
-          <p:cNvPicPr>
-            <a:picLocks noChangeAspect="1"/>
-          </p:cNvPicPr>
-          <p:nvPr/>
-        </p:nvPicPr>
-        <p:blipFill>
-          <a:blip r:embed="rId4"/>
-          <a:stretch>
-            <a:fillRect/>
-          </a:stretch>
-        </p:blipFill>
-        <p:spPr>
-          <a:xfrm>
-            <a:off x="7099539" y="3337196"/>
-            <a:ext cx="4058908" cy="2227271"/>
-          </a:xfrm>
-          <a:prstGeom prst="rect">
-            <a:avLst/>
-          </a:prstGeom>
-        </p:spPr>
-      </p:pic>
-    </p:spTree>
-    <p:extLst>
-      <p:ext uri="{BB962C8B-B14F-4D97-AF65-F5344CB8AC3E}">
-        <p14:creationId xmlns:p14="http://schemas.microsoft.com/office/powerpoint/2010/main" val="2215284652"/>
-      </p:ext>
-    </p:extLst>
-  </p:cSld>
-  <p:clrMapOvr>
-    <a:masterClrMapping/>
-  </p:clrMapOvr>
-  <p:transition>
-    <p:fade/>
-  </p:transition>
-</p:sld>
-</file>
-
-<file path=ppt/slides/slide5.xml><?xml version="1.0" encoding="utf-8"?>
-<p:sld xmlns:a="http://schemas.openxmlformats.org/drawingml/2006/main" xmlns:r="http://schemas.openxmlformats.org/officeDocument/2006/relationships" xmlns:p="http://schemas.openxmlformats.org/presentationml/2006/main">
-  <p:cSld>
-    <p:spTree>
-      <p:nvGrpSpPr>
-        <p:cNvPr id="1" name=""/>
-        <p:cNvGrpSpPr/>
-        <p:nvPr/>
-      </p:nvGrpSpPr>
-      <p:grpSpPr>
-        <a:xfrm>
-          <a:off x="0" y="0"/>
-          <a:ext cx="0" cy="0"/>
-          <a:chOff x="0" y="0"/>
-          <a:chExt cx="0" cy="0"/>
-        </a:xfrm>
-      </p:grpSpPr>
-      <p:sp>
-        <p:nvSpPr>
-          <p:cNvPr id="5" name="Title 4">
-            <a:extLst>
-              <a:ext uri="{FF2B5EF4-FFF2-40B4-BE49-F238E27FC236}">
-                <a16:creationId xmlns:a16="http://schemas.microsoft.com/office/drawing/2014/main" id="{2E57C0F3-FC62-15CE-EA0E-9694146D7161}"/>
-              </a:ext>
-            </a:extLst>
-          </p:cNvPr>
-          <p:cNvSpPr>
-            <a:spLocks noGrp="1"/>
-          </p:cNvSpPr>
-          <p:nvPr>
-            <p:ph type="title"/>
-          </p:nvPr>
-        </p:nvSpPr>
-        <p:spPr/>
-        <p:txBody>
-          <a:bodyPr/>
-          <a:lstStyle/>
-          <a:p>
-            <a:r>
-              <a:rPr lang="en" dirty="0"/>
-              <a:t>Basics </a:t>
-            </a:r>
-            <a:r>
-              <a:rPr lang="en" sz="6000" dirty="0">
-                <a:solidFill>
-                  <a:schemeClr val="accent1"/>
-                </a:solidFill>
-              </a:rPr>
-              <a:t>ENUM</a:t>
-            </a:r>
-            <a:endParaRPr lang="de-DE" dirty="0"/>
-          </a:p>
-        </p:txBody>
-      </p:sp>
-      <p:pic>
-        <p:nvPicPr>
-          <p:cNvPr id="14" name="Picture 13">
-            <a:extLst>
-              <a:ext uri="{FF2B5EF4-FFF2-40B4-BE49-F238E27FC236}">
-                <a16:creationId xmlns:a16="http://schemas.microsoft.com/office/drawing/2014/main" id="{8688C218-3870-3F9C-DEFD-6A8F4BA2AED9}"/>
-              </a:ext>
-            </a:extLst>
-          </p:cNvPr>
-          <p:cNvPicPr>
-            <a:picLocks noChangeAspect="1"/>
-          </p:cNvPicPr>
-          <p:nvPr/>
-        </p:nvPicPr>
-        <p:blipFill>
-          <a:blip r:embed="rId2"/>
-          <a:stretch>
-            <a:fillRect/>
-          </a:stretch>
-        </p:blipFill>
-        <p:spPr>
-          <a:xfrm>
-            <a:off x="802258" y="2813161"/>
-            <a:ext cx="4861207" cy="3206328"/>
-          </a:xfrm>
-          <a:prstGeom prst="rect">
-            <a:avLst/>
-          </a:prstGeom>
-        </p:spPr>
-      </p:pic>
-      <p:sp>
-        <p:nvSpPr>
-          <p:cNvPr id="17" name="TextBox 16">
-            <a:extLst>
-              <a:ext uri="{FF2B5EF4-FFF2-40B4-BE49-F238E27FC236}">
-                <a16:creationId xmlns:a16="http://schemas.microsoft.com/office/drawing/2014/main" id="{91999471-4D93-1616-C17E-0F153AF330B4}"/>
-              </a:ext>
-            </a:extLst>
-          </p:cNvPr>
-          <p:cNvSpPr txBox="1"/>
-          <p:nvPr/>
-        </p:nvSpPr>
-        <p:spPr>
-          <a:xfrm>
-            <a:off x="948907" y="1958196"/>
-            <a:ext cx="9755100" cy="1046440"/>
-          </a:xfrm>
-          <a:prstGeom prst="rect">
-            <a:avLst/>
-          </a:prstGeom>
-          <a:noFill/>
-        </p:spPr>
-        <p:txBody>
-          <a:bodyPr wrap="square" rtlCol="0">
-            <a:spAutoFit/>
-          </a:bodyPr>
-          <a:lstStyle/>
-          <a:p>
-            <a:r>
-              <a:rPr lang="de-DE" sz="1600" dirty="0">
-                <a:solidFill>
-                  <a:schemeClr val="dk2"/>
-                </a:solidFill>
-                <a:latin typeface="Roboto Mono"/>
-                <a:ea typeface="Roboto Mono"/>
-                <a:sym typeface="Roboto Mono"/>
-              </a:rPr>
-              <a:t>Ein </a:t>
-            </a:r>
-            <a:r>
-              <a:rPr lang="de-DE" sz="1600" dirty="0" err="1">
-                <a:solidFill>
-                  <a:srgbClr val="00B050"/>
-                </a:solidFill>
-                <a:latin typeface="Roboto Mono"/>
-                <a:ea typeface="Roboto Mono"/>
-                <a:sym typeface="Roboto Mono"/>
-              </a:rPr>
-              <a:t>Enum</a:t>
-            </a:r>
-            <a:r>
-              <a:rPr lang="de-DE" sz="1600" dirty="0">
-                <a:solidFill>
-                  <a:schemeClr val="dk2"/>
-                </a:solidFill>
-                <a:latin typeface="Roboto Mono"/>
-                <a:ea typeface="Roboto Mono"/>
-                <a:sym typeface="Roboto Mono"/>
-              </a:rPr>
-              <a:t> ist eine </a:t>
-            </a:r>
-            <a:r>
-              <a:rPr lang="de-DE" sz="1600" dirty="0" err="1">
-                <a:solidFill>
-                  <a:schemeClr val="dk2"/>
-                </a:solidFill>
-                <a:latin typeface="Roboto Mono"/>
-                <a:ea typeface="Roboto Mono"/>
-                <a:sym typeface="Roboto Mono"/>
-              </a:rPr>
-              <a:t>spezial</a:t>
-            </a:r>
-            <a:r>
-              <a:rPr lang="de-DE" sz="1600" dirty="0">
-                <a:solidFill>
-                  <a:schemeClr val="dk2"/>
-                </a:solidFill>
-                <a:latin typeface="Roboto Mono"/>
-                <a:ea typeface="Roboto Mono"/>
-                <a:sym typeface="Roboto Mono"/>
-              </a:rPr>
-              <a:t> „</a:t>
-            </a:r>
-            <a:r>
-              <a:rPr lang="de-DE" sz="1600" dirty="0">
-                <a:solidFill>
-                  <a:srgbClr val="00B050"/>
-                </a:solidFill>
-                <a:latin typeface="Roboto Mono"/>
-                <a:ea typeface="Roboto Mono"/>
-                <a:sym typeface="Roboto Mono"/>
-              </a:rPr>
-              <a:t>Klasse</a:t>
-            </a:r>
-            <a:r>
-              <a:rPr lang="de-DE" sz="1600" dirty="0">
-                <a:solidFill>
-                  <a:schemeClr val="dk2"/>
-                </a:solidFill>
-                <a:latin typeface="Roboto Mono"/>
-                <a:ea typeface="Roboto Mono"/>
-                <a:sym typeface="Roboto Mono"/>
-              </a:rPr>
-              <a:t>“, die eine Gruppe von </a:t>
-            </a:r>
-            <a:r>
-              <a:rPr lang="de-DE" sz="1600" dirty="0">
-                <a:solidFill>
-                  <a:srgbClr val="FFC000"/>
-                </a:solidFill>
-                <a:latin typeface="Roboto Mono"/>
-                <a:ea typeface="Roboto Mono"/>
-                <a:sym typeface="Roboto Mono"/>
-              </a:rPr>
-              <a:t>Konstanten</a:t>
-            </a:r>
-            <a:r>
-              <a:rPr lang="de-DE" sz="1600" dirty="0">
-                <a:solidFill>
-                  <a:schemeClr val="dk2"/>
-                </a:solidFill>
-                <a:latin typeface="Roboto Mono"/>
-                <a:ea typeface="Roboto Mono"/>
-                <a:sym typeface="Roboto Mono"/>
-              </a:rPr>
-              <a:t> repräsentiert. Diese Werte sind während der Laufzeit nicht verändert und werden auch oft als „</a:t>
-            </a:r>
-            <a:r>
-              <a:rPr lang="de-DE" sz="1600" dirty="0">
-                <a:solidFill>
-                  <a:srgbClr val="FFC000"/>
-                </a:solidFill>
-                <a:latin typeface="Roboto Mono"/>
-                <a:ea typeface="Roboto Mono"/>
-                <a:sym typeface="Roboto Mono"/>
-              </a:rPr>
-              <a:t>final</a:t>
-            </a:r>
-            <a:r>
-              <a:rPr lang="de-DE" sz="1600" dirty="0">
-                <a:solidFill>
-                  <a:schemeClr val="dk2"/>
-                </a:solidFill>
-                <a:latin typeface="Roboto Mono"/>
-                <a:ea typeface="Roboto Mono"/>
-                <a:sym typeface="Roboto Mono"/>
-              </a:rPr>
-              <a:t>“ bezeichnet. </a:t>
-            </a:r>
-          </a:p>
-          <a:p>
-            <a:endParaRPr lang="de-DE" dirty="0"/>
-          </a:p>
-        </p:txBody>
-      </p:sp>
-    </p:spTree>
-    <p:extLst>
-      <p:ext uri="{BB962C8B-B14F-4D97-AF65-F5344CB8AC3E}">
-        <p14:creationId xmlns:p14="http://schemas.microsoft.com/office/powerpoint/2010/main" val="924937995"/>
-      </p:ext>
-    </p:extLst>
-  </p:cSld>
-  <p:clrMapOvr>
-    <a:masterClrMapping/>
-  </p:clrMapOvr>
-  <p:transition>
-    <p:fade/>
-  </p:transition>
-</p:sld>
-</file>
-
-<file path=ppt/slides/slide6.xml><?xml version="1.0" encoding="utf-8"?>
-<p:sld xmlns:a="http://schemas.openxmlformats.org/drawingml/2006/main" xmlns:r="http://schemas.openxmlformats.org/officeDocument/2006/relationships" xmlns:p="http://schemas.openxmlformats.org/presentationml/2006/main">
-  <p:cSld>
-    <p:spTree>
-      <p:nvGrpSpPr>
-        <p:cNvPr id="1" name="Shape 439"/>
-        <p:cNvGrpSpPr/>
-        <p:nvPr/>
-      </p:nvGrpSpPr>
-      <p:grpSpPr>
-        <a:xfrm>
-          <a:off x="0" y="0"/>
-          <a:ext cx="0" cy="0"/>
-          <a:chOff x="0" y="0"/>
-          <a:chExt cx="0" cy="0"/>
-        </a:xfrm>
-      </p:grpSpPr>
-      <p:sp>
-        <p:nvSpPr>
-          <p:cNvPr id="440" name="Google Shape;440;p29"/>
-          <p:cNvSpPr txBox="1">
-            <a:spLocks noGrp="1"/>
-          </p:cNvSpPr>
-          <p:nvPr>
-            <p:ph type="title"/>
-          </p:nvPr>
-        </p:nvSpPr>
-        <p:spPr>
-          <a:xfrm>
-            <a:off x="684150" y="358863"/>
-            <a:ext cx="10672108" cy="763500"/>
-          </a:xfrm>
-          <a:prstGeom prst="rect">
-            <a:avLst/>
-          </a:prstGeom>
-        </p:spPr>
-        <p:txBody>
-          <a:bodyPr spcFirstLastPara="1" wrap="square" lIns="121900" tIns="121900" rIns="121900" bIns="121900" anchor="t" anchorCtr="0">
-            <a:noAutofit/>
-          </a:bodyPr>
-          <a:lstStyle/>
-          <a:p>
-            <a:pPr marL="0" lvl="0" indent="0" algn="l" rtl="0">
-              <a:spcBef>
-                <a:spcPts val="0"/>
-              </a:spcBef>
-              <a:spcAft>
-                <a:spcPts val="0"/>
-              </a:spcAft>
-              <a:buNone/>
-            </a:pPr>
-            <a:r>
-              <a:rPr lang="en-US" dirty="0"/>
-              <a:t>CHALLENGE </a:t>
-            </a:r>
-            <a:r>
-              <a:rPr lang="en" sz="6000" dirty="0">
-                <a:solidFill>
-                  <a:schemeClr val="accent2"/>
-                </a:solidFill>
-              </a:rPr>
-              <a:t>MOVE</a:t>
-            </a:r>
-            <a:endParaRPr sz="6000" dirty="0">
-              <a:solidFill>
-                <a:schemeClr val="accent2"/>
-              </a:solidFill>
-            </a:endParaRPr>
-          </a:p>
-        </p:txBody>
-      </p:sp>
-      <p:sp>
-        <p:nvSpPr>
-          <p:cNvPr id="441" name="Google Shape;441;p29"/>
-          <p:cNvSpPr txBox="1">
-            <a:spLocks noGrp="1"/>
-          </p:cNvSpPr>
-          <p:nvPr>
-            <p:ph type="subTitle" idx="1"/>
-          </p:nvPr>
-        </p:nvSpPr>
-        <p:spPr>
-          <a:xfrm>
-            <a:off x="1217558" y="1800269"/>
-            <a:ext cx="9755100" cy="606900"/>
-          </a:xfrm>
-          <a:prstGeom prst="rect">
-            <a:avLst/>
-          </a:prstGeom>
-        </p:spPr>
-        <p:txBody>
-          <a:bodyPr spcFirstLastPara="1" wrap="square" lIns="121900" tIns="121900" rIns="121900" bIns="121900" anchor="t" anchorCtr="0">
-            <a:noAutofit/>
-          </a:bodyPr>
-          <a:lstStyle/>
-          <a:p>
-            <a:pPr marL="0" lvl="0" indent="0" algn="l" rtl="0">
-              <a:spcBef>
-                <a:spcPts val="0"/>
-              </a:spcBef>
-              <a:spcAft>
-                <a:spcPts val="2100"/>
-              </a:spcAft>
-              <a:buNone/>
-            </a:pPr>
-            <a:r>
-              <a:rPr lang="en" dirty="0">
-                <a:solidFill>
-                  <a:schemeClr val="accent3"/>
-                </a:solidFill>
-              </a:rPr>
-              <a:t>MOVE</a:t>
-            </a:r>
-            <a:endParaRPr dirty="0"/>
-          </a:p>
-        </p:txBody>
-      </p:sp>
-      <p:sp>
-        <p:nvSpPr>
-          <p:cNvPr id="446" name="Google Shape;446;p29"/>
-          <p:cNvSpPr txBox="1">
-            <a:spLocks noGrp="1"/>
-          </p:cNvSpPr>
-          <p:nvPr>
-            <p:ph type="body" idx="4"/>
-          </p:nvPr>
-        </p:nvSpPr>
-        <p:spPr>
-          <a:xfrm>
-            <a:off x="1217550" y="2238218"/>
-            <a:ext cx="9755100" cy="3862232"/>
-          </a:xfrm>
-          <a:prstGeom prst="rect">
-            <a:avLst/>
-          </a:prstGeom>
-        </p:spPr>
-        <p:txBody>
-          <a:bodyPr spcFirstLastPara="1" wrap="square" lIns="121900" tIns="121900" rIns="121900" bIns="121900" anchor="t" anchorCtr="0">
-            <a:noAutofit/>
-          </a:bodyPr>
-          <a:lstStyle/>
-          <a:p>
-            <a:pPr marL="0" lvl="0" indent="0" algn="l" rtl="0">
-              <a:spcBef>
-                <a:spcPts val="0"/>
-              </a:spcBef>
-              <a:spcAft>
-                <a:spcPts val="2100"/>
-              </a:spcAft>
-              <a:buNone/>
-            </a:pPr>
-            <a:r>
-              <a:rPr lang="en-US" sz="1600" dirty="0"/>
-              <a:t>Style und </a:t>
-            </a:r>
-            <a:r>
-              <a:rPr lang="en-US" sz="1600" dirty="0" err="1"/>
-              <a:t>bewege</a:t>
-            </a:r>
-            <a:r>
-              <a:rPr lang="en-US" sz="1600" dirty="0"/>
-              <a:t> die Turtle! </a:t>
-            </a:r>
-            <a:r>
-              <a:rPr lang="en-US" sz="1600" dirty="0" err="1"/>
-              <a:t>Implementiere</a:t>
-            </a:r>
-            <a:r>
-              <a:rPr lang="en-US" sz="1600" dirty="0"/>
-              <a:t> nun </a:t>
-            </a:r>
-            <a:r>
-              <a:rPr lang="en-US" sz="1600" dirty="0" err="1"/>
-              <a:t>eine</a:t>
-            </a:r>
-            <a:r>
-              <a:rPr lang="en-US" sz="1600" dirty="0"/>
-              <a:t> </a:t>
-            </a:r>
-            <a:r>
-              <a:rPr lang="en-US" sz="1600" dirty="0" err="1"/>
-              <a:t>Funktion</a:t>
-            </a:r>
-            <a:r>
-              <a:rPr lang="en-US" sz="1600" dirty="0"/>
-              <a:t>, die je </a:t>
-            </a:r>
-            <a:r>
-              <a:rPr lang="en-US" sz="1600" dirty="0" err="1"/>
-              <a:t>nach</a:t>
-            </a:r>
-            <a:r>
-              <a:rPr lang="en-US" sz="1600" dirty="0"/>
-              <a:t> </a:t>
-            </a:r>
-            <a:r>
-              <a:rPr lang="en-US" sz="1600" dirty="0" err="1"/>
-              <a:t>aktueller</a:t>
-            </a:r>
-            <a:r>
-              <a:rPr lang="en-US" sz="1600" dirty="0"/>
-              <a:t> </a:t>
-            </a:r>
-            <a:r>
-              <a:rPr lang="en-US" sz="1600" dirty="0" err="1"/>
-              <a:t>Richtung</a:t>
-            </a:r>
-            <a:r>
-              <a:rPr lang="en-US" sz="1600" dirty="0"/>
-              <a:t>, die Turtle um 10 </a:t>
-            </a:r>
-            <a:r>
-              <a:rPr lang="en-US" sz="1600" dirty="0" err="1"/>
-              <a:t>Einheiten</a:t>
-            </a:r>
-            <a:r>
-              <a:rPr lang="en-US" sz="1600" dirty="0"/>
-              <a:t>, alle 20ms </a:t>
-            </a:r>
-            <a:r>
-              <a:rPr lang="en-US" sz="1600" dirty="0" err="1"/>
-              <a:t>bewegen</a:t>
-            </a:r>
-            <a:r>
-              <a:rPr lang="en-US" sz="1600" dirty="0"/>
-              <a:t> </a:t>
-            </a:r>
-            <a:r>
-              <a:rPr lang="en-US" sz="1600" dirty="0" err="1"/>
-              <a:t>lässt</a:t>
-            </a:r>
-            <a:r>
-              <a:rPr lang="en-US" sz="1600" dirty="0"/>
-              <a:t>. Zu </a:t>
-            </a:r>
-            <a:r>
-              <a:rPr lang="en-US" sz="1600" dirty="0" err="1"/>
-              <a:t>Spielbeginn</a:t>
-            </a:r>
-            <a:r>
-              <a:rPr lang="en-US" sz="1600" dirty="0"/>
-              <a:t> </a:t>
-            </a:r>
-            <a:r>
-              <a:rPr lang="en-US" sz="1600" dirty="0" err="1"/>
-              <a:t>wartet</a:t>
-            </a:r>
-            <a:r>
-              <a:rPr lang="en-US" sz="1600" dirty="0"/>
-              <a:t> die Turtle auf </a:t>
-            </a:r>
-            <a:r>
-              <a:rPr lang="en-US" sz="1600" dirty="0" err="1"/>
-              <a:t>eine</a:t>
-            </a:r>
-            <a:r>
-              <a:rPr lang="en-US" sz="1600" dirty="0"/>
-              <a:t> </a:t>
-            </a:r>
-            <a:r>
-              <a:rPr lang="en-US" sz="1600" dirty="0" err="1"/>
-              <a:t>Eingabe</a:t>
-            </a:r>
-            <a:r>
-              <a:rPr lang="en-US" sz="1600" dirty="0"/>
-              <a:t> des Spielers.</a:t>
-            </a:r>
-          </a:p>
-          <a:p>
-            <a:pPr marL="0" lvl="0" indent="0" algn="l" rtl="0">
-              <a:spcBef>
-                <a:spcPts val="0"/>
-              </a:spcBef>
-              <a:spcAft>
-                <a:spcPts val="2100"/>
-              </a:spcAft>
-              <a:buNone/>
-            </a:pPr>
-            <a:r>
-              <a:rPr lang="en-US" sz="1600" dirty="0" err="1"/>
-              <a:t>Hinweis</a:t>
-            </a:r>
-            <a:r>
-              <a:rPr lang="en-US" sz="1600" dirty="0"/>
-              <a:t>: Es </a:t>
-            </a:r>
-            <a:r>
-              <a:rPr lang="en-US" sz="1600" dirty="0" err="1"/>
-              <a:t>gibt</a:t>
-            </a:r>
-            <a:r>
-              <a:rPr lang="en-US" sz="1600" dirty="0"/>
-              <a:t> </a:t>
-            </a:r>
-            <a:r>
-              <a:rPr lang="en-US" sz="1600" dirty="0" err="1"/>
-              <a:t>hier</a:t>
-            </a:r>
-            <a:r>
-              <a:rPr lang="en-US" sz="1600" dirty="0"/>
-              <a:t> </a:t>
-            </a:r>
-            <a:r>
-              <a:rPr lang="en-US" sz="1600" dirty="0" err="1"/>
-              <a:t>mehrere</a:t>
-            </a:r>
-            <a:r>
-              <a:rPr lang="en-US" sz="1600" dirty="0"/>
-              <a:t> </a:t>
-            </a:r>
-            <a:r>
-              <a:rPr lang="en-US" sz="1600" dirty="0" err="1"/>
-              <a:t>unterschiedliche</a:t>
-            </a:r>
-            <a:r>
-              <a:rPr lang="en-US" sz="1600" dirty="0"/>
-              <a:t> </a:t>
-            </a:r>
-            <a:r>
-              <a:rPr lang="en-US" sz="1600" dirty="0" err="1"/>
-              <a:t>richtige</a:t>
-            </a:r>
-            <a:br>
-              <a:rPr lang="en-US" sz="1600" dirty="0"/>
-            </a:br>
-            <a:r>
-              <a:rPr lang="en-US" sz="1600" dirty="0"/>
-              <a:t>         </a:t>
-            </a:r>
-            <a:r>
-              <a:rPr lang="en-US" sz="1600" dirty="0" err="1"/>
-              <a:t>Lösungswege</a:t>
-            </a:r>
-            <a:r>
-              <a:rPr lang="en-US" sz="1600" dirty="0"/>
-              <a:t>.</a:t>
-            </a:r>
-            <a:br>
-              <a:rPr lang="en-US" sz="1600" dirty="0"/>
-            </a:br>
-            <a:br>
-              <a:rPr lang="en-US" sz="1600" dirty="0"/>
-            </a:br>
-            <a:endParaRPr lang="en-US" sz="1600" dirty="0"/>
-          </a:p>
-          <a:p>
-            <a:pPr marL="0" lvl="0" indent="0" algn="l" rtl="0">
-              <a:spcBef>
-                <a:spcPts val="0"/>
-              </a:spcBef>
-              <a:spcAft>
-                <a:spcPts val="2100"/>
-              </a:spcAft>
-              <a:buNone/>
-            </a:pPr>
-            <a:br>
-              <a:rPr lang="en-US" sz="1600" dirty="0"/>
-            </a:br>
-            <a:r>
-              <a:rPr lang="en-US" sz="1200" dirty="0"/>
-              <a:t>Das Start- und </a:t>
-            </a:r>
-            <a:r>
-              <a:rPr lang="en-US" sz="1200" dirty="0" err="1"/>
-              <a:t>Zielprojekt</a:t>
-            </a:r>
-            <a:r>
-              <a:rPr lang="en-US" sz="1200" dirty="0"/>
-              <a:t> </a:t>
-            </a:r>
-            <a:r>
-              <a:rPr lang="en-US" sz="1200" dirty="0" err="1"/>
-              <a:t>dieser</a:t>
-            </a:r>
-            <a:r>
-              <a:rPr lang="en-US" sz="1200" dirty="0"/>
-              <a:t> Aufgabe </a:t>
-            </a:r>
-            <a:r>
-              <a:rPr lang="en-US" sz="1200" dirty="0" err="1"/>
-              <a:t>findest</a:t>
-            </a:r>
-            <a:r>
-              <a:rPr lang="en-US" sz="1200" dirty="0"/>
-              <a:t> du </a:t>
-            </a:r>
-            <a:r>
-              <a:rPr lang="en-US" sz="1200" dirty="0" err="1"/>
-              <a:t>hier</a:t>
-            </a:r>
-            <a:r>
-              <a:rPr lang="en-US" sz="1200" dirty="0"/>
-              <a:t>:</a:t>
-            </a:r>
-            <a:br>
-              <a:rPr lang="en-US" sz="1200" dirty="0"/>
-            </a:br>
-            <a:r>
-              <a:rPr lang="en-US" sz="1200" dirty="0">
-                <a:hlinkClick r:id="rId3"/>
-              </a:rPr>
-              <a:t>https://github.com/derech1e/python-beginner-course/tree/master/007</a:t>
-            </a:r>
-            <a:endParaRPr lang="en-US" sz="1200" dirty="0"/>
-          </a:p>
-          <a:p>
-            <a:pPr marL="0" lvl="0" indent="0" algn="l" rtl="0">
-              <a:spcBef>
-                <a:spcPts val="0"/>
-              </a:spcBef>
-              <a:spcAft>
-                <a:spcPts val="2100"/>
-              </a:spcAft>
-              <a:buNone/>
-            </a:pPr>
-            <a:endParaRPr lang="en-US" sz="1600" dirty="0"/>
-          </a:p>
-          <a:p>
-            <a:pPr marL="0" lvl="0" indent="0" algn="l" rtl="0">
-              <a:spcBef>
-                <a:spcPts val="0"/>
-              </a:spcBef>
-              <a:spcAft>
-                <a:spcPts val="2100"/>
-              </a:spcAft>
-              <a:buNone/>
-            </a:pPr>
-            <a:endParaRPr lang="en-US" sz="1600" dirty="0"/>
-          </a:p>
-        </p:txBody>
-      </p:sp>
-      <p:pic>
-        <p:nvPicPr>
-          <p:cNvPr id="4" name="Picture 3">
-            <a:extLst>
-              <a:ext uri="{FF2B5EF4-FFF2-40B4-BE49-F238E27FC236}">
-                <a16:creationId xmlns:a16="http://schemas.microsoft.com/office/drawing/2014/main" id="{D614365C-F66E-A734-4D98-85D5FF1E379D}"/>
-              </a:ext>
-            </a:extLst>
-          </p:cNvPr>
-          <p:cNvPicPr>
-            <a:picLocks noChangeAspect="1"/>
-          </p:cNvPicPr>
-          <p:nvPr/>
-        </p:nvPicPr>
-        <p:blipFill>
-          <a:blip r:embed="rId4"/>
-          <a:stretch>
-            <a:fillRect/>
-          </a:stretch>
-        </p:blipFill>
-        <p:spPr>
-          <a:xfrm>
-            <a:off x="8476172" y="3429000"/>
-            <a:ext cx="2209800" cy="2209800"/>
-          </a:xfrm>
-          <a:prstGeom prst="rect">
-            <a:avLst/>
-          </a:prstGeom>
-        </p:spPr>
-      </p:pic>
-    </p:spTree>
-    <p:extLst>
-      <p:ext uri="{BB962C8B-B14F-4D97-AF65-F5344CB8AC3E}">
-        <p14:creationId xmlns:p14="http://schemas.microsoft.com/office/powerpoint/2010/main" val="724500448"/>
-      </p:ext>
-    </p:extLst>
-  </p:cSld>
-  <p:clrMapOvr>
-    <a:masterClrMapping/>
-  </p:clrMapOvr>
-  <p:transition>
-    <p:fade/>
-  </p:transition>
-</p:sld>
-</file>
-
-<file path=ppt/slides/slide7.xml><?xml version="1.0" encoding="utf-8"?>
-<p:sld xmlns:a="http://schemas.openxmlformats.org/drawingml/2006/main" xmlns:r="http://schemas.openxmlformats.org/officeDocument/2006/relationships" xmlns:p="http://schemas.openxmlformats.org/presentationml/2006/main">
-  <p:cSld>
-    <p:spTree>
-      <p:nvGrpSpPr>
-        <p:cNvPr id="1" name="Shape 439"/>
-        <p:cNvGrpSpPr/>
-        <p:nvPr/>
-      </p:nvGrpSpPr>
-      <p:grpSpPr>
-        <a:xfrm>
-          <a:off x="0" y="0"/>
-          <a:ext cx="0" cy="0"/>
-          <a:chOff x="0" y="0"/>
-          <a:chExt cx="0" cy="0"/>
-        </a:xfrm>
-      </p:grpSpPr>
-      <p:sp>
-        <p:nvSpPr>
-          <p:cNvPr id="440" name="Google Shape;440;p29"/>
-          <p:cNvSpPr txBox="1">
-            <a:spLocks noGrp="1"/>
-          </p:cNvSpPr>
-          <p:nvPr>
-            <p:ph type="title"/>
-          </p:nvPr>
-        </p:nvSpPr>
-        <p:spPr>
-          <a:xfrm>
-            <a:off x="684150" y="358863"/>
-            <a:ext cx="10672108" cy="763500"/>
-          </a:xfrm>
-          <a:prstGeom prst="rect">
-            <a:avLst/>
-          </a:prstGeom>
-        </p:spPr>
-        <p:txBody>
-          <a:bodyPr spcFirstLastPara="1" wrap="square" lIns="121900" tIns="121900" rIns="121900" bIns="121900" anchor="t" anchorCtr="0">
-            <a:noAutofit/>
-          </a:bodyPr>
-          <a:lstStyle/>
-          <a:p>
-            <a:pPr marL="0" lvl="0" indent="0" algn="l" rtl="0">
-              <a:spcBef>
-                <a:spcPts val="0"/>
-              </a:spcBef>
-              <a:spcAft>
-                <a:spcPts val="0"/>
-              </a:spcAft>
-              <a:buNone/>
-            </a:pPr>
-            <a:r>
-              <a:rPr lang="en-US" dirty="0"/>
-              <a:t>CHALLENGE </a:t>
-            </a:r>
-            <a:r>
-              <a:rPr lang="en" sz="6000" dirty="0">
-                <a:solidFill>
-                  <a:schemeClr val="accent2"/>
-                </a:solidFill>
-              </a:rPr>
-              <a:t>BORDER LOGIC</a:t>
-            </a:r>
-            <a:endParaRPr sz="6000" dirty="0">
-              <a:solidFill>
-                <a:schemeClr val="accent2"/>
-              </a:solidFill>
-            </a:endParaRPr>
-          </a:p>
-        </p:txBody>
-      </p:sp>
-      <p:sp>
-        <p:nvSpPr>
-          <p:cNvPr id="441" name="Google Shape;441;p29"/>
-          <p:cNvSpPr txBox="1">
-            <a:spLocks noGrp="1"/>
-          </p:cNvSpPr>
-          <p:nvPr>
-            <p:ph type="subTitle" idx="1"/>
-          </p:nvPr>
-        </p:nvSpPr>
-        <p:spPr>
-          <a:xfrm>
-            <a:off x="1217558" y="1800269"/>
-            <a:ext cx="9755100" cy="606900"/>
-          </a:xfrm>
-          <a:prstGeom prst="rect">
-            <a:avLst/>
-          </a:prstGeom>
-        </p:spPr>
-        <p:txBody>
-          <a:bodyPr spcFirstLastPara="1" wrap="square" lIns="121900" tIns="121900" rIns="121900" bIns="121900" anchor="t" anchorCtr="0">
-            <a:noAutofit/>
-          </a:bodyPr>
-          <a:lstStyle/>
-          <a:p>
-            <a:pPr marL="0" lvl="0" indent="0" algn="l" rtl="0">
-              <a:spcBef>
-                <a:spcPts val="0"/>
-              </a:spcBef>
-              <a:spcAft>
-                <a:spcPts val="2100"/>
-              </a:spcAft>
-              <a:buNone/>
-            </a:pPr>
-            <a:r>
-              <a:rPr lang="en" dirty="0">
-                <a:solidFill>
-                  <a:schemeClr val="accent3"/>
-                </a:solidFill>
-              </a:rPr>
-              <a:t>BORDER LOGIC</a:t>
-            </a:r>
-            <a:endParaRPr dirty="0"/>
-          </a:p>
-        </p:txBody>
-      </p:sp>
-      <p:sp>
-        <p:nvSpPr>
-          <p:cNvPr id="446" name="Google Shape;446;p29"/>
-          <p:cNvSpPr txBox="1">
-            <a:spLocks noGrp="1"/>
-          </p:cNvSpPr>
-          <p:nvPr>
-            <p:ph type="body" idx="4"/>
-          </p:nvPr>
-        </p:nvSpPr>
-        <p:spPr>
-          <a:xfrm>
-            <a:off x="1217550" y="2238218"/>
-            <a:ext cx="9755100" cy="3862232"/>
-          </a:xfrm>
-          <a:prstGeom prst="rect">
-            <a:avLst/>
-          </a:prstGeom>
-        </p:spPr>
-        <p:txBody>
-          <a:bodyPr spcFirstLastPara="1" wrap="square" lIns="121900" tIns="121900" rIns="121900" bIns="121900" anchor="t" anchorCtr="0">
-            <a:noAutofit/>
-          </a:bodyPr>
-          <a:lstStyle/>
-          <a:p>
-            <a:pPr marL="0" lvl="0" indent="0" algn="l" rtl="0">
-              <a:spcBef>
-                <a:spcPts val="0"/>
-              </a:spcBef>
-              <a:spcAft>
-                <a:spcPts val="2100"/>
-              </a:spcAft>
-              <a:buNone/>
-            </a:pPr>
-            <a:r>
-              <a:rPr lang="en-US" sz="1600" dirty="0" err="1"/>
-              <a:t>Teleportiere</a:t>
-            </a:r>
-            <a:r>
-              <a:rPr lang="en-US" sz="1600" dirty="0"/>
-              <a:t> die Turtle </a:t>
-            </a:r>
-            <a:r>
-              <a:rPr lang="en-US" sz="1600" dirty="0" err="1"/>
-              <a:t>wieder</a:t>
-            </a:r>
-            <a:r>
-              <a:rPr lang="en-US" sz="1600" dirty="0"/>
-              <a:t> </a:t>
-            </a:r>
-            <a:r>
-              <a:rPr lang="en-US" sz="1600" dirty="0" err="1"/>
-              <a:t>zur</a:t>
-            </a:r>
-            <a:r>
-              <a:rPr lang="en-US" sz="1600" dirty="0"/>
-              <a:t> </a:t>
-            </a:r>
-            <a:r>
-              <a:rPr lang="en-US" sz="1600" dirty="0" err="1"/>
-              <a:t>Bildschirmmitte</a:t>
-            </a:r>
-            <a:r>
-              <a:rPr lang="en-US" sz="1600" dirty="0"/>
-              <a:t>, falls </a:t>
-            </a:r>
-            <a:r>
-              <a:rPr lang="en-US" sz="1600" dirty="0" err="1"/>
-              <a:t>sie</a:t>
-            </a:r>
-            <a:r>
-              <a:rPr lang="en-US" sz="1600" dirty="0"/>
-              <a:t> den Rand des Fensters </a:t>
-            </a:r>
-            <a:r>
-              <a:rPr lang="en-US" sz="1600" dirty="0" err="1"/>
-              <a:t>erreicht</a:t>
-            </a:r>
-            <a:r>
-              <a:rPr lang="en-US" sz="1600" dirty="0"/>
-              <a:t> hat. </a:t>
-            </a:r>
-            <a:r>
-              <a:rPr lang="en-US" sz="1600" dirty="0" err="1"/>
-              <a:t>Schreibe</a:t>
-            </a:r>
-            <a:r>
-              <a:rPr lang="en-US" sz="1600" dirty="0"/>
-              <a:t> </a:t>
-            </a:r>
-            <a:r>
-              <a:rPr lang="en-US" sz="1600" dirty="0" err="1"/>
-              <a:t>dafür</a:t>
-            </a:r>
-            <a:r>
-              <a:rPr lang="en-US" sz="1600" dirty="0"/>
-              <a:t> </a:t>
-            </a:r>
-            <a:r>
-              <a:rPr lang="en-US" sz="1600" dirty="0" err="1"/>
-              <a:t>eine</a:t>
-            </a:r>
-            <a:r>
-              <a:rPr lang="en-US" sz="1600" dirty="0"/>
-              <a:t> </a:t>
-            </a:r>
-            <a:r>
-              <a:rPr lang="en-US" sz="1600" dirty="0" err="1"/>
-              <a:t>Funktion</a:t>
-            </a:r>
-            <a:r>
-              <a:rPr lang="en-US" sz="1600" dirty="0"/>
-              <a:t>, die </a:t>
-            </a:r>
-            <a:r>
-              <a:rPr lang="en-US" sz="1600" dirty="0" err="1"/>
-              <a:t>einen</a:t>
-            </a:r>
-            <a:r>
-              <a:rPr lang="en-US" sz="1600" dirty="0"/>
-              <a:t> Bool </a:t>
-            </a:r>
-            <a:r>
-              <a:rPr lang="en-US" sz="1600" dirty="0" err="1"/>
-              <a:t>als</a:t>
-            </a:r>
-            <a:r>
-              <a:rPr lang="en-US" sz="1600" dirty="0"/>
-              <a:t> </a:t>
-            </a:r>
-            <a:r>
-              <a:rPr lang="en-US" sz="1600" dirty="0" err="1"/>
-              <a:t>Rückgabe</a:t>
-            </a:r>
-            <a:r>
-              <a:rPr lang="en-US" sz="1600" dirty="0"/>
-              <a:t> hat, der </a:t>
-            </a:r>
-            <a:r>
-              <a:rPr lang="en-US" sz="1600" dirty="0" err="1"/>
-              <a:t>wahr</a:t>
-            </a:r>
-            <a:r>
-              <a:rPr lang="en-US" sz="1600" dirty="0"/>
-              <a:t> </a:t>
-            </a:r>
-            <a:r>
-              <a:rPr lang="en-US" sz="1600" dirty="0" err="1"/>
-              <a:t>ist</a:t>
-            </a:r>
-            <a:r>
-              <a:rPr lang="en-US" sz="1600" dirty="0"/>
-              <a:t>, </a:t>
-            </a:r>
-            <a:r>
-              <a:rPr lang="en-US" sz="1600" dirty="0" err="1"/>
-              <a:t>wenn</a:t>
-            </a:r>
-            <a:r>
-              <a:rPr lang="en-US" sz="1600" dirty="0"/>
-              <a:t> </a:t>
-            </a:r>
-            <a:r>
-              <a:rPr lang="en-US" sz="1600" dirty="0" err="1"/>
-              <a:t>eine</a:t>
-            </a:r>
-            <a:r>
-              <a:rPr lang="en-US" sz="1600" dirty="0"/>
-              <a:t> </a:t>
-            </a:r>
-            <a:r>
-              <a:rPr lang="en-US" sz="1600" dirty="0" err="1"/>
-              <a:t>Kollidierung</a:t>
-            </a:r>
-            <a:r>
-              <a:rPr lang="en-US" sz="1600" dirty="0"/>
-              <a:t> </a:t>
-            </a:r>
-            <a:r>
-              <a:rPr lang="en-US" sz="1600" dirty="0" err="1"/>
-              <a:t>mit</a:t>
-            </a:r>
-            <a:r>
-              <a:rPr lang="en-US" sz="1600" dirty="0"/>
-              <a:t> dem </a:t>
-            </a:r>
-            <a:r>
-              <a:rPr lang="en-US" sz="1600" dirty="0" err="1"/>
-              <a:t>Fensterrand</a:t>
-            </a:r>
-            <a:r>
-              <a:rPr lang="en-US" sz="1600" dirty="0"/>
-              <a:t> </a:t>
-            </a:r>
-            <a:r>
-              <a:rPr lang="en-US" sz="1600" dirty="0" err="1"/>
-              <a:t>entsteht</a:t>
-            </a:r>
-            <a:r>
-              <a:rPr lang="en-US" sz="1600" dirty="0"/>
-              <a:t>.</a:t>
-            </a:r>
-            <a:br>
-              <a:rPr lang="en-US" sz="1600" dirty="0"/>
-            </a:br>
-            <a:br>
-              <a:rPr lang="en-US" sz="1600" dirty="0"/>
-            </a:br>
-            <a:br>
-              <a:rPr lang="en-US" sz="1600" dirty="0"/>
-            </a:br>
-            <a:br>
-              <a:rPr lang="en-US" sz="1600" dirty="0"/>
-            </a:br>
-            <a:br>
-              <a:rPr lang="en-US" sz="1600" dirty="0"/>
-            </a:br>
-            <a:endParaRPr lang="en-US" sz="1600" dirty="0"/>
-          </a:p>
-          <a:p>
-            <a:pPr marL="0" lvl="0" indent="0" algn="l" rtl="0">
-              <a:spcBef>
-                <a:spcPts val="0"/>
-              </a:spcBef>
-              <a:spcAft>
-                <a:spcPts val="2100"/>
-              </a:spcAft>
-              <a:buNone/>
-            </a:pPr>
-            <a:br>
-              <a:rPr lang="en-US" sz="1600" dirty="0"/>
-            </a:br>
-            <a:r>
-              <a:rPr lang="en-US" sz="1200" dirty="0"/>
-              <a:t>Das Start- und </a:t>
-            </a:r>
-            <a:r>
-              <a:rPr lang="en-US" sz="1200" dirty="0" err="1"/>
-              <a:t>Zielprojekt</a:t>
-            </a:r>
-            <a:r>
-              <a:rPr lang="en-US" sz="1200" dirty="0"/>
-              <a:t> </a:t>
-            </a:r>
-            <a:r>
-              <a:rPr lang="en-US" sz="1200" dirty="0" err="1"/>
-              <a:t>dieser</a:t>
-            </a:r>
-            <a:r>
-              <a:rPr lang="en-US" sz="1200" dirty="0"/>
-              <a:t> Aufgabe </a:t>
-            </a:r>
-            <a:r>
-              <a:rPr lang="en-US" sz="1200" dirty="0" err="1"/>
-              <a:t>findest</a:t>
-            </a:r>
-            <a:r>
-              <a:rPr lang="en-US" sz="1200" dirty="0"/>
-              <a:t> du </a:t>
-            </a:r>
-            <a:r>
-              <a:rPr lang="en-US" sz="1200" dirty="0" err="1"/>
-              <a:t>hier</a:t>
-            </a:r>
-            <a:r>
-              <a:rPr lang="en-US" sz="1200" dirty="0"/>
-              <a:t>:</a:t>
-            </a:r>
-            <a:br>
-              <a:rPr lang="en-US" sz="1200" dirty="0"/>
-            </a:br>
-            <a:r>
-              <a:rPr lang="en-US" sz="1200" dirty="0">
-                <a:hlinkClick r:id="rId3"/>
-              </a:rPr>
-              <a:t>https://github.com/derech1e/python-beginner-course/tree/master/007</a:t>
-            </a:r>
-            <a:endParaRPr lang="en-US" sz="1200" dirty="0"/>
-          </a:p>
-          <a:p>
-            <a:pPr marL="0" lvl="0" indent="0" algn="l" rtl="0">
-              <a:spcBef>
-                <a:spcPts val="0"/>
-              </a:spcBef>
-              <a:spcAft>
-                <a:spcPts val="2100"/>
-              </a:spcAft>
-              <a:buNone/>
-            </a:pPr>
-            <a:endParaRPr lang="en-US" sz="1600" dirty="0"/>
-          </a:p>
-          <a:p>
-            <a:pPr marL="0" lvl="0" indent="0" algn="l" rtl="0">
-              <a:spcBef>
-                <a:spcPts val="0"/>
-              </a:spcBef>
-              <a:spcAft>
-                <a:spcPts val="2100"/>
-              </a:spcAft>
-              <a:buNone/>
-            </a:pPr>
-            <a:endParaRPr lang="en-US" sz="1600" dirty="0"/>
-          </a:p>
-        </p:txBody>
-      </p:sp>
-      <p:pic>
-        <p:nvPicPr>
-          <p:cNvPr id="3" name="Picture 2">
-            <a:extLst>
-              <a:ext uri="{FF2B5EF4-FFF2-40B4-BE49-F238E27FC236}">
-                <a16:creationId xmlns:a16="http://schemas.microsoft.com/office/drawing/2014/main" id="{C96F2CE3-B6E2-04B8-AF00-45AE6BF4A1DF}"/>
-              </a:ext>
-            </a:extLst>
-          </p:cNvPr>
-          <p:cNvPicPr>
-            <a:picLocks noChangeAspect="1"/>
-          </p:cNvPicPr>
-          <p:nvPr/>
-        </p:nvPicPr>
-        <p:blipFill>
-          <a:blip r:embed="rId4"/>
-          <a:stretch>
-            <a:fillRect/>
-          </a:stretch>
-        </p:blipFill>
-        <p:spPr>
-          <a:xfrm>
-            <a:off x="8562436" y="3429000"/>
-            <a:ext cx="2209800" cy="2209800"/>
-          </a:xfrm>
-          <a:prstGeom prst="rect">
-            <a:avLst/>
-          </a:prstGeom>
-        </p:spPr>
-      </p:pic>
-    </p:spTree>
-    <p:extLst>
-      <p:ext uri="{BB962C8B-B14F-4D97-AF65-F5344CB8AC3E}">
-        <p14:creationId xmlns:p14="http://schemas.microsoft.com/office/powerpoint/2010/main" val="3101959900"/>
-      </p:ext>
-    </p:extLst>
-  </p:cSld>
-  <p:clrMapOvr>
-    <a:masterClrMapping/>
-  </p:clrMapOvr>
-  <p:transition>
-    <p:fade/>
-  </p:transition>
-</p:sld>
-</file>
-
-<file path=ppt/slides/slide8.xml><?xml version="1.0" encoding="utf-8"?>
-<p:sld xmlns:a="http://schemas.openxmlformats.org/drawingml/2006/main" xmlns:r="http://schemas.openxmlformats.org/officeDocument/2006/relationships" xmlns:p="http://schemas.openxmlformats.org/presentationml/2006/main">
-  <p:cSld>
-    <p:spTree>
-      <p:nvGrpSpPr>
-        <p:cNvPr id="1" name="Shape 439"/>
-        <p:cNvGrpSpPr/>
-        <p:nvPr/>
-      </p:nvGrpSpPr>
-      <p:grpSpPr>
-        <a:xfrm>
-          <a:off x="0" y="0"/>
-          <a:ext cx="0" cy="0"/>
-          <a:chOff x="0" y="0"/>
-          <a:chExt cx="0" cy="0"/>
-        </a:xfrm>
-      </p:grpSpPr>
-      <p:sp>
-        <p:nvSpPr>
-          <p:cNvPr id="440" name="Google Shape;440;p29"/>
-          <p:cNvSpPr txBox="1">
-            <a:spLocks noGrp="1"/>
-          </p:cNvSpPr>
-          <p:nvPr>
-            <p:ph type="title"/>
-          </p:nvPr>
-        </p:nvSpPr>
-        <p:spPr>
-          <a:xfrm>
-            <a:off x="684150" y="358863"/>
-            <a:ext cx="10672108" cy="763500"/>
-          </a:xfrm>
-          <a:prstGeom prst="rect">
-            <a:avLst/>
-          </a:prstGeom>
-        </p:spPr>
-        <p:txBody>
-          <a:bodyPr spcFirstLastPara="1" wrap="square" lIns="121900" tIns="121900" rIns="121900" bIns="121900" anchor="t" anchorCtr="0">
-            <a:noAutofit/>
-          </a:bodyPr>
-          <a:lstStyle/>
-          <a:p>
-            <a:pPr marL="0" lvl="0" indent="0" algn="l" rtl="0">
-              <a:spcBef>
-                <a:spcPts val="0"/>
-              </a:spcBef>
-              <a:spcAft>
-                <a:spcPts val="0"/>
-              </a:spcAft>
-              <a:buNone/>
-            </a:pPr>
-            <a:r>
-              <a:rPr lang="en-US" dirty="0"/>
-              <a:t>CHALLENGE </a:t>
-            </a:r>
-            <a:r>
-              <a:rPr lang="en" sz="6000" dirty="0">
-                <a:solidFill>
-                  <a:schemeClr val="accent2"/>
-                </a:solidFill>
-              </a:rPr>
-              <a:t>FOOD</a:t>
-            </a:r>
-            <a:endParaRPr sz="6000" dirty="0">
-              <a:solidFill>
-                <a:schemeClr val="accent2"/>
-              </a:solidFill>
-            </a:endParaRPr>
-          </a:p>
-        </p:txBody>
-      </p:sp>
-      <p:sp>
-        <p:nvSpPr>
-          <p:cNvPr id="441" name="Google Shape;441;p29"/>
-          <p:cNvSpPr txBox="1">
-            <a:spLocks noGrp="1"/>
-          </p:cNvSpPr>
-          <p:nvPr>
-            <p:ph type="subTitle" idx="1"/>
-          </p:nvPr>
-        </p:nvSpPr>
-        <p:spPr>
-          <a:xfrm>
-            <a:off x="1217558" y="1800269"/>
-            <a:ext cx="9755100" cy="606900"/>
-          </a:xfrm>
-          <a:prstGeom prst="rect">
-            <a:avLst/>
-          </a:prstGeom>
-        </p:spPr>
-        <p:txBody>
-          <a:bodyPr spcFirstLastPara="1" wrap="square" lIns="121900" tIns="121900" rIns="121900" bIns="121900" anchor="t" anchorCtr="0">
-            <a:noAutofit/>
-          </a:bodyPr>
-          <a:lstStyle/>
-          <a:p>
-            <a:pPr marL="0" lvl="0" indent="0" algn="l" rtl="0">
-              <a:spcBef>
-                <a:spcPts val="0"/>
-              </a:spcBef>
-              <a:spcAft>
-                <a:spcPts val="2100"/>
-              </a:spcAft>
-              <a:buNone/>
-            </a:pPr>
-            <a:r>
-              <a:rPr lang="en" dirty="0">
-                <a:solidFill>
-                  <a:schemeClr val="accent3"/>
-                </a:solidFill>
-              </a:rPr>
-              <a:t>FOOD</a:t>
-            </a:r>
-            <a:endParaRPr dirty="0"/>
-          </a:p>
-        </p:txBody>
-      </p:sp>
-      <p:sp>
-        <p:nvSpPr>
-          <p:cNvPr id="446" name="Google Shape;446;p29"/>
-          <p:cNvSpPr txBox="1">
-            <a:spLocks noGrp="1"/>
-          </p:cNvSpPr>
-          <p:nvPr>
-            <p:ph type="body" idx="4"/>
-          </p:nvPr>
-        </p:nvSpPr>
-        <p:spPr>
-          <a:xfrm>
-            <a:off x="1217550" y="2238218"/>
-            <a:ext cx="9755100" cy="3862232"/>
-          </a:xfrm>
-          <a:prstGeom prst="rect">
-            <a:avLst/>
-          </a:prstGeom>
-        </p:spPr>
-        <p:txBody>
-          <a:bodyPr spcFirstLastPara="1" wrap="square" lIns="121900" tIns="121900" rIns="121900" bIns="121900" anchor="t" anchorCtr="0">
-            <a:noAutofit/>
-          </a:bodyPr>
-          <a:lstStyle/>
-          <a:p>
-            <a:pPr marL="0" lvl="0" indent="0" algn="l" rtl="0">
-              <a:spcBef>
-                <a:spcPts val="0"/>
-              </a:spcBef>
-              <a:spcAft>
-                <a:spcPts val="2100"/>
-              </a:spcAft>
-              <a:buNone/>
-            </a:pPr>
-            <a:r>
-              <a:rPr lang="en-US" sz="1600" dirty="0" err="1"/>
-              <a:t>Damit</a:t>
-            </a:r>
-            <a:r>
-              <a:rPr lang="en-US" sz="1600" dirty="0"/>
-              <a:t> die </a:t>
-            </a:r>
-            <a:r>
-              <a:rPr lang="en-US" sz="1600" dirty="0" err="1"/>
-              <a:t>Schlange</a:t>
-            </a:r>
-            <a:r>
-              <a:rPr lang="en-US" sz="1600" dirty="0"/>
-              <a:t> </a:t>
-            </a:r>
-            <a:r>
-              <a:rPr lang="en-US" sz="1600" dirty="0" err="1"/>
-              <a:t>während</a:t>
-            </a:r>
-            <a:r>
-              <a:rPr lang="en-US" sz="1600" dirty="0"/>
-              <a:t> des Spiels </a:t>
-            </a:r>
-            <a:r>
-              <a:rPr lang="en-US" sz="1600" dirty="0" err="1"/>
-              <a:t>wachsen</a:t>
-            </a:r>
-            <a:r>
-              <a:rPr lang="en-US" sz="1600" dirty="0"/>
-              <a:t> </a:t>
-            </a:r>
-            <a:r>
-              <a:rPr lang="en-US" sz="1600" dirty="0" err="1"/>
-              <a:t>kann</a:t>
-            </a:r>
-            <a:r>
-              <a:rPr lang="en-US" sz="1600" dirty="0"/>
-              <a:t>, muss </a:t>
-            </a:r>
-            <a:r>
-              <a:rPr lang="en-US" sz="1600" dirty="0" err="1"/>
-              <a:t>sie</a:t>
-            </a:r>
-            <a:r>
-              <a:rPr lang="en-US" sz="1600" dirty="0"/>
-              <a:t> </a:t>
-            </a:r>
-            <a:r>
-              <a:rPr lang="en-US" sz="1600" dirty="0" err="1"/>
-              <a:t>etwas</a:t>
-            </a:r>
-            <a:r>
-              <a:rPr lang="en-US" sz="1600" dirty="0"/>
-              <a:t> </a:t>
-            </a:r>
-            <a:r>
-              <a:rPr lang="en-US" sz="1600" dirty="0" err="1"/>
-              <a:t>essen</a:t>
-            </a:r>
-            <a:r>
-              <a:rPr lang="en-US" sz="1600" dirty="0"/>
-              <a:t>. </a:t>
-            </a:r>
-            <a:r>
-              <a:rPr lang="en-US" sz="1600" dirty="0" err="1"/>
-              <a:t>Implementiere</a:t>
-            </a:r>
-            <a:r>
-              <a:rPr lang="en-US" sz="1600" dirty="0"/>
-              <a:t> </a:t>
-            </a:r>
-            <a:r>
-              <a:rPr lang="en-US" sz="1600" dirty="0" err="1"/>
-              <a:t>dazu</a:t>
-            </a:r>
-            <a:r>
-              <a:rPr lang="en-US" sz="1600" dirty="0"/>
-              <a:t> </a:t>
-            </a:r>
-            <a:r>
-              <a:rPr lang="en-US" sz="1600" dirty="0" err="1"/>
-              <a:t>eine</a:t>
-            </a:r>
-            <a:r>
-              <a:rPr lang="en-US" sz="1600" dirty="0"/>
-              <a:t> rote </a:t>
-            </a:r>
-            <a:r>
-              <a:rPr lang="en-US" sz="1600" dirty="0" err="1"/>
-              <a:t>viereckige</a:t>
-            </a:r>
-            <a:r>
-              <a:rPr lang="en-US" sz="1600" dirty="0"/>
-              <a:t> Turtle, die an </a:t>
-            </a:r>
-            <a:r>
-              <a:rPr lang="en-US" sz="1600" dirty="0" err="1"/>
-              <a:t>einer</a:t>
-            </a:r>
-            <a:r>
-              <a:rPr lang="en-US" sz="1600" dirty="0"/>
-              <a:t> </a:t>
-            </a:r>
-            <a:r>
-              <a:rPr lang="en-US" sz="1600" dirty="0" err="1"/>
-              <a:t>zufälligen</a:t>
-            </a:r>
-            <a:r>
-              <a:rPr lang="en-US" sz="1600" dirty="0"/>
-              <a:t> Position </a:t>
-            </a:r>
-            <a:r>
-              <a:rPr lang="en-US" sz="1600" dirty="0" err="1"/>
-              <a:t>im</a:t>
-            </a:r>
-            <a:r>
-              <a:rPr lang="en-US" sz="1600" dirty="0"/>
-              <a:t> Fenster </a:t>
-            </a:r>
-            <a:r>
-              <a:rPr lang="en-US" sz="1600" dirty="0" err="1"/>
-              <a:t>erscheint</a:t>
-            </a:r>
-            <a:r>
-              <a:rPr lang="en-US" sz="1600" dirty="0"/>
-              <a:t>. </a:t>
-            </a:r>
-            <a:r>
-              <a:rPr lang="en-US" sz="1600" dirty="0" err="1"/>
-              <a:t>Wenn</a:t>
-            </a:r>
-            <a:r>
-              <a:rPr lang="en-US" sz="1600" dirty="0"/>
-              <a:t> die </a:t>
-            </a:r>
-            <a:r>
-              <a:rPr lang="en-US" sz="1600" dirty="0" err="1"/>
-              <a:t>Schlange</a:t>
-            </a:r>
-            <a:r>
-              <a:rPr lang="en-US" sz="1600" dirty="0"/>
-              <a:t> das Essen </a:t>
-            </a:r>
-            <a:r>
-              <a:rPr lang="en-US" sz="1600" dirty="0" err="1"/>
-              <a:t>berührt</a:t>
-            </a:r>
-            <a:r>
-              <a:rPr lang="en-US" sz="1600" dirty="0"/>
-              <a:t>, </a:t>
-            </a:r>
-            <a:r>
-              <a:rPr lang="en-US" sz="1600" dirty="0" err="1"/>
-              <a:t>soll</a:t>
-            </a:r>
-            <a:r>
-              <a:rPr lang="en-US" sz="1600" dirty="0"/>
-              <a:t> dies an </a:t>
-            </a:r>
-            <a:r>
-              <a:rPr lang="en-US" sz="1600" dirty="0" err="1"/>
-              <a:t>eine</a:t>
-            </a:r>
-            <a:r>
-              <a:rPr lang="en-US" sz="1600" dirty="0"/>
-              <a:t> </a:t>
-            </a:r>
-            <a:r>
-              <a:rPr lang="en-US" sz="1600" dirty="0" err="1"/>
-              <a:t>neue</a:t>
-            </a:r>
-            <a:r>
-              <a:rPr lang="en-US" sz="1600" dirty="0"/>
-              <a:t> </a:t>
-            </a:r>
-            <a:r>
-              <a:rPr lang="en-US" sz="1600" dirty="0" err="1"/>
-              <a:t>zufällige</a:t>
-            </a:r>
-            <a:r>
-              <a:rPr lang="en-US" sz="1600" dirty="0"/>
-              <a:t> Position </a:t>
-            </a:r>
-            <a:r>
-              <a:rPr lang="en-US" sz="1600" dirty="0" err="1"/>
-              <a:t>bewegt</a:t>
-            </a:r>
-            <a:r>
-              <a:rPr lang="en-US" sz="1600" dirty="0"/>
-              <a:t> </a:t>
-            </a:r>
-            <a:r>
-              <a:rPr lang="en-US" sz="1600" dirty="0" err="1"/>
-              <a:t>werden</a:t>
-            </a:r>
-            <a:r>
-              <a:rPr lang="en-US" sz="1600" dirty="0"/>
-              <a:t>.</a:t>
-            </a:r>
-            <a:br>
-              <a:rPr lang="en-US" sz="1600" dirty="0"/>
-            </a:br>
-            <a:br>
-              <a:rPr lang="en-US" sz="1600" dirty="0"/>
-            </a:br>
-            <a:r>
-              <a:rPr lang="en-US" sz="1600" dirty="0" err="1"/>
-              <a:t>Hinweis</a:t>
-            </a:r>
-            <a:r>
-              <a:rPr lang="en-US" sz="1600" dirty="0"/>
-              <a:t>: </a:t>
-            </a:r>
-            <a:r>
-              <a:rPr lang="en-US" sz="1600" dirty="0" err="1"/>
-              <a:t>Implementiere</a:t>
-            </a:r>
-            <a:r>
-              <a:rPr lang="en-US" sz="1600" dirty="0"/>
-              <a:t> </a:t>
-            </a:r>
-            <a:r>
-              <a:rPr lang="en-US" sz="1600" dirty="0" err="1"/>
-              <a:t>dazu</a:t>
-            </a:r>
-            <a:r>
-              <a:rPr lang="en-US" sz="1600" dirty="0"/>
-              <a:t> </a:t>
-            </a:r>
-            <a:r>
-              <a:rPr lang="en-US" sz="1600" dirty="0" err="1"/>
-              <a:t>eine</a:t>
-            </a:r>
-            <a:r>
-              <a:rPr lang="en-US" sz="1600" dirty="0"/>
-              <a:t> </a:t>
-            </a:r>
-            <a:r>
-              <a:rPr lang="en-US" sz="1600" dirty="0" err="1"/>
-              <a:t>neue</a:t>
-            </a:r>
-            <a:r>
-              <a:rPr lang="en-US" sz="1600" dirty="0"/>
-              <a:t> </a:t>
-            </a:r>
-            <a:r>
-              <a:rPr lang="en-US" sz="1600" dirty="0" err="1"/>
-              <a:t>Klasse</a:t>
-            </a:r>
-            <a:r>
-              <a:rPr lang="en-US" sz="1600" dirty="0"/>
-              <a:t> “Food” die </a:t>
-            </a:r>
-            <a:r>
-              <a:rPr lang="en-US" sz="1600" dirty="0" err="1"/>
-              <a:t>u.a.</a:t>
-            </a:r>
-            <a:r>
-              <a:rPr lang="en-US" sz="1600" dirty="0"/>
-              <a:t> </a:t>
-            </a:r>
-            <a:br>
-              <a:rPr lang="en-US" sz="1600" dirty="0"/>
-            </a:br>
-            <a:r>
-              <a:rPr lang="en-US" sz="1600" dirty="0"/>
-              <a:t>	 </a:t>
-            </a:r>
-            <a:r>
-              <a:rPr lang="en-US" sz="1600" dirty="0" err="1"/>
-              <a:t>eine</a:t>
-            </a:r>
-            <a:r>
-              <a:rPr lang="en-US" sz="1600" dirty="0"/>
-              <a:t> </a:t>
-            </a:r>
-            <a:r>
-              <a:rPr lang="en-US" sz="1600" dirty="0" err="1"/>
-              <a:t>Funktion</a:t>
-            </a:r>
-            <a:r>
-              <a:rPr lang="en-US" sz="1600" dirty="0"/>
-              <a:t> “</a:t>
-            </a:r>
-            <a:r>
-              <a:rPr lang="en-US" sz="1600" dirty="0" err="1"/>
-              <a:t>find_new_location</a:t>
-            </a:r>
-            <a:r>
-              <a:rPr lang="en-US" sz="1600" dirty="0"/>
-              <a:t>” </a:t>
-            </a:r>
-            <a:r>
-              <a:rPr lang="en-US" sz="1600" dirty="0" err="1"/>
-              <a:t>beinhaltet</a:t>
-            </a:r>
-            <a:r>
-              <a:rPr lang="en-US" sz="1600" dirty="0"/>
-              <a:t>.</a:t>
-            </a:r>
-            <a:br>
-              <a:rPr lang="en-US" sz="1600" dirty="0"/>
-            </a:br>
-            <a:br>
-              <a:rPr lang="en-US" sz="1600" dirty="0"/>
-            </a:br>
-            <a:br>
-              <a:rPr lang="en-US" sz="1600" dirty="0"/>
-            </a:br>
-            <a:br>
-              <a:rPr lang="en-US" sz="1600" dirty="0"/>
-            </a:br>
-            <a:r>
-              <a:rPr lang="en-US" sz="1200" dirty="0"/>
-              <a:t>Das Start- und </a:t>
-            </a:r>
-            <a:r>
-              <a:rPr lang="en-US" sz="1200" dirty="0" err="1"/>
-              <a:t>Zielprojekt</a:t>
-            </a:r>
-            <a:r>
-              <a:rPr lang="en-US" sz="1200" dirty="0"/>
-              <a:t> </a:t>
-            </a:r>
-            <a:r>
-              <a:rPr lang="en-US" sz="1200" dirty="0" err="1"/>
-              <a:t>dieser</a:t>
-            </a:r>
-            <a:r>
-              <a:rPr lang="en-US" sz="1200" dirty="0"/>
-              <a:t> Aufgabe </a:t>
-            </a:r>
-            <a:r>
-              <a:rPr lang="en-US" sz="1200" dirty="0" err="1"/>
-              <a:t>findest</a:t>
-            </a:r>
-            <a:r>
-              <a:rPr lang="en-US" sz="1200" dirty="0"/>
-              <a:t> du </a:t>
-            </a:r>
-            <a:r>
-              <a:rPr lang="en-US" sz="1200" dirty="0" err="1"/>
-              <a:t>hier</a:t>
-            </a:r>
-            <a:r>
-              <a:rPr lang="en-US" sz="1200" dirty="0"/>
-              <a:t>:</a:t>
-            </a:r>
-            <a:br>
-              <a:rPr lang="en-US" sz="1200" dirty="0"/>
-            </a:br>
-            <a:r>
-              <a:rPr lang="en-US" sz="1200" dirty="0">
-                <a:hlinkClick r:id="rId3"/>
-              </a:rPr>
-              <a:t>https://github.com/derech1e/python-beginner-course/tree/master/007</a:t>
-            </a:r>
-            <a:endParaRPr lang="en-US" sz="1200" dirty="0"/>
-          </a:p>
-          <a:p>
-            <a:pPr marL="0" lvl="0" indent="0" algn="l" rtl="0">
-              <a:spcBef>
-                <a:spcPts val="0"/>
-              </a:spcBef>
-              <a:spcAft>
-                <a:spcPts val="2100"/>
-              </a:spcAft>
-              <a:buNone/>
-            </a:pPr>
-            <a:endParaRPr lang="en-US" sz="1600" dirty="0"/>
-          </a:p>
-          <a:p>
-            <a:pPr marL="0" lvl="0" indent="0" algn="l" rtl="0">
-              <a:spcBef>
-                <a:spcPts val="0"/>
-              </a:spcBef>
-              <a:spcAft>
-                <a:spcPts val="2100"/>
-              </a:spcAft>
-              <a:buNone/>
-            </a:pPr>
-            <a:endParaRPr lang="en-US" sz="1600" dirty="0"/>
-          </a:p>
-        </p:txBody>
-      </p:sp>
-      <p:pic>
-        <p:nvPicPr>
-          <p:cNvPr id="4" name="Picture 3">
-            <a:extLst>
-              <a:ext uri="{FF2B5EF4-FFF2-40B4-BE49-F238E27FC236}">
-                <a16:creationId xmlns:a16="http://schemas.microsoft.com/office/drawing/2014/main" id="{44120C97-46D6-E0F4-A848-209FFFD463FF}"/>
-              </a:ext>
-            </a:extLst>
-          </p:cNvPr>
-          <p:cNvPicPr>
-            <a:picLocks noChangeAspect="1"/>
-          </p:cNvPicPr>
-          <p:nvPr/>
-        </p:nvPicPr>
-        <p:blipFill>
-          <a:blip r:embed="rId4"/>
-          <a:stretch>
-            <a:fillRect/>
-          </a:stretch>
-        </p:blipFill>
-        <p:spPr>
-          <a:xfrm>
-            <a:off x="8982556" y="3617915"/>
-            <a:ext cx="2209800" cy="2209800"/>
-          </a:xfrm>
-          <a:prstGeom prst="rect">
-            <a:avLst/>
-          </a:prstGeom>
-        </p:spPr>
-      </p:pic>
-    </p:spTree>
-    <p:extLst>
-      <p:ext uri="{BB962C8B-B14F-4D97-AF65-F5344CB8AC3E}">
-        <p14:creationId xmlns:p14="http://schemas.microsoft.com/office/powerpoint/2010/main" val="1962524757"/>
-      </p:ext>
-    </p:extLst>
-  </p:cSld>
-  <p:clrMapOvr>
-    <a:masterClrMapping/>
-  </p:clrMapOvr>
-  <p:transition>
-    <p:fade/>
-  </p:transition>
-</p:sld>
-</file>
-
-<file path=ppt/slides/slide9.xml><?xml version="1.0" encoding="utf-8"?>
-<p:sld xmlns:a="http://schemas.openxmlformats.org/drawingml/2006/main" xmlns:r="http://schemas.openxmlformats.org/officeDocument/2006/relationships" xmlns:p="http://schemas.openxmlformats.org/presentationml/2006/main">
-  <p:cSld>
-    <p:spTree>
-      <p:nvGrpSpPr>
-        <p:cNvPr id="1" name="Shape 439"/>
-        <p:cNvGrpSpPr/>
-        <p:nvPr/>
-      </p:nvGrpSpPr>
-      <p:grpSpPr>
-        <a:xfrm>
-          <a:off x="0" y="0"/>
-          <a:ext cx="0" cy="0"/>
-          <a:chOff x="0" y="0"/>
-          <a:chExt cx="0" cy="0"/>
-        </a:xfrm>
-      </p:grpSpPr>
-      <p:sp>
-        <p:nvSpPr>
-          <p:cNvPr id="440" name="Google Shape;440;p29"/>
-          <p:cNvSpPr txBox="1">
-            <a:spLocks noGrp="1"/>
-          </p:cNvSpPr>
-          <p:nvPr>
-            <p:ph type="title"/>
-          </p:nvPr>
-        </p:nvSpPr>
-        <p:spPr>
-          <a:xfrm>
-            <a:off x="684150" y="358863"/>
-            <a:ext cx="10672108" cy="763500"/>
-          </a:xfrm>
-          <a:prstGeom prst="rect">
-            <a:avLst/>
-          </a:prstGeom>
-        </p:spPr>
-        <p:txBody>
-          <a:bodyPr spcFirstLastPara="1" wrap="square" lIns="121900" tIns="121900" rIns="121900" bIns="121900" anchor="t" anchorCtr="0">
-            <a:noAutofit/>
-          </a:bodyPr>
-          <a:lstStyle/>
-          <a:p>
-            <a:pPr marL="0" lvl="0" indent="0" algn="l" rtl="0">
-              <a:spcBef>
-                <a:spcPts val="0"/>
-              </a:spcBef>
-              <a:spcAft>
-                <a:spcPts val="0"/>
-              </a:spcAft>
-              <a:buNone/>
-            </a:pPr>
-            <a:r>
-              <a:rPr lang="en-US" dirty="0"/>
-              <a:t>CHALLENGE </a:t>
-            </a:r>
-            <a:r>
-              <a:rPr lang="en" sz="6000" dirty="0">
-                <a:solidFill>
-                  <a:schemeClr val="accent2"/>
-                </a:solidFill>
-              </a:rPr>
-              <a:t>MODULES</a:t>
-            </a:r>
-            <a:endParaRPr sz="6000" dirty="0">
-              <a:solidFill>
-                <a:schemeClr val="accent2"/>
-              </a:solidFill>
-            </a:endParaRPr>
-          </a:p>
-        </p:txBody>
-      </p:sp>
-      <p:sp>
-        <p:nvSpPr>
-          <p:cNvPr id="441" name="Google Shape;441;p29"/>
-          <p:cNvSpPr txBox="1">
-            <a:spLocks noGrp="1"/>
-          </p:cNvSpPr>
-          <p:nvPr>
-            <p:ph type="subTitle" idx="1"/>
-          </p:nvPr>
-        </p:nvSpPr>
-        <p:spPr>
-          <a:xfrm>
-            <a:off x="1217558" y="1800269"/>
-            <a:ext cx="9755100" cy="606900"/>
-          </a:xfrm>
-          <a:prstGeom prst="rect">
-            <a:avLst/>
-          </a:prstGeom>
-        </p:spPr>
-        <p:txBody>
-          <a:bodyPr spcFirstLastPara="1" wrap="square" lIns="121900" tIns="121900" rIns="121900" bIns="121900" anchor="t" anchorCtr="0">
-            <a:noAutofit/>
-          </a:bodyPr>
-          <a:lstStyle/>
-          <a:p>
-            <a:pPr marL="0" lvl="0" indent="0" algn="l" rtl="0">
-              <a:spcBef>
-                <a:spcPts val="0"/>
-              </a:spcBef>
-              <a:spcAft>
-                <a:spcPts val="2100"/>
-              </a:spcAft>
-              <a:buNone/>
-            </a:pPr>
-            <a:r>
-              <a:rPr lang="en" dirty="0">
-                <a:solidFill>
-                  <a:schemeClr val="accent3"/>
-                </a:solidFill>
-              </a:rPr>
-              <a:t>SNAKE CLASS (c6)</a:t>
-            </a:r>
-            <a:endParaRPr dirty="0"/>
-          </a:p>
-        </p:txBody>
-      </p:sp>
-      <p:sp>
-        <p:nvSpPr>
-          <p:cNvPr id="4" name="Text Placeholder 3">
-            <a:extLst>
-              <a:ext uri="{FF2B5EF4-FFF2-40B4-BE49-F238E27FC236}">
-                <a16:creationId xmlns:a16="http://schemas.microsoft.com/office/drawing/2014/main" id="{71064820-2700-85EE-131A-51CE2DE86E8E}"/>
-              </a:ext>
-            </a:extLst>
-          </p:cNvPr>
-          <p:cNvSpPr>
-            <a:spLocks noGrp="1"/>
-          </p:cNvSpPr>
-          <p:nvPr>
-            <p:ph type="body" idx="4"/>
-          </p:nvPr>
-        </p:nvSpPr>
-        <p:spPr>
-          <a:xfrm>
-            <a:off x="1217550" y="2238218"/>
-            <a:ext cx="9755100" cy="2350874"/>
-          </a:xfrm>
-        </p:spPr>
-        <p:txBody>
-          <a:bodyPr/>
-          <a:lstStyle/>
-          <a:p>
-            <a:pPr marL="139700" indent="0">
-              <a:buNone/>
-            </a:pPr>
-            <a:r>
-              <a:rPr lang="de-DE" dirty="0"/>
-              <a:t>Um das Programm übersichtlicher zu gestalten, soll die Logik in einer eigen Snake-Klasse ausgelagert werden. Diese kann in einer extra Datei gespeichert werden.</a:t>
-            </a:r>
-          </a:p>
-          <a:p>
-            <a:pPr marL="139700" indent="0">
-              <a:buNone/>
-            </a:pPr>
-            <a:endParaRPr lang="de-DE" dirty="0"/>
-          </a:p>
-          <a:p>
-            <a:pPr marL="139700" indent="0">
-              <a:buNone/>
-            </a:pPr>
-            <a:r>
-              <a:rPr lang="de-DE" dirty="0"/>
-              <a:t>Ebenfalls sollen andere Funktionen, wie z.B. das Screen-Setup in einer Utils.py Datei ausgelagert und danach importiert werden.</a:t>
-            </a:r>
-          </a:p>
-          <a:p>
-            <a:pPr marL="139700" indent="0">
-              <a:buNone/>
-            </a:pPr>
-            <a:endParaRPr lang="de-DE" dirty="0"/>
-          </a:p>
-          <a:p>
-            <a:pPr marL="139700" indent="0">
-              <a:buNone/>
-            </a:pPr>
-            <a:endParaRPr lang="de-DE" dirty="0"/>
-          </a:p>
-          <a:p>
-            <a:pPr marL="139700" indent="0">
-              <a:buNone/>
-            </a:pPr>
-            <a:r>
-              <a:rPr lang="de-DE" dirty="0"/>
-              <a:t>Die </a:t>
-            </a:r>
-            <a:r>
-              <a:rPr lang="de-DE" dirty="0" err="1"/>
-              <a:t>main</a:t>
-            </a:r>
-            <a:r>
-              <a:rPr lang="de-DE" dirty="0"/>
-              <a:t> Datei soll als Game-</a:t>
-            </a:r>
-            <a:r>
-              <a:rPr lang="de-DE" dirty="0" err="1"/>
-              <a:t>Controler</a:t>
-            </a:r>
-            <a:r>
-              <a:rPr lang="de-DE" dirty="0"/>
-              <a:t> genutzt werden.</a:t>
-            </a:r>
-            <a:br>
-              <a:rPr lang="de-DE" dirty="0"/>
-            </a:br>
-            <a:r>
-              <a:rPr lang="de-DE" dirty="0"/>
-              <a:t> </a:t>
-            </a:r>
-          </a:p>
-        </p:txBody>
-      </p:sp>
-    </p:spTree>
-    <p:extLst>
-      <p:ext uri="{BB962C8B-B14F-4D97-AF65-F5344CB8AC3E}">
-        <p14:creationId xmlns:p14="http://schemas.microsoft.com/office/powerpoint/2010/main" val="3872588631"/>
-      </p:ext>
-    </p:extLst>
   </p:cSld>
   <p:clrMapOvr>
     <a:masterClrMapping/>

--- a/008/lesson_8.pptx
+++ b/008/lesson_8.pptx
@@ -15891,16 +15891,12 @@
               <a:buNone/>
             </a:pPr>
             <a:r>
-              <a:rPr lang="en-US" dirty="0">
+              <a:rPr lang="en-DE" dirty="0">
                 <a:solidFill>
                   <a:schemeClr val="accent1"/>
                 </a:solidFill>
               </a:rPr>
-              <a:t>Challenge </a:t>
-            </a:r>
-            <a:r>
-              <a:rPr lang="en" dirty="0"/>
-              <a:t>Listener</a:t>
+              <a:t>Modules</a:t>
             </a:r>
             <a:endParaRPr dirty="0"/>
           </a:p>
@@ -15938,17 +15934,26 @@
               <a:buNone/>
             </a:pPr>
             <a:r>
+              <a:rPr lang="en-DE" dirty="0">
+                <a:solidFill>
+                  <a:schemeClr val="accent1"/>
+                </a:solidFill>
+              </a:rPr>
+              <a:t>Snake</a:t>
+            </a:r>
+            <a:r>
               <a:rPr lang="en-US" dirty="0">
                 <a:solidFill>
                   <a:schemeClr val="accent1"/>
                 </a:solidFill>
               </a:rPr>
-              <a:t>Challenge </a:t>
-            </a:r>
-            <a:r>
-              <a:rPr lang="en-US" dirty="0"/>
-              <a:t>Direction Logic</a:t>
-            </a:r>
+              <a:t> </a:t>
+            </a:r>
+            <a:r>
+              <a:rPr lang="en-DE" dirty="0"/>
+              <a:t>Segments</a:t>
+            </a:r>
+            <a:endParaRPr lang="en-US" dirty="0"/>
           </a:p>
         </p:txBody>
       </p:sp>
@@ -15984,16 +15989,16 @@
               <a:buNone/>
             </a:pPr>
             <a:r>
-              <a:rPr lang="en-US" dirty="0">
+              <a:rPr lang="en-DE" dirty="0" err="1">
                 <a:solidFill>
                   <a:schemeClr val="accent1"/>
                 </a:solidFill>
               </a:rPr>
-              <a:t>Challenge </a:t>
+              <a:t>MainLoop</a:t>
             </a:r>
             <a:r>
               <a:rPr lang="en" dirty="0"/>
-              <a:t>Move </a:t>
+              <a:t> </a:t>
             </a:r>
             <a:endParaRPr lang="en" dirty="0">
               <a:solidFill>
@@ -16035,25 +16040,18 @@
               <a:buNone/>
             </a:pPr>
             <a:r>
-              <a:rPr lang="en-US" dirty="0">
+              <a:rPr lang="en-DE" dirty="0">
                 <a:solidFill>
                   <a:schemeClr val="accent1"/>
                 </a:solidFill>
               </a:rPr>
-              <a:t>Challenge </a:t>
-            </a:r>
-            <a:r>
-              <a:rPr lang="en" dirty="0"/>
-              <a:t>Border Logic</a:t>
-            </a:r>
-            <a:r>
-              <a:rPr lang="en" dirty="0">
-                <a:solidFill>
-                  <a:schemeClr val="accent1"/>
-                </a:solidFill>
-              </a:rPr>
-              <a:t> </a:t>
-            </a:r>
+              <a:t>Speed</a:t>
+            </a:r>
+            <a:endParaRPr lang="en" dirty="0">
+              <a:solidFill>
+                <a:schemeClr val="accent1"/>
+              </a:solidFill>
+            </a:endParaRPr>
           </a:p>
         </p:txBody>
       </p:sp>
@@ -16139,19 +16137,27 @@
               <a:buNone/>
             </a:pPr>
             <a:r>
-              <a:rPr lang="en-US" dirty="0"/>
-              <a:t>Basics</a:t>
+              <a:rPr lang="en-DE" dirty="0" err="1"/>
+              <a:t>Hilfestellung</a:t>
             </a:r>
             <a:br>
               <a:rPr lang="en" dirty="0"/>
             </a:br>
             <a:r>
+              <a:rPr lang="en-DE" dirty="0">
+                <a:solidFill>
+                  <a:schemeClr val="accent1"/>
+                </a:solidFill>
+              </a:rPr>
+              <a:t>Segments</a:t>
+            </a:r>
+            <a:r>
               <a:rPr lang="en" dirty="0">
                 <a:solidFill>
                   <a:schemeClr val="accent1"/>
                 </a:solidFill>
               </a:rPr>
-              <a:t>Enum </a:t>
+              <a:t> </a:t>
             </a:r>
           </a:p>
         </p:txBody>
@@ -16188,17 +16194,26 @@
               <a:buNone/>
             </a:pPr>
             <a:r>
+              <a:rPr lang="en-DE" dirty="0">
+                <a:solidFill>
+                  <a:schemeClr val="accent1"/>
+                </a:solidFill>
+              </a:rPr>
+              <a:t>Game</a:t>
+            </a:r>
+            <a:r>
               <a:rPr lang="en-US" dirty="0">
                 <a:solidFill>
                   <a:schemeClr val="accent1"/>
                 </a:solidFill>
               </a:rPr>
-              <a:t>Challenge </a:t>
-            </a:r>
-            <a:r>
-              <a:rPr lang="en-US" dirty="0"/>
-              <a:t>Food</a:t>
-            </a:r>
+              <a:t> </a:t>
+            </a:r>
+            <a:r>
+              <a:rPr lang="en-DE" dirty="0"/>
+              <a:t>Controller</a:t>
+            </a:r>
+            <a:endParaRPr lang="en-US" dirty="0"/>
           </a:p>
         </p:txBody>
       </p:sp>
@@ -16675,7 +16690,7 @@
             </a:r>
             <a:r>
               <a:rPr lang="en-DE" dirty="0" err="1"/>
-              <a:t>implementierung</a:t>
+              <a:t>Implementierung</a:t>
             </a:r>
             <a:r>
               <a:rPr lang="en-DE" dirty="0"/>
@@ -16683,7 +16698,7 @@
             </a:r>
             <a:r>
               <a:rPr lang="en-DE" dirty="0" err="1"/>
-              <a:t>müssen</a:t>
+              <a:t>dürfen</a:t>
             </a:r>
             <a:r>
               <a:rPr lang="en-DE" dirty="0"/>
@@ -16707,7 +16722,7 @@
             </a:r>
             <a:r>
               <a:rPr lang="en-DE" dirty="0" err="1"/>
-              <a:t>auserhalb</a:t>
+              <a:t>außerhalb</a:t>
             </a:r>
             <a:r>
               <a:rPr lang="en-DE" dirty="0"/>
@@ -16754,7 +16769,7 @@
             </a:r>
             <a:r>
               <a:rPr lang="de-DE" dirty="0"/>
-              <a:t>, wie z.B. das Screen-Setup in einer Utils.py Datei </a:t>
+              <a:t> wie z.B. das Screen-Setup in einer Utils.py Datei </a:t>
             </a:r>
             <a:r>
               <a:rPr lang="en-DE" dirty="0" err="1"/>
@@ -17305,7 +17320,7 @@
             </a:r>
             <a:r>
               <a:rPr lang="en-DE" dirty="0" err="1"/>
-              <a:t>instanzen</a:t>
+              <a:t>Instanzen</a:t>
             </a:r>
             <a:r>
               <a:rPr lang="en-DE" dirty="0"/>
@@ -17369,15 +17384,7 @@
             </a:r>
             <a:r>
               <a:rPr lang="en-DE" dirty="0"/>
-              <a:t> </a:t>
-            </a:r>
-            <a:r>
-              <a:rPr lang="en-DE" dirty="0" err="1"/>
-              <a:t>Segmentturtle</a:t>
-            </a:r>
-            <a:r>
-              <a:rPr lang="en-DE" dirty="0"/>
-              <a:t> </a:t>
+              <a:t> Segment-Turtle </a:t>
             </a:r>
             <a:r>
               <a:rPr lang="en-DE" dirty="0" err="1"/>
@@ -17932,7 +17939,7 @@
             </a:r>
             <a:r>
               <a:rPr lang="en-DE" dirty="0" err="1"/>
-              <a:t>vorgänger</a:t>
+              <a:t>Vorgänger</a:t>
             </a:r>
             <a:r>
               <a:rPr lang="en-DE" dirty="0"/>
@@ -18024,7 +18031,15 @@
             </a:r>
             <a:r>
               <a:rPr lang="en-DE" dirty="0"/>
-              <a:t>. Bitte Frage </a:t>
+              <a:t>. Bitte </a:t>
+            </a:r>
+            <a:r>
+              <a:rPr lang="en-DE" dirty="0" err="1"/>
+              <a:t>fragt</a:t>
+            </a:r>
+            <a:r>
+              <a:rPr lang="en-DE" dirty="0"/>
+              <a:t> </a:t>
             </a:r>
             <a:r>
               <a:rPr lang="en-DE" dirty="0" err="1"/>
@@ -18032,7 +18047,7 @@
             </a:r>
             <a:r>
               <a:rPr lang="en-DE" dirty="0"/>
-              <a:t> falls </a:t>
+              <a:t>, falls </a:t>
             </a:r>
             <a:r>
               <a:rPr lang="en-DE" dirty="0" err="1"/>
@@ -21218,7 +21233,15 @@
             </a:pPr>
             <a:r>
               <a:rPr lang="de-DE" dirty="0"/>
-              <a:t>Die Geschwindigkeit der Schlange soll jedes Mal angepasst werden wenn ein Apfel eingesammelt wird.</a:t>
+              <a:t>Die Geschwindigkeit der Schlange soll jedes Mal angepasst werden</a:t>
+            </a:r>
+            <a:r>
+              <a:rPr lang="en-DE" dirty="0"/>
+              <a:t>, </a:t>
+            </a:r>
+            <a:r>
+              <a:rPr lang="de-DE" dirty="0"/>
+              <a:t>wenn ein Apfel eingesammelt wird.</a:t>
             </a:r>
           </a:p>
           <a:p>
@@ -21419,6 +21442,83 @@
               <a:rPr lang="de-DE" dirty="0"/>
               <a:t>Schreibe code für einen Game Controller, er soll dafür sorgen dass sich die Schlange beweget und sobald Nahrung eingesammelt wird die Schlange länger wird, sich die Geschwindigkeit anpasst und die Nahrung neu platziert wird.</a:t>
             </a:r>
+            <a:endParaRPr lang="en-DE" dirty="0"/>
+          </a:p>
+          <a:p>
+            <a:pPr marL="139700" indent="0">
+              <a:buNone/>
+            </a:pPr>
+            <a:endParaRPr lang="en-DE" dirty="0"/>
+          </a:p>
+          <a:p>
+            <a:pPr marL="139700" indent="0">
+              <a:buNone/>
+            </a:pPr>
+            <a:r>
+              <a:rPr lang="en-DE" dirty="0" err="1"/>
+              <a:t>Zeichne</a:t>
+            </a:r>
+            <a:r>
+              <a:rPr lang="en-DE" dirty="0"/>
+              <a:t> </a:t>
+            </a:r>
+            <a:r>
+              <a:rPr lang="en-DE" dirty="0" err="1"/>
+              <a:t>innerhalb</a:t>
+            </a:r>
+            <a:r>
+              <a:rPr lang="en-DE" dirty="0"/>
+              <a:t> des Fensters </a:t>
+            </a:r>
+            <a:r>
+              <a:rPr lang="en-DE" dirty="0" err="1"/>
+              <a:t>ein</a:t>
+            </a:r>
+            <a:r>
+              <a:rPr lang="en-DE" dirty="0"/>
+              <a:t> </a:t>
+            </a:r>
+            <a:r>
+              <a:rPr lang="en-DE" dirty="0" err="1"/>
+              <a:t>Rahmen</a:t>
+            </a:r>
+            <a:r>
+              <a:rPr lang="en-DE" dirty="0"/>
+              <a:t>, der das </a:t>
+            </a:r>
+            <a:r>
+              <a:rPr lang="en-DE" dirty="0" err="1"/>
+              <a:t>Spielfeld</a:t>
+            </a:r>
+            <a:r>
+              <a:rPr lang="en-DE" dirty="0"/>
+              <a:t> </a:t>
+            </a:r>
+            <a:r>
+              <a:rPr lang="en-DE" dirty="0" err="1"/>
+              <a:t>deutlicher</a:t>
+            </a:r>
+            <a:r>
+              <a:rPr lang="en-DE" dirty="0"/>
+              <a:t> </a:t>
+            </a:r>
+            <a:r>
+              <a:rPr lang="en-DE" dirty="0" err="1"/>
+              <a:t>abgrenzen</a:t>
+            </a:r>
+            <a:r>
+              <a:rPr lang="en-DE" dirty="0"/>
+              <a:t> </a:t>
+            </a:r>
+            <a:r>
+              <a:rPr lang="en-DE" dirty="0" err="1"/>
+              <a:t>soll</a:t>
+            </a:r>
+            <a:r>
+              <a:rPr lang="en-DE" dirty="0"/>
+              <a:t>. </a:t>
+            </a:r>
+            <a:endParaRPr lang="de-DE" dirty="0"/>
           </a:p>
           <a:p>
             <a:pPr marL="139700" indent="0">

--- a/008/lesson_8.pptx
+++ b/008/lesson_8.pptx
@@ -5,7 +5,7 @@
     <p:sldMasterId id="2147483668" r:id="rId1"/>
   </p:sldMasterIdLst>
   <p:notesMasterIdLst>
-    <p:notesMasterId r:id="rId11"/>
+    <p:notesMasterId r:id="rId9"/>
   </p:notesMasterIdLst>
   <p:sldIdLst>
     <p:sldId id="256" r:id="rId2"/>
@@ -14,34 +14,32 @@
     <p:sldId id="316" r:id="rId5"/>
     <p:sldId id="336" r:id="rId6"/>
     <p:sldId id="335" r:id="rId7"/>
-    <p:sldId id="333" r:id="rId8"/>
-    <p:sldId id="334" r:id="rId9"/>
-    <p:sldId id="278" r:id="rId10"/>
+    <p:sldId id="278" r:id="rId8"/>
   </p:sldIdLst>
   <p:sldSz cx="12192000" cy="6858000"/>
   <p:notesSz cx="6858000" cy="9144000"/>
   <p:embeddedFontLst>
     <p:embeddedFont>
       <p:font typeface="Abril Fatface" panose="02000503000000020003" pitchFamily="2" charset="0"/>
-      <p:regular r:id="rId12"/>
+      <p:regular r:id="rId10"/>
     </p:embeddedFont>
     <p:embeddedFont>
       <p:font typeface="Aldrich" panose="02000000000000000000" pitchFamily="2" charset="0"/>
-      <p:regular r:id="rId13"/>
+      <p:regular r:id="rId11"/>
     </p:embeddedFont>
     <p:embeddedFont>
       <p:font typeface="Roboto" panose="02000000000000000000" pitchFamily="2" charset="0"/>
-      <p:regular r:id="rId14"/>
-      <p:bold r:id="rId15"/>
-      <p:italic r:id="rId16"/>
-      <p:boldItalic r:id="rId17"/>
+      <p:regular r:id="rId12"/>
+      <p:bold r:id="rId13"/>
+      <p:italic r:id="rId14"/>
+      <p:boldItalic r:id="rId15"/>
     </p:embeddedFont>
     <p:embeddedFont>
       <p:font typeface="Roboto Mono" panose="00000009000000000000" pitchFamily="49" charset="0"/>
-      <p:regular r:id="rId18"/>
-      <p:bold r:id="rId19"/>
-      <p:italic r:id="rId20"/>
-      <p:boldItalic r:id="rId21"/>
+      <p:regular r:id="rId16"/>
+      <p:bold r:id="rId17"/>
+      <p:italic r:id="rId18"/>
+      <p:boldItalic r:id="rId19"/>
     </p:embeddedFont>
   </p:embeddedFontLst>
   <p:defaultTextStyle>
@@ -1385,224 +1383,6 @@
   <p:cSld>
     <p:spTree>
       <p:nvGrpSpPr>
-        <p:cNvPr id="1" name="Shape 436"/>
-        <p:cNvGrpSpPr/>
-        <p:nvPr/>
-      </p:nvGrpSpPr>
-      <p:grpSpPr>
-        <a:xfrm>
-          <a:off x="0" y="0"/>
-          <a:ext cx="0" cy="0"/>
-          <a:chOff x="0" y="0"/>
-          <a:chExt cx="0" cy="0"/>
-        </a:xfrm>
-      </p:grpSpPr>
-      <p:sp>
-        <p:nvSpPr>
-          <p:cNvPr id="437" name="Google Shape;437;ga073618e60_0_106:notes"/>
-          <p:cNvSpPr>
-            <a:spLocks noGrp="1" noRot="1" noChangeAspect="1"/>
-          </p:cNvSpPr>
-          <p:nvPr>
-            <p:ph type="sldImg" idx="2"/>
-          </p:nvPr>
-        </p:nvSpPr>
-        <p:spPr>
-          <a:xfrm>
-            <a:off x="381000" y="685800"/>
-            <a:ext cx="6096000" cy="3429000"/>
-          </a:xfrm>
-          <a:custGeom>
-            <a:avLst/>
-            <a:gdLst/>
-            <a:ahLst/>
-            <a:cxnLst/>
-            <a:rect l="l" t="t" r="r" b="b"/>
-            <a:pathLst>
-              <a:path w="120000" h="120000" extrusionOk="0">
-                <a:moveTo>
-                  <a:pt x="0" y="0"/>
-                </a:moveTo>
-                <a:lnTo>
-                  <a:pt x="120000" y="0"/>
-                </a:lnTo>
-                <a:lnTo>
-                  <a:pt x="120000" y="120000"/>
-                </a:lnTo>
-                <a:lnTo>
-                  <a:pt x="0" y="120000"/>
-                </a:lnTo>
-                <a:close/>
-              </a:path>
-            </a:pathLst>
-          </a:custGeom>
-        </p:spPr>
-      </p:sp>
-      <p:sp>
-        <p:nvSpPr>
-          <p:cNvPr id="438" name="Google Shape;438;ga073618e60_0_106:notes"/>
-          <p:cNvSpPr txBox="1">
-            <a:spLocks noGrp="1"/>
-          </p:cNvSpPr>
-          <p:nvPr>
-            <p:ph type="body" idx="1"/>
-          </p:nvPr>
-        </p:nvSpPr>
-        <p:spPr>
-          <a:xfrm>
-            <a:off x="685800" y="4343400"/>
-            <a:ext cx="5486400" cy="4114800"/>
-          </a:xfrm>
-          <a:prstGeom prst="rect">
-            <a:avLst/>
-          </a:prstGeom>
-        </p:spPr>
-        <p:txBody>
-          <a:bodyPr spcFirstLastPara="1" wrap="square" lIns="91425" tIns="91425" rIns="91425" bIns="91425" anchor="t" anchorCtr="0">
-            <a:noAutofit/>
-          </a:bodyPr>
-          <a:lstStyle/>
-          <a:p>
-            <a:pPr marL="0" lvl="0" indent="0" algn="l" rtl="0">
-              <a:spcBef>
-                <a:spcPts val="0"/>
-              </a:spcBef>
-              <a:spcAft>
-                <a:spcPts val="0"/>
-              </a:spcAft>
-              <a:buNone/>
-            </a:pPr>
-            <a:endParaRPr/>
-          </a:p>
-        </p:txBody>
-      </p:sp>
-    </p:spTree>
-    <p:extLst>
-      <p:ext uri="{BB962C8B-B14F-4D97-AF65-F5344CB8AC3E}">
-        <p14:creationId xmlns:p14="http://schemas.microsoft.com/office/powerpoint/2010/main" val="222837815"/>
-      </p:ext>
-    </p:extLst>
-  </p:cSld>
-  <p:clrMapOvr>
-    <a:masterClrMapping/>
-  </p:clrMapOvr>
-</p:notes>
-</file>
-
-<file path=ppt/notesSlides/notesSlide8.xml><?xml version="1.0" encoding="utf-8"?>
-<p:notes xmlns:a="http://schemas.openxmlformats.org/drawingml/2006/main" xmlns:r="http://schemas.openxmlformats.org/officeDocument/2006/relationships" xmlns:p="http://schemas.openxmlformats.org/presentationml/2006/main" showMasterSp="0" showMasterPhAnim="0">
-  <p:cSld>
-    <p:spTree>
-      <p:nvGrpSpPr>
-        <p:cNvPr id="1" name="Shape 436"/>
-        <p:cNvGrpSpPr/>
-        <p:nvPr/>
-      </p:nvGrpSpPr>
-      <p:grpSpPr>
-        <a:xfrm>
-          <a:off x="0" y="0"/>
-          <a:ext cx="0" cy="0"/>
-          <a:chOff x="0" y="0"/>
-          <a:chExt cx="0" cy="0"/>
-        </a:xfrm>
-      </p:grpSpPr>
-      <p:sp>
-        <p:nvSpPr>
-          <p:cNvPr id="437" name="Google Shape;437;ga073618e60_0_106:notes"/>
-          <p:cNvSpPr>
-            <a:spLocks noGrp="1" noRot="1" noChangeAspect="1"/>
-          </p:cNvSpPr>
-          <p:nvPr>
-            <p:ph type="sldImg" idx="2"/>
-          </p:nvPr>
-        </p:nvSpPr>
-        <p:spPr>
-          <a:xfrm>
-            <a:off x="381000" y="685800"/>
-            <a:ext cx="6096000" cy="3429000"/>
-          </a:xfrm>
-          <a:custGeom>
-            <a:avLst/>
-            <a:gdLst/>
-            <a:ahLst/>
-            <a:cxnLst/>
-            <a:rect l="l" t="t" r="r" b="b"/>
-            <a:pathLst>
-              <a:path w="120000" h="120000" extrusionOk="0">
-                <a:moveTo>
-                  <a:pt x="0" y="0"/>
-                </a:moveTo>
-                <a:lnTo>
-                  <a:pt x="120000" y="0"/>
-                </a:lnTo>
-                <a:lnTo>
-                  <a:pt x="120000" y="120000"/>
-                </a:lnTo>
-                <a:lnTo>
-                  <a:pt x="0" y="120000"/>
-                </a:lnTo>
-                <a:close/>
-              </a:path>
-            </a:pathLst>
-          </a:custGeom>
-        </p:spPr>
-      </p:sp>
-      <p:sp>
-        <p:nvSpPr>
-          <p:cNvPr id="438" name="Google Shape;438;ga073618e60_0_106:notes"/>
-          <p:cNvSpPr txBox="1">
-            <a:spLocks noGrp="1"/>
-          </p:cNvSpPr>
-          <p:nvPr>
-            <p:ph type="body" idx="1"/>
-          </p:nvPr>
-        </p:nvSpPr>
-        <p:spPr>
-          <a:xfrm>
-            <a:off x="685800" y="4343400"/>
-            <a:ext cx="5486400" cy="4114800"/>
-          </a:xfrm>
-          <a:prstGeom prst="rect">
-            <a:avLst/>
-          </a:prstGeom>
-        </p:spPr>
-        <p:txBody>
-          <a:bodyPr spcFirstLastPara="1" wrap="square" lIns="91425" tIns="91425" rIns="91425" bIns="91425" anchor="t" anchorCtr="0">
-            <a:noAutofit/>
-          </a:bodyPr>
-          <a:lstStyle/>
-          <a:p>
-            <a:pPr marL="0" lvl="0" indent="0" algn="l" rtl="0">
-              <a:spcBef>
-                <a:spcPts val="0"/>
-              </a:spcBef>
-              <a:spcAft>
-                <a:spcPts val="0"/>
-              </a:spcAft>
-              <a:buNone/>
-            </a:pPr>
-            <a:endParaRPr/>
-          </a:p>
-        </p:txBody>
-      </p:sp>
-    </p:spTree>
-    <p:extLst>
-      <p:ext uri="{BB962C8B-B14F-4D97-AF65-F5344CB8AC3E}">
-        <p14:creationId xmlns:p14="http://schemas.microsoft.com/office/powerpoint/2010/main" val="2362629242"/>
-      </p:ext>
-    </p:extLst>
-  </p:cSld>
-  <p:clrMapOvr>
-    <a:masterClrMapping/>
-  </p:clrMapOvr>
-</p:notes>
-</file>
-
-<file path=ppt/notesSlides/notesSlide9.xml><?xml version="1.0" encoding="utf-8"?>
-<p:notes xmlns:a="http://schemas.openxmlformats.org/drawingml/2006/main" xmlns:r="http://schemas.openxmlformats.org/officeDocument/2006/relationships" xmlns:p="http://schemas.openxmlformats.org/presentationml/2006/main" showMasterSp="0" showMasterPhAnim="0">
-  <p:cSld>
-    <p:spTree>
-      <p:nvGrpSpPr>
         <p:cNvPr id="1" name="Shape 862"/>
         <p:cNvGrpSpPr/>
         <p:nvPr/>
@@ -6900,6 +6680,2584 @@
 </file>
 
 <file path=ppt/slideLayouts/slideLayout3.xml><?xml version="1.0" encoding="utf-8"?>
+<p:sldLayout xmlns:a="http://schemas.openxmlformats.org/drawingml/2006/main" xmlns:r="http://schemas.openxmlformats.org/officeDocument/2006/relationships" xmlns:p="http://schemas.openxmlformats.org/presentationml/2006/main" matchingName="003 Talking Points" preserve="1" userDrawn="1">
+  <p:cSld name="1_003 Talking Points">
+    <p:spTree>
+      <p:nvGrpSpPr>
+        <p:cNvPr id="1" name="Shape 81"/>
+        <p:cNvGrpSpPr/>
+        <p:nvPr/>
+      </p:nvGrpSpPr>
+      <p:grpSpPr>
+        <a:xfrm>
+          <a:off x="0" y="0"/>
+          <a:ext cx="0" cy="0"/>
+          <a:chOff x="0" y="0"/>
+          <a:chExt cx="0" cy="0"/>
+        </a:xfrm>
+      </p:grpSpPr>
+      <p:grpSp>
+        <p:nvGrpSpPr>
+          <p:cNvPr id="88" name="Google Shape;88;p5"/>
+          <p:cNvGrpSpPr/>
+          <p:nvPr/>
+        </p:nvGrpSpPr>
+        <p:grpSpPr>
+          <a:xfrm>
+            <a:off x="481800" y="4138775"/>
+            <a:ext cx="3509100" cy="2030700"/>
+            <a:chOff x="396625" y="1776575"/>
+            <a:chExt cx="3509100" cy="2030700"/>
+          </a:xfrm>
+        </p:grpSpPr>
+        <p:sp>
+          <p:nvSpPr>
+            <p:cNvPr id="89" name="Google Shape;89;p5"/>
+            <p:cNvSpPr/>
+            <p:nvPr/>
+          </p:nvSpPr>
+          <p:spPr>
+            <a:xfrm>
+              <a:off x="396625" y="1776575"/>
+              <a:ext cx="3509100" cy="2030700"/>
+            </a:xfrm>
+            <a:prstGeom prst="roundRect">
+              <a:avLst>
+                <a:gd name="adj" fmla="val 9303"/>
+              </a:avLst>
+            </a:prstGeom>
+            <a:solidFill>
+              <a:schemeClr val="lt2"/>
+            </a:solidFill>
+            <a:ln>
+              <a:noFill/>
+            </a:ln>
+            <a:effectLst>
+              <a:outerShdw blurRad="63500" sx="102000" sy="102000" algn="ctr" rotWithShape="0">
+                <a:srgbClr val="000000">
+                  <a:alpha val="9800"/>
+                </a:srgbClr>
+              </a:outerShdw>
+            </a:effectLst>
+          </p:spPr>
+          <p:txBody>
+            <a:bodyPr spcFirstLastPara="1" wrap="square" lIns="91425" tIns="45700" rIns="91425" bIns="45700" anchor="ctr" anchorCtr="0">
+              <a:noAutofit/>
+            </a:bodyPr>
+            <a:lstStyle/>
+            <a:p>
+              <a:pPr marL="0" marR="0" lvl="0" indent="0" algn="ctr" rtl="0">
+                <a:spcBef>
+                  <a:spcPts val="0"/>
+                </a:spcBef>
+                <a:spcAft>
+                  <a:spcPts val="0"/>
+                </a:spcAft>
+                <a:buNone/>
+              </a:pPr>
+              <a:endParaRPr sz="1800" b="0" i="0" u="none" strike="noStrike" cap="none">
+                <a:solidFill>
+                  <a:srgbClr val="FFFFFF"/>
+                </a:solidFill>
+                <a:latin typeface="Calibri"/>
+                <a:ea typeface="Calibri"/>
+                <a:cs typeface="Calibri"/>
+                <a:sym typeface="Calibri"/>
+              </a:endParaRPr>
+            </a:p>
+          </p:txBody>
+        </p:sp>
+        <p:grpSp>
+          <p:nvGrpSpPr>
+            <p:cNvPr id="90" name="Google Shape;90;p5"/>
+            <p:cNvGrpSpPr/>
+            <p:nvPr/>
+          </p:nvGrpSpPr>
+          <p:grpSpPr>
+            <a:xfrm>
+              <a:off x="532296" y="1886684"/>
+              <a:ext cx="635280" cy="147600"/>
+              <a:chOff x="2147366" y="4139382"/>
+              <a:chExt cx="635280" cy="147600"/>
+            </a:xfrm>
+          </p:grpSpPr>
+          <p:sp>
+            <p:nvSpPr>
+              <p:cNvPr id="91" name="Google Shape;91;p5"/>
+              <p:cNvSpPr/>
+              <p:nvPr/>
+            </p:nvSpPr>
+            <p:spPr>
+              <a:xfrm>
+                <a:off x="2147366" y="4139382"/>
+                <a:ext cx="147600" cy="147600"/>
+              </a:xfrm>
+              <a:prstGeom prst="ellipse">
+                <a:avLst/>
+              </a:prstGeom>
+              <a:solidFill>
+                <a:schemeClr val="accent4"/>
+              </a:solidFill>
+              <a:ln>
+                <a:noFill/>
+              </a:ln>
+            </p:spPr>
+            <p:txBody>
+              <a:bodyPr spcFirstLastPara="1" wrap="square" lIns="91425" tIns="45700" rIns="91425" bIns="45700" anchor="ctr" anchorCtr="0">
+                <a:noAutofit/>
+              </a:bodyPr>
+              <a:lstStyle/>
+              <a:p>
+                <a:pPr marL="0" marR="0" lvl="0" indent="0" algn="ctr" rtl="0">
+                  <a:spcBef>
+                    <a:spcPts val="0"/>
+                  </a:spcBef>
+                  <a:spcAft>
+                    <a:spcPts val="0"/>
+                  </a:spcAft>
+                  <a:buNone/>
+                </a:pPr>
+                <a:endParaRPr sz="1800" b="0" i="0" u="none" strike="noStrike" cap="none">
+                  <a:solidFill>
+                    <a:srgbClr val="FFFFFF"/>
+                  </a:solidFill>
+                  <a:latin typeface="Calibri"/>
+                  <a:ea typeface="Calibri"/>
+                  <a:cs typeface="Calibri"/>
+                  <a:sym typeface="Calibri"/>
+                </a:endParaRPr>
+              </a:p>
+            </p:txBody>
+          </p:sp>
+          <p:sp>
+            <p:nvSpPr>
+              <p:cNvPr id="92" name="Google Shape;92;p5"/>
+              <p:cNvSpPr/>
+              <p:nvPr/>
+            </p:nvSpPr>
+            <p:spPr>
+              <a:xfrm>
+                <a:off x="2391206" y="4139382"/>
+                <a:ext cx="147600" cy="147600"/>
+              </a:xfrm>
+              <a:prstGeom prst="ellipse">
+                <a:avLst/>
+              </a:prstGeom>
+              <a:solidFill>
+                <a:schemeClr val="accent5"/>
+              </a:solidFill>
+              <a:ln>
+                <a:noFill/>
+              </a:ln>
+            </p:spPr>
+            <p:txBody>
+              <a:bodyPr spcFirstLastPara="1" wrap="square" lIns="91425" tIns="45700" rIns="91425" bIns="45700" anchor="ctr" anchorCtr="0">
+                <a:noAutofit/>
+              </a:bodyPr>
+              <a:lstStyle/>
+              <a:p>
+                <a:pPr marL="0" marR="0" lvl="0" indent="0" algn="ctr" rtl="0">
+                  <a:spcBef>
+                    <a:spcPts val="0"/>
+                  </a:spcBef>
+                  <a:spcAft>
+                    <a:spcPts val="0"/>
+                  </a:spcAft>
+                  <a:buNone/>
+                </a:pPr>
+                <a:endParaRPr sz="1800" b="0" i="0" u="none" strike="noStrike" cap="none">
+                  <a:solidFill>
+                    <a:srgbClr val="FFFFFF"/>
+                  </a:solidFill>
+                  <a:latin typeface="Calibri"/>
+                  <a:ea typeface="Calibri"/>
+                  <a:cs typeface="Calibri"/>
+                  <a:sym typeface="Calibri"/>
+                </a:endParaRPr>
+              </a:p>
+            </p:txBody>
+          </p:sp>
+          <p:sp>
+            <p:nvSpPr>
+              <p:cNvPr id="93" name="Google Shape;93;p5"/>
+              <p:cNvSpPr/>
+              <p:nvPr/>
+            </p:nvSpPr>
+            <p:spPr>
+              <a:xfrm>
+                <a:off x="2635046" y="4139382"/>
+                <a:ext cx="147600" cy="147600"/>
+              </a:xfrm>
+              <a:prstGeom prst="ellipse">
+                <a:avLst/>
+              </a:prstGeom>
+              <a:solidFill>
+                <a:schemeClr val="accent6"/>
+              </a:solidFill>
+              <a:ln>
+                <a:noFill/>
+              </a:ln>
+            </p:spPr>
+            <p:txBody>
+              <a:bodyPr spcFirstLastPara="1" wrap="square" lIns="91425" tIns="45700" rIns="91425" bIns="45700" anchor="ctr" anchorCtr="0">
+                <a:noAutofit/>
+              </a:bodyPr>
+              <a:lstStyle/>
+              <a:p>
+                <a:pPr marL="0" marR="0" lvl="0" indent="0" algn="ctr" rtl="0">
+                  <a:spcBef>
+                    <a:spcPts val="0"/>
+                  </a:spcBef>
+                  <a:spcAft>
+                    <a:spcPts val="0"/>
+                  </a:spcAft>
+                  <a:buNone/>
+                </a:pPr>
+                <a:endParaRPr sz="1800" b="0" i="0" u="none" strike="noStrike" cap="none">
+                  <a:solidFill>
+                    <a:srgbClr val="FFFFFF"/>
+                  </a:solidFill>
+                  <a:latin typeface="Calibri"/>
+                  <a:ea typeface="Calibri"/>
+                  <a:cs typeface="Calibri"/>
+                  <a:sym typeface="Calibri"/>
+                </a:endParaRPr>
+              </a:p>
+            </p:txBody>
+          </p:sp>
+        </p:grpSp>
+      </p:grpSp>
+      <p:grpSp>
+        <p:nvGrpSpPr>
+          <p:cNvPr id="100" name="Google Shape;100;p5"/>
+          <p:cNvGrpSpPr/>
+          <p:nvPr/>
+        </p:nvGrpSpPr>
+        <p:grpSpPr>
+          <a:xfrm>
+            <a:off x="481800" y="1776575"/>
+            <a:ext cx="3509100" cy="2030700"/>
+            <a:chOff x="396625" y="1776575"/>
+            <a:chExt cx="3509100" cy="2030700"/>
+          </a:xfrm>
+        </p:grpSpPr>
+        <p:sp>
+          <p:nvSpPr>
+            <p:cNvPr id="101" name="Google Shape;101;p5"/>
+            <p:cNvSpPr/>
+            <p:nvPr/>
+          </p:nvSpPr>
+          <p:spPr>
+            <a:xfrm>
+              <a:off x="396625" y="1776575"/>
+              <a:ext cx="3509100" cy="2030700"/>
+            </a:xfrm>
+            <a:prstGeom prst="roundRect">
+              <a:avLst>
+                <a:gd name="adj" fmla="val 9303"/>
+              </a:avLst>
+            </a:prstGeom>
+            <a:solidFill>
+              <a:schemeClr val="lt2"/>
+            </a:solidFill>
+            <a:ln>
+              <a:noFill/>
+            </a:ln>
+            <a:effectLst>
+              <a:outerShdw blurRad="63500" sx="102000" sy="102000" algn="ctr" rotWithShape="0">
+                <a:srgbClr val="000000">
+                  <a:alpha val="9800"/>
+                </a:srgbClr>
+              </a:outerShdw>
+            </a:effectLst>
+          </p:spPr>
+          <p:txBody>
+            <a:bodyPr spcFirstLastPara="1" wrap="square" lIns="91425" tIns="45700" rIns="91425" bIns="45700" anchor="ctr" anchorCtr="0">
+              <a:noAutofit/>
+            </a:bodyPr>
+            <a:lstStyle/>
+            <a:p>
+              <a:pPr marL="0" marR="0" lvl="0" indent="0" algn="ctr" rtl="0">
+                <a:spcBef>
+                  <a:spcPts val="0"/>
+                </a:spcBef>
+                <a:spcAft>
+                  <a:spcPts val="0"/>
+                </a:spcAft>
+                <a:buNone/>
+              </a:pPr>
+              <a:endParaRPr sz="1800" b="0" i="0" u="none" strike="noStrike" cap="none">
+                <a:solidFill>
+                  <a:srgbClr val="FFFFFF"/>
+                </a:solidFill>
+                <a:latin typeface="Calibri"/>
+                <a:ea typeface="Calibri"/>
+                <a:cs typeface="Calibri"/>
+                <a:sym typeface="Calibri"/>
+              </a:endParaRPr>
+            </a:p>
+          </p:txBody>
+        </p:sp>
+        <p:grpSp>
+          <p:nvGrpSpPr>
+            <p:cNvPr id="102" name="Google Shape;102;p5"/>
+            <p:cNvGrpSpPr/>
+            <p:nvPr/>
+          </p:nvGrpSpPr>
+          <p:grpSpPr>
+            <a:xfrm>
+              <a:off x="532296" y="1886684"/>
+              <a:ext cx="635280" cy="147600"/>
+              <a:chOff x="2147366" y="4139382"/>
+              <a:chExt cx="635280" cy="147600"/>
+            </a:xfrm>
+          </p:grpSpPr>
+          <p:sp>
+            <p:nvSpPr>
+              <p:cNvPr id="103" name="Google Shape;103;p5"/>
+              <p:cNvSpPr/>
+              <p:nvPr/>
+            </p:nvSpPr>
+            <p:spPr>
+              <a:xfrm>
+                <a:off x="2147366" y="4139382"/>
+                <a:ext cx="147600" cy="147600"/>
+              </a:xfrm>
+              <a:prstGeom prst="ellipse">
+                <a:avLst/>
+              </a:prstGeom>
+              <a:solidFill>
+                <a:schemeClr val="accent4"/>
+              </a:solidFill>
+              <a:ln>
+                <a:noFill/>
+              </a:ln>
+            </p:spPr>
+            <p:txBody>
+              <a:bodyPr spcFirstLastPara="1" wrap="square" lIns="91425" tIns="45700" rIns="91425" bIns="45700" anchor="ctr" anchorCtr="0">
+                <a:noAutofit/>
+              </a:bodyPr>
+              <a:lstStyle/>
+              <a:p>
+                <a:pPr marL="0" marR="0" lvl="0" indent="0" algn="ctr" rtl="0">
+                  <a:spcBef>
+                    <a:spcPts val="0"/>
+                  </a:spcBef>
+                  <a:spcAft>
+                    <a:spcPts val="0"/>
+                  </a:spcAft>
+                  <a:buNone/>
+                </a:pPr>
+                <a:endParaRPr sz="1800" b="0" i="0" u="none" strike="noStrike" cap="none">
+                  <a:solidFill>
+                    <a:srgbClr val="FFFFFF"/>
+                  </a:solidFill>
+                  <a:latin typeface="Calibri"/>
+                  <a:ea typeface="Calibri"/>
+                  <a:cs typeface="Calibri"/>
+                  <a:sym typeface="Calibri"/>
+                </a:endParaRPr>
+              </a:p>
+            </p:txBody>
+          </p:sp>
+          <p:sp>
+            <p:nvSpPr>
+              <p:cNvPr id="104" name="Google Shape;104;p5"/>
+              <p:cNvSpPr/>
+              <p:nvPr/>
+            </p:nvSpPr>
+            <p:spPr>
+              <a:xfrm>
+                <a:off x="2391206" y="4139382"/>
+                <a:ext cx="147600" cy="147600"/>
+              </a:xfrm>
+              <a:prstGeom prst="ellipse">
+                <a:avLst/>
+              </a:prstGeom>
+              <a:solidFill>
+                <a:schemeClr val="accent5"/>
+              </a:solidFill>
+              <a:ln>
+                <a:noFill/>
+              </a:ln>
+            </p:spPr>
+            <p:txBody>
+              <a:bodyPr spcFirstLastPara="1" wrap="square" lIns="91425" tIns="45700" rIns="91425" bIns="45700" anchor="ctr" anchorCtr="0">
+                <a:noAutofit/>
+              </a:bodyPr>
+              <a:lstStyle/>
+              <a:p>
+                <a:pPr marL="0" marR="0" lvl="0" indent="0" algn="ctr" rtl="0">
+                  <a:spcBef>
+                    <a:spcPts val="0"/>
+                  </a:spcBef>
+                  <a:spcAft>
+                    <a:spcPts val="0"/>
+                  </a:spcAft>
+                  <a:buNone/>
+                </a:pPr>
+                <a:endParaRPr sz="1800" b="0" i="0" u="none" strike="noStrike" cap="none">
+                  <a:solidFill>
+                    <a:srgbClr val="FFFFFF"/>
+                  </a:solidFill>
+                  <a:latin typeface="Calibri"/>
+                  <a:ea typeface="Calibri"/>
+                  <a:cs typeface="Calibri"/>
+                  <a:sym typeface="Calibri"/>
+                </a:endParaRPr>
+              </a:p>
+            </p:txBody>
+          </p:sp>
+          <p:sp>
+            <p:nvSpPr>
+              <p:cNvPr id="105" name="Google Shape;105;p5"/>
+              <p:cNvSpPr/>
+              <p:nvPr/>
+            </p:nvSpPr>
+            <p:spPr>
+              <a:xfrm>
+                <a:off x="2635046" y="4139382"/>
+                <a:ext cx="147600" cy="147600"/>
+              </a:xfrm>
+              <a:prstGeom prst="ellipse">
+                <a:avLst/>
+              </a:prstGeom>
+              <a:solidFill>
+                <a:schemeClr val="accent6"/>
+              </a:solidFill>
+              <a:ln>
+                <a:noFill/>
+              </a:ln>
+            </p:spPr>
+            <p:txBody>
+              <a:bodyPr spcFirstLastPara="1" wrap="square" lIns="91425" tIns="45700" rIns="91425" bIns="45700" anchor="ctr" anchorCtr="0">
+                <a:noAutofit/>
+              </a:bodyPr>
+              <a:lstStyle/>
+              <a:p>
+                <a:pPr marL="0" marR="0" lvl="0" indent="0" algn="ctr" rtl="0">
+                  <a:spcBef>
+                    <a:spcPts val="0"/>
+                  </a:spcBef>
+                  <a:spcAft>
+                    <a:spcPts val="0"/>
+                  </a:spcAft>
+                  <a:buNone/>
+                </a:pPr>
+                <a:endParaRPr sz="1800" b="0" i="0" u="none" strike="noStrike" cap="none">
+                  <a:solidFill>
+                    <a:srgbClr val="FFFFFF"/>
+                  </a:solidFill>
+                  <a:latin typeface="Calibri"/>
+                  <a:ea typeface="Calibri"/>
+                  <a:cs typeface="Calibri"/>
+                  <a:sym typeface="Calibri"/>
+                </a:endParaRPr>
+              </a:p>
+            </p:txBody>
+          </p:sp>
+        </p:grpSp>
+      </p:grpSp>
+      <p:grpSp>
+        <p:nvGrpSpPr>
+          <p:cNvPr id="106" name="Google Shape;106;p5"/>
+          <p:cNvGrpSpPr/>
+          <p:nvPr/>
+        </p:nvGrpSpPr>
+        <p:grpSpPr>
+          <a:xfrm>
+            <a:off x="8201100" y="1776575"/>
+            <a:ext cx="3509100" cy="2030700"/>
+            <a:chOff x="8115925" y="1776575"/>
+            <a:chExt cx="3509100" cy="2030700"/>
+          </a:xfrm>
+        </p:grpSpPr>
+        <p:sp>
+          <p:nvSpPr>
+            <p:cNvPr id="107" name="Google Shape;107;p5"/>
+            <p:cNvSpPr/>
+            <p:nvPr/>
+          </p:nvSpPr>
+          <p:spPr>
+            <a:xfrm>
+              <a:off x="8115925" y="1776575"/>
+              <a:ext cx="3509100" cy="2030700"/>
+            </a:xfrm>
+            <a:prstGeom prst="roundRect">
+              <a:avLst>
+                <a:gd name="adj" fmla="val 9303"/>
+              </a:avLst>
+            </a:prstGeom>
+            <a:solidFill>
+              <a:schemeClr val="lt2"/>
+            </a:solidFill>
+            <a:ln>
+              <a:noFill/>
+            </a:ln>
+            <a:effectLst>
+              <a:outerShdw blurRad="63500" sx="102000" sy="102000" algn="ctr" rotWithShape="0">
+                <a:srgbClr val="000000">
+                  <a:alpha val="9800"/>
+                </a:srgbClr>
+              </a:outerShdw>
+            </a:effectLst>
+          </p:spPr>
+          <p:txBody>
+            <a:bodyPr spcFirstLastPara="1" wrap="square" lIns="91425" tIns="45700" rIns="91425" bIns="45700" anchor="ctr" anchorCtr="0">
+              <a:noAutofit/>
+            </a:bodyPr>
+            <a:lstStyle/>
+            <a:p>
+              <a:pPr marL="0" marR="0" lvl="0" indent="0" algn="ctr" rtl="0">
+                <a:spcBef>
+                  <a:spcPts val="0"/>
+                </a:spcBef>
+                <a:spcAft>
+                  <a:spcPts val="0"/>
+                </a:spcAft>
+                <a:buNone/>
+              </a:pPr>
+              <a:endParaRPr sz="1800" b="0" i="0" u="none" strike="noStrike" cap="none">
+                <a:solidFill>
+                  <a:srgbClr val="FFFFFF"/>
+                </a:solidFill>
+                <a:latin typeface="Calibri"/>
+                <a:ea typeface="Calibri"/>
+                <a:cs typeface="Calibri"/>
+                <a:sym typeface="Calibri"/>
+              </a:endParaRPr>
+            </a:p>
+          </p:txBody>
+        </p:sp>
+        <p:grpSp>
+          <p:nvGrpSpPr>
+            <p:cNvPr id="108" name="Google Shape;108;p5"/>
+            <p:cNvGrpSpPr/>
+            <p:nvPr/>
+          </p:nvGrpSpPr>
+          <p:grpSpPr>
+            <a:xfrm>
+              <a:off x="8251596" y="1886684"/>
+              <a:ext cx="635280" cy="147600"/>
+              <a:chOff x="2147366" y="4139382"/>
+              <a:chExt cx="635280" cy="147600"/>
+            </a:xfrm>
+          </p:grpSpPr>
+          <p:sp>
+            <p:nvSpPr>
+              <p:cNvPr id="109" name="Google Shape;109;p5"/>
+              <p:cNvSpPr/>
+              <p:nvPr/>
+            </p:nvSpPr>
+            <p:spPr>
+              <a:xfrm>
+                <a:off x="2147366" y="4139382"/>
+                <a:ext cx="147600" cy="147600"/>
+              </a:xfrm>
+              <a:prstGeom prst="ellipse">
+                <a:avLst/>
+              </a:prstGeom>
+              <a:solidFill>
+                <a:schemeClr val="accent4"/>
+              </a:solidFill>
+              <a:ln>
+                <a:noFill/>
+              </a:ln>
+            </p:spPr>
+            <p:txBody>
+              <a:bodyPr spcFirstLastPara="1" wrap="square" lIns="91425" tIns="45700" rIns="91425" bIns="45700" anchor="ctr" anchorCtr="0">
+                <a:noAutofit/>
+              </a:bodyPr>
+              <a:lstStyle/>
+              <a:p>
+                <a:pPr marL="0" marR="0" lvl="0" indent="0" algn="ctr" rtl="0">
+                  <a:spcBef>
+                    <a:spcPts val="0"/>
+                  </a:spcBef>
+                  <a:spcAft>
+                    <a:spcPts val="0"/>
+                  </a:spcAft>
+                  <a:buNone/>
+                </a:pPr>
+                <a:endParaRPr sz="1800" b="0" i="0" u="none" strike="noStrike" cap="none">
+                  <a:solidFill>
+                    <a:srgbClr val="FFFFFF"/>
+                  </a:solidFill>
+                  <a:latin typeface="Calibri"/>
+                  <a:ea typeface="Calibri"/>
+                  <a:cs typeface="Calibri"/>
+                  <a:sym typeface="Calibri"/>
+                </a:endParaRPr>
+              </a:p>
+            </p:txBody>
+          </p:sp>
+          <p:sp>
+            <p:nvSpPr>
+              <p:cNvPr id="110" name="Google Shape;110;p5"/>
+              <p:cNvSpPr/>
+              <p:nvPr/>
+            </p:nvSpPr>
+            <p:spPr>
+              <a:xfrm>
+                <a:off x="2391206" y="4139382"/>
+                <a:ext cx="147600" cy="147600"/>
+              </a:xfrm>
+              <a:prstGeom prst="ellipse">
+                <a:avLst/>
+              </a:prstGeom>
+              <a:solidFill>
+                <a:schemeClr val="accent5"/>
+              </a:solidFill>
+              <a:ln>
+                <a:noFill/>
+              </a:ln>
+            </p:spPr>
+            <p:txBody>
+              <a:bodyPr spcFirstLastPara="1" wrap="square" lIns="91425" tIns="45700" rIns="91425" bIns="45700" anchor="ctr" anchorCtr="0">
+                <a:noAutofit/>
+              </a:bodyPr>
+              <a:lstStyle/>
+              <a:p>
+                <a:pPr marL="0" marR="0" lvl="0" indent="0" algn="ctr" rtl="0">
+                  <a:spcBef>
+                    <a:spcPts val="0"/>
+                  </a:spcBef>
+                  <a:spcAft>
+                    <a:spcPts val="0"/>
+                  </a:spcAft>
+                  <a:buNone/>
+                </a:pPr>
+                <a:endParaRPr sz="1800" b="0" i="0" u="none" strike="noStrike" cap="none">
+                  <a:solidFill>
+                    <a:srgbClr val="FFFFFF"/>
+                  </a:solidFill>
+                  <a:latin typeface="Calibri"/>
+                  <a:ea typeface="Calibri"/>
+                  <a:cs typeface="Calibri"/>
+                  <a:sym typeface="Calibri"/>
+                </a:endParaRPr>
+              </a:p>
+            </p:txBody>
+          </p:sp>
+          <p:sp>
+            <p:nvSpPr>
+              <p:cNvPr id="111" name="Google Shape;111;p5"/>
+              <p:cNvSpPr/>
+              <p:nvPr/>
+            </p:nvSpPr>
+            <p:spPr>
+              <a:xfrm>
+                <a:off x="2635046" y="4139382"/>
+                <a:ext cx="147600" cy="147600"/>
+              </a:xfrm>
+              <a:prstGeom prst="ellipse">
+                <a:avLst/>
+              </a:prstGeom>
+              <a:solidFill>
+                <a:schemeClr val="accent6"/>
+              </a:solidFill>
+              <a:ln>
+                <a:noFill/>
+              </a:ln>
+            </p:spPr>
+            <p:txBody>
+              <a:bodyPr spcFirstLastPara="1" wrap="square" lIns="91425" tIns="45700" rIns="91425" bIns="45700" anchor="ctr" anchorCtr="0">
+                <a:noAutofit/>
+              </a:bodyPr>
+              <a:lstStyle/>
+              <a:p>
+                <a:pPr marL="0" marR="0" lvl="0" indent="0" algn="ctr" rtl="0">
+                  <a:spcBef>
+                    <a:spcPts val="0"/>
+                  </a:spcBef>
+                  <a:spcAft>
+                    <a:spcPts val="0"/>
+                  </a:spcAft>
+                  <a:buNone/>
+                </a:pPr>
+                <a:endParaRPr sz="1800" b="0" i="0" u="none" strike="noStrike" cap="none">
+                  <a:solidFill>
+                    <a:srgbClr val="FFFFFF"/>
+                  </a:solidFill>
+                  <a:latin typeface="Calibri"/>
+                  <a:ea typeface="Calibri"/>
+                  <a:cs typeface="Calibri"/>
+                  <a:sym typeface="Calibri"/>
+                </a:endParaRPr>
+              </a:p>
+            </p:txBody>
+          </p:sp>
+        </p:grpSp>
+      </p:grpSp>
+      <p:grpSp>
+        <p:nvGrpSpPr>
+          <p:cNvPr id="112" name="Google Shape;112;p5"/>
+          <p:cNvGrpSpPr/>
+          <p:nvPr/>
+        </p:nvGrpSpPr>
+        <p:grpSpPr>
+          <a:xfrm>
+            <a:off x="4341450" y="1776575"/>
+            <a:ext cx="3509100" cy="2030700"/>
+            <a:chOff x="4234200" y="1776575"/>
+            <a:chExt cx="3509100" cy="2030700"/>
+          </a:xfrm>
+        </p:grpSpPr>
+        <p:sp>
+          <p:nvSpPr>
+            <p:cNvPr id="113" name="Google Shape;113;p5"/>
+            <p:cNvSpPr/>
+            <p:nvPr/>
+          </p:nvSpPr>
+          <p:spPr>
+            <a:xfrm>
+              <a:off x="4234200" y="1776575"/>
+              <a:ext cx="3509100" cy="2030700"/>
+            </a:xfrm>
+            <a:prstGeom prst="roundRect">
+              <a:avLst>
+                <a:gd name="adj" fmla="val 9303"/>
+              </a:avLst>
+            </a:prstGeom>
+            <a:solidFill>
+              <a:schemeClr val="lt2"/>
+            </a:solidFill>
+            <a:ln>
+              <a:noFill/>
+            </a:ln>
+            <a:effectLst>
+              <a:outerShdw blurRad="63500" sx="102000" sy="102000" algn="ctr" rotWithShape="0">
+                <a:srgbClr val="000000">
+                  <a:alpha val="9800"/>
+                </a:srgbClr>
+              </a:outerShdw>
+            </a:effectLst>
+          </p:spPr>
+          <p:txBody>
+            <a:bodyPr spcFirstLastPara="1" wrap="square" lIns="91425" tIns="45700" rIns="91425" bIns="45700" anchor="ctr" anchorCtr="0">
+              <a:noAutofit/>
+            </a:bodyPr>
+            <a:lstStyle/>
+            <a:p>
+              <a:pPr marL="0" marR="0" lvl="0" indent="0" algn="ctr" rtl="0">
+                <a:spcBef>
+                  <a:spcPts val="0"/>
+                </a:spcBef>
+                <a:spcAft>
+                  <a:spcPts val="0"/>
+                </a:spcAft>
+                <a:buNone/>
+              </a:pPr>
+              <a:endParaRPr sz="1800" b="0" i="0" u="none" strike="noStrike" cap="none">
+                <a:solidFill>
+                  <a:srgbClr val="FFFFFF"/>
+                </a:solidFill>
+                <a:latin typeface="Calibri"/>
+                <a:ea typeface="Calibri"/>
+                <a:cs typeface="Calibri"/>
+                <a:sym typeface="Calibri"/>
+              </a:endParaRPr>
+            </a:p>
+          </p:txBody>
+        </p:sp>
+        <p:grpSp>
+          <p:nvGrpSpPr>
+            <p:cNvPr id="114" name="Google Shape;114;p5"/>
+            <p:cNvGrpSpPr/>
+            <p:nvPr/>
+          </p:nvGrpSpPr>
+          <p:grpSpPr>
+            <a:xfrm>
+              <a:off x="4369871" y="1886684"/>
+              <a:ext cx="635280" cy="147600"/>
+              <a:chOff x="2147366" y="4139382"/>
+              <a:chExt cx="635280" cy="147600"/>
+            </a:xfrm>
+          </p:grpSpPr>
+          <p:sp>
+            <p:nvSpPr>
+              <p:cNvPr id="115" name="Google Shape;115;p5"/>
+              <p:cNvSpPr/>
+              <p:nvPr/>
+            </p:nvSpPr>
+            <p:spPr>
+              <a:xfrm>
+                <a:off x="2147366" y="4139382"/>
+                <a:ext cx="147600" cy="147600"/>
+              </a:xfrm>
+              <a:prstGeom prst="ellipse">
+                <a:avLst/>
+              </a:prstGeom>
+              <a:solidFill>
+                <a:schemeClr val="accent4"/>
+              </a:solidFill>
+              <a:ln>
+                <a:noFill/>
+              </a:ln>
+            </p:spPr>
+            <p:txBody>
+              <a:bodyPr spcFirstLastPara="1" wrap="square" lIns="91425" tIns="45700" rIns="91425" bIns="45700" anchor="ctr" anchorCtr="0">
+                <a:noAutofit/>
+              </a:bodyPr>
+              <a:lstStyle/>
+              <a:p>
+                <a:pPr marL="0" marR="0" lvl="0" indent="0" algn="ctr" rtl="0">
+                  <a:spcBef>
+                    <a:spcPts val="0"/>
+                  </a:spcBef>
+                  <a:spcAft>
+                    <a:spcPts val="0"/>
+                  </a:spcAft>
+                  <a:buNone/>
+                </a:pPr>
+                <a:endParaRPr sz="1800" b="0" i="0" u="none" strike="noStrike" cap="none">
+                  <a:solidFill>
+                    <a:srgbClr val="FFFFFF"/>
+                  </a:solidFill>
+                  <a:latin typeface="Calibri"/>
+                  <a:ea typeface="Calibri"/>
+                  <a:cs typeface="Calibri"/>
+                  <a:sym typeface="Calibri"/>
+                </a:endParaRPr>
+              </a:p>
+            </p:txBody>
+          </p:sp>
+          <p:sp>
+            <p:nvSpPr>
+              <p:cNvPr id="116" name="Google Shape;116;p5"/>
+              <p:cNvSpPr/>
+              <p:nvPr/>
+            </p:nvSpPr>
+            <p:spPr>
+              <a:xfrm>
+                <a:off x="2391206" y="4139382"/>
+                <a:ext cx="147600" cy="147600"/>
+              </a:xfrm>
+              <a:prstGeom prst="ellipse">
+                <a:avLst/>
+              </a:prstGeom>
+              <a:solidFill>
+                <a:schemeClr val="accent5"/>
+              </a:solidFill>
+              <a:ln>
+                <a:noFill/>
+              </a:ln>
+            </p:spPr>
+            <p:txBody>
+              <a:bodyPr spcFirstLastPara="1" wrap="square" lIns="91425" tIns="45700" rIns="91425" bIns="45700" anchor="ctr" anchorCtr="0">
+                <a:noAutofit/>
+              </a:bodyPr>
+              <a:lstStyle/>
+              <a:p>
+                <a:pPr marL="0" marR="0" lvl="0" indent="0" algn="ctr" rtl="0">
+                  <a:spcBef>
+                    <a:spcPts val="0"/>
+                  </a:spcBef>
+                  <a:spcAft>
+                    <a:spcPts val="0"/>
+                  </a:spcAft>
+                  <a:buNone/>
+                </a:pPr>
+                <a:endParaRPr sz="1800" b="0" i="0" u="none" strike="noStrike" cap="none">
+                  <a:solidFill>
+                    <a:srgbClr val="FFFFFF"/>
+                  </a:solidFill>
+                  <a:latin typeface="Calibri"/>
+                  <a:ea typeface="Calibri"/>
+                  <a:cs typeface="Calibri"/>
+                  <a:sym typeface="Calibri"/>
+                </a:endParaRPr>
+              </a:p>
+            </p:txBody>
+          </p:sp>
+          <p:sp>
+            <p:nvSpPr>
+              <p:cNvPr id="117" name="Google Shape;117;p5"/>
+              <p:cNvSpPr/>
+              <p:nvPr/>
+            </p:nvSpPr>
+            <p:spPr>
+              <a:xfrm>
+                <a:off x="2635046" y="4139382"/>
+                <a:ext cx="147600" cy="147600"/>
+              </a:xfrm>
+              <a:prstGeom prst="ellipse">
+                <a:avLst/>
+              </a:prstGeom>
+              <a:solidFill>
+                <a:schemeClr val="accent6"/>
+              </a:solidFill>
+              <a:ln>
+                <a:noFill/>
+              </a:ln>
+            </p:spPr>
+            <p:txBody>
+              <a:bodyPr spcFirstLastPara="1" wrap="square" lIns="91425" tIns="45700" rIns="91425" bIns="45700" anchor="ctr" anchorCtr="0">
+                <a:noAutofit/>
+              </a:bodyPr>
+              <a:lstStyle/>
+              <a:p>
+                <a:pPr marL="0" marR="0" lvl="0" indent="0" algn="ctr" rtl="0">
+                  <a:spcBef>
+                    <a:spcPts val="0"/>
+                  </a:spcBef>
+                  <a:spcAft>
+                    <a:spcPts val="0"/>
+                  </a:spcAft>
+                  <a:buNone/>
+                </a:pPr>
+                <a:endParaRPr sz="1800" b="0" i="0" u="none" strike="noStrike" cap="none">
+                  <a:solidFill>
+                    <a:srgbClr val="FFFFFF"/>
+                  </a:solidFill>
+                  <a:latin typeface="Calibri"/>
+                  <a:ea typeface="Calibri"/>
+                  <a:cs typeface="Calibri"/>
+                  <a:sym typeface="Calibri"/>
+                </a:endParaRPr>
+              </a:p>
+            </p:txBody>
+          </p:sp>
+        </p:grpSp>
+      </p:grpSp>
+      <p:sp>
+        <p:nvSpPr>
+          <p:cNvPr id="118" name="Google Shape;118;p5"/>
+          <p:cNvSpPr txBox="1">
+            <a:spLocks noGrp="1"/>
+          </p:cNvSpPr>
+          <p:nvPr>
+            <p:ph type="title"/>
+          </p:nvPr>
+        </p:nvSpPr>
+        <p:spPr>
+          <a:xfrm>
+            <a:off x="490775" y="523275"/>
+            <a:ext cx="11210400" cy="763500"/>
+          </a:xfrm>
+          <a:prstGeom prst="rect">
+            <a:avLst/>
+          </a:prstGeom>
+        </p:spPr>
+        <p:txBody>
+          <a:bodyPr spcFirstLastPara="1" wrap="square" lIns="121900" tIns="121900" rIns="121900" bIns="121900" anchor="t" anchorCtr="0">
+            <a:noAutofit/>
+          </a:bodyPr>
+          <a:lstStyle>
+            <a:lvl1pPr marL="0" marR="0" lvl="0" indent="0" algn="l" rtl="0">
+              <a:lnSpc>
+                <a:spcPct val="100000"/>
+              </a:lnSpc>
+              <a:spcBef>
+                <a:spcPts val="0"/>
+              </a:spcBef>
+              <a:spcAft>
+                <a:spcPts val="0"/>
+              </a:spcAft>
+              <a:buClr>
+                <a:schemeClr val="dk1"/>
+              </a:buClr>
+              <a:buSzPts val="4000"/>
+              <a:buFont typeface="Aldrich"/>
+              <a:buNone/>
+              <a:defRPr/>
+            </a:lvl1pPr>
+            <a:lvl2pPr lvl="1" rtl="0">
+              <a:spcBef>
+                <a:spcPts val="0"/>
+              </a:spcBef>
+              <a:spcAft>
+                <a:spcPts val="0"/>
+              </a:spcAft>
+              <a:buClr>
+                <a:schemeClr val="dk1"/>
+              </a:buClr>
+              <a:buSzPts val="4000"/>
+              <a:buFont typeface="Abril Fatface"/>
+              <a:buNone/>
+              <a:defRPr sz="4000">
+                <a:solidFill>
+                  <a:schemeClr val="dk1"/>
+                </a:solidFill>
+                <a:latin typeface="Abril Fatface"/>
+                <a:ea typeface="Abril Fatface"/>
+                <a:cs typeface="Abril Fatface"/>
+                <a:sym typeface="Abril Fatface"/>
+              </a:defRPr>
+            </a:lvl2pPr>
+            <a:lvl3pPr lvl="2" rtl="0">
+              <a:spcBef>
+                <a:spcPts val="0"/>
+              </a:spcBef>
+              <a:spcAft>
+                <a:spcPts val="0"/>
+              </a:spcAft>
+              <a:buClr>
+                <a:schemeClr val="dk1"/>
+              </a:buClr>
+              <a:buSzPts val="4000"/>
+              <a:buFont typeface="Abril Fatface"/>
+              <a:buNone/>
+              <a:defRPr sz="4000">
+                <a:solidFill>
+                  <a:schemeClr val="dk1"/>
+                </a:solidFill>
+                <a:latin typeface="Abril Fatface"/>
+                <a:ea typeface="Abril Fatface"/>
+                <a:cs typeface="Abril Fatface"/>
+                <a:sym typeface="Abril Fatface"/>
+              </a:defRPr>
+            </a:lvl3pPr>
+            <a:lvl4pPr lvl="3" rtl="0">
+              <a:spcBef>
+                <a:spcPts val="0"/>
+              </a:spcBef>
+              <a:spcAft>
+                <a:spcPts val="0"/>
+              </a:spcAft>
+              <a:buClr>
+                <a:schemeClr val="dk1"/>
+              </a:buClr>
+              <a:buSzPts val="4000"/>
+              <a:buFont typeface="Abril Fatface"/>
+              <a:buNone/>
+              <a:defRPr sz="4000">
+                <a:solidFill>
+                  <a:schemeClr val="dk1"/>
+                </a:solidFill>
+                <a:latin typeface="Abril Fatface"/>
+                <a:ea typeface="Abril Fatface"/>
+                <a:cs typeface="Abril Fatface"/>
+                <a:sym typeface="Abril Fatface"/>
+              </a:defRPr>
+            </a:lvl4pPr>
+            <a:lvl5pPr lvl="4" rtl="0">
+              <a:spcBef>
+                <a:spcPts val="0"/>
+              </a:spcBef>
+              <a:spcAft>
+                <a:spcPts val="0"/>
+              </a:spcAft>
+              <a:buClr>
+                <a:schemeClr val="dk1"/>
+              </a:buClr>
+              <a:buSzPts val="4000"/>
+              <a:buFont typeface="Abril Fatface"/>
+              <a:buNone/>
+              <a:defRPr sz="4000">
+                <a:solidFill>
+                  <a:schemeClr val="dk1"/>
+                </a:solidFill>
+                <a:latin typeface="Abril Fatface"/>
+                <a:ea typeface="Abril Fatface"/>
+                <a:cs typeface="Abril Fatface"/>
+                <a:sym typeface="Abril Fatface"/>
+              </a:defRPr>
+            </a:lvl5pPr>
+            <a:lvl6pPr lvl="5" rtl="0">
+              <a:spcBef>
+                <a:spcPts val="0"/>
+              </a:spcBef>
+              <a:spcAft>
+                <a:spcPts val="0"/>
+              </a:spcAft>
+              <a:buClr>
+                <a:schemeClr val="dk1"/>
+              </a:buClr>
+              <a:buSzPts val="4000"/>
+              <a:buFont typeface="Abril Fatface"/>
+              <a:buNone/>
+              <a:defRPr sz="4000">
+                <a:solidFill>
+                  <a:schemeClr val="dk1"/>
+                </a:solidFill>
+                <a:latin typeface="Abril Fatface"/>
+                <a:ea typeface="Abril Fatface"/>
+                <a:cs typeface="Abril Fatface"/>
+                <a:sym typeface="Abril Fatface"/>
+              </a:defRPr>
+            </a:lvl6pPr>
+            <a:lvl7pPr lvl="6" rtl="0">
+              <a:spcBef>
+                <a:spcPts val="0"/>
+              </a:spcBef>
+              <a:spcAft>
+                <a:spcPts val="0"/>
+              </a:spcAft>
+              <a:buClr>
+                <a:schemeClr val="dk1"/>
+              </a:buClr>
+              <a:buSzPts val="4000"/>
+              <a:buFont typeface="Abril Fatface"/>
+              <a:buNone/>
+              <a:defRPr sz="4000">
+                <a:solidFill>
+                  <a:schemeClr val="dk1"/>
+                </a:solidFill>
+                <a:latin typeface="Abril Fatface"/>
+                <a:ea typeface="Abril Fatface"/>
+                <a:cs typeface="Abril Fatface"/>
+                <a:sym typeface="Abril Fatface"/>
+              </a:defRPr>
+            </a:lvl7pPr>
+            <a:lvl8pPr lvl="7" rtl="0">
+              <a:spcBef>
+                <a:spcPts val="0"/>
+              </a:spcBef>
+              <a:spcAft>
+                <a:spcPts val="0"/>
+              </a:spcAft>
+              <a:buClr>
+                <a:schemeClr val="dk1"/>
+              </a:buClr>
+              <a:buSzPts val="4000"/>
+              <a:buFont typeface="Abril Fatface"/>
+              <a:buNone/>
+              <a:defRPr sz="4000">
+                <a:solidFill>
+                  <a:schemeClr val="dk1"/>
+                </a:solidFill>
+                <a:latin typeface="Abril Fatface"/>
+                <a:ea typeface="Abril Fatface"/>
+                <a:cs typeface="Abril Fatface"/>
+                <a:sym typeface="Abril Fatface"/>
+              </a:defRPr>
+            </a:lvl8pPr>
+            <a:lvl9pPr lvl="8" rtl="0">
+              <a:spcBef>
+                <a:spcPts val="0"/>
+              </a:spcBef>
+              <a:spcAft>
+                <a:spcPts val="0"/>
+              </a:spcAft>
+              <a:buClr>
+                <a:schemeClr val="dk1"/>
+              </a:buClr>
+              <a:buSzPts val="4000"/>
+              <a:buFont typeface="Abril Fatface"/>
+              <a:buNone/>
+              <a:defRPr sz="4000">
+                <a:solidFill>
+                  <a:schemeClr val="dk1"/>
+                </a:solidFill>
+                <a:latin typeface="Abril Fatface"/>
+                <a:ea typeface="Abril Fatface"/>
+                <a:cs typeface="Abril Fatface"/>
+                <a:sym typeface="Abril Fatface"/>
+              </a:defRPr>
+            </a:lvl9pPr>
+          </a:lstStyle>
+          <a:p>
+            <a:endParaRPr dirty="0"/>
+          </a:p>
+        </p:txBody>
+      </p:sp>
+      <p:sp>
+        <p:nvSpPr>
+          <p:cNvPr id="119" name="Google Shape;119;p5"/>
+          <p:cNvSpPr txBox="1">
+            <a:spLocks noGrp="1"/>
+          </p:cNvSpPr>
+          <p:nvPr>
+            <p:ph type="body" idx="1"/>
+          </p:nvPr>
+        </p:nvSpPr>
+        <p:spPr>
+          <a:xfrm>
+            <a:off x="575950" y="2437574"/>
+            <a:ext cx="3294600" cy="1206300"/>
+          </a:xfrm>
+          <a:prstGeom prst="rect">
+            <a:avLst/>
+          </a:prstGeom>
+        </p:spPr>
+        <p:txBody>
+          <a:bodyPr spcFirstLastPara="1" wrap="square" lIns="121900" tIns="121900" rIns="121900" bIns="121900" anchor="ctr" anchorCtr="0">
+            <a:noAutofit/>
+          </a:bodyPr>
+          <a:lstStyle>
+            <a:lvl1pPr marL="457200" lvl="0" indent="-342900" rtl="0">
+              <a:lnSpc>
+                <a:spcPct val="100000"/>
+              </a:lnSpc>
+              <a:spcBef>
+                <a:spcPts val="0"/>
+              </a:spcBef>
+              <a:spcAft>
+                <a:spcPts val="0"/>
+              </a:spcAft>
+              <a:buSzPts val="1800"/>
+              <a:buChar char="●"/>
+              <a:defRPr/>
+            </a:lvl1pPr>
+            <a:lvl2pPr marL="914400" lvl="1" indent="-342900" rtl="0">
+              <a:lnSpc>
+                <a:spcPct val="100000"/>
+              </a:lnSpc>
+              <a:spcBef>
+                <a:spcPts val="2100"/>
+              </a:spcBef>
+              <a:spcAft>
+                <a:spcPts val="0"/>
+              </a:spcAft>
+              <a:buSzPts val="1800"/>
+              <a:buChar char="○"/>
+              <a:defRPr/>
+            </a:lvl2pPr>
+            <a:lvl3pPr marL="1371600" lvl="2" indent="-342900" rtl="0">
+              <a:lnSpc>
+                <a:spcPct val="100000"/>
+              </a:lnSpc>
+              <a:spcBef>
+                <a:spcPts val="2100"/>
+              </a:spcBef>
+              <a:spcAft>
+                <a:spcPts val="0"/>
+              </a:spcAft>
+              <a:buSzPts val="1800"/>
+              <a:buChar char="■"/>
+              <a:defRPr/>
+            </a:lvl3pPr>
+            <a:lvl4pPr marL="1828800" lvl="3" indent="-342900" rtl="0">
+              <a:lnSpc>
+                <a:spcPct val="100000"/>
+              </a:lnSpc>
+              <a:spcBef>
+                <a:spcPts val="2100"/>
+              </a:spcBef>
+              <a:spcAft>
+                <a:spcPts val="0"/>
+              </a:spcAft>
+              <a:buSzPts val="1800"/>
+              <a:buChar char="●"/>
+              <a:defRPr/>
+            </a:lvl4pPr>
+            <a:lvl5pPr marL="2286000" lvl="4" indent="-342900" rtl="0">
+              <a:lnSpc>
+                <a:spcPct val="100000"/>
+              </a:lnSpc>
+              <a:spcBef>
+                <a:spcPts val="2100"/>
+              </a:spcBef>
+              <a:spcAft>
+                <a:spcPts val="0"/>
+              </a:spcAft>
+              <a:buSzPts val="1800"/>
+              <a:buChar char="○"/>
+              <a:defRPr/>
+            </a:lvl5pPr>
+            <a:lvl6pPr marL="2743200" lvl="5" indent="-342900" rtl="0">
+              <a:lnSpc>
+                <a:spcPct val="100000"/>
+              </a:lnSpc>
+              <a:spcBef>
+                <a:spcPts val="2100"/>
+              </a:spcBef>
+              <a:spcAft>
+                <a:spcPts val="0"/>
+              </a:spcAft>
+              <a:buSzPts val="1800"/>
+              <a:buChar char="■"/>
+              <a:defRPr/>
+            </a:lvl6pPr>
+            <a:lvl7pPr marL="3200400" lvl="6" indent="-342900" rtl="0">
+              <a:lnSpc>
+                <a:spcPct val="100000"/>
+              </a:lnSpc>
+              <a:spcBef>
+                <a:spcPts val="2100"/>
+              </a:spcBef>
+              <a:spcAft>
+                <a:spcPts val="0"/>
+              </a:spcAft>
+              <a:buSzPts val="1800"/>
+              <a:buChar char="●"/>
+              <a:defRPr/>
+            </a:lvl7pPr>
+            <a:lvl8pPr marL="3657600" lvl="7" indent="-342900" rtl="0">
+              <a:lnSpc>
+                <a:spcPct val="100000"/>
+              </a:lnSpc>
+              <a:spcBef>
+                <a:spcPts val="2100"/>
+              </a:spcBef>
+              <a:spcAft>
+                <a:spcPts val="0"/>
+              </a:spcAft>
+              <a:buSzPts val="1800"/>
+              <a:buChar char="○"/>
+              <a:defRPr/>
+            </a:lvl8pPr>
+            <a:lvl9pPr marL="4114800" lvl="8" indent="-342900" rtl="0">
+              <a:lnSpc>
+                <a:spcPct val="100000"/>
+              </a:lnSpc>
+              <a:spcBef>
+                <a:spcPts val="2100"/>
+              </a:spcBef>
+              <a:spcAft>
+                <a:spcPts val="2100"/>
+              </a:spcAft>
+              <a:buSzPts val="1800"/>
+              <a:buChar char="■"/>
+              <a:defRPr/>
+            </a:lvl9pPr>
+          </a:lstStyle>
+          <a:p>
+            <a:endParaRPr/>
+          </a:p>
+        </p:txBody>
+      </p:sp>
+      <p:sp>
+        <p:nvSpPr>
+          <p:cNvPr id="120" name="Google Shape;120;p5"/>
+          <p:cNvSpPr txBox="1">
+            <a:spLocks noGrp="1"/>
+          </p:cNvSpPr>
+          <p:nvPr>
+            <p:ph type="body" idx="2"/>
+          </p:nvPr>
+        </p:nvSpPr>
+        <p:spPr>
+          <a:xfrm>
+            <a:off x="4418613" y="2437574"/>
+            <a:ext cx="3294600" cy="1206300"/>
+          </a:xfrm>
+          <a:prstGeom prst="rect">
+            <a:avLst/>
+          </a:prstGeom>
+        </p:spPr>
+        <p:txBody>
+          <a:bodyPr spcFirstLastPara="1" wrap="square" lIns="121900" tIns="121900" rIns="121900" bIns="121900" anchor="ctr" anchorCtr="0">
+            <a:noAutofit/>
+          </a:bodyPr>
+          <a:lstStyle>
+            <a:lvl1pPr marL="457200" lvl="0" indent="-342900" rtl="0">
+              <a:lnSpc>
+                <a:spcPct val="100000"/>
+              </a:lnSpc>
+              <a:spcBef>
+                <a:spcPts val="0"/>
+              </a:spcBef>
+              <a:spcAft>
+                <a:spcPts val="0"/>
+              </a:spcAft>
+              <a:buSzPts val="1800"/>
+              <a:buChar char="●"/>
+              <a:defRPr/>
+            </a:lvl1pPr>
+            <a:lvl2pPr marL="914400" lvl="1" indent="-342900" rtl="0">
+              <a:lnSpc>
+                <a:spcPct val="100000"/>
+              </a:lnSpc>
+              <a:spcBef>
+                <a:spcPts val="2100"/>
+              </a:spcBef>
+              <a:spcAft>
+                <a:spcPts val="0"/>
+              </a:spcAft>
+              <a:buSzPts val="1800"/>
+              <a:buChar char="○"/>
+              <a:defRPr/>
+            </a:lvl2pPr>
+            <a:lvl3pPr marL="1371600" lvl="2" indent="-342900" rtl="0">
+              <a:lnSpc>
+                <a:spcPct val="100000"/>
+              </a:lnSpc>
+              <a:spcBef>
+                <a:spcPts val="2100"/>
+              </a:spcBef>
+              <a:spcAft>
+                <a:spcPts val="0"/>
+              </a:spcAft>
+              <a:buSzPts val="1800"/>
+              <a:buChar char="■"/>
+              <a:defRPr/>
+            </a:lvl3pPr>
+            <a:lvl4pPr marL="1828800" lvl="3" indent="-342900" rtl="0">
+              <a:lnSpc>
+                <a:spcPct val="100000"/>
+              </a:lnSpc>
+              <a:spcBef>
+                <a:spcPts val="2100"/>
+              </a:spcBef>
+              <a:spcAft>
+                <a:spcPts val="0"/>
+              </a:spcAft>
+              <a:buSzPts val="1800"/>
+              <a:buChar char="●"/>
+              <a:defRPr/>
+            </a:lvl4pPr>
+            <a:lvl5pPr marL="2286000" lvl="4" indent="-342900" rtl="0">
+              <a:lnSpc>
+                <a:spcPct val="100000"/>
+              </a:lnSpc>
+              <a:spcBef>
+                <a:spcPts val="2100"/>
+              </a:spcBef>
+              <a:spcAft>
+                <a:spcPts val="0"/>
+              </a:spcAft>
+              <a:buSzPts val="1800"/>
+              <a:buChar char="○"/>
+              <a:defRPr/>
+            </a:lvl5pPr>
+            <a:lvl6pPr marL="2743200" lvl="5" indent="-342900" rtl="0">
+              <a:lnSpc>
+                <a:spcPct val="100000"/>
+              </a:lnSpc>
+              <a:spcBef>
+                <a:spcPts val="2100"/>
+              </a:spcBef>
+              <a:spcAft>
+                <a:spcPts val="0"/>
+              </a:spcAft>
+              <a:buSzPts val="1800"/>
+              <a:buChar char="■"/>
+              <a:defRPr/>
+            </a:lvl6pPr>
+            <a:lvl7pPr marL="3200400" lvl="6" indent="-342900" rtl="0">
+              <a:lnSpc>
+                <a:spcPct val="100000"/>
+              </a:lnSpc>
+              <a:spcBef>
+                <a:spcPts val="2100"/>
+              </a:spcBef>
+              <a:spcAft>
+                <a:spcPts val="0"/>
+              </a:spcAft>
+              <a:buSzPts val="1800"/>
+              <a:buChar char="●"/>
+              <a:defRPr/>
+            </a:lvl7pPr>
+            <a:lvl8pPr marL="3657600" lvl="7" indent="-342900" rtl="0">
+              <a:lnSpc>
+                <a:spcPct val="100000"/>
+              </a:lnSpc>
+              <a:spcBef>
+                <a:spcPts val="2100"/>
+              </a:spcBef>
+              <a:spcAft>
+                <a:spcPts val="0"/>
+              </a:spcAft>
+              <a:buSzPts val="1800"/>
+              <a:buChar char="○"/>
+              <a:defRPr/>
+            </a:lvl8pPr>
+            <a:lvl9pPr marL="4114800" lvl="8" indent="-342900" rtl="0">
+              <a:lnSpc>
+                <a:spcPct val="100000"/>
+              </a:lnSpc>
+              <a:spcBef>
+                <a:spcPts val="2100"/>
+              </a:spcBef>
+              <a:spcAft>
+                <a:spcPts val="2100"/>
+              </a:spcAft>
+              <a:buSzPts val="1800"/>
+              <a:buChar char="■"/>
+              <a:defRPr/>
+            </a:lvl9pPr>
+          </a:lstStyle>
+          <a:p>
+            <a:endParaRPr/>
+          </a:p>
+        </p:txBody>
+      </p:sp>
+      <p:sp>
+        <p:nvSpPr>
+          <p:cNvPr id="121" name="Google Shape;121;p5"/>
+          <p:cNvSpPr txBox="1">
+            <a:spLocks noGrp="1"/>
+          </p:cNvSpPr>
+          <p:nvPr>
+            <p:ph type="body" idx="3"/>
+          </p:nvPr>
+        </p:nvSpPr>
+        <p:spPr>
+          <a:xfrm>
+            <a:off x="575950" y="4783425"/>
+            <a:ext cx="3294600" cy="1206300"/>
+          </a:xfrm>
+          <a:prstGeom prst="rect">
+            <a:avLst/>
+          </a:prstGeom>
+        </p:spPr>
+        <p:txBody>
+          <a:bodyPr spcFirstLastPara="1" wrap="square" lIns="121900" tIns="121900" rIns="121900" bIns="121900" anchor="ctr" anchorCtr="0">
+            <a:noAutofit/>
+          </a:bodyPr>
+          <a:lstStyle>
+            <a:lvl1pPr marL="457200" lvl="0" indent="-342900" rtl="0">
+              <a:lnSpc>
+                <a:spcPct val="100000"/>
+              </a:lnSpc>
+              <a:spcBef>
+                <a:spcPts val="0"/>
+              </a:spcBef>
+              <a:spcAft>
+                <a:spcPts val="0"/>
+              </a:spcAft>
+              <a:buSzPts val="1800"/>
+              <a:buChar char="●"/>
+              <a:defRPr/>
+            </a:lvl1pPr>
+            <a:lvl2pPr marL="914400" lvl="1" indent="-342900" rtl="0">
+              <a:lnSpc>
+                <a:spcPct val="100000"/>
+              </a:lnSpc>
+              <a:spcBef>
+                <a:spcPts val="2100"/>
+              </a:spcBef>
+              <a:spcAft>
+                <a:spcPts val="0"/>
+              </a:spcAft>
+              <a:buSzPts val="1800"/>
+              <a:buChar char="○"/>
+              <a:defRPr/>
+            </a:lvl2pPr>
+            <a:lvl3pPr marL="1371600" lvl="2" indent="-342900" rtl="0">
+              <a:lnSpc>
+                <a:spcPct val="100000"/>
+              </a:lnSpc>
+              <a:spcBef>
+                <a:spcPts val="2100"/>
+              </a:spcBef>
+              <a:spcAft>
+                <a:spcPts val="0"/>
+              </a:spcAft>
+              <a:buSzPts val="1800"/>
+              <a:buChar char="■"/>
+              <a:defRPr/>
+            </a:lvl3pPr>
+            <a:lvl4pPr marL="1828800" lvl="3" indent="-342900" rtl="0">
+              <a:lnSpc>
+                <a:spcPct val="100000"/>
+              </a:lnSpc>
+              <a:spcBef>
+                <a:spcPts val="2100"/>
+              </a:spcBef>
+              <a:spcAft>
+                <a:spcPts val="0"/>
+              </a:spcAft>
+              <a:buSzPts val="1800"/>
+              <a:buChar char="●"/>
+              <a:defRPr/>
+            </a:lvl4pPr>
+            <a:lvl5pPr marL="2286000" lvl="4" indent="-342900" rtl="0">
+              <a:lnSpc>
+                <a:spcPct val="100000"/>
+              </a:lnSpc>
+              <a:spcBef>
+                <a:spcPts val="2100"/>
+              </a:spcBef>
+              <a:spcAft>
+                <a:spcPts val="0"/>
+              </a:spcAft>
+              <a:buSzPts val="1800"/>
+              <a:buChar char="○"/>
+              <a:defRPr/>
+            </a:lvl5pPr>
+            <a:lvl6pPr marL="2743200" lvl="5" indent="-342900" rtl="0">
+              <a:lnSpc>
+                <a:spcPct val="100000"/>
+              </a:lnSpc>
+              <a:spcBef>
+                <a:spcPts val="2100"/>
+              </a:spcBef>
+              <a:spcAft>
+                <a:spcPts val="0"/>
+              </a:spcAft>
+              <a:buSzPts val="1800"/>
+              <a:buChar char="■"/>
+              <a:defRPr/>
+            </a:lvl6pPr>
+            <a:lvl7pPr marL="3200400" lvl="6" indent="-342900" rtl="0">
+              <a:lnSpc>
+                <a:spcPct val="100000"/>
+              </a:lnSpc>
+              <a:spcBef>
+                <a:spcPts val="2100"/>
+              </a:spcBef>
+              <a:spcAft>
+                <a:spcPts val="0"/>
+              </a:spcAft>
+              <a:buSzPts val="1800"/>
+              <a:buChar char="●"/>
+              <a:defRPr/>
+            </a:lvl7pPr>
+            <a:lvl8pPr marL="3657600" lvl="7" indent="-342900" rtl="0">
+              <a:lnSpc>
+                <a:spcPct val="100000"/>
+              </a:lnSpc>
+              <a:spcBef>
+                <a:spcPts val="2100"/>
+              </a:spcBef>
+              <a:spcAft>
+                <a:spcPts val="0"/>
+              </a:spcAft>
+              <a:buSzPts val="1800"/>
+              <a:buChar char="○"/>
+              <a:defRPr/>
+            </a:lvl8pPr>
+            <a:lvl9pPr marL="4114800" lvl="8" indent="-342900" rtl="0">
+              <a:lnSpc>
+                <a:spcPct val="100000"/>
+              </a:lnSpc>
+              <a:spcBef>
+                <a:spcPts val="2100"/>
+              </a:spcBef>
+              <a:spcAft>
+                <a:spcPts val="2100"/>
+              </a:spcAft>
+              <a:buSzPts val="1800"/>
+              <a:buChar char="■"/>
+              <a:defRPr/>
+            </a:lvl9pPr>
+          </a:lstStyle>
+          <a:p>
+            <a:endParaRPr/>
+          </a:p>
+        </p:txBody>
+      </p:sp>
+      <p:sp>
+        <p:nvSpPr>
+          <p:cNvPr id="124" name="Google Shape;124;p5"/>
+          <p:cNvSpPr txBox="1">
+            <a:spLocks noGrp="1"/>
+          </p:cNvSpPr>
+          <p:nvPr>
+            <p:ph type="title" idx="6"/>
+          </p:nvPr>
+        </p:nvSpPr>
+        <p:spPr>
+          <a:xfrm>
+            <a:off x="4448700" y="2046600"/>
+            <a:ext cx="3294600" cy="695700"/>
+          </a:xfrm>
+          <a:prstGeom prst="rect">
+            <a:avLst/>
+          </a:prstGeom>
+        </p:spPr>
+        <p:txBody>
+          <a:bodyPr spcFirstLastPara="1" wrap="square" lIns="121900" tIns="121900" rIns="121900" bIns="121900" anchor="t" anchorCtr="0">
+            <a:noAutofit/>
+          </a:bodyPr>
+          <a:lstStyle>
+            <a:lvl1pPr marL="0" marR="0" lvl="0" indent="0" rtl="0">
+              <a:lnSpc>
+                <a:spcPct val="100000"/>
+              </a:lnSpc>
+              <a:spcBef>
+                <a:spcPts val="0"/>
+              </a:spcBef>
+              <a:spcAft>
+                <a:spcPts val="0"/>
+              </a:spcAft>
+              <a:buClr>
+                <a:schemeClr val="dk1"/>
+              </a:buClr>
+              <a:buSzPts val="2600"/>
+              <a:buFont typeface="Aldrich"/>
+              <a:buNone/>
+              <a:defRPr sz="2600"/>
+            </a:lvl1pPr>
+            <a:lvl2pPr lvl="1" rtl="0">
+              <a:lnSpc>
+                <a:spcPct val="100000"/>
+              </a:lnSpc>
+              <a:spcBef>
+                <a:spcPts val="0"/>
+              </a:spcBef>
+              <a:spcAft>
+                <a:spcPts val="0"/>
+              </a:spcAft>
+              <a:buClr>
+                <a:schemeClr val="dk1"/>
+              </a:buClr>
+              <a:buSzPts val="2600"/>
+              <a:buFont typeface="Abril Fatface"/>
+              <a:buNone/>
+              <a:defRPr sz="2600">
+                <a:solidFill>
+                  <a:schemeClr val="dk1"/>
+                </a:solidFill>
+                <a:latin typeface="Abril Fatface"/>
+                <a:ea typeface="Abril Fatface"/>
+                <a:cs typeface="Abril Fatface"/>
+                <a:sym typeface="Abril Fatface"/>
+              </a:defRPr>
+            </a:lvl2pPr>
+            <a:lvl3pPr lvl="2" rtl="0">
+              <a:lnSpc>
+                <a:spcPct val="100000"/>
+              </a:lnSpc>
+              <a:spcBef>
+                <a:spcPts val="0"/>
+              </a:spcBef>
+              <a:spcAft>
+                <a:spcPts val="0"/>
+              </a:spcAft>
+              <a:buClr>
+                <a:schemeClr val="dk1"/>
+              </a:buClr>
+              <a:buSzPts val="2600"/>
+              <a:buFont typeface="Abril Fatface"/>
+              <a:buNone/>
+              <a:defRPr sz="2600">
+                <a:solidFill>
+                  <a:schemeClr val="dk1"/>
+                </a:solidFill>
+                <a:latin typeface="Abril Fatface"/>
+                <a:ea typeface="Abril Fatface"/>
+                <a:cs typeface="Abril Fatface"/>
+                <a:sym typeface="Abril Fatface"/>
+              </a:defRPr>
+            </a:lvl3pPr>
+            <a:lvl4pPr lvl="3" rtl="0">
+              <a:lnSpc>
+                <a:spcPct val="100000"/>
+              </a:lnSpc>
+              <a:spcBef>
+                <a:spcPts val="0"/>
+              </a:spcBef>
+              <a:spcAft>
+                <a:spcPts val="0"/>
+              </a:spcAft>
+              <a:buClr>
+                <a:schemeClr val="dk1"/>
+              </a:buClr>
+              <a:buSzPts val="2600"/>
+              <a:buFont typeface="Abril Fatface"/>
+              <a:buNone/>
+              <a:defRPr sz="2600">
+                <a:solidFill>
+                  <a:schemeClr val="dk1"/>
+                </a:solidFill>
+                <a:latin typeface="Abril Fatface"/>
+                <a:ea typeface="Abril Fatface"/>
+                <a:cs typeface="Abril Fatface"/>
+                <a:sym typeface="Abril Fatface"/>
+              </a:defRPr>
+            </a:lvl4pPr>
+            <a:lvl5pPr lvl="4" rtl="0">
+              <a:lnSpc>
+                <a:spcPct val="100000"/>
+              </a:lnSpc>
+              <a:spcBef>
+                <a:spcPts val="0"/>
+              </a:spcBef>
+              <a:spcAft>
+                <a:spcPts val="0"/>
+              </a:spcAft>
+              <a:buClr>
+                <a:schemeClr val="dk1"/>
+              </a:buClr>
+              <a:buSzPts val="2600"/>
+              <a:buFont typeface="Abril Fatface"/>
+              <a:buNone/>
+              <a:defRPr sz="2600">
+                <a:solidFill>
+                  <a:schemeClr val="dk1"/>
+                </a:solidFill>
+                <a:latin typeface="Abril Fatface"/>
+                <a:ea typeface="Abril Fatface"/>
+                <a:cs typeface="Abril Fatface"/>
+                <a:sym typeface="Abril Fatface"/>
+              </a:defRPr>
+            </a:lvl5pPr>
+            <a:lvl6pPr lvl="5" rtl="0">
+              <a:lnSpc>
+                <a:spcPct val="100000"/>
+              </a:lnSpc>
+              <a:spcBef>
+                <a:spcPts val="0"/>
+              </a:spcBef>
+              <a:spcAft>
+                <a:spcPts val="0"/>
+              </a:spcAft>
+              <a:buClr>
+                <a:schemeClr val="dk1"/>
+              </a:buClr>
+              <a:buSzPts val="2600"/>
+              <a:buFont typeface="Abril Fatface"/>
+              <a:buNone/>
+              <a:defRPr sz="2600">
+                <a:solidFill>
+                  <a:schemeClr val="dk1"/>
+                </a:solidFill>
+                <a:latin typeface="Abril Fatface"/>
+                <a:ea typeface="Abril Fatface"/>
+                <a:cs typeface="Abril Fatface"/>
+                <a:sym typeface="Abril Fatface"/>
+              </a:defRPr>
+            </a:lvl6pPr>
+            <a:lvl7pPr lvl="6" rtl="0">
+              <a:lnSpc>
+                <a:spcPct val="100000"/>
+              </a:lnSpc>
+              <a:spcBef>
+                <a:spcPts val="0"/>
+              </a:spcBef>
+              <a:spcAft>
+                <a:spcPts val="0"/>
+              </a:spcAft>
+              <a:buClr>
+                <a:schemeClr val="dk1"/>
+              </a:buClr>
+              <a:buSzPts val="2600"/>
+              <a:buFont typeface="Abril Fatface"/>
+              <a:buNone/>
+              <a:defRPr sz="2600">
+                <a:solidFill>
+                  <a:schemeClr val="dk1"/>
+                </a:solidFill>
+                <a:latin typeface="Abril Fatface"/>
+                <a:ea typeface="Abril Fatface"/>
+                <a:cs typeface="Abril Fatface"/>
+                <a:sym typeface="Abril Fatface"/>
+              </a:defRPr>
+            </a:lvl7pPr>
+            <a:lvl8pPr lvl="7" rtl="0">
+              <a:lnSpc>
+                <a:spcPct val="100000"/>
+              </a:lnSpc>
+              <a:spcBef>
+                <a:spcPts val="0"/>
+              </a:spcBef>
+              <a:spcAft>
+                <a:spcPts val="0"/>
+              </a:spcAft>
+              <a:buClr>
+                <a:schemeClr val="dk1"/>
+              </a:buClr>
+              <a:buSzPts val="2600"/>
+              <a:buFont typeface="Abril Fatface"/>
+              <a:buNone/>
+              <a:defRPr sz="2600">
+                <a:solidFill>
+                  <a:schemeClr val="dk1"/>
+                </a:solidFill>
+                <a:latin typeface="Abril Fatface"/>
+                <a:ea typeface="Abril Fatface"/>
+                <a:cs typeface="Abril Fatface"/>
+                <a:sym typeface="Abril Fatface"/>
+              </a:defRPr>
+            </a:lvl8pPr>
+            <a:lvl9pPr lvl="8" rtl="0">
+              <a:lnSpc>
+                <a:spcPct val="100000"/>
+              </a:lnSpc>
+              <a:spcBef>
+                <a:spcPts val="0"/>
+              </a:spcBef>
+              <a:spcAft>
+                <a:spcPts val="0"/>
+              </a:spcAft>
+              <a:buClr>
+                <a:schemeClr val="dk1"/>
+              </a:buClr>
+              <a:buSzPts val="2600"/>
+              <a:buFont typeface="Abril Fatface"/>
+              <a:buNone/>
+              <a:defRPr sz="2600">
+                <a:solidFill>
+                  <a:schemeClr val="dk1"/>
+                </a:solidFill>
+                <a:latin typeface="Abril Fatface"/>
+                <a:ea typeface="Abril Fatface"/>
+                <a:cs typeface="Abril Fatface"/>
+                <a:sym typeface="Abril Fatface"/>
+              </a:defRPr>
+            </a:lvl9pPr>
+          </a:lstStyle>
+          <a:p>
+            <a:endParaRPr/>
+          </a:p>
+        </p:txBody>
+      </p:sp>
+      <p:sp>
+        <p:nvSpPr>
+          <p:cNvPr id="125" name="Google Shape;125;p5"/>
+          <p:cNvSpPr txBox="1">
+            <a:spLocks noGrp="1"/>
+          </p:cNvSpPr>
+          <p:nvPr>
+            <p:ph type="title" idx="7"/>
+          </p:nvPr>
+        </p:nvSpPr>
+        <p:spPr>
+          <a:xfrm>
+            <a:off x="490775" y="4087659"/>
+            <a:ext cx="3294600" cy="695700"/>
+          </a:xfrm>
+          <a:prstGeom prst="rect">
+            <a:avLst/>
+          </a:prstGeom>
+        </p:spPr>
+        <p:txBody>
+          <a:bodyPr spcFirstLastPara="1" wrap="square" lIns="121900" tIns="121900" rIns="121900" bIns="121900" anchor="t" anchorCtr="0">
+            <a:noAutofit/>
+          </a:bodyPr>
+          <a:lstStyle>
+            <a:lvl1pPr marL="0" marR="0" lvl="0" indent="0" rtl="0">
+              <a:lnSpc>
+                <a:spcPct val="100000"/>
+              </a:lnSpc>
+              <a:spcBef>
+                <a:spcPts val="0"/>
+              </a:spcBef>
+              <a:spcAft>
+                <a:spcPts val="0"/>
+              </a:spcAft>
+              <a:buClr>
+                <a:schemeClr val="dk1"/>
+              </a:buClr>
+              <a:buSzPts val="2600"/>
+              <a:buFont typeface="Aldrich"/>
+              <a:buNone/>
+              <a:defRPr sz="2600"/>
+            </a:lvl1pPr>
+            <a:lvl2pPr lvl="1" rtl="0">
+              <a:lnSpc>
+                <a:spcPct val="100000"/>
+              </a:lnSpc>
+              <a:spcBef>
+                <a:spcPts val="0"/>
+              </a:spcBef>
+              <a:spcAft>
+                <a:spcPts val="0"/>
+              </a:spcAft>
+              <a:buClr>
+                <a:schemeClr val="dk1"/>
+              </a:buClr>
+              <a:buSzPts val="2600"/>
+              <a:buFont typeface="Abril Fatface"/>
+              <a:buNone/>
+              <a:defRPr sz="2600">
+                <a:solidFill>
+                  <a:schemeClr val="dk1"/>
+                </a:solidFill>
+                <a:latin typeface="Abril Fatface"/>
+                <a:ea typeface="Abril Fatface"/>
+                <a:cs typeface="Abril Fatface"/>
+                <a:sym typeface="Abril Fatface"/>
+              </a:defRPr>
+            </a:lvl2pPr>
+            <a:lvl3pPr lvl="2" rtl="0">
+              <a:lnSpc>
+                <a:spcPct val="100000"/>
+              </a:lnSpc>
+              <a:spcBef>
+                <a:spcPts val="0"/>
+              </a:spcBef>
+              <a:spcAft>
+                <a:spcPts val="0"/>
+              </a:spcAft>
+              <a:buClr>
+                <a:schemeClr val="dk1"/>
+              </a:buClr>
+              <a:buSzPts val="2600"/>
+              <a:buFont typeface="Abril Fatface"/>
+              <a:buNone/>
+              <a:defRPr sz="2600">
+                <a:solidFill>
+                  <a:schemeClr val="dk1"/>
+                </a:solidFill>
+                <a:latin typeface="Abril Fatface"/>
+                <a:ea typeface="Abril Fatface"/>
+                <a:cs typeface="Abril Fatface"/>
+                <a:sym typeface="Abril Fatface"/>
+              </a:defRPr>
+            </a:lvl3pPr>
+            <a:lvl4pPr lvl="3" rtl="0">
+              <a:lnSpc>
+                <a:spcPct val="100000"/>
+              </a:lnSpc>
+              <a:spcBef>
+                <a:spcPts val="0"/>
+              </a:spcBef>
+              <a:spcAft>
+                <a:spcPts val="0"/>
+              </a:spcAft>
+              <a:buClr>
+                <a:schemeClr val="dk1"/>
+              </a:buClr>
+              <a:buSzPts val="2600"/>
+              <a:buFont typeface="Abril Fatface"/>
+              <a:buNone/>
+              <a:defRPr sz="2600">
+                <a:solidFill>
+                  <a:schemeClr val="dk1"/>
+                </a:solidFill>
+                <a:latin typeface="Abril Fatface"/>
+                <a:ea typeface="Abril Fatface"/>
+                <a:cs typeface="Abril Fatface"/>
+                <a:sym typeface="Abril Fatface"/>
+              </a:defRPr>
+            </a:lvl4pPr>
+            <a:lvl5pPr lvl="4" rtl="0">
+              <a:lnSpc>
+                <a:spcPct val="100000"/>
+              </a:lnSpc>
+              <a:spcBef>
+                <a:spcPts val="0"/>
+              </a:spcBef>
+              <a:spcAft>
+                <a:spcPts val="0"/>
+              </a:spcAft>
+              <a:buClr>
+                <a:schemeClr val="dk1"/>
+              </a:buClr>
+              <a:buSzPts val="2600"/>
+              <a:buFont typeface="Abril Fatface"/>
+              <a:buNone/>
+              <a:defRPr sz="2600">
+                <a:solidFill>
+                  <a:schemeClr val="dk1"/>
+                </a:solidFill>
+                <a:latin typeface="Abril Fatface"/>
+                <a:ea typeface="Abril Fatface"/>
+                <a:cs typeface="Abril Fatface"/>
+                <a:sym typeface="Abril Fatface"/>
+              </a:defRPr>
+            </a:lvl5pPr>
+            <a:lvl6pPr lvl="5" rtl="0">
+              <a:lnSpc>
+                <a:spcPct val="100000"/>
+              </a:lnSpc>
+              <a:spcBef>
+                <a:spcPts val="0"/>
+              </a:spcBef>
+              <a:spcAft>
+                <a:spcPts val="0"/>
+              </a:spcAft>
+              <a:buClr>
+                <a:schemeClr val="dk1"/>
+              </a:buClr>
+              <a:buSzPts val="2600"/>
+              <a:buFont typeface="Abril Fatface"/>
+              <a:buNone/>
+              <a:defRPr sz="2600">
+                <a:solidFill>
+                  <a:schemeClr val="dk1"/>
+                </a:solidFill>
+                <a:latin typeface="Abril Fatface"/>
+                <a:ea typeface="Abril Fatface"/>
+                <a:cs typeface="Abril Fatface"/>
+                <a:sym typeface="Abril Fatface"/>
+              </a:defRPr>
+            </a:lvl6pPr>
+            <a:lvl7pPr lvl="6" rtl="0">
+              <a:lnSpc>
+                <a:spcPct val="100000"/>
+              </a:lnSpc>
+              <a:spcBef>
+                <a:spcPts val="0"/>
+              </a:spcBef>
+              <a:spcAft>
+                <a:spcPts val="0"/>
+              </a:spcAft>
+              <a:buClr>
+                <a:schemeClr val="dk1"/>
+              </a:buClr>
+              <a:buSzPts val="2600"/>
+              <a:buFont typeface="Abril Fatface"/>
+              <a:buNone/>
+              <a:defRPr sz="2600">
+                <a:solidFill>
+                  <a:schemeClr val="dk1"/>
+                </a:solidFill>
+                <a:latin typeface="Abril Fatface"/>
+                <a:ea typeface="Abril Fatface"/>
+                <a:cs typeface="Abril Fatface"/>
+                <a:sym typeface="Abril Fatface"/>
+              </a:defRPr>
+            </a:lvl7pPr>
+            <a:lvl8pPr lvl="7" rtl="0">
+              <a:lnSpc>
+                <a:spcPct val="100000"/>
+              </a:lnSpc>
+              <a:spcBef>
+                <a:spcPts val="0"/>
+              </a:spcBef>
+              <a:spcAft>
+                <a:spcPts val="0"/>
+              </a:spcAft>
+              <a:buClr>
+                <a:schemeClr val="dk1"/>
+              </a:buClr>
+              <a:buSzPts val="2600"/>
+              <a:buFont typeface="Abril Fatface"/>
+              <a:buNone/>
+              <a:defRPr sz="2600">
+                <a:solidFill>
+                  <a:schemeClr val="dk1"/>
+                </a:solidFill>
+                <a:latin typeface="Abril Fatface"/>
+                <a:ea typeface="Abril Fatface"/>
+                <a:cs typeface="Abril Fatface"/>
+                <a:sym typeface="Abril Fatface"/>
+              </a:defRPr>
+            </a:lvl8pPr>
+            <a:lvl9pPr lvl="8" rtl="0">
+              <a:lnSpc>
+                <a:spcPct val="100000"/>
+              </a:lnSpc>
+              <a:spcBef>
+                <a:spcPts val="0"/>
+              </a:spcBef>
+              <a:spcAft>
+                <a:spcPts val="0"/>
+              </a:spcAft>
+              <a:buClr>
+                <a:schemeClr val="dk1"/>
+              </a:buClr>
+              <a:buSzPts val="2600"/>
+              <a:buFont typeface="Abril Fatface"/>
+              <a:buNone/>
+              <a:defRPr sz="2600">
+                <a:solidFill>
+                  <a:schemeClr val="dk1"/>
+                </a:solidFill>
+                <a:latin typeface="Abril Fatface"/>
+                <a:ea typeface="Abril Fatface"/>
+                <a:cs typeface="Abril Fatface"/>
+                <a:sym typeface="Abril Fatface"/>
+              </a:defRPr>
+            </a:lvl9pPr>
+          </a:lstStyle>
+          <a:p>
+            <a:endParaRPr/>
+          </a:p>
+        </p:txBody>
+      </p:sp>
+      <p:sp>
+        <p:nvSpPr>
+          <p:cNvPr id="127" name="Google Shape;127;p5"/>
+          <p:cNvSpPr txBox="1">
+            <a:spLocks noGrp="1"/>
+          </p:cNvSpPr>
+          <p:nvPr>
+            <p:ph type="body" idx="9"/>
+          </p:nvPr>
+        </p:nvSpPr>
+        <p:spPr>
+          <a:xfrm>
+            <a:off x="8299375" y="2437574"/>
+            <a:ext cx="3294600" cy="1206300"/>
+          </a:xfrm>
+          <a:prstGeom prst="rect">
+            <a:avLst/>
+          </a:prstGeom>
+        </p:spPr>
+        <p:txBody>
+          <a:bodyPr spcFirstLastPara="1" wrap="square" lIns="121900" tIns="121900" rIns="121900" bIns="121900" anchor="ctr" anchorCtr="0">
+            <a:noAutofit/>
+          </a:bodyPr>
+          <a:lstStyle>
+            <a:lvl1pPr marL="457200" lvl="0" indent="-342900" rtl="0">
+              <a:lnSpc>
+                <a:spcPct val="100000"/>
+              </a:lnSpc>
+              <a:spcBef>
+                <a:spcPts val="0"/>
+              </a:spcBef>
+              <a:spcAft>
+                <a:spcPts val="0"/>
+              </a:spcAft>
+              <a:buSzPts val="1800"/>
+              <a:buChar char="●"/>
+              <a:defRPr/>
+            </a:lvl1pPr>
+            <a:lvl2pPr marL="914400" lvl="1" indent="-342900" rtl="0">
+              <a:lnSpc>
+                <a:spcPct val="100000"/>
+              </a:lnSpc>
+              <a:spcBef>
+                <a:spcPts val="2100"/>
+              </a:spcBef>
+              <a:spcAft>
+                <a:spcPts val="0"/>
+              </a:spcAft>
+              <a:buSzPts val="1800"/>
+              <a:buChar char="○"/>
+              <a:defRPr/>
+            </a:lvl2pPr>
+            <a:lvl3pPr marL="1371600" lvl="2" indent="-342900" rtl="0">
+              <a:lnSpc>
+                <a:spcPct val="100000"/>
+              </a:lnSpc>
+              <a:spcBef>
+                <a:spcPts val="2100"/>
+              </a:spcBef>
+              <a:spcAft>
+                <a:spcPts val="0"/>
+              </a:spcAft>
+              <a:buSzPts val="1800"/>
+              <a:buChar char="■"/>
+              <a:defRPr/>
+            </a:lvl3pPr>
+            <a:lvl4pPr marL="1828800" lvl="3" indent="-342900" rtl="0">
+              <a:lnSpc>
+                <a:spcPct val="100000"/>
+              </a:lnSpc>
+              <a:spcBef>
+                <a:spcPts val="2100"/>
+              </a:spcBef>
+              <a:spcAft>
+                <a:spcPts val="0"/>
+              </a:spcAft>
+              <a:buSzPts val="1800"/>
+              <a:buChar char="●"/>
+              <a:defRPr/>
+            </a:lvl4pPr>
+            <a:lvl5pPr marL="2286000" lvl="4" indent="-342900" rtl="0">
+              <a:lnSpc>
+                <a:spcPct val="100000"/>
+              </a:lnSpc>
+              <a:spcBef>
+                <a:spcPts val="2100"/>
+              </a:spcBef>
+              <a:spcAft>
+                <a:spcPts val="0"/>
+              </a:spcAft>
+              <a:buSzPts val="1800"/>
+              <a:buChar char="○"/>
+              <a:defRPr/>
+            </a:lvl5pPr>
+            <a:lvl6pPr marL="2743200" lvl="5" indent="-342900" rtl="0">
+              <a:lnSpc>
+                <a:spcPct val="100000"/>
+              </a:lnSpc>
+              <a:spcBef>
+                <a:spcPts val="2100"/>
+              </a:spcBef>
+              <a:spcAft>
+                <a:spcPts val="0"/>
+              </a:spcAft>
+              <a:buSzPts val="1800"/>
+              <a:buChar char="■"/>
+              <a:defRPr/>
+            </a:lvl6pPr>
+            <a:lvl7pPr marL="3200400" lvl="6" indent="-342900" rtl="0">
+              <a:lnSpc>
+                <a:spcPct val="100000"/>
+              </a:lnSpc>
+              <a:spcBef>
+                <a:spcPts val="2100"/>
+              </a:spcBef>
+              <a:spcAft>
+                <a:spcPts val="0"/>
+              </a:spcAft>
+              <a:buSzPts val="1800"/>
+              <a:buChar char="●"/>
+              <a:defRPr/>
+            </a:lvl7pPr>
+            <a:lvl8pPr marL="3657600" lvl="7" indent="-342900" rtl="0">
+              <a:lnSpc>
+                <a:spcPct val="100000"/>
+              </a:lnSpc>
+              <a:spcBef>
+                <a:spcPts val="2100"/>
+              </a:spcBef>
+              <a:spcAft>
+                <a:spcPts val="0"/>
+              </a:spcAft>
+              <a:buSzPts val="1800"/>
+              <a:buChar char="○"/>
+              <a:defRPr/>
+            </a:lvl8pPr>
+            <a:lvl9pPr marL="4114800" lvl="8" indent="-342900" rtl="0">
+              <a:lnSpc>
+                <a:spcPct val="100000"/>
+              </a:lnSpc>
+              <a:spcBef>
+                <a:spcPts val="2100"/>
+              </a:spcBef>
+              <a:spcAft>
+                <a:spcPts val="2100"/>
+              </a:spcAft>
+              <a:buSzPts val="1800"/>
+              <a:buChar char="■"/>
+              <a:defRPr/>
+            </a:lvl9pPr>
+          </a:lstStyle>
+          <a:p>
+            <a:endParaRPr/>
+          </a:p>
+        </p:txBody>
+      </p:sp>
+      <p:sp>
+        <p:nvSpPr>
+          <p:cNvPr id="129" name="Google Shape;129;p5"/>
+          <p:cNvSpPr txBox="1">
+            <a:spLocks noGrp="1"/>
+          </p:cNvSpPr>
+          <p:nvPr>
+            <p:ph type="title" idx="14"/>
+          </p:nvPr>
+        </p:nvSpPr>
+        <p:spPr>
+          <a:xfrm>
+            <a:off x="8406625" y="2046600"/>
+            <a:ext cx="3294600" cy="695700"/>
+          </a:xfrm>
+          <a:prstGeom prst="rect">
+            <a:avLst/>
+          </a:prstGeom>
+        </p:spPr>
+        <p:txBody>
+          <a:bodyPr spcFirstLastPara="1" wrap="square" lIns="121900" tIns="121900" rIns="121900" bIns="121900" anchor="t" anchorCtr="0">
+            <a:noAutofit/>
+          </a:bodyPr>
+          <a:lstStyle>
+            <a:lvl1pPr marL="0" marR="0" lvl="0" indent="0" rtl="0">
+              <a:lnSpc>
+                <a:spcPct val="100000"/>
+              </a:lnSpc>
+              <a:spcBef>
+                <a:spcPts val="0"/>
+              </a:spcBef>
+              <a:spcAft>
+                <a:spcPts val="0"/>
+              </a:spcAft>
+              <a:buClr>
+                <a:schemeClr val="dk1"/>
+              </a:buClr>
+              <a:buSzPts val="2600"/>
+              <a:buFont typeface="Aldrich"/>
+              <a:buNone/>
+              <a:defRPr sz="2600"/>
+            </a:lvl1pPr>
+            <a:lvl2pPr lvl="1" rtl="0">
+              <a:lnSpc>
+                <a:spcPct val="100000"/>
+              </a:lnSpc>
+              <a:spcBef>
+                <a:spcPts val="0"/>
+              </a:spcBef>
+              <a:spcAft>
+                <a:spcPts val="0"/>
+              </a:spcAft>
+              <a:buClr>
+                <a:schemeClr val="dk1"/>
+              </a:buClr>
+              <a:buSzPts val="2600"/>
+              <a:buFont typeface="Abril Fatface"/>
+              <a:buNone/>
+              <a:defRPr sz="2600">
+                <a:solidFill>
+                  <a:schemeClr val="dk1"/>
+                </a:solidFill>
+                <a:latin typeface="Abril Fatface"/>
+                <a:ea typeface="Abril Fatface"/>
+                <a:cs typeface="Abril Fatface"/>
+                <a:sym typeface="Abril Fatface"/>
+              </a:defRPr>
+            </a:lvl2pPr>
+            <a:lvl3pPr lvl="2" rtl="0">
+              <a:lnSpc>
+                <a:spcPct val="100000"/>
+              </a:lnSpc>
+              <a:spcBef>
+                <a:spcPts val="0"/>
+              </a:spcBef>
+              <a:spcAft>
+                <a:spcPts val="0"/>
+              </a:spcAft>
+              <a:buClr>
+                <a:schemeClr val="dk1"/>
+              </a:buClr>
+              <a:buSzPts val="2600"/>
+              <a:buFont typeface="Abril Fatface"/>
+              <a:buNone/>
+              <a:defRPr sz="2600">
+                <a:solidFill>
+                  <a:schemeClr val="dk1"/>
+                </a:solidFill>
+                <a:latin typeface="Abril Fatface"/>
+                <a:ea typeface="Abril Fatface"/>
+                <a:cs typeface="Abril Fatface"/>
+                <a:sym typeface="Abril Fatface"/>
+              </a:defRPr>
+            </a:lvl3pPr>
+            <a:lvl4pPr lvl="3" rtl="0">
+              <a:lnSpc>
+                <a:spcPct val="100000"/>
+              </a:lnSpc>
+              <a:spcBef>
+                <a:spcPts val="0"/>
+              </a:spcBef>
+              <a:spcAft>
+                <a:spcPts val="0"/>
+              </a:spcAft>
+              <a:buClr>
+                <a:schemeClr val="dk1"/>
+              </a:buClr>
+              <a:buSzPts val="2600"/>
+              <a:buFont typeface="Abril Fatface"/>
+              <a:buNone/>
+              <a:defRPr sz="2600">
+                <a:solidFill>
+                  <a:schemeClr val="dk1"/>
+                </a:solidFill>
+                <a:latin typeface="Abril Fatface"/>
+                <a:ea typeface="Abril Fatface"/>
+                <a:cs typeface="Abril Fatface"/>
+                <a:sym typeface="Abril Fatface"/>
+              </a:defRPr>
+            </a:lvl4pPr>
+            <a:lvl5pPr lvl="4" rtl="0">
+              <a:lnSpc>
+                <a:spcPct val="100000"/>
+              </a:lnSpc>
+              <a:spcBef>
+                <a:spcPts val="0"/>
+              </a:spcBef>
+              <a:spcAft>
+                <a:spcPts val="0"/>
+              </a:spcAft>
+              <a:buClr>
+                <a:schemeClr val="dk1"/>
+              </a:buClr>
+              <a:buSzPts val="2600"/>
+              <a:buFont typeface="Abril Fatface"/>
+              <a:buNone/>
+              <a:defRPr sz="2600">
+                <a:solidFill>
+                  <a:schemeClr val="dk1"/>
+                </a:solidFill>
+                <a:latin typeface="Abril Fatface"/>
+                <a:ea typeface="Abril Fatface"/>
+                <a:cs typeface="Abril Fatface"/>
+                <a:sym typeface="Abril Fatface"/>
+              </a:defRPr>
+            </a:lvl5pPr>
+            <a:lvl6pPr lvl="5" rtl="0">
+              <a:lnSpc>
+                <a:spcPct val="100000"/>
+              </a:lnSpc>
+              <a:spcBef>
+                <a:spcPts val="0"/>
+              </a:spcBef>
+              <a:spcAft>
+                <a:spcPts val="0"/>
+              </a:spcAft>
+              <a:buClr>
+                <a:schemeClr val="dk1"/>
+              </a:buClr>
+              <a:buSzPts val="2600"/>
+              <a:buFont typeface="Abril Fatface"/>
+              <a:buNone/>
+              <a:defRPr sz="2600">
+                <a:solidFill>
+                  <a:schemeClr val="dk1"/>
+                </a:solidFill>
+                <a:latin typeface="Abril Fatface"/>
+                <a:ea typeface="Abril Fatface"/>
+                <a:cs typeface="Abril Fatface"/>
+                <a:sym typeface="Abril Fatface"/>
+              </a:defRPr>
+            </a:lvl6pPr>
+            <a:lvl7pPr lvl="6" rtl="0">
+              <a:lnSpc>
+                <a:spcPct val="100000"/>
+              </a:lnSpc>
+              <a:spcBef>
+                <a:spcPts val="0"/>
+              </a:spcBef>
+              <a:spcAft>
+                <a:spcPts val="0"/>
+              </a:spcAft>
+              <a:buClr>
+                <a:schemeClr val="dk1"/>
+              </a:buClr>
+              <a:buSzPts val="2600"/>
+              <a:buFont typeface="Abril Fatface"/>
+              <a:buNone/>
+              <a:defRPr sz="2600">
+                <a:solidFill>
+                  <a:schemeClr val="dk1"/>
+                </a:solidFill>
+                <a:latin typeface="Abril Fatface"/>
+                <a:ea typeface="Abril Fatface"/>
+                <a:cs typeface="Abril Fatface"/>
+                <a:sym typeface="Abril Fatface"/>
+              </a:defRPr>
+            </a:lvl7pPr>
+            <a:lvl8pPr lvl="7" rtl="0">
+              <a:lnSpc>
+                <a:spcPct val="100000"/>
+              </a:lnSpc>
+              <a:spcBef>
+                <a:spcPts val="0"/>
+              </a:spcBef>
+              <a:spcAft>
+                <a:spcPts val="0"/>
+              </a:spcAft>
+              <a:buClr>
+                <a:schemeClr val="dk1"/>
+              </a:buClr>
+              <a:buSzPts val="2600"/>
+              <a:buFont typeface="Abril Fatface"/>
+              <a:buNone/>
+              <a:defRPr sz="2600">
+                <a:solidFill>
+                  <a:schemeClr val="dk1"/>
+                </a:solidFill>
+                <a:latin typeface="Abril Fatface"/>
+                <a:ea typeface="Abril Fatface"/>
+                <a:cs typeface="Abril Fatface"/>
+                <a:sym typeface="Abril Fatface"/>
+              </a:defRPr>
+            </a:lvl8pPr>
+            <a:lvl9pPr lvl="8" rtl="0">
+              <a:lnSpc>
+                <a:spcPct val="100000"/>
+              </a:lnSpc>
+              <a:spcBef>
+                <a:spcPts val="0"/>
+              </a:spcBef>
+              <a:spcAft>
+                <a:spcPts val="0"/>
+              </a:spcAft>
+              <a:buClr>
+                <a:schemeClr val="dk1"/>
+              </a:buClr>
+              <a:buSzPts val="2600"/>
+              <a:buFont typeface="Abril Fatface"/>
+              <a:buNone/>
+              <a:defRPr sz="2600">
+                <a:solidFill>
+                  <a:schemeClr val="dk1"/>
+                </a:solidFill>
+                <a:latin typeface="Abril Fatface"/>
+                <a:ea typeface="Abril Fatface"/>
+                <a:cs typeface="Abril Fatface"/>
+                <a:sym typeface="Abril Fatface"/>
+              </a:defRPr>
+            </a:lvl9pPr>
+          </a:lstStyle>
+          <a:p>
+            <a:endParaRPr/>
+          </a:p>
+        </p:txBody>
+      </p:sp>
+    </p:spTree>
+    <p:extLst>
+      <p:ext uri="{BB962C8B-B14F-4D97-AF65-F5344CB8AC3E}">
+        <p14:creationId xmlns:p14="http://schemas.microsoft.com/office/powerpoint/2010/main" val="1070500478"/>
+      </p:ext>
+    </p:extLst>
+  </p:cSld>
+  <p:clrMapOvr>
+    <a:masterClrMapping/>
+  </p:clrMapOvr>
+</p:sldLayout>
+</file>
+
+<file path=ppt/slideLayouts/slideLayout4.xml><?xml version="1.0" encoding="utf-8"?>
 <p:sldLayout xmlns:a="http://schemas.openxmlformats.org/drawingml/2006/main" xmlns:r="http://schemas.openxmlformats.org/officeDocument/2006/relationships" xmlns:p="http://schemas.openxmlformats.org/presentationml/2006/main" matchingName="008 Three columns">
   <p:cSld name="CUSTOM_8">
     <p:spTree>
@@ -8146,7 +10504,7 @@
 </p:sldLayout>
 </file>
 
-<file path=ppt/slideLayouts/slideLayout4.xml><?xml version="1.0" encoding="utf-8"?>
+<file path=ppt/slideLayouts/slideLayout5.xml><?xml version="1.0" encoding="utf-8"?>
 <p:sldLayout xmlns:a="http://schemas.openxmlformats.org/drawingml/2006/main" xmlns:r="http://schemas.openxmlformats.org/officeDocument/2006/relationships" xmlns:p="http://schemas.openxmlformats.org/presentationml/2006/main" matchingName="017 Title and text right">
   <p:cSld name="CUSTOM_16">
     <p:spTree>
@@ -14892,8 +17250,9 @@
   <p:sldLayoutIdLst>
     <p:sldLayoutId id="2147483648" r:id="rId1"/>
     <p:sldLayoutId id="2147483651" r:id="rId2"/>
-    <p:sldLayoutId id="2147483657" r:id="rId3"/>
-    <p:sldLayoutId id="2147483665" r:id="rId4"/>
+    <p:sldLayoutId id="2147483666" r:id="rId3"/>
+    <p:sldLayoutId id="2147483657" r:id="rId4"/>
+    <p:sldLayoutId id="2147483665" r:id="rId5"/>
   </p:sldLayoutIdLst>
   <p:hf sldNum="0" hdr="0" ftr="0" dt="0"/>
   <p:txStyles>
@@ -15754,56 +18113,6 @@
       </p:grpSpPr>
       <p:sp>
         <p:nvSpPr>
-          <p:cNvPr id="393" name="Google Shape;393;p24"/>
-          <p:cNvSpPr txBox="1">
-            <a:spLocks noGrp="1"/>
-          </p:cNvSpPr>
-          <p:nvPr>
-            <p:ph type="title" idx="5"/>
-          </p:nvPr>
-        </p:nvSpPr>
-        <p:spPr>
-          <a:xfrm>
-            <a:off x="9503275" y="4180200"/>
-            <a:ext cx="2166900" cy="695700"/>
-          </a:xfrm>
-          <a:prstGeom prst="rect">
-            <a:avLst/>
-          </a:prstGeom>
-        </p:spPr>
-        <p:txBody>
-          <a:bodyPr spcFirstLastPara="1" wrap="square" lIns="121900" tIns="121900" rIns="121900" bIns="121900" anchor="t" anchorCtr="0">
-            <a:noAutofit/>
-          </a:bodyPr>
-          <a:lstStyle/>
-          <a:p>
-            <a:pPr marL="0" lvl="0" indent="0" algn="r" rtl="0">
-              <a:spcBef>
-                <a:spcPts val="0"/>
-              </a:spcBef>
-              <a:spcAft>
-                <a:spcPts val="0"/>
-              </a:spcAft>
-              <a:buNone/>
-            </a:pPr>
-            <a:r>
-              <a:rPr lang="en" dirty="0">
-                <a:solidFill>
-                  <a:schemeClr val="accent2"/>
-                </a:solidFill>
-              </a:rPr>
-              <a:t>06</a:t>
-            </a:r>
-            <a:endParaRPr dirty="0">
-              <a:solidFill>
-                <a:schemeClr val="accent2"/>
-              </a:solidFill>
-            </a:endParaRPr>
-          </a:p>
-        </p:txBody>
-      </p:sp>
-      <p:sp>
-        <p:nvSpPr>
           <p:cNvPr id="394" name="Google Shape;394;p24"/>
           <p:cNvSpPr txBox="1">
             <a:spLocks noGrp="1"/>
@@ -15813,10 +18122,6 @@
           </p:nvPr>
         </p:nvSpPr>
         <p:spPr>
-          <a:xfrm>
-            <a:off x="490775" y="523275"/>
-            <a:ext cx="11210400" cy="763500"/>
-          </a:xfrm>
           <a:prstGeom prst="rect">
             <a:avLst/>
           </a:prstGeom>
@@ -15867,10 +18172,6 @@
           </p:nvPr>
         </p:nvSpPr>
         <p:spPr>
-          <a:xfrm>
-            <a:off x="575950" y="2437574"/>
-            <a:ext cx="3294600" cy="1206300"/>
-          </a:xfrm>
           <a:prstGeom prst="rect">
             <a:avLst/>
           </a:prstGeom>
@@ -15913,10 +18214,6 @@
           </p:nvPr>
         </p:nvSpPr>
         <p:spPr>
-          <a:xfrm>
-            <a:off x="4418613" y="2437574"/>
-            <a:ext cx="3294600" cy="1206300"/>
-          </a:xfrm>
           <a:prstGeom prst="rect">
             <a:avLst/>
           </a:prstGeom>
@@ -15968,10 +18265,6 @@
           </p:nvPr>
         </p:nvSpPr>
         <p:spPr>
-          <a:xfrm>
-            <a:off x="575949" y="4783425"/>
-            <a:ext cx="3398025" cy="1206300"/>
-          </a:xfrm>
           <a:prstGeom prst="rect">
             <a:avLst/>
           </a:prstGeom>
@@ -16010,65 +18303,18 @@
       </p:sp>
       <p:sp>
         <p:nvSpPr>
-          <p:cNvPr id="398" name="Google Shape;398;p24"/>
-          <p:cNvSpPr txBox="1">
-            <a:spLocks noGrp="1"/>
-          </p:cNvSpPr>
-          <p:nvPr>
-            <p:ph type="body" idx="4"/>
-          </p:nvPr>
-        </p:nvSpPr>
-        <p:spPr>
-          <a:xfrm>
-            <a:off x="4418613" y="4783425"/>
-            <a:ext cx="3294600" cy="1206300"/>
-          </a:xfrm>
-          <a:prstGeom prst="rect">
-            <a:avLst/>
-          </a:prstGeom>
-        </p:spPr>
-        <p:txBody>
-          <a:bodyPr spcFirstLastPara="1" wrap="square" lIns="121900" tIns="121900" rIns="121900" bIns="121900" anchor="ctr" anchorCtr="0">
-            <a:noAutofit/>
-          </a:bodyPr>
-          <a:lstStyle/>
-          <a:p>
-            <a:pPr marL="0" indent="0">
-              <a:spcAft>
-                <a:spcPts val="2100"/>
-              </a:spcAft>
-              <a:buNone/>
-            </a:pPr>
-            <a:r>
-              <a:rPr lang="en-DE" dirty="0">
-                <a:solidFill>
-                  <a:schemeClr val="accent1"/>
-                </a:solidFill>
-              </a:rPr>
-              <a:t>Speed</a:t>
-            </a:r>
-            <a:endParaRPr lang="en" dirty="0">
-              <a:solidFill>
-                <a:schemeClr val="accent1"/>
-              </a:solidFill>
-            </a:endParaRPr>
-          </a:p>
-        </p:txBody>
-      </p:sp>
-      <p:sp>
-        <p:nvSpPr>
           <p:cNvPr id="399" name="Google Shape;399;p24"/>
           <p:cNvSpPr txBox="1">
             <a:spLocks noGrp="1"/>
           </p:cNvSpPr>
           <p:nvPr>
-            <p:ph type="title" idx="5"/>
+            <p:ph type="title" idx="6"/>
           </p:nvPr>
         </p:nvSpPr>
         <p:spPr>
           <a:xfrm>
-            <a:off x="1807075" y="1818000"/>
-            <a:ext cx="2166900" cy="695700"/>
+            <a:off x="629575" y="1769827"/>
+            <a:ext cx="3294600" cy="695700"/>
           </a:xfrm>
           <a:prstGeom prst="rect">
             <a:avLst/>
@@ -16100,6 +18346,56 @@
             <a:endParaRPr dirty="0">
               <a:solidFill>
                 <a:schemeClr val="accent1"/>
+              </a:solidFill>
+            </a:endParaRPr>
+          </a:p>
+        </p:txBody>
+      </p:sp>
+      <p:sp>
+        <p:nvSpPr>
+          <p:cNvPr id="402" name="Google Shape;402;p24"/>
+          <p:cNvSpPr txBox="1">
+            <a:spLocks noGrp="1"/>
+          </p:cNvSpPr>
+          <p:nvPr>
+            <p:ph type="title" idx="7"/>
+          </p:nvPr>
+        </p:nvSpPr>
+        <p:spPr>
+          <a:xfrm>
+            <a:off x="4472238" y="1823340"/>
+            <a:ext cx="3294600" cy="695700"/>
+          </a:xfrm>
+          <a:prstGeom prst="rect">
+            <a:avLst/>
+          </a:prstGeom>
+        </p:spPr>
+        <p:txBody>
+          <a:bodyPr spcFirstLastPara="1" wrap="square" lIns="121900" tIns="121900" rIns="121900" bIns="121900" anchor="t" anchorCtr="0">
+            <a:noAutofit/>
+          </a:bodyPr>
+          <a:lstStyle/>
+          <a:p>
+            <a:pPr marL="0" lvl="0" indent="0" algn="r" rtl="0">
+              <a:spcBef>
+                <a:spcPts val="0"/>
+              </a:spcBef>
+              <a:spcAft>
+                <a:spcPts val="0"/>
+              </a:spcAft>
+              <a:buNone/>
+            </a:pPr>
+            <a:r>
+              <a:rPr lang="en" dirty="0">
+                <a:solidFill>
+                  <a:srgbClr val="AF81A6"/>
+                </a:solidFill>
+              </a:rPr>
+              <a:t>02</a:t>
+            </a:r>
+            <a:endParaRPr dirty="0">
+              <a:solidFill>
+                <a:srgbClr val="AF81A6"/>
               </a:solidFill>
             </a:endParaRPr>
           </a:p>
@@ -16116,10 +18412,6 @@
           </p:nvPr>
         </p:nvSpPr>
         <p:spPr>
-          <a:xfrm>
-            <a:off x="8299375" y="2437574"/>
-            <a:ext cx="3401800" cy="1206300"/>
-          </a:xfrm>
           <a:prstGeom prst="rect">
             <a:avLst/>
           </a:prstGeom>
@@ -16164,73 +18456,18 @@
       </p:sp>
       <p:sp>
         <p:nvSpPr>
-          <p:cNvPr id="401" name="Google Shape;401;p24"/>
+          <p:cNvPr id="403" name="Google Shape;403;p24"/>
           <p:cNvSpPr txBox="1">
             <a:spLocks noGrp="1"/>
           </p:cNvSpPr>
           <p:nvPr>
-            <p:ph type="body" idx="13"/>
+            <p:ph type="title" idx="14"/>
           </p:nvPr>
         </p:nvSpPr>
         <p:spPr>
           <a:xfrm>
-            <a:off x="8299375" y="4783425"/>
-            <a:ext cx="3294600" cy="1206300"/>
-          </a:xfrm>
-          <a:prstGeom prst="rect">
-            <a:avLst/>
-          </a:prstGeom>
-        </p:spPr>
-        <p:txBody>
-          <a:bodyPr spcFirstLastPara="1" wrap="square" lIns="121900" tIns="121900" rIns="121900" bIns="121900" anchor="ctr" anchorCtr="0">
-            <a:noAutofit/>
-          </a:bodyPr>
-          <a:lstStyle/>
-          <a:p>
-            <a:pPr marL="0" indent="0">
-              <a:spcAft>
-                <a:spcPts val="2100"/>
-              </a:spcAft>
-              <a:buNone/>
-            </a:pPr>
-            <a:r>
-              <a:rPr lang="en-DE" dirty="0">
-                <a:solidFill>
-                  <a:schemeClr val="accent1"/>
-                </a:solidFill>
-              </a:rPr>
-              <a:t>Game</a:t>
-            </a:r>
-            <a:r>
-              <a:rPr lang="en-US" dirty="0">
-                <a:solidFill>
-                  <a:schemeClr val="accent1"/>
-                </a:solidFill>
-              </a:rPr>
-              <a:t> </a:t>
-            </a:r>
-            <a:r>
-              <a:rPr lang="en-DE" dirty="0"/>
-              <a:t>Controller</a:t>
-            </a:r>
-            <a:endParaRPr lang="en-US" dirty="0"/>
-          </a:p>
-        </p:txBody>
-      </p:sp>
-      <p:sp>
-        <p:nvSpPr>
-          <p:cNvPr id="402" name="Google Shape;402;p24"/>
-          <p:cNvSpPr txBox="1">
-            <a:spLocks noGrp="1"/>
-          </p:cNvSpPr>
-          <p:nvPr>
-            <p:ph type="title" idx="5"/>
-          </p:nvPr>
-        </p:nvSpPr>
-        <p:spPr>
-          <a:xfrm>
-            <a:off x="5693275" y="1818000"/>
-            <a:ext cx="2166900" cy="695700"/>
+            <a:off x="8406575" y="1769827"/>
+            <a:ext cx="3294600" cy="695700"/>
           </a:xfrm>
           <a:prstGeom prst="rect">
             <a:avLst/>
@@ -16252,56 +18489,14 @@
               <a:buNone/>
             </a:pPr>
             <a:r>
-              <a:rPr lang="en" dirty="0"/>
-              <a:t>02</a:t>
-            </a:r>
-            <a:endParaRPr dirty="0"/>
-          </a:p>
-        </p:txBody>
-      </p:sp>
-      <p:sp>
-        <p:nvSpPr>
-          <p:cNvPr id="403" name="Google Shape;403;p24"/>
-          <p:cNvSpPr txBox="1">
-            <a:spLocks noGrp="1"/>
-          </p:cNvSpPr>
-          <p:nvPr>
-            <p:ph type="title" idx="5"/>
-          </p:nvPr>
-        </p:nvSpPr>
-        <p:spPr>
-          <a:xfrm>
-            <a:off x="9503275" y="1818000"/>
-            <a:ext cx="2166900" cy="695700"/>
-          </a:xfrm>
-          <a:prstGeom prst="rect">
-            <a:avLst/>
-          </a:prstGeom>
-        </p:spPr>
-        <p:txBody>
-          <a:bodyPr spcFirstLastPara="1" wrap="square" lIns="121900" tIns="121900" rIns="121900" bIns="121900" anchor="t" anchorCtr="0">
-            <a:noAutofit/>
-          </a:bodyPr>
-          <a:lstStyle/>
-          <a:p>
-            <a:pPr marL="0" lvl="0" indent="0" algn="r" rtl="0">
-              <a:spcBef>
-                <a:spcPts val="0"/>
-              </a:spcBef>
-              <a:spcAft>
-                <a:spcPts val="0"/>
-              </a:spcAft>
-              <a:buNone/>
-            </a:pPr>
-            <a:r>
-              <a:rPr lang="en">
+              <a:rPr lang="en" dirty="0">
                 <a:solidFill>
                   <a:schemeClr val="accent2"/>
                 </a:solidFill>
               </a:rPr>
               <a:t>03</a:t>
             </a:r>
-            <a:endParaRPr>
+            <a:endParaRPr dirty="0">
               <a:solidFill>
                 <a:schemeClr val="accent2"/>
               </a:solidFill>
@@ -16316,13 +18511,13 @@
             <a:spLocks noGrp="1"/>
           </p:cNvSpPr>
           <p:nvPr>
-            <p:ph type="title" idx="5"/>
+            <p:ph type="title" idx="4294967295"/>
           </p:nvPr>
         </p:nvSpPr>
         <p:spPr>
           <a:xfrm>
-            <a:off x="1807075" y="4180200"/>
-            <a:ext cx="2166900" cy="695700"/>
+            <a:off x="1757237" y="4197141"/>
+            <a:ext cx="2166938" cy="695325"/>
           </a:xfrm>
           <a:prstGeom prst="rect">
             <a:avLst/>
@@ -16344,60 +18539,18 @@
               <a:buNone/>
             </a:pPr>
             <a:r>
-              <a:rPr lang="en" dirty="0">
+              <a:rPr lang="en" sz="2600" dirty="0">
                 <a:solidFill>
                   <a:schemeClr val="accent1"/>
                 </a:solidFill>
               </a:rPr>
               <a:t>04</a:t>
             </a:r>
-            <a:endParaRPr dirty="0">
+            <a:endParaRPr sz="2600" dirty="0">
               <a:solidFill>
                 <a:schemeClr val="accent1"/>
               </a:solidFill>
             </a:endParaRPr>
-          </a:p>
-        </p:txBody>
-      </p:sp>
-      <p:sp>
-        <p:nvSpPr>
-          <p:cNvPr id="405" name="Google Shape;405;p24"/>
-          <p:cNvSpPr txBox="1">
-            <a:spLocks noGrp="1"/>
-          </p:cNvSpPr>
-          <p:nvPr>
-            <p:ph type="title" idx="5"/>
-          </p:nvPr>
-        </p:nvSpPr>
-        <p:spPr>
-          <a:xfrm>
-            <a:off x="5693275" y="4180200"/>
-            <a:ext cx="2166900" cy="695700"/>
-          </a:xfrm>
-          <a:prstGeom prst="rect">
-            <a:avLst/>
-          </a:prstGeom>
-        </p:spPr>
-        <p:txBody>
-          <a:bodyPr spcFirstLastPara="1" wrap="square" lIns="121900" tIns="121900" rIns="121900" bIns="121900" anchor="t" anchorCtr="0">
-            <a:noAutofit/>
-          </a:bodyPr>
-          <a:lstStyle/>
-          <a:p>
-            <a:pPr marL="0" lvl="0" indent="0" algn="r" rtl="0">
-              <a:spcBef>
-                <a:spcPts val="0"/>
-              </a:spcBef>
-              <a:spcAft>
-                <a:spcPts val="0"/>
-              </a:spcAft>
-              <a:buNone/>
-            </a:pPr>
-            <a:r>
-              <a:rPr lang="en" dirty="0"/>
-              <a:t>05</a:t>
-            </a:r>
-            <a:endParaRPr dirty="0"/>
           </a:p>
         </p:txBody>
       </p:sp>
@@ -21090,474 +23243,6 @@
   <p:cSld>
     <p:spTree>
       <p:nvGrpSpPr>
-        <p:cNvPr id="1" name="Shape 439"/>
-        <p:cNvGrpSpPr/>
-        <p:nvPr/>
-      </p:nvGrpSpPr>
-      <p:grpSpPr>
-        <a:xfrm>
-          <a:off x="0" y="0"/>
-          <a:ext cx="0" cy="0"/>
-          <a:chOff x="0" y="0"/>
-          <a:chExt cx="0" cy="0"/>
-        </a:xfrm>
-      </p:grpSpPr>
-      <p:sp>
-        <p:nvSpPr>
-          <p:cNvPr id="440" name="Google Shape;440;p29"/>
-          <p:cNvSpPr txBox="1">
-            <a:spLocks noGrp="1"/>
-          </p:cNvSpPr>
-          <p:nvPr>
-            <p:ph type="title"/>
-          </p:nvPr>
-        </p:nvSpPr>
-        <p:spPr>
-          <a:xfrm>
-            <a:off x="684150" y="358863"/>
-            <a:ext cx="10672108" cy="763500"/>
-          </a:xfrm>
-          <a:prstGeom prst="rect">
-            <a:avLst/>
-          </a:prstGeom>
-        </p:spPr>
-        <p:txBody>
-          <a:bodyPr spcFirstLastPara="1" wrap="square" lIns="121900" tIns="121900" rIns="121900" bIns="121900" anchor="t" anchorCtr="0">
-            <a:noAutofit/>
-          </a:bodyPr>
-          <a:lstStyle/>
-          <a:p>
-            <a:pPr marL="0" lvl="0" indent="0" algn="l" rtl="0">
-              <a:spcBef>
-                <a:spcPts val="0"/>
-              </a:spcBef>
-              <a:spcAft>
-                <a:spcPts val="0"/>
-              </a:spcAft>
-              <a:buNone/>
-            </a:pPr>
-            <a:r>
-              <a:rPr lang="en-US" dirty="0"/>
-              <a:t>CHALLENGE </a:t>
-            </a:r>
-            <a:r>
-              <a:rPr lang="en" sz="6000" dirty="0">
-                <a:solidFill>
-                  <a:schemeClr val="accent2"/>
-                </a:solidFill>
-              </a:rPr>
-              <a:t>SPEED</a:t>
-            </a:r>
-            <a:endParaRPr sz="6000" dirty="0">
-              <a:solidFill>
-                <a:schemeClr val="accent2"/>
-              </a:solidFill>
-            </a:endParaRPr>
-          </a:p>
-        </p:txBody>
-      </p:sp>
-      <p:sp>
-        <p:nvSpPr>
-          <p:cNvPr id="441" name="Google Shape;441;p29"/>
-          <p:cNvSpPr txBox="1">
-            <a:spLocks noGrp="1"/>
-          </p:cNvSpPr>
-          <p:nvPr>
-            <p:ph type="subTitle" idx="1"/>
-          </p:nvPr>
-        </p:nvSpPr>
-        <p:spPr>
-          <a:xfrm>
-            <a:off x="1217558" y="1800269"/>
-            <a:ext cx="9755100" cy="606900"/>
-          </a:xfrm>
-          <a:prstGeom prst="rect">
-            <a:avLst/>
-          </a:prstGeom>
-        </p:spPr>
-        <p:txBody>
-          <a:bodyPr spcFirstLastPara="1" wrap="square" lIns="121900" tIns="121900" rIns="121900" bIns="121900" anchor="t" anchorCtr="0">
-            <a:noAutofit/>
-          </a:bodyPr>
-          <a:lstStyle/>
-          <a:p>
-            <a:pPr marL="0" lvl="0" indent="0" algn="l" rtl="0">
-              <a:spcBef>
-                <a:spcPts val="0"/>
-              </a:spcBef>
-              <a:spcAft>
-                <a:spcPts val="2100"/>
-              </a:spcAft>
-              <a:buNone/>
-            </a:pPr>
-            <a:r>
-              <a:rPr lang="en" dirty="0">
-                <a:solidFill>
-                  <a:schemeClr val="accent3"/>
-                </a:solidFill>
-              </a:rPr>
-              <a:t>UPDATE SPEED(c8)</a:t>
-            </a:r>
-            <a:endParaRPr dirty="0"/>
-          </a:p>
-        </p:txBody>
-      </p:sp>
-      <p:sp>
-        <p:nvSpPr>
-          <p:cNvPr id="4" name="Text Placeholder 3">
-            <a:extLst>
-              <a:ext uri="{FF2B5EF4-FFF2-40B4-BE49-F238E27FC236}">
-                <a16:creationId xmlns:a16="http://schemas.microsoft.com/office/drawing/2014/main" id="{71064820-2700-85EE-131A-51CE2DE86E8E}"/>
-              </a:ext>
-            </a:extLst>
-          </p:cNvPr>
-          <p:cNvSpPr>
-            <a:spLocks noGrp="1"/>
-          </p:cNvSpPr>
-          <p:nvPr>
-            <p:ph type="body" idx="4"/>
-          </p:nvPr>
-        </p:nvSpPr>
-        <p:spPr>
-          <a:xfrm>
-            <a:off x="1217550" y="2238218"/>
-            <a:ext cx="9755100" cy="2350874"/>
-          </a:xfrm>
-        </p:spPr>
-        <p:txBody>
-          <a:bodyPr/>
-          <a:lstStyle/>
-          <a:p>
-            <a:pPr marL="139700" indent="0">
-              <a:buNone/>
-            </a:pPr>
-            <a:r>
-              <a:rPr lang="de-DE" dirty="0"/>
-              <a:t>Die Geschwindigkeit der Schlange soll jedes Mal angepasst werden</a:t>
-            </a:r>
-            <a:r>
-              <a:rPr lang="en-DE" dirty="0"/>
-              <a:t>, </a:t>
-            </a:r>
-            <a:r>
-              <a:rPr lang="de-DE" dirty="0"/>
-              <a:t>wenn ein Apfel eingesammelt wird.</a:t>
-            </a:r>
-          </a:p>
-          <a:p>
-            <a:pPr marL="139700" indent="0">
-              <a:buNone/>
-            </a:pPr>
-            <a:endParaRPr lang="de-DE" dirty="0"/>
-          </a:p>
-          <a:p>
-            <a:pPr marL="139700" indent="0">
-              <a:buNone/>
-            </a:pPr>
-            <a:r>
-              <a:rPr lang="de-DE" dirty="0"/>
-              <a:t>Füge dafür die notwendige Funktion der Snake Klasse hinzu.</a:t>
-            </a:r>
-          </a:p>
-        </p:txBody>
-      </p:sp>
-    </p:spTree>
-    <p:extLst>
-      <p:ext uri="{BB962C8B-B14F-4D97-AF65-F5344CB8AC3E}">
-        <p14:creationId xmlns:p14="http://schemas.microsoft.com/office/powerpoint/2010/main" val="1468181330"/>
-      </p:ext>
-    </p:extLst>
-  </p:cSld>
-  <p:clrMapOvr>
-    <a:masterClrMapping/>
-  </p:clrMapOvr>
-  <p:transition>
-    <p:fade/>
-  </p:transition>
-</p:sld>
-</file>
-
-<file path=ppt/slides/slide8.xml><?xml version="1.0" encoding="utf-8"?>
-<p:sld xmlns:a="http://schemas.openxmlformats.org/drawingml/2006/main" xmlns:r="http://schemas.openxmlformats.org/officeDocument/2006/relationships" xmlns:p="http://schemas.openxmlformats.org/presentationml/2006/main">
-  <p:cSld>
-    <p:spTree>
-      <p:nvGrpSpPr>
-        <p:cNvPr id="1" name="Shape 439"/>
-        <p:cNvGrpSpPr/>
-        <p:nvPr/>
-      </p:nvGrpSpPr>
-      <p:grpSpPr>
-        <a:xfrm>
-          <a:off x="0" y="0"/>
-          <a:ext cx="0" cy="0"/>
-          <a:chOff x="0" y="0"/>
-          <a:chExt cx="0" cy="0"/>
-        </a:xfrm>
-      </p:grpSpPr>
-      <p:sp>
-        <p:nvSpPr>
-          <p:cNvPr id="440" name="Google Shape;440;p29"/>
-          <p:cNvSpPr txBox="1">
-            <a:spLocks noGrp="1"/>
-          </p:cNvSpPr>
-          <p:nvPr>
-            <p:ph type="title"/>
-          </p:nvPr>
-        </p:nvSpPr>
-        <p:spPr>
-          <a:xfrm>
-            <a:off x="684150" y="358863"/>
-            <a:ext cx="10672108" cy="763500"/>
-          </a:xfrm>
-          <a:prstGeom prst="rect">
-            <a:avLst/>
-          </a:prstGeom>
-        </p:spPr>
-        <p:txBody>
-          <a:bodyPr spcFirstLastPara="1" wrap="square" lIns="121900" tIns="121900" rIns="121900" bIns="121900" anchor="t" anchorCtr="0">
-            <a:noAutofit/>
-          </a:bodyPr>
-          <a:lstStyle/>
-          <a:p>
-            <a:pPr marL="0" lvl="0" indent="0" algn="l" rtl="0">
-              <a:spcBef>
-                <a:spcPts val="0"/>
-              </a:spcBef>
-              <a:spcAft>
-                <a:spcPts val="0"/>
-              </a:spcAft>
-              <a:buNone/>
-            </a:pPr>
-            <a:r>
-              <a:rPr lang="en-US" dirty="0"/>
-              <a:t>CHALLENGE </a:t>
-            </a:r>
-            <a:r>
-              <a:rPr lang="en" sz="6000" dirty="0">
-                <a:solidFill>
-                  <a:schemeClr val="accent2"/>
-                </a:solidFill>
-              </a:rPr>
-              <a:t>GAME CONTROLER</a:t>
-            </a:r>
-            <a:endParaRPr sz="6000" dirty="0">
-              <a:solidFill>
-                <a:schemeClr val="accent2"/>
-              </a:solidFill>
-            </a:endParaRPr>
-          </a:p>
-        </p:txBody>
-      </p:sp>
-      <p:sp>
-        <p:nvSpPr>
-          <p:cNvPr id="441" name="Google Shape;441;p29"/>
-          <p:cNvSpPr txBox="1">
-            <a:spLocks noGrp="1"/>
-          </p:cNvSpPr>
-          <p:nvPr>
-            <p:ph type="subTitle" idx="1"/>
-          </p:nvPr>
-        </p:nvSpPr>
-        <p:spPr>
-          <a:xfrm>
-            <a:off x="1217558" y="1800269"/>
-            <a:ext cx="9755100" cy="606900"/>
-          </a:xfrm>
-          <a:prstGeom prst="rect">
-            <a:avLst/>
-          </a:prstGeom>
-        </p:spPr>
-        <p:txBody>
-          <a:bodyPr spcFirstLastPara="1" wrap="square" lIns="121900" tIns="121900" rIns="121900" bIns="121900" anchor="t" anchorCtr="0">
-            <a:noAutofit/>
-          </a:bodyPr>
-          <a:lstStyle/>
-          <a:p>
-            <a:pPr marL="0" lvl="0" indent="0" algn="l" rtl="0">
-              <a:spcBef>
-                <a:spcPts val="0"/>
-              </a:spcBef>
-              <a:spcAft>
-                <a:spcPts val="2100"/>
-              </a:spcAft>
-              <a:buNone/>
-            </a:pPr>
-            <a:r>
-              <a:rPr lang="en" dirty="0">
-                <a:solidFill>
-                  <a:schemeClr val="accent3"/>
-                </a:solidFill>
-              </a:rPr>
-              <a:t>GAME CONTROLER(c9)</a:t>
-            </a:r>
-            <a:endParaRPr dirty="0"/>
-          </a:p>
-        </p:txBody>
-      </p:sp>
-      <p:sp>
-        <p:nvSpPr>
-          <p:cNvPr id="4" name="Text Placeholder 3">
-            <a:extLst>
-              <a:ext uri="{FF2B5EF4-FFF2-40B4-BE49-F238E27FC236}">
-                <a16:creationId xmlns:a16="http://schemas.microsoft.com/office/drawing/2014/main" id="{71064820-2700-85EE-131A-51CE2DE86E8E}"/>
-              </a:ext>
-            </a:extLst>
-          </p:cNvPr>
-          <p:cNvSpPr>
-            <a:spLocks noGrp="1"/>
-          </p:cNvSpPr>
-          <p:nvPr>
-            <p:ph type="body" idx="4"/>
-          </p:nvPr>
-        </p:nvSpPr>
-        <p:spPr>
-          <a:xfrm>
-            <a:off x="1217550" y="2238218"/>
-            <a:ext cx="9755100" cy="2350874"/>
-          </a:xfrm>
-        </p:spPr>
-        <p:txBody>
-          <a:bodyPr/>
-          <a:lstStyle/>
-          <a:p>
-            <a:pPr marL="139700" indent="0">
-              <a:buNone/>
-            </a:pPr>
-            <a:r>
-              <a:rPr lang="de-DE" dirty="0"/>
-              <a:t>Die ganzen tollen Funktionen sollen nun alle zusammengeführt werden.</a:t>
-            </a:r>
-          </a:p>
-          <a:p>
-            <a:pPr marL="139700" indent="0">
-              <a:buNone/>
-            </a:pPr>
-            <a:endParaRPr lang="de-DE" dirty="0"/>
-          </a:p>
-          <a:p>
-            <a:pPr marL="139700" indent="0">
-              <a:buNone/>
-            </a:pPr>
-            <a:r>
-              <a:rPr lang="de-DE" dirty="0"/>
-              <a:t>Schreibe code für einen Game Controller, er soll dafür sorgen dass sich die Schlange beweget und sobald Nahrung eingesammelt wird die Schlange länger wird, sich die Geschwindigkeit anpasst und die Nahrung neu platziert wird.</a:t>
-            </a:r>
-            <a:endParaRPr lang="en-DE" dirty="0"/>
-          </a:p>
-          <a:p>
-            <a:pPr marL="139700" indent="0">
-              <a:buNone/>
-            </a:pPr>
-            <a:endParaRPr lang="en-DE" dirty="0"/>
-          </a:p>
-          <a:p>
-            <a:pPr marL="139700" indent="0">
-              <a:buNone/>
-            </a:pPr>
-            <a:r>
-              <a:rPr lang="en-DE" dirty="0" err="1"/>
-              <a:t>Zeichne</a:t>
-            </a:r>
-            <a:r>
-              <a:rPr lang="en-DE" dirty="0"/>
-              <a:t> </a:t>
-            </a:r>
-            <a:r>
-              <a:rPr lang="en-DE" dirty="0" err="1"/>
-              <a:t>innerhalb</a:t>
-            </a:r>
-            <a:r>
-              <a:rPr lang="en-DE" dirty="0"/>
-              <a:t> des Fensters </a:t>
-            </a:r>
-            <a:r>
-              <a:rPr lang="en-DE" dirty="0" err="1"/>
-              <a:t>ein</a:t>
-            </a:r>
-            <a:r>
-              <a:rPr lang="en-DE" dirty="0"/>
-              <a:t> </a:t>
-            </a:r>
-            <a:r>
-              <a:rPr lang="en-DE" dirty="0" err="1"/>
-              <a:t>Rahmen</a:t>
-            </a:r>
-            <a:r>
-              <a:rPr lang="en-DE" dirty="0"/>
-              <a:t>, der das </a:t>
-            </a:r>
-            <a:r>
-              <a:rPr lang="en-DE" dirty="0" err="1"/>
-              <a:t>Spielfeld</a:t>
-            </a:r>
-            <a:r>
-              <a:rPr lang="en-DE" dirty="0"/>
-              <a:t> </a:t>
-            </a:r>
-            <a:r>
-              <a:rPr lang="en-DE" dirty="0" err="1"/>
-              <a:t>deutlicher</a:t>
-            </a:r>
-            <a:r>
-              <a:rPr lang="en-DE" dirty="0"/>
-              <a:t> </a:t>
-            </a:r>
-            <a:r>
-              <a:rPr lang="en-DE" dirty="0" err="1"/>
-              <a:t>abgrenzen</a:t>
-            </a:r>
-            <a:r>
-              <a:rPr lang="en-DE" dirty="0"/>
-              <a:t> </a:t>
-            </a:r>
-            <a:r>
-              <a:rPr lang="en-DE" dirty="0" err="1"/>
-              <a:t>soll</a:t>
-            </a:r>
-            <a:r>
-              <a:rPr lang="en-DE" dirty="0"/>
-              <a:t>. </a:t>
-            </a:r>
-            <a:endParaRPr lang="de-DE" dirty="0"/>
-          </a:p>
-          <a:p>
-            <a:pPr marL="139700" indent="0">
-              <a:buNone/>
-            </a:pPr>
-            <a:endParaRPr lang="de-DE" dirty="0"/>
-          </a:p>
-          <a:p>
-            <a:pPr marL="139700" indent="0">
-              <a:buNone/>
-            </a:pPr>
-            <a:r>
-              <a:rPr lang="de-DE" dirty="0"/>
-              <a:t>Wenn die Schlange mit sich oder der Border kollidiert soll das Spiel zurück gesetzt werden.</a:t>
-            </a:r>
-          </a:p>
-        </p:txBody>
-      </p:sp>
-    </p:spTree>
-    <p:extLst>
-      <p:ext uri="{BB962C8B-B14F-4D97-AF65-F5344CB8AC3E}">
-        <p14:creationId xmlns:p14="http://schemas.microsoft.com/office/powerpoint/2010/main" val="1309005159"/>
-      </p:ext>
-    </p:extLst>
-  </p:cSld>
-  <p:clrMapOvr>
-    <a:masterClrMapping/>
-  </p:clrMapOvr>
-  <p:transition>
-    <p:fade/>
-  </p:transition>
-</p:sld>
-</file>
-
-<file path=ppt/slides/slide9.xml><?xml version="1.0" encoding="utf-8"?>
-<p:sld xmlns:a="http://schemas.openxmlformats.org/drawingml/2006/main" xmlns:r="http://schemas.openxmlformats.org/officeDocument/2006/relationships" xmlns:p="http://schemas.openxmlformats.org/presentationml/2006/main">
-  <p:cSld>
-    <p:spTree>
-      <p:nvGrpSpPr>
         <p:cNvPr id="1" name="Shape 865"/>
         <p:cNvGrpSpPr/>
         <p:nvPr/>
